--- a/Fire/Proposal_on_Fire_Preparedness.pptx
+++ b/Fire/Proposal_on_Fire_Preparedness.pptx
@@ -980,7 +980,10 @@
         <a:lstStyle/>
         <a:p>
           <a:r>
-            <a:rPr lang="en-US" dirty="0"/>
+            <a:rPr lang="en-US" dirty="0">
+              <a:latin typeface="Times New Roman" panose="02020603050405020304" pitchFamily="18" charset="0"/>
+              <a:cs typeface="Times New Roman" panose="02020603050405020304" pitchFamily="18" charset="0"/>
+            </a:rPr>
             <a:t>Project Goal</a:t>
           </a:r>
         </a:p>
@@ -1015,14 +1018,15 @@
         <a:bodyPr/>
         <a:lstStyle/>
         <a:p>
+          <a:pPr algn="just"/>
           <a:r>
-            <a:rPr lang="en-GB" sz="1600" b="0" dirty="0">
+            <a:rPr lang="en-GB" sz="1400" b="0" u="none" dirty="0">
               <a:latin typeface="Times New Roman" panose="02020603050405020304" pitchFamily="18" charset="0"/>
               <a:cs typeface="Times New Roman" panose="02020603050405020304" pitchFamily="18" charset="0"/>
             </a:rPr>
             <a:t>One Stop Solution for Integrated Safety Management (ISM) For Housing Societies, Govt. Offices, Commercial Edifices and Corporate Premises.</a:t>
           </a:r>
-          <a:endParaRPr lang="en-US" sz="1600" b="0" dirty="0">
+          <a:endParaRPr lang="en-US" sz="1400" b="0" u="none" dirty="0">
             <a:latin typeface="Times New Roman" panose="02020603050405020304" pitchFamily="18" charset="0"/>
             <a:cs typeface="Times New Roman" panose="02020603050405020304" pitchFamily="18" charset="0"/>
           </a:endParaRPr>
@@ -1059,7 +1063,10 @@
         <a:lstStyle/>
         <a:p>
           <a:r>
-            <a:rPr lang="en-US" dirty="0"/>
+            <a:rPr lang="en-US" b="1" dirty="0">
+              <a:latin typeface="Times New Roman" panose="02020603050405020304" pitchFamily="18" charset="0"/>
+              <a:cs typeface="Times New Roman" panose="02020603050405020304" pitchFamily="18" charset="0"/>
+            </a:rPr>
             <a:t>Objectives</a:t>
           </a:r>
         </a:p>
@@ -1094,11 +1101,18 @@
         <a:bodyPr/>
         <a:lstStyle/>
         <a:p>
+          <a:pPr algn="just"/>
           <a:r>
-            <a:rPr lang="en-GB" sz="1400" dirty="0"/>
+            <a:rPr lang="en-GB" sz="1400" dirty="0">
+              <a:latin typeface="Times New Roman" panose="02020603050405020304" pitchFamily="18" charset="0"/>
+              <a:cs typeface="Times New Roman" panose="02020603050405020304" pitchFamily="18" charset="0"/>
+            </a:rPr>
             <a:t>Ensuring the fire safety for Housing societies, Govt. Offices, Commercial Edifices and Corporate Premises for saving lives and cut losses</a:t>
           </a:r>
-          <a:endParaRPr lang="en-US" sz="1400" dirty="0"/>
+          <a:endParaRPr lang="en-US" sz="1400" dirty="0">
+            <a:latin typeface="Times New Roman" panose="02020603050405020304" pitchFamily="18" charset="0"/>
+            <a:cs typeface="Times New Roman" panose="02020603050405020304" pitchFamily="18" charset="0"/>
+          </a:endParaRPr>
         </a:p>
       </dgm:t>
     </dgm:pt>
@@ -1132,7 +1146,10 @@
         <a:lstStyle/>
         <a:p>
           <a:r>
-            <a:rPr lang="en-US" dirty="0"/>
+            <a:rPr lang="en-US" dirty="0">
+              <a:latin typeface="Times New Roman" panose="02020603050405020304" pitchFamily="18" charset="0"/>
+              <a:cs typeface="Times New Roman" panose="02020603050405020304" pitchFamily="18" charset="0"/>
+            </a:rPr>
             <a:t>Beneficiaries </a:t>
           </a:r>
         </a:p>
@@ -1161,14 +1178,17 @@
       </dgm:t>
     </dgm:pt>
     <dgm:pt modelId="{D3FD29C7-4829-4CD7-B886-0489B666BB3D}">
-      <dgm:prSet phldrT="[Text]"/>
+      <dgm:prSet phldrT="[Text]" custT="1"/>
       <dgm:spPr/>
       <dgm:t>
         <a:bodyPr/>
         <a:lstStyle/>
         <a:p>
           <a:r>
-            <a:rPr lang="en-US" dirty="0"/>
+            <a:rPr lang="en-US" sz="1400" dirty="0">
+              <a:latin typeface="Times New Roman" panose="02020603050405020304" pitchFamily="18" charset="0"/>
+              <a:cs typeface="Times New Roman" panose="02020603050405020304" pitchFamily="18" charset="0"/>
+            </a:rPr>
             <a:t>Govt. Offices</a:t>
           </a:r>
         </a:p>
@@ -1197,16 +1217,23 @@
       </dgm:t>
     </dgm:pt>
     <dgm:pt modelId="{097B71C3-E119-4864-84B9-61ED55DE11DD}">
-      <dgm:prSet phldrT="[Text]"/>
+      <dgm:prSet phldrT="[Text]" custT="1"/>
       <dgm:spPr/>
       <dgm:t>
         <a:bodyPr/>
         <a:lstStyle/>
         <a:p>
           <a:r>
-            <a:rPr lang="en-US" dirty="0"/>
+            <a:rPr lang="en-US" sz="1400" dirty="0">
+              <a:latin typeface="Times New Roman" panose="02020603050405020304" pitchFamily="18" charset="0"/>
+              <a:cs typeface="Times New Roman" panose="02020603050405020304" pitchFamily="18" charset="0"/>
+            </a:rPr>
             <a:t>Corporate Buildings</a:t>
           </a:r>
+          <a:endParaRPr lang="en-US" sz="1200" dirty="0">
+            <a:latin typeface="Times New Roman" panose="02020603050405020304" pitchFamily="18" charset="0"/>
+            <a:cs typeface="Times New Roman" panose="02020603050405020304" pitchFamily="18" charset="0"/>
+          </a:endParaRPr>
         </a:p>
       </dgm:t>
     </dgm:pt>
@@ -1239,11 +1266,18 @@
         <a:bodyPr/>
         <a:lstStyle/>
         <a:p>
+          <a:pPr algn="just"/>
           <a:r>
-            <a:rPr lang="en-GB" sz="1400" dirty="0"/>
+            <a:rPr lang="en-GB" sz="1400" dirty="0">
+              <a:latin typeface="Times New Roman" panose="02020603050405020304" pitchFamily="18" charset="0"/>
+              <a:cs typeface="Times New Roman" panose="02020603050405020304" pitchFamily="18" charset="0"/>
+            </a:rPr>
             <a:t>Through inspection and implementations, safeguarding long term sustainability for corporate business and Govt. workstations</a:t>
           </a:r>
-          <a:endParaRPr lang="en-US" sz="1400" dirty="0"/>
+          <a:endParaRPr lang="en-US" sz="1400" dirty="0">
+            <a:latin typeface="Times New Roman" panose="02020603050405020304" pitchFamily="18" charset="0"/>
+            <a:cs typeface="Times New Roman" panose="02020603050405020304" pitchFamily="18" charset="0"/>
+          </a:endParaRPr>
         </a:p>
       </dgm:t>
     </dgm:pt>
@@ -1276,15 +1310,18 @@
         <a:bodyPr/>
         <a:lstStyle/>
         <a:p>
+          <a:pPr algn="just"/>
           <a:r>
-            <a:rPr lang="en-GB" sz="1400" dirty="0"/>
-            <a:t>Minimization the loss by maximization the awareness among all level of stakeholders in commercial and operational sectors</a:t>
+            <a:rPr lang="en-GB" sz="1400" dirty="0">
+              <a:latin typeface="Times New Roman" panose="02020603050405020304" pitchFamily="18" charset="0"/>
+              <a:cs typeface="Times New Roman" panose="02020603050405020304" pitchFamily="18" charset="0"/>
+            </a:rPr>
+            <a:t>Minimization the loss by maximization the awareness among all level of stakeholders in commercial and operational sectors.</a:t>
           </a:r>
-          <a:r>
-            <a:rPr lang="en-GB" sz="1200" dirty="0"/>
-            <a:t>.</a:t>
-          </a:r>
-          <a:endParaRPr lang="en-US" sz="1200" dirty="0"/>
+          <a:endParaRPr lang="en-US" sz="1400" dirty="0">
+            <a:latin typeface="Times New Roman" panose="02020603050405020304" pitchFamily="18" charset="0"/>
+            <a:cs typeface="Times New Roman" panose="02020603050405020304" pitchFamily="18" charset="0"/>
+          </a:endParaRPr>
         </a:p>
       </dgm:t>
     </dgm:pt>
@@ -1311,17 +1348,23 @@
       </dgm:t>
     </dgm:pt>
     <dgm:pt modelId="{C0CEAC29-6D53-4015-972C-149A19906174}">
-      <dgm:prSet phldrT="[Text]"/>
+      <dgm:prSet phldrT="[Text]" custT="1"/>
       <dgm:spPr/>
       <dgm:t>
         <a:bodyPr/>
         <a:lstStyle/>
         <a:p>
           <a:r>
-            <a:rPr lang="en-GB" b="0" dirty="0"/>
+            <a:rPr lang="en-GB" sz="1400" b="0" dirty="0">
+              <a:latin typeface="Times New Roman" panose="02020603050405020304" pitchFamily="18" charset="0"/>
+              <a:cs typeface="Times New Roman" panose="02020603050405020304" pitchFamily="18" charset="0"/>
+            </a:rPr>
             <a:t>Commercial Edifices </a:t>
           </a:r>
-          <a:endParaRPr lang="en-US" b="0" dirty="0"/>
+          <a:endParaRPr lang="en-US" sz="1400" b="0" dirty="0">
+            <a:latin typeface="Times New Roman" panose="02020603050405020304" pitchFamily="18" charset="0"/>
+            <a:cs typeface="Times New Roman" panose="02020603050405020304" pitchFamily="18" charset="0"/>
+          </a:endParaRPr>
         </a:p>
       </dgm:t>
     </dgm:pt>
@@ -1354,26 +1397,13 @@
         <a:bodyPr/>
         <a:lstStyle/>
         <a:p>
+          <a:pPr algn="just"/>
           <a:r>
-            <a:rPr lang="en-US" sz="1600" b="0" dirty="0">
+            <a:rPr lang="en-US" sz="1400" b="0" u="none" dirty="0">
               <a:latin typeface="Times New Roman" panose="02020603050405020304" pitchFamily="18" charset="0"/>
               <a:cs typeface="Times New Roman" panose="02020603050405020304" pitchFamily="18" charset="0"/>
             </a:rPr>
-            <a:t>Create trained safety fighter and public awareness for reducing fire incidents</a:t>
-          </a:r>
-          <a:r>
-            <a:rPr lang="en-US" sz="1600" b="0">
-              <a:latin typeface="Times New Roman" panose="02020603050405020304" pitchFamily="18" charset="0"/>
-              <a:cs typeface="Times New Roman" panose="02020603050405020304" pitchFamily="18" charset="0"/>
-            </a:rPr>
-            <a:t>, road </a:t>
-          </a:r>
-          <a:r>
-            <a:rPr lang="en-US" sz="1600" b="0" dirty="0">
-              <a:latin typeface="Times New Roman" panose="02020603050405020304" pitchFamily="18" charset="0"/>
-              <a:cs typeface="Times New Roman" panose="02020603050405020304" pitchFamily="18" charset="0"/>
-            </a:rPr>
-            <a:t>accident and  safety casualties in Bangladesh.</a:t>
+            <a:t>Create trained safety fighter and public awareness for reducing fire incidents, road accident and  safety casualties in Bangladesh.</a:t>
           </a:r>
         </a:p>
       </dgm:t>
@@ -1407,8 +1437,12 @@
         <a:bodyPr/>
         <a:lstStyle/>
         <a:p>
+          <a:pPr algn="just"/>
           <a:r>
-            <a:rPr lang="en-US" sz="1400" dirty="0"/>
+            <a:rPr lang="en-US" sz="1400" dirty="0">
+              <a:latin typeface="Times New Roman" panose="02020603050405020304" pitchFamily="18" charset="0"/>
+              <a:cs typeface="Times New Roman" panose="02020603050405020304" pitchFamily="18" charset="0"/>
+            </a:rPr>
             <a:t>Training for general house keeper, students, society members, house holders and other stakeholders</a:t>
           </a:r>
         </a:p>
@@ -1443,15 +1477,14 @@
         <a:bodyPr/>
         <a:lstStyle/>
         <a:p>
+          <a:pPr algn="just"/>
           <a:r>
-            <a:rPr lang="en-US" sz="1200" dirty="0"/>
-            <a:t> </a:t>
+            <a:rPr lang="en-US" sz="1400" dirty="0">
+              <a:latin typeface="Times New Roman" panose="02020603050405020304" pitchFamily="18" charset="0"/>
+              <a:cs typeface="Times New Roman" panose="02020603050405020304" pitchFamily="18" charset="0"/>
+            </a:rPr>
+            <a:t> Creating awareness among al level of stakeholders.</a:t>
           </a:r>
-          <a:r>
-            <a:rPr lang="en-US" sz="1400" dirty="0"/>
-            <a:t>Creating awareness among al level of stakeholders. </a:t>
-          </a:r>
-          <a:endParaRPr lang="en-US" sz="1200" dirty="0"/>
         </a:p>
       </dgm:t>
     </dgm:pt>
@@ -1478,14 +1511,17 @@
       </dgm:t>
     </dgm:pt>
     <dgm:pt modelId="{0D8940BB-4E55-4481-8F38-C18BF3EB01AA}">
-      <dgm:prSet phldrT="[Text]"/>
+      <dgm:prSet phldrT="[Text]" custT="1"/>
       <dgm:spPr/>
       <dgm:t>
         <a:bodyPr/>
         <a:lstStyle/>
         <a:p>
           <a:r>
-            <a:rPr lang="en-US" dirty="0"/>
+            <a:rPr lang="en-US" sz="1400" dirty="0">
+              <a:latin typeface="Times New Roman" panose="02020603050405020304" pitchFamily="18" charset="0"/>
+              <a:cs typeface="Times New Roman" panose="02020603050405020304" pitchFamily="18" charset="0"/>
+            </a:rPr>
             <a:t>Housing societies</a:t>
           </a:r>
         </a:p>
@@ -1562,7 +1598,7 @@
       <dgm:spPr/>
     </dgm:pt>
     <dgm:pt modelId="{286DB317-7D10-44C0-96B4-CE22C874A964}" type="pres">
-      <dgm:prSet presAssocID="{BBE48217-A6D3-42DB-BDC5-7AF49A4E9813}" presName="descendantText" presStyleLbl="alignAcc1" presStyleIdx="1" presStyleCnt="3" custScaleY="252017">
+      <dgm:prSet presAssocID="{BBE48217-A6D3-42DB-BDC5-7AF49A4E9813}" presName="descendantText" presStyleLbl="alignAcc1" presStyleIdx="1" presStyleCnt="3" custScaleY="191298">
         <dgm:presLayoutVars>
           <dgm:bulletEnabled val="1"/>
         </dgm:presLayoutVars>
@@ -1662,8 +1698,8 @@
       </dsp:nvSpPr>
       <dsp:spPr>
         <a:xfrm rot="5400000">
-          <a:off x="-178419" y="216011"/>
-          <a:ext cx="1189462" cy="832623"/>
+          <a:off x="-198045" y="241623"/>
+          <a:ext cx="1320303" cy="924212"/>
         </a:xfrm>
         <a:prstGeom prst="chevron">
           <a:avLst/>
@@ -1705,12 +1741,12 @@
         </a:fontRef>
       </dsp:style>
       <dsp:txBody>
-        <a:bodyPr spcFirstLastPara="0" vert="horz" wrap="square" lIns="7620" tIns="7620" rIns="7620" bIns="7620" numCol="1" spcCol="1270" anchor="ctr" anchorCtr="0">
+        <a:bodyPr spcFirstLastPara="0" vert="horz" wrap="square" lIns="8255" tIns="8255" rIns="8255" bIns="8255" numCol="1" spcCol="1270" anchor="ctr" anchorCtr="0">
           <a:noAutofit/>
         </a:bodyPr>
         <a:lstStyle/>
         <a:p>
-          <a:pPr marL="0" lvl="0" indent="0" algn="ctr" defTabSz="533400">
+          <a:pPr marL="0" lvl="0" indent="0" algn="ctr" defTabSz="577850">
             <a:lnSpc>
               <a:spcPct val="90000"/>
             </a:lnSpc>
@@ -1723,14 +1759,17 @@
             <a:buNone/>
           </a:pPr>
           <a:r>
-            <a:rPr lang="en-US" sz="1200" kern="1200" dirty="0"/>
+            <a:rPr lang="en-US" sz="1300" kern="1200" dirty="0">
+              <a:latin typeface="Times New Roman" panose="02020603050405020304" pitchFamily="18" charset="0"/>
+              <a:cs typeface="Times New Roman" panose="02020603050405020304" pitchFamily="18" charset="0"/>
+            </a:rPr>
             <a:t>Project Goal</a:t>
           </a:r>
         </a:p>
       </dsp:txBody>
       <dsp:txXfrm rot="-5400000">
-        <a:off x="1" y="453904"/>
-        <a:ext cx="832623" cy="356839"/>
+        <a:off x="1" y="505683"/>
+        <a:ext cx="924212" cy="396091"/>
       </dsp:txXfrm>
     </dsp:sp>
     <dsp:sp modelId="{2AC910A2-9ED0-4BF7-B99C-DE3309877FA3}">
@@ -1740,8 +1779,8 @@
       </dsp:nvSpPr>
       <dsp:spPr>
         <a:xfrm rot="5400000">
-          <a:off x="4418520" y="-3546805"/>
-          <a:ext cx="843321" cy="8015116"/>
+          <a:off x="4417932" y="-3448477"/>
+          <a:ext cx="936086" cy="7923527"/>
         </a:xfrm>
         <a:prstGeom prst="round2SameRect">
           <a:avLst/>
@@ -1782,12 +1821,12 @@
         <a:fontRef idx="minor"/>
       </dsp:style>
       <dsp:txBody>
-        <a:bodyPr spcFirstLastPara="0" vert="horz" wrap="square" lIns="113792" tIns="10160" rIns="10160" bIns="10160" numCol="1" spcCol="1270" anchor="ctr" anchorCtr="0">
+        <a:bodyPr spcFirstLastPara="0" vert="horz" wrap="square" lIns="99568" tIns="8890" rIns="8890" bIns="8890" numCol="1" spcCol="1270" anchor="ctr" anchorCtr="0">
           <a:noAutofit/>
         </a:bodyPr>
         <a:lstStyle/>
         <a:p>
-          <a:pPr marL="171450" lvl="1" indent="-171450" algn="l" defTabSz="711200">
+          <a:pPr marL="114300" lvl="1" indent="-114300" algn="just" defTabSz="622300">
             <a:lnSpc>
               <a:spcPct val="90000"/>
             </a:lnSpc>
@@ -1800,29 +1839,15 @@
             <a:buChar char="•"/>
           </a:pPr>
           <a:r>
-            <a:rPr lang="en-US" sz="1600" b="0" kern="1200" dirty="0">
+            <a:rPr lang="en-US" sz="1400" b="0" u="none" kern="1200" dirty="0">
               <a:latin typeface="Times New Roman" panose="02020603050405020304" pitchFamily="18" charset="0"/>
               <a:cs typeface="Times New Roman" panose="02020603050405020304" pitchFamily="18" charset="0"/>
             </a:rPr>
-            <a:t>Create trained safety fighter and public awareness for reducing fire incidents</a:t>
-          </a:r>
-          <a:r>
-            <a:rPr lang="en-US" sz="1600" b="0" kern="1200">
-              <a:latin typeface="Times New Roman" panose="02020603050405020304" pitchFamily="18" charset="0"/>
-              <a:cs typeface="Times New Roman" panose="02020603050405020304" pitchFamily="18" charset="0"/>
-            </a:rPr>
-            <a:t>, road </a:t>
-          </a:r>
-          <a:r>
-            <a:rPr lang="en-US" sz="1600" b="0" kern="1200" dirty="0">
-              <a:latin typeface="Times New Roman" panose="02020603050405020304" pitchFamily="18" charset="0"/>
-              <a:cs typeface="Times New Roman" panose="02020603050405020304" pitchFamily="18" charset="0"/>
-            </a:rPr>
-            <a:t>accident and  safety casualties in Bangladesh.</a:t>
+            <a:t>Create trained safety fighter and public awareness for reducing fire incidents, road accident and  safety casualties in Bangladesh.</a:t>
           </a:r>
         </a:p>
         <a:p>
-          <a:pPr marL="171450" lvl="1" indent="-171450" algn="l" defTabSz="711200">
+          <a:pPr marL="114300" lvl="1" indent="-114300" algn="just" defTabSz="622300">
             <a:lnSpc>
               <a:spcPct val="90000"/>
             </a:lnSpc>
@@ -1835,21 +1860,21 @@
             <a:buChar char="•"/>
           </a:pPr>
           <a:r>
-            <a:rPr lang="en-GB" sz="1600" b="0" kern="1200" dirty="0">
+            <a:rPr lang="en-GB" sz="1400" b="0" u="none" kern="1200" dirty="0">
               <a:latin typeface="Times New Roman" panose="02020603050405020304" pitchFamily="18" charset="0"/>
               <a:cs typeface="Times New Roman" panose="02020603050405020304" pitchFamily="18" charset="0"/>
             </a:rPr>
             <a:t>One Stop Solution for Integrated Safety Management (ISM) For Housing Societies, Govt. Offices, Commercial Edifices and Corporate Premises.</a:t>
           </a:r>
-          <a:endParaRPr lang="en-US" sz="1600" b="0" kern="1200" dirty="0">
+          <a:endParaRPr lang="en-US" sz="1400" b="0" u="none" kern="1200" dirty="0">
             <a:latin typeface="Times New Roman" panose="02020603050405020304" pitchFamily="18" charset="0"/>
             <a:cs typeface="Times New Roman" panose="02020603050405020304" pitchFamily="18" charset="0"/>
           </a:endParaRPr>
         </a:p>
       </dsp:txBody>
       <dsp:txXfrm rot="-5400000">
-        <a:off x="832623" y="80260"/>
-        <a:ext cx="7973948" cy="760985"/>
+        <a:off x="924212" y="90939"/>
+        <a:ext cx="7877831" cy="844694"/>
       </dsp:txXfrm>
     </dsp:sp>
     <dsp:sp modelId="{D4FBD4FD-B701-459B-80E1-164414FA882A}">
@@ -1859,8 +1884,8 @@
       </dsp:nvSpPr>
       <dsp:spPr>
         <a:xfrm rot="5400000">
-          <a:off x="-178419" y="1836349"/>
-          <a:ext cx="1189462" cy="832623"/>
+          <a:off x="-198045" y="1779654"/>
+          <a:ext cx="1320303" cy="924212"/>
         </a:xfrm>
         <a:prstGeom prst="chevron">
           <a:avLst/>
@@ -1902,12 +1927,12 @@
         </a:fontRef>
       </dsp:style>
       <dsp:txBody>
-        <a:bodyPr spcFirstLastPara="0" vert="horz" wrap="square" lIns="7620" tIns="7620" rIns="7620" bIns="7620" numCol="1" spcCol="1270" anchor="ctr" anchorCtr="0">
+        <a:bodyPr spcFirstLastPara="0" vert="horz" wrap="square" lIns="8255" tIns="8255" rIns="8255" bIns="8255" numCol="1" spcCol="1270" anchor="ctr" anchorCtr="0">
           <a:noAutofit/>
         </a:bodyPr>
         <a:lstStyle/>
         <a:p>
-          <a:pPr marL="0" lvl="0" indent="0" algn="ctr" defTabSz="533400">
+          <a:pPr marL="0" lvl="0" indent="0" algn="ctr" defTabSz="577850">
             <a:lnSpc>
               <a:spcPct val="90000"/>
             </a:lnSpc>
@@ -1920,14 +1945,17 @@
             <a:buNone/>
           </a:pPr>
           <a:r>
-            <a:rPr lang="en-US" sz="1200" kern="1200" dirty="0"/>
+            <a:rPr lang="en-US" sz="1300" b="1" kern="1200" dirty="0">
+              <a:latin typeface="Times New Roman" panose="02020603050405020304" pitchFamily="18" charset="0"/>
+              <a:cs typeface="Times New Roman" panose="02020603050405020304" pitchFamily="18" charset="0"/>
+            </a:rPr>
             <a:t>Objectives</a:t>
           </a:r>
         </a:p>
       </dsp:txBody>
       <dsp:txXfrm rot="-5400000">
-        <a:off x="1" y="2074242"/>
-        <a:ext cx="832623" cy="356839"/>
+        <a:off x="1" y="2043714"/>
+        <a:ext cx="924212" cy="396091"/>
       </dsp:txXfrm>
     </dsp:sp>
     <dsp:sp modelId="{286DB317-7D10-44C0-96B4-CE22C874A964}">
@@ -1937,8 +1965,265 @@
       </dsp:nvSpPr>
       <dsp:spPr>
         <a:xfrm rot="5400000">
-          <a:off x="3865946" y="-1963052"/>
-          <a:ext cx="1948470" cy="8015116"/>
+          <a:off x="4065119" y="-1951056"/>
+          <a:ext cx="1641713" cy="7923527"/>
+        </a:xfrm>
+        <a:prstGeom prst="round2SameRect">
+          <a:avLst/>
+        </a:prstGeom>
+        <a:solidFill>
+          <a:schemeClr val="dk1">
+            <a:alpha val="90000"/>
+            <a:tint val="40000"/>
+            <a:hueOff val="0"/>
+            <a:satOff val="0"/>
+            <a:lumOff val="0"/>
+            <a:alphaOff val="0"/>
+          </a:schemeClr>
+        </a:solidFill>
+        <a:ln w="25400" cap="flat" cmpd="sng" algn="ctr">
+          <a:solidFill>
+            <a:schemeClr val="dk1">
+              <a:hueOff val="0"/>
+              <a:satOff val="0"/>
+              <a:lumOff val="0"/>
+              <a:alphaOff val="0"/>
+            </a:schemeClr>
+          </a:solidFill>
+          <a:prstDash val="solid"/>
+        </a:ln>
+        <a:effectLst/>
+      </dsp:spPr>
+      <dsp:style>
+        <a:lnRef idx="2">
+          <a:scrgbClr r="0" g="0" b="0"/>
+        </a:lnRef>
+        <a:fillRef idx="1">
+          <a:scrgbClr r="0" g="0" b="0"/>
+        </a:fillRef>
+        <a:effectRef idx="0">
+          <a:scrgbClr r="0" g="0" b="0"/>
+        </a:effectRef>
+        <a:fontRef idx="minor"/>
+      </dsp:style>
+      <dsp:txBody>
+        <a:bodyPr spcFirstLastPara="0" vert="horz" wrap="square" lIns="99568" tIns="8890" rIns="8890" bIns="8890" numCol="1" spcCol="1270" anchor="ctr" anchorCtr="0">
+          <a:noAutofit/>
+        </a:bodyPr>
+        <a:lstStyle/>
+        <a:p>
+          <a:pPr marL="114300" lvl="1" indent="-114300" algn="just" defTabSz="622300">
+            <a:lnSpc>
+              <a:spcPct val="90000"/>
+            </a:lnSpc>
+            <a:spcBef>
+              <a:spcPct val="0"/>
+            </a:spcBef>
+            <a:spcAft>
+              <a:spcPct val="15000"/>
+            </a:spcAft>
+            <a:buChar char="•"/>
+          </a:pPr>
+          <a:r>
+            <a:rPr lang="en-US" sz="1400" kern="1200" dirty="0">
+              <a:latin typeface="Times New Roman" panose="02020603050405020304" pitchFamily="18" charset="0"/>
+              <a:cs typeface="Times New Roman" panose="02020603050405020304" pitchFamily="18" charset="0"/>
+            </a:rPr>
+            <a:t>Training for general house keeper, students, society members, house holders and other stakeholders</a:t>
+          </a:r>
+        </a:p>
+        <a:p>
+          <a:pPr marL="114300" lvl="1" indent="-114300" algn="just" defTabSz="622300">
+            <a:lnSpc>
+              <a:spcPct val="90000"/>
+            </a:lnSpc>
+            <a:spcBef>
+              <a:spcPct val="0"/>
+            </a:spcBef>
+            <a:spcAft>
+              <a:spcPct val="15000"/>
+            </a:spcAft>
+            <a:buChar char="•"/>
+          </a:pPr>
+          <a:r>
+            <a:rPr lang="en-GB" sz="1400" kern="1200" dirty="0">
+              <a:latin typeface="Times New Roman" panose="02020603050405020304" pitchFamily="18" charset="0"/>
+              <a:cs typeface="Times New Roman" panose="02020603050405020304" pitchFamily="18" charset="0"/>
+            </a:rPr>
+            <a:t>Ensuring the fire safety for Housing societies, Govt. Offices, Commercial Edifices and Corporate Premises for saving lives and cut losses</a:t>
+          </a:r>
+          <a:endParaRPr lang="en-US" sz="1400" kern="1200" dirty="0">
+            <a:latin typeface="Times New Roman" panose="02020603050405020304" pitchFamily="18" charset="0"/>
+            <a:cs typeface="Times New Roman" panose="02020603050405020304" pitchFamily="18" charset="0"/>
+          </a:endParaRPr>
+        </a:p>
+        <a:p>
+          <a:pPr marL="114300" lvl="1" indent="-114300" algn="just" defTabSz="622300">
+            <a:lnSpc>
+              <a:spcPct val="90000"/>
+            </a:lnSpc>
+            <a:spcBef>
+              <a:spcPct val="0"/>
+            </a:spcBef>
+            <a:spcAft>
+              <a:spcPct val="15000"/>
+            </a:spcAft>
+            <a:buChar char="•"/>
+          </a:pPr>
+          <a:r>
+            <a:rPr lang="en-GB" sz="1400" kern="1200" dirty="0">
+              <a:latin typeface="Times New Roman" panose="02020603050405020304" pitchFamily="18" charset="0"/>
+              <a:cs typeface="Times New Roman" panose="02020603050405020304" pitchFamily="18" charset="0"/>
+            </a:rPr>
+            <a:t>Through inspection and implementations, safeguarding long term sustainability for corporate business and Govt. workstations</a:t>
+          </a:r>
+          <a:endParaRPr lang="en-US" sz="1400" kern="1200" dirty="0">
+            <a:latin typeface="Times New Roman" panose="02020603050405020304" pitchFamily="18" charset="0"/>
+            <a:cs typeface="Times New Roman" panose="02020603050405020304" pitchFamily="18" charset="0"/>
+          </a:endParaRPr>
+        </a:p>
+        <a:p>
+          <a:pPr marL="114300" lvl="1" indent="-114300" algn="just" defTabSz="622300">
+            <a:lnSpc>
+              <a:spcPct val="90000"/>
+            </a:lnSpc>
+            <a:spcBef>
+              <a:spcPct val="0"/>
+            </a:spcBef>
+            <a:spcAft>
+              <a:spcPct val="15000"/>
+            </a:spcAft>
+            <a:buChar char="•"/>
+          </a:pPr>
+          <a:r>
+            <a:rPr lang="en-GB" sz="1400" kern="1200" dirty="0">
+              <a:latin typeface="Times New Roman" panose="02020603050405020304" pitchFamily="18" charset="0"/>
+              <a:cs typeface="Times New Roman" panose="02020603050405020304" pitchFamily="18" charset="0"/>
+            </a:rPr>
+            <a:t>Minimization the loss by maximization the awareness among all level of stakeholders in commercial and operational sectors.</a:t>
+          </a:r>
+          <a:endParaRPr lang="en-US" sz="1400" kern="1200" dirty="0">
+            <a:latin typeface="Times New Roman" panose="02020603050405020304" pitchFamily="18" charset="0"/>
+            <a:cs typeface="Times New Roman" panose="02020603050405020304" pitchFamily="18" charset="0"/>
+          </a:endParaRPr>
+        </a:p>
+        <a:p>
+          <a:pPr marL="114300" lvl="1" indent="-114300" algn="just" defTabSz="622300">
+            <a:lnSpc>
+              <a:spcPct val="90000"/>
+            </a:lnSpc>
+            <a:spcBef>
+              <a:spcPct val="0"/>
+            </a:spcBef>
+            <a:spcAft>
+              <a:spcPct val="15000"/>
+            </a:spcAft>
+            <a:buChar char="•"/>
+          </a:pPr>
+          <a:r>
+            <a:rPr lang="en-US" sz="1400" kern="1200" dirty="0">
+              <a:latin typeface="Times New Roman" panose="02020603050405020304" pitchFamily="18" charset="0"/>
+              <a:cs typeface="Times New Roman" panose="02020603050405020304" pitchFamily="18" charset="0"/>
+            </a:rPr>
+            <a:t> Creating awareness among al level of stakeholders.</a:t>
+          </a:r>
+        </a:p>
+      </dsp:txBody>
+      <dsp:txXfrm rot="-5400000">
+        <a:off x="924212" y="1269993"/>
+        <a:ext cx="7843385" cy="1481429"/>
+      </dsp:txXfrm>
+    </dsp:sp>
+    <dsp:sp modelId="{1C4C89D6-5FA1-4336-A488-6AB33DECBDE4}">
+      <dsp:nvSpPr>
+        <dsp:cNvPr id="0" name=""/>
+        <dsp:cNvSpPr/>
+      </dsp:nvSpPr>
+      <dsp:spPr>
+        <a:xfrm rot="5400000">
+          <a:off x="-198045" y="2937109"/>
+          <a:ext cx="1320303" cy="924212"/>
+        </a:xfrm>
+        <a:prstGeom prst="chevron">
+          <a:avLst/>
+        </a:prstGeom>
+        <a:solidFill>
+          <a:schemeClr val="lt1">
+            <a:hueOff val="0"/>
+            <a:satOff val="0"/>
+            <a:lumOff val="0"/>
+            <a:alphaOff val="0"/>
+          </a:schemeClr>
+        </a:solidFill>
+        <a:ln w="25400" cap="flat" cmpd="sng" algn="ctr">
+          <a:solidFill>
+            <a:schemeClr val="dk1">
+              <a:shade val="80000"/>
+              <a:hueOff val="0"/>
+              <a:satOff val="0"/>
+              <a:lumOff val="0"/>
+              <a:alphaOff val="0"/>
+            </a:schemeClr>
+          </a:solidFill>
+          <a:prstDash val="solid"/>
+        </a:ln>
+        <a:effectLst/>
+      </dsp:spPr>
+      <dsp:style>
+        <a:lnRef idx="2">
+          <a:scrgbClr r="0" g="0" b="0"/>
+        </a:lnRef>
+        <a:fillRef idx="1">
+          <a:scrgbClr r="0" g="0" b="0"/>
+        </a:fillRef>
+        <a:effectRef idx="0">
+          <a:scrgbClr r="0" g="0" b="0"/>
+        </a:effectRef>
+        <a:fontRef idx="minor">
+          <a:schemeClr val="lt1"/>
+        </a:fontRef>
+      </dsp:style>
+      <dsp:txBody>
+        <a:bodyPr spcFirstLastPara="0" vert="horz" wrap="square" lIns="8255" tIns="8255" rIns="8255" bIns="8255" numCol="1" spcCol="1270" anchor="ctr" anchorCtr="0">
+          <a:noAutofit/>
+        </a:bodyPr>
+        <a:lstStyle/>
+        <a:p>
+          <a:pPr marL="0" lvl="0" indent="0" algn="ctr" defTabSz="577850">
+            <a:lnSpc>
+              <a:spcPct val="90000"/>
+            </a:lnSpc>
+            <a:spcBef>
+              <a:spcPct val="0"/>
+            </a:spcBef>
+            <a:spcAft>
+              <a:spcPct val="35000"/>
+            </a:spcAft>
+            <a:buNone/>
+          </a:pPr>
+          <a:r>
+            <a:rPr lang="en-US" sz="1300" kern="1200" dirty="0">
+              <a:latin typeface="Times New Roman" panose="02020603050405020304" pitchFamily="18" charset="0"/>
+              <a:cs typeface="Times New Roman" panose="02020603050405020304" pitchFamily="18" charset="0"/>
+            </a:rPr>
+            <a:t>Beneficiaries </a:t>
+          </a:r>
+        </a:p>
+      </dsp:txBody>
+      <dsp:txXfrm rot="-5400000">
+        <a:off x="1" y="3201169"/>
+        <a:ext cx="924212" cy="396091"/>
+      </dsp:txXfrm>
+    </dsp:sp>
+    <dsp:sp modelId="{F92CF04F-F3FD-4482-AC94-1B402EA3BD0D}">
+      <dsp:nvSpPr>
+        <dsp:cNvPr id="0" name=""/>
+        <dsp:cNvSpPr/>
+      </dsp:nvSpPr>
+      <dsp:spPr>
+        <a:xfrm rot="5400000">
+          <a:off x="4445695" y="-407241"/>
+          <a:ext cx="880561" cy="7923527"/>
         </a:xfrm>
         <a:prstGeom prst="round2SameRect">
           <a:avLst/>
@@ -1997,8 +2282,11 @@
             <a:buChar char="•"/>
           </a:pPr>
           <a:r>
-            <a:rPr lang="en-US" sz="1400" kern="1200" dirty="0"/>
-            <a:t>Training for general house keeper, students, society members, house holders and other stakeholders</a:t>
+            <a:rPr lang="en-US" sz="1400" kern="1200" dirty="0">
+              <a:latin typeface="Times New Roman" panose="02020603050405020304" pitchFamily="18" charset="0"/>
+              <a:cs typeface="Times New Roman" panose="02020603050405020304" pitchFamily="18" charset="0"/>
+            </a:rPr>
+            <a:t>Housing societies</a:t>
           </a:r>
         </a:p>
         <a:p>
@@ -2015,10 +2303,12 @@
             <a:buChar char="•"/>
           </a:pPr>
           <a:r>
-            <a:rPr lang="en-GB" sz="1400" kern="1200" dirty="0"/>
-            <a:t>Ensuring the fire safety for Housing societies, Govt. Offices, Commercial Edifices and Corporate Premises for saving lives and cut losses</a:t>
+            <a:rPr lang="en-US" sz="1400" kern="1200" dirty="0">
+              <a:latin typeface="Times New Roman" panose="02020603050405020304" pitchFamily="18" charset="0"/>
+              <a:cs typeface="Times New Roman" panose="02020603050405020304" pitchFamily="18" charset="0"/>
+            </a:rPr>
+            <a:t>Govt. Offices</a:t>
           </a:r>
-          <a:endParaRPr lang="en-US" sz="1400" kern="1200" dirty="0"/>
         </a:p>
         <a:p>
           <a:pPr marL="114300" lvl="1" indent="-114300" algn="l" defTabSz="622300">
@@ -2034,10 +2324,16 @@
             <a:buChar char="•"/>
           </a:pPr>
           <a:r>
-            <a:rPr lang="en-GB" sz="1400" kern="1200" dirty="0"/>
-            <a:t>Through inspection and implementations, safeguarding long term sustainability for corporate business and Govt. workstations</a:t>
+            <a:rPr lang="en-GB" sz="1400" b="0" kern="1200" dirty="0">
+              <a:latin typeface="Times New Roman" panose="02020603050405020304" pitchFamily="18" charset="0"/>
+              <a:cs typeface="Times New Roman" panose="02020603050405020304" pitchFamily="18" charset="0"/>
+            </a:rPr>
+            <a:t>Commercial Edifices </a:t>
           </a:r>
-          <a:endParaRPr lang="en-US" sz="1400" kern="1200" dirty="0"/>
+          <a:endParaRPr lang="en-US" sz="1400" b="0" kern="1200" dirty="0">
+            <a:latin typeface="Times New Roman" panose="02020603050405020304" pitchFamily="18" charset="0"/>
+            <a:cs typeface="Times New Roman" panose="02020603050405020304" pitchFamily="18" charset="0"/>
+          </a:endParaRPr>
         </a:p>
         <a:p>
           <a:pPr marL="114300" lvl="1" indent="-114300" algn="l" defTabSz="622300">
@@ -2053,252 +2349,21 @@
             <a:buChar char="•"/>
           </a:pPr>
           <a:r>
-            <a:rPr lang="en-GB" sz="1400" kern="1200" dirty="0"/>
-            <a:t>Minimization the loss by maximization the awareness among all level of stakeholders in commercial and operational sectors</a:t>
+            <a:rPr lang="en-US" sz="1400" kern="1200" dirty="0">
+              <a:latin typeface="Times New Roman" panose="02020603050405020304" pitchFamily="18" charset="0"/>
+              <a:cs typeface="Times New Roman" panose="02020603050405020304" pitchFamily="18" charset="0"/>
+            </a:rPr>
+            <a:t>Corporate Buildings</a:t>
           </a:r>
-          <a:r>
-            <a:rPr lang="en-GB" sz="1200" kern="1200" dirty="0"/>
-            <a:t>.</a:t>
-          </a:r>
-          <a:endParaRPr lang="en-US" sz="1200" kern="1200" dirty="0"/>
-        </a:p>
-        <a:p>
-          <a:pPr marL="114300" lvl="1" indent="-114300" algn="l" defTabSz="533400">
-            <a:lnSpc>
-              <a:spcPct val="90000"/>
-            </a:lnSpc>
-            <a:spcBef>
-              <a:spcPct val="0"/>
-            </a:spcBef>
-            <a:spcAft>
-              <a:spcPct val="15000"/>
-            </a:spcAft>
-            <a:buChar char="•"/>
-          </a:pPr>
-          <a:r>
-            <a:rPr lang="en-US" sz="1200" kern="1200" dirty="0"/>
-            <a:t> </a:t>
-          </a:r>
-          <a:r>
-            <a:rPr lang="en-US" sz="1400" kern="1200" dirty="0"/>
-            <a:t>Creating awareness among al level of stakeholders. </a:t>
-          </a:r>
-          <a:endParaRPr lang="en-US" sz="1200" kern="1200" dirty="0"/>
+          <a:endParaRPr lang="en-US" sz="1200" kern="1200" dirty="0">
+            <a:latin typeface="Times New Roman" panose="02020603050405020304" pitchFamily="18" charset="0"/>
+            <a:cs typeface="Times New Roman" panose="02020603050405020304" pitchFamily="18" charset="0"/>
+          </a:endParaRPr>
         </a:p>
       </dsp:txBody>
       <dsp:txXfrm rot="-5400000">
-        <a:off x="832623" y="1165387"/>
-        <a:ext cx="7920000" cy="1758238"/>
-      </dsp:txXfrm>
-    </dsp:sp>
-    <dsp:sp modelId="{1C4C89D6-5FA1-4336-A488-6AB33DECBDE4}">
-      <dsp:nvSpPr>
-        <dsp:cNvPr id="0" name=""/>
-        <dsp:cNvSpPr/>
-      </dsp:nvSpPr>
-      <dsp:spPr>
-        <a:xfrm rot="5400000">
-          <a:off x="-178419" y="3050450"/>
-          <a:ext cx="1189462" cy="832623"/>
-        </a:xfrm>
-        <a:prstGeom prst="chevron">
-          <a:avLst/>
-        </a:prstGeom>
-        <a:solidFill>
-          <a:schemeClr val="lt1">
-            <a:hueOff val="0"/>
-            <a:satOff val="0"/>
-            <a:lumOff val="0"/>
-            <a:alphaOff val="0"/>
-          </a:schemeClr>
-        </a:solidFill>
-        <a:ln w="25400" cap="flat" cmpd="sng" algn="ctr">
-          <a:solidFill>
-            <a:schemeClr val="dk1">
-              <a:shade val="80000"/>
-              <a:hueOff val="0"/>
-              <a:satOff val="0"/>
-              <a:lumOff val="0"/>
-              <a:alphaOff val="0"/>
-            </a:schemeClr>
-          </a:solidFill>
-          <a:prstDash val="solid"/>
-        </a:ln>
-        <a:effectLst/>
-      </dsp:spPr>
-      <dsp:style>
-        <a:lnRef idx="2">
-          <a:scrgbClr r="0" g="0" b="0"/>
-        </a:lnRef>
-        <a:fillRef idx="1">
-          <a:scrgbClr r="0" g="0" b="0"/>
-        </a:fillRef>
-        <a:effectRef idx="0">
-          <a:scrgbClr r="0" g="0" b="0"/>
-        </a:effectRef>
-        <a:fontRef idx="minor">
-          <a:schemeClr val="lt1"/>
-        </a:fontRef>
-      </dsp:style>
-      <dsp:txBody>
-        <a:bodyPr spcFirstLastPara="0" vert="horz" wrap="square" lIns="7620" tIns="7620" rIns="7620" bIns="7620" numCol="1" spcCol="1270" anchor="ctr" anchorCtr="0">
-          <a:noAutofit/>
-        </a:bodyPr>
-        <a:lstStyle/>
-        <a:p>
-          <a:pPr marL="0" lvl="0" indent="0" algn="ctr" defTabSz="533400">
-            <a:lnSpc>
-              <a:spcPct val="90000"/>
-            </a:lnSpc>
-            <a:spcBef>
-              <a:spcPct val="0"/>
-            </a:spcBef>
-            <a:spcAft>
-              <a:spcPct val="35000"/>
-            </a:spcAft>
-            <a:buNone/>
-          </a:pPr>
-          <a:r>
-            <a:rPr lang="en-US" sz="1200" kern="1200" dirty="0"/>
-            <a:t>Beneficiaries </a:t>
-          </a:r>
-        </a:p>
-      </dsp:txBody>
-      <dsp:txXfrm rot="-5400000">
-        <a:off x="1" y="3288343"/>
-        <a:ext cx="832623" cy="356839"/>
-      </dsp:txXfrm>
-    </dsp:sp>
-    <dsp:sp modelId="{F92CF04F-F3FD-4482-AC94-1B402EA3BD0D}">
-      <dsp:nvSpPr>
-        <dsp:cNvPr id="0" name=""/>
-        <dsp:cNvSpPr/>
-      </dsp:nvSpPr>
-      <dsp:spPr>
-        <a:xfrm rot="5400000">
-          <a:off x="4443532" y="-400879"/>
-          <a:ext cx="793298" cy="8015116"/>
-        </a:xfrm>
-        <a:prstGeom prst="round2SameRect">
-          <a:avLst/>
-        </a:prstGeom>
-        <a:solidFill>
-          <a:schemeClr val="dk1">
-            <a:alpha val="90000"/>
-            <a:tint val="40000"/>
-            <a:hueOff val="0"/>
-            <a:satOff val="0"/>
-            <a:lumOff val="0"/>
-            <a:alphaOff val="0"/>
-          </a:schemeClr>
-        </a:solidFill>
-        <a:ln w="25400" cap="flat" cmpd="sng" algn="ctr">
-          <a:solidFill>
-            <a:schemeClr val="dk1">
-              <a:hueOff val="0"/>
-              <a:satOff val="0"/>
-              <a:lumOff val="0"/>
-              <a:alphaOff val="0"/>
-            </a:schemeClr>
-          </a:solidFill>
-          <a:prstDash val="solid"/>
-        </a:ln>
-        <a:effectLst/>
-      </dsp:spPr>
-      <dsp:style>
-        <a:lnRef idx="2">
-          <a:scrgbClr r="0" g="0" b="0"/>
-        </a:lnRef>
-        <a:fillRef idx="1">
-          <a:scrgbClr r="0" g="0" b="0"/>
-        </a:fillRef>
-        <a:effectRef idx="0">
-          <a:scrgbClr r="0" g="0" b="0"/>
-        </a:effectRef>
-        <a:fontRef idx="minor"/>
-      </dsp:style>
-      <dsp:txBody>
-        <a:bodyPr spcFirstLastPara="0" vert="horz" wrap="square" lIns="71120" tIns="6350" rIns="6350" bIns="6350" numCol="1" spcCol="1270" anchor="ctr" anchorCtr="0">
-          <a:noAutofit/>
-        </a:bodyPr>
-        <a:lstStyle/>
-        <a:p>
-          <a:pPr marL="57150" lvl="1" indent="-57150" algn="l" defTabSz="444500">
-            <a:lnSpc>
-              <a:spcPct val="90000"/>
-            </a:lnSpc>
-            <a:spcBef>
-              <a:spcPct val="0"/>
-            </a:spcBef>
-            <a:spcAft>
-              <a:spcPct val="15000"/>
-            </a:spcAft>
-            <a:buChar char="•"/>
-          </a:pPr>
-          <a:r>
-            <a:rPr lang="en-US" sz="1000" kern="1200" dirty="0"/>
-            <a:t>Housing societies</a:t>
-          </a:r>
-        </a:p>
-        <a:p>
-          <a:pPr marL="57150" lvl="1" indent="-57150" algn="l" defTabSz="444500">
-            <a:lnSpc>
-              <a:spcPct val="90000"/>
-            </a:lnSpc>
-            <a:spcBef>
-              <a:spcPct val="0"/>
-            </a:spcBef>
-            <a:spcAft>
-              <a:spcPct val="15000"/>
-            </a:spcAft>
-            <a:buChar char="•"/>
-          </a:pPr>
-          <a:r>
-            <a:rPr lang="en-US" sz="1000" kern="1200" dirty="0"/>
-            <a:t>Govt. Offices</a:t>
-          </a:r>
-        </a:p>
-        <a:p>
-          <a:pPr marL="57150" lvl="1" indent="-57150" algn="l" defTabSz="444500">
-            <a:lnSpc>
-              <a:spcPct val="90000"/>
-            </a:lnSpc>
-            <a:spcBef>
-              <a:spcPct val="0"/>
-            </a:spcBef>
-            <a:spcAft>
-              <a:spcPct val="15000"/>
-            </a:spcAft>
-            <a:buChar char="•"/>
-          </a:pPr>
-          <a:r>
-            <a:rPr lang="en-GB" sz="1000" b="0" kern="1200" dirty="0"/>
-            <a:t>Commercial Edifices </a:t>
-          </a:r>
-          <a:endParaRPr lang="en-US" sz="1000" b="0" kern="1200" dirty="0"/>
-        </a:p>
-        <a:p>
-          <a:pPr marL="57150" lvl="1" indent="-57150" algn="l" defTabSz="444500">
-            <a:lnSpc>
-              <a:spcPct val="90000"/>
-            </a:lnSpc>
-            <a:spcBef>
-              <a:spcPct val="0"/>
-            </a:spcBef>
-            <a:spcAft>
-              <a:spcPct val="15000"/>
-            </a:spcAft>
-            <a:buChar char="•"/>
-          </a:pPr>
-          <a:r>
-            <a:rPr lang="en-US" sz="1000" kern="1200" dirty="0"/>
-            <a:t>Corporate Buildings</a:t>
-          </a:r>
-        </a:p>
-      </dsp:txBody>
-      <dsp:txXfrm rot="-5400000">
-        <a:off x="832623" y="3248756"/>
-        <a:ext cx="7976390" cy="715846"/>
+        <a:off x="924213" y="3157226"/>
+        <a:ext cx="7880542" cy="794591"/>
       </dsp:txXfrm>
     </dsp:sp>
   </dsp:spTree>
@@ -3677,7 +3742,7 @@
           <a:p>
             <a:fld id="{8974B838-77B8-4D9C-9F16-E870927FFB05}" type="datetimeFigureOut">
               <a:rPr lang="en-US" smtClean="0"/>
-              <a:t>11/19/2020</a:t>
+              <a:t>11/21/2020</a:t>
             </a:fld>
             <a:endParaRPr lang="en-US"/>
           </a:p>
@@ -6179,7 +6244,7 @@
             <a:fld id="{53074F12-AA26-4AC8-9962-C36BB8F32554}" type="datetimeFigureOut">
               <a:rPr lang="en-US" smtClean="0"/>
               <a:pPr/>
-              <a:t>11/19/2020</a:t>
+              <a:t>11/21/2020</a:t>
             </a:fld>
             <a:endParaRPr lang="en-US"/>
           </a:p>
@@ -6486,7 +6551,7 @@
             <a:fld id="{53074F12-AA26-4AC8-9962-C36BB8F32554}" type="datetimeFigureOut">
               <a:rPr lang="en-US" smtClean="0"/>
               <a:pPr/>
-              <a:t>11/19/2020</a:t>
+              <a:t>11/21/2020</a:t>
             </a:fld>
             <a:endParaRPr lang="en-US"/>
           </a:p>
@@ -6656,7 +6721,7 @@
             <a:fld id="{53074F12-AA26-4AC8-9962-C36BB8F32554}" type="datetimeFigureOut">
               <a:rPr lang="en-US" smtClean="0"/>
               <a:pPr/>
-              <a:t>11/19/2020</a:t>
+              <a:t>11/21/2020</a:t>
             </a:fld>
             <a:endParaRPr lang="en-US"/>
           </a:p>
@@ -6836,7 +6901,7 @@
             <a:fld id="{53074F12-AA26-4AC8-9962-C36BB8F32554}" type="datetimeFigureOut">
               <a:rPr lang="en-US" smtClean="0"/>
               <a:pPr/>
-              <a:t>11/19/2020</a:t>
+              <a:t>11/21/2020</a:t>
             </a:fld>
             <a:endParaRPr lang="en-US"/>
           </a:p>
@@ -7118,7 +7183,7 @@
             <a:fld id="{53074F12-AA26-4AC8-9962-C36BB8F32554}" type="datetimeFigureOut">
               <a:rPr lang="en-US" smtClean="0"/>
               <a:pPr/>
-              <a:t>11/19/2020</a:t>
+              <a:t>11/21/2020</a:t>
             </a:fld>
             <a:endParaRPr lang="en-US"/>
           </a:p>
@@ -7365,7 +7430,7 @@
             <a:fld id="{53074F12-AA26-4AC8-9962-C36BB8F32554}" type="datetimeFigureOut">
               <a:rPr lang="en-US" smtClean="0"/>
               <a:pPr/>
-              <a:t>11/19/2020</a:t>
+              <a:t>11/21/2020</a:t>
             </a:fld>
             <a:endParaRPr lang="en-US"/>
           </a:p>
@@ -7612,7 +7677,7 @@
             <a:fld id="{53074F12-AA26-4AC8-9962-C36BB8F32554}" type="datetimeFigureOut">
               <a:rPr lang="en-US" smtClean="0"/>
               <a:pPr/>
-              <a:t>11/19/2020</a:t>
+              <a:t>11/21/2020</a:t>
             </a:fld>
             <a:endParaRPr lang="en-US"/>
           </a:p>
@@ -7899,7 +7964,7 @@
             <a:fld id="{53074F12-AA26-4AC8-9962-C36BB8F32554}" type="datetimeFigureOut">
               <a:rPr lang="en-US" smtClean="0"/>
               <a:pPr/>
-              <a:t>11/19/2020</a:t>
+              <a:t>11/21/2020</a:t>
             </a:fld>
             <a:endParaRPr lang="en-US"/>
           </a:p>
@@ -8386,7 +8451,7 @@
             <a:fld id="{53074F12-AA26-4AC8-9962-C36BB8F32554}" type="datetimeFigureOut">
               <a:rPr lang="en-US" smtClean="0"/>
               <a:pPr/>
-              <a:t>11/19/2020</a:t>
+              <a:t>11/21/2020</a:t>
             </a:fld>
             <a:endParaRPr lang="en-US"/>
           </a:p>
@@ -8505,7 +8570,7 @@
             <a:fld id="{53074F12-AA26-4AC8-9962-C36BB8F32554}" type="datetimeFigureOut">
               <a:rPr lang="en-US" smtClean="0"/>
               <a:pPr/>
-              <a:t>11/19/2020</a:t>
+              <a:t>11/21/2020</a:t>
             </a:fld>
             <a:endParaRPr lang="en-US"/>
           </a:p>
@@ -8602,7 +8667,7 @@
             <a:fld id="{53074F12-AA26-4AC8-9962-C36BB8F32554}" type="datetimeFigureOut">
               <a:rPr lang="en-US" smtClean="0"/>
               <a:pPr/>
-              <a:t>11/19/2020</a:t>
+              <a:t>11/21/2020</a:t>
             </a:fld>
             <a:endParaRPr lang="en-US"/>
           </a:p>
@@ -8879,7 +8944,7 @@
             <a:fld id="{53074F12-AA26-4AC8-9962-C36BB8F32554}" type="datetimeFigureOut">
               <a:rPr lang="en-US" smtClean="0"/>
               <a:pPr/>
-              <a:t>11/19/2020</a:t>
+              <a:t>11/21/2020</a:t>
             </a:fld>
             <a:endParaRPr lang="en-US"/>
           </a:p>
@@ -9101,7 +9166,7 @@
             <a:fld id="{53074F12-AA26-4AC8-9962-C36BB8F32554}" type="datetimeFigureOut">
               <a:rPr lang="en-US" smtClean="0"/>
               <a:pPr/>
-              <a:t>11/19/2020</a:t>
+              <a:t>11/21/2020</a:t>
             </a:fld>
             <a:endParaRPr lang="en-US"/>
           </a:p>
@@ -9490,7 +9555,7 @@
         </p:nvSpPr>
         <p:spPr>
           <a:xfrm>
-            <a:off x="181415" y="128471"/>
+            <a:off x="181415" y="739290"/>
             <a:ext cx="4390586" cy="1221640"/>
           </a:xfrm>
         </p:spPr>
@@ -9500,18 +9565,31 @@
           </a:bodyPr>
           <a:lstStyle/>
           <a:p>
+            <a:pPr algn="just"/>
             <a:r>
-              <a:rPr lang="en-GB" sz="4400" b="1" dirty="0"/>
+              <a:rPr lang="en-GB" sz="4000" b="1" dirty="0">
+                <a:latin typeface="Times New Roman" panose="02020603050405020304" pitchFamily="18" charset="0"/>
+                <a:cs typeface="Times New Roman" panose="02020603050405020304" pitchFamily="18" charset="0"/>
+              </a:rPr>
               <a:t>Urban Fire Safety </a:t>
             </a:r>
             <a:br>
-              <a:rPr lang="en-GB" sz="4400" b="1" dirty="0"/>
+              <a:rPr lang="en-GB" sz="4000" b="1" dirty="0">
+                <a:latin typeface="Times New Roman" panose="02020603050405020304" pitchFamily="18" charset="0"/>
+                <a:cs typeface="Times New Roman" panose="02020603050405020304" pitchFamily="18" charset="0"/>
+              </a:rPr>
             </a:br>
             <a:r>
-              <a:rPr lang="en-GB" sz="4400" b="1" dirty="0"/>
+              <a:rPr lang="en-GB" sz="4000" b="1" dirty="0">
+                <a:latin typeface="Times New Roman" panose="02020603050405020304" pitchFamily="18" charset="0"/>
+                <a:cs typeface="Times New Roman" panose="02020603050405020304" pitchFamily="18" charset="0"/>
+              </a:rPr>
               <a:t>Readiness Project</a:t>
             </a:r>
-            <a:endParaRPr lang="en-US" sz="4400" dirty="0"/>
+            <a:endParaRPr lang="en-US" sz="4000" dirty="0">
+              <a:latin typeface="Times New Roman" panose="02020603050405020304" pitchFamily="18" charset="0"/>
+              <a:cs typeface="Times New Roman" panose="02020603050405020304" pitchFamily="18" charset="0"/>
+            </a:endParaRPr>
           </a:p>
         </p:txBody>
       </p:sp>
@@ -9523,8 +9601,8 @@
         </p:nvSpPr>
         <p:spPr>
           <a:xfrm>
-            <a:off x="181414" y="1502815"/>
-            <a:ext cx="3932471" cy="1832460"/>
+            <a:off x="448965" y="2419045"/>
+            <a:ext cx="3398003" cy="1832460"/>
           </a:xfrm>
           <a:prstGeom prst="roundRect">
             <a:avLst/>
@@ -9705,39 +9783,6 @@
       </p:grpSpPr>
       <p:sp>
         <p:nvSpPr>
-          <p:cNvPr id="3" name="Content Placeholder 2"/>
-          <p:cNvSpPr>
-            <a:spLocks noGrp="1"/>
-          </p:cNvSpPr>
-          <p:nvPr>
-            <p:ph sz="half" idx="1"/>
-          </p:nvPr>
-        </p:nvSpPr>
-        <p:spPr>
-          <a:xfrm>
-            <a:off x="213159" y="128470"/>
-            <a:ext cx="4038600" cy="608074"/>
-          </a:xfrm>
-          <a:solidFill>
-            <a:schemeClr val="bg1"/>
-          </a:solidFill>
-        </p:spPr>
-        <p:txBody>
-          <a:bodyPr>
-            <a:normAutofit fontScale="77500" lnSpcReduction="20000"/>
-          </a:bodyPr>
-          <a:lstStyle/>
-          <a:p>
-            <a:r>
-              <a:rPr lang="en-GB" b="1" dirty="0"/>
-              <a:t>Basic Fire Safety Training</a:t>
-            </a:r>
-            <a:endParaRPr lang="en-US" dirty="0"/>
-          </a:p>
-        </p:txBody>
-      </p:sp>
-      <p:sp>
-        <p:nvSpPr>
           <p:cNvPr id="4" name="Content Placeholder 3"/>
           <p:cNvSpPr>
             <a:spLocks noGrp="1"/>
@@ -9754,34 +9799,50 @@
         </p:spPr>
         <p:txBody>
           <a:bodyPr>
-            <a:normAutofit fontScale="77500" lnSpcReduction="20000"/>
+            <a:normAutofit/>
           </a:bodyPr>
           <a:lstStyle/>
           <a:p>
-            <a:pPr lvl="0" hangingPunct="0"/>
+            <a:pPr lvl="0" algn="just" hangingPunct="0"/>
             <a:r>
-              <a:rPr lang="en-GB" dirty="0"/>
+              <a:rPr lang="en-GB" sz="2000" dirty="0">
+                <a:latin typeface="Times New Roman" panose="02020603050405020304" pitchFamily="18" charset="0"/>
+                <a:cs typeface="Times New Roman" panose="02020603050405020304" pitchFamily="18" charset="0"/>
+              </a:rPr>
               <a:t>Basic Fire and Building Safety training for housing society members (Owner, tenant and renter)</a:t>
             </a:r>
           </a:p>
           <a:p>
-            <a:pPr lvl="0" hangingPunct="0"/>
+            <a:pPr lvl="0" algn="just" hangingPunct="0"/>
             <a:r>
-              <a:rPr lang="en-GB" dirty="0"/>
+              <a:rPr lang="en-GB" sz="2000" dirty="0">
+                <a:latin typeface="Times New Roman" panose="02020603050405020304" pitchFamily="18" charset="0"/>
+                <a:cs typeface="Times New Roman" panose="02020603050405020304" pitchFamily="18" charset="0"/>
+              </a:rPr>
               <a:t>Basic training for (Housemaid, guards, security persons and caretakers)</a:t>
             </a:r>
           </a:p>
           <a:p>
-            <a:pPr lvl="0" hangingPunct="0"/>
+            <a:pPr lvl="0" algn="just" hangingPunct="0"/>
             <a:r>
-              <a:rPr lang="en-GB" dirty="0"/>
+              <a:rPr lang="en-GB" sz="2000" dirty="0">
+                <a:latin typeface="Times New Roman" panose="02020603050405020304" pitchFamily="18" charset="0"/>
+                <a:cs typeface="Times New Roman" panose="02020603050405020304" pitchFamily="18" charset="0"/>
+              </a:rPr>
               <a:t>Basic training for Rescue and First Aid Team Training ( 15% of Office Staff Minimum 5 pers.)</a:t>
             </a:r>
-            <a:endParaRPr lang="en-US" dirty="0"/>
-          </a:p>
-          <a:p>
+            <a:endParaRPr lang="en-US" sz="2000" dirty="0">
+              <a:latin typeface="Times New Roman" panose="02020603050405020304" pitchFamily="18" charset="0"/>
+              <a:cs typeface="Times New Roman" panose="02020603050405020304" pitchFamily="18" charset="0"/>
+            </a:endParaRPr>
+          </a:p>
+          <a:p>
+            <a:pPr algn="just"/>
             <a:r>
-              <a:rPr lang="en-US" dirty="0"/>
+              <a:rPr lang="en-US" sz="2000" dirty="0">
+                <a:latin typeface="Times New Roman" panose="02020603050405020304" pitchFamily="18" charset="0"/>
+                <a:cs typeface="Times New Roman" panose="02020603050405020304" pitchFamily="18" charset="0"/>
+              </a:rPr>
               <a:t>Basic Training on road safety awareness for students, drivers, mothers and baby sitters or caregivers. </a:t>
             </a:r>
           </a:p>
@@ -9871,6 +9932,55 @@
           </a:extLst>
         </p:spPr>
       </p:pic>
+      <p:sp>
+        <p:nvSpPr>
+          <p:cNvPr id="9" name="TextBox 8">
+            <a:extLst>
+              <a:ext uri="{FF2B5EF4-FFF2-40B4-BE49-F238E27FC236}">
+                <a16:creationId xmlns:a16="http://schemas.microsoft.com/office/drawing/2014/main" id="{BF2597CD-F31B-483D-977A-BA0C38A1B7B3}"/>
+              </a:ext>
+            </a:extLst>
+          </p:cNvPr>
+          <p:cNvSpPr txBox="1"/>
+          <p:nvPr/>
+        </p:nvSpPr>
+        <p:spPr>
+          <a:xfrm>
+            <a:off x="163010" y="277625"/>
+            <a:ext cx="4408990" cy="523220"/>
+          </a:xfrm>
+          <a:prstGeom prst="rect">
+            <a:avLst/>
+          </a:prstGeom>
+          <a:noFill/>
+        </p:spPr>
+        <p:txBody>
+          <a:bodyPr wrap="square">
+            <a:spAutoFit/>
+          </a:bodyPr>
+          <a:lstStyle/>
+          <a:p>
+            <a:pPr algn="ctr"/>
+            <a:r>
+              <a:rPr lang="en-GB" sz="2800" b="1" dirty="0">
+                <a:solidFill>
+                  <a:schemeClr val="bg1"/>
+                </a:solidFill>
+                <a:latin typeface="Times New Roman" panose="02020603050405020304" pitchFamily="18" charset="0"/>
+                <a:cs typeface="Times New Roman" panose="02020603050405020304" pitchFamily="18" charset="0"/>
+              </a:rPr>
+              <a:t>Basic Fire Safety Training</a:t>
+            </a:r>
+            <a:endParaRPr lang="en-US" sz="2800" dirty="0">
+              <a:solidFill>
+                <a:schemeClr val="bg1"/>
+              </a:solidFill>
+              <a:latin typeface="Times New Roman" panose="02020603050405020304" pitchFamily="18" charset="0"/>
+              <a:cs typeface="Times New Roman" panose="02020603050405020304" pitchFamily="18" charset="0"/>
+            </a:endParaRPr>
+          </a:p>
+        </p:txBody>
+      </p:sp>
     </p:spTree>
     <p:extLst>
       <p:ext uri="{BB962C8B-B14F-4D97-AF65-F5344CB8AC3E}">
@@ -9902,7 +10012,7 @@
                             </p:stCondLst>
                             <p:childTnLst>
                               <p:par>
-                                <p:cTn id="5" presetID="10" presetClass="entr" presetSubtype="0" fill="hold" grpId="0" nodeType="clickEffect">
+                                <p:cTn id="5" presetID="22" presetClass="entr" presetSubtype="4" fill="hold" nodeType="clickEffect">
                                   <p:stCondLst>
                                     <p:cond delay="0"/>
                                   </p:stCondLst>
@@ -9915,9 +10025,7 @@
                                           </p:stCondLst>
                                         </p:cTn>
                                         <p:tgtEl>
-                                          <p:spTgt spid="3">
-                                            <p:bg/>
-                                          </p:spTgt>
+                                          <p:spTgt spid="7"/>
                                         </p:tgtEl>
                                         <p:attrNameLst>
                                           <p:attrName>style.visibility</p:attrName>
@@ -9927,13 +10035,11 @@
                                         <p:strVal val="visible"/>
                                       </p:to>
                                     </p:set>
-                                    <p:animEffect transition="in" filter="fade">
+                                    <p:animEffect transition="in" filter="wipe(down)">
                                       <p:cBhvr>
                                         <p:cTn id="7" dur="500"/>
                                         <p:tgtEl>
-                                          <p:spTgt spid="3">
-                                            <p:bg/>
-                                          </p:spTgt>
+                                          <p:spTgt spid="7"/>
                                         </p:tgtEl>
                                       </p:cBhvr>
                                     </p:animEffect>
@@ -9959,128 +10065,14 @@
                             </p:stCondLst>
                             <p:childTnLst>
                               <p:par>
-                                <p:cTn id="10" presetID="10" presetClass="entr" presetSubtype="0" fill="hold" grpId="0" nodeType="clickEffect">
-                                  <p:stCondLst>
-                                    <p:cond delay="0"/>
-                                  </p:stCondLst>
-                                  <p:childTnLst>
-                                    <p:set>
-                                      <p:cBhvr>
-                                        <p:cTn id="11" dur="1" fill="hold">
-                                          <p:stCondLst>
-                                            <p:cond delay="0"/>
-                                          </p:stCondLst>
-                                        </p:cTn>
-                                        <p:tgtEl>
-                                          <p:spTgt spid="3">
-                                            <p:txEl>
-                                              <p:pRg st="0" end="0"/>
-                                            </p:txEl>
-                                          </p:spTgt>
-                                        </p:tgtEl>
-                                        <p:attrNameLst>
-                                          <p:attrName>style.visibility</p:attrName>
-                                        </p:attrNameLst>
-                                      </p:cBhvr>
-                                      <p:to>
-                                        <p:strVal val="visible"/>
-                                      </p:to>
-                                    </p:set>
-                                    <p:animEffect transition="in" filter="fade">
-                                      <p:cBhvr>
-                                        <p:cTn id="12" dur="500"/>
-                                        <p:tgtEl>
-                                          <p:spTgt spid="3">
-                                            <p:txEl>
-                                              <p:pRg st="0" end="0"/>
-                                            </p:txEl>
-                                          </p:spTgt>
-                                        </p:tgtEl>
-                                      </p:cBhvr>
-                                    </p:animEffect>
-                                  </p:childTnLst>
-                                </p:cTn>
-                              </p:par>
-                            </p:childTnLst>
-                          </p:cTn>
-                        </p:par>
-                      </p:childTnLst>
-                    </p:cTn>
-                  </p:par>
-                  <p:par>
-                    <p:cTn id="13" fill="hold">
-                      <p:stCondLst>
-                        <p:cond delay="indefinite"/>
-                      </p:stCondLst>
-                      <p:childTnLst>
-                        <p:par>
-                          <p:cTn id="14" fill="hold">
-                            <p:stCondLst>
-                              <p:cond delay="0"/>
-                            </p:stCondLst>
-                            <p:childTnLst>
-                              <p:par>
-                                <p:cTn id="15" presetID="22" presetClass="entr" presetSubtype="4" fill="hold" nodeType="clickEffect">
-                                  <p:stCondLst>
-                                    <p:cond delay="0"/>
-                                  </p:stCondLst>
-                                  <p:childTnLst>
-                                    <p:set>
-                                      <p:cBhvr>
-                                        <p:cTn id="16" dur="1" fill="hold">
-                                          <p:stCondLst>
-                                            <p:cond delay="0"/>
-                                          </p:stCondLst>
-                                        </p:cTn>
-                                        <p:tgtEl>
-                                          <p:spTgt spid="7"/>
-                                        </p:tgtEl>
-                                        <p:attrNameLst>
-                                          <p:attrName>style.visibility</p:attrName>
-                                        </p:attrNameLst>
-                                      </p:cBhvr>
-                                      <p:to>
-                                        <p:strVal val="visible"/>
-                                      </p:to>
-                                    </p:set>
-                                    <p:animEffect transition="in" filter="wipe(down)">
-                                      <p:cBhvr>
-                                        <p:cTn id="17" dur="500"/>
-                                        <p:tgtEl>
-                                          <p:spTgt spid="7"/>
-                                        </p:tgtEl>
-                                      </p:cBhvr>
-                                    </p:animEffect>
-                                  </p:childTnLst>
-                                </p:cTn>
-                              </p:par>
-                            </p:childTnLst>
-                          </p:cTn>
-                        </p:par>
-                      </p:childTnLst>
-                    </p:cTn>
-                  </p:par>
-                  <p:par>
-                    <p:cTn id="18" fill="hold">
-                      <p:stCondLst>
-                        <p:cond delay="indefinite"/>
-                      </p:stCondLst>
-                      <p:childTnLst>
-                        <p:par>
-                          <p:cTn id="19" fill="hold">
-                            <p:stCondLst>
-                              <p:cond delay="0"/>
-                            </p:stCondLst>
-                            <p:childTnLst>
-                              <p:par>
-                                <p:cTn id="20" presetID="3" presetClass="emph" presetSubtype="2" fill="hold" nodeType="clickEffect">
+                                <p:cTn id="10" presetID="3" presetClass="emph" presetSubtype="2" fill="hold" nodeType="clickEffect">
                                   <p:stCondLst>
                                     <p:cond delay="0"/>
                                   </p:stCondLst>
                                   <p:childTnLst>
                                     <p:animClr clrSpc="rgb" dir="cw">
                                       <p:cBhvr override="childStyle">
-                                        <p:cTn id="21" dur="2000" fill="hold"/>
+                                        <p:cTn id="11" dur="2000" fill="hold"/>
                                         <p:tgtEl>
                                           <p:spTgt spid="4"/>
                                         </p:tgtEl>
@@ -10102,26 +10094,26 @@
                     </p:cTn>
                   </p:par>
                   <p:par>
-                    <p:cTn id="22" fill="hold">
+                    <p:cTn id="12" fill="hold">
                       <p:stCondLst>
                         <p:cond delay="indefinite"/>
                       </p:stCondLst>
                       <p:childTnLst>
                         <p:par>
-                          <p:cTn id="23" fill="hold">
+                          <p:cTn id="13" fill="hold">
                             <p:stCondLst>
                               <p:cond delay="0"/>
                             </p:stCondLst>
                             <p:childTnLst>
                               <p:par>
-                                <p:cTn id="24" presetID="31" presetClass="entr" presetSubtype="0" fill="hold" nodeType="clickEffect">
+                                <p:cTn id="14" presetID="31" presetClass="entr" presetSubtype="0" fill="hold" nodeType="clickEffect">
                                   <p:stCondLst>
                                     <p:cond delay="0"/>
                                   </p:stCondLst>
                                   <p:childTnLst>
                                     <p:set>
                                       <p:cBhvr>
-                                        <p:cTn id="25" dur="1" fill="hold">
+                                        <p:cTn id="15" dur="1" fill="hold">
                                           <p:stCondLst>
                                             <p:cond delay="0"/>
                                           </p:stCondLst>
@@ -10139,7 +10131,7 @@
                                     </p:set>
                                     <p:anim calcmode="lin" valueType="num">
                                       <p:cBhvr>
-                                        <p:cTn id="26" dur="1000" fill="hold"/>
+                                        <p:cTn id="16" dur="1000" fill="hold"/>
                                         <p:tgtEl>
                                           <p:spTgt spid="6"/>
                                         </p:tgtEl>
@@ -10162,7 +10154,7 @@
                                     </p:anim>
                                     <p:anim calcmode="lin" valueType="num">
                                       <p:cBhvr>
-                                        <p:cTn id="27" dur="1000" fill="hold"/>
+                                        <p:cTn id="17" dur="1000" fill="hold"/>
                                         <p:tgtEl>
                                           <p:spTgt spid="6"/>
                                         </p:tgtEl>
@@ -10185,7 +10177,7 @@
                                     </p:anim>
                                     <p:anim calcmode="lin" valueType="num">
                                       <p:cBhvr>
-                                        <p:cTn id="28" dur="1000" fill="hold"/>
+                                        <p:cTn id="18" dur="1000" fill="hold"/>
                                         <p:tgtEl>
                                           <p:spTgt spid="6"/>
                                         </p:tgtEl>
@@ -10208,7 +10200,7 @@
                                     </p:anim>
                                     <p:animEffect transition="in" filter="fade">
                                       <p:cBhvr>
-                                        <p:cTn id="29" dur="1000"/>
+                                        <p:cTn id="19" dur="1000"/>
                                         <p:tgtEl>
                                           <p:spTgt spid="6"/>
                                         </p:tgtEl>
@@ -10244,9 +10236,6 @@
         </p:cTn>
       </p:par>
     </p:tnLst>
-    <p:bldLst>
-      <p:bldP spid="3" grpId="0" build="p" animBg="1"/>
-    </p:bldLst>
   </p:timing>
 </p:sld>
 </file>
@@ -10270,39 +10259,6 @@
       </p:grpSpPr>
       <p:sp>
         <p:nvSpPr>
-          <p:cNvPr id="2" name="Title 1"/>
-          <p:cNvSpPr>
-            <a:spLocks noGrp="1"/>
-          </p:cNvSpPr>
-          <p:nvPr>
-            <p:ph type="title"/>
-          </p:nvPr>
-        </p:nvSpPr>
-        <p:spPr>
-          <a:xfrm>
-            <a:off x="0" y="61256"/>
-            <a:ext cx="8229600" cy="857250"/>
-          </a:xfrm>
-          <a:solidFill>
-            <a:schemeClr val="bg1"/>
-          </a:solidFill>
-        </p:spPr>
-        <p:txBody>
-          <a:bodyPr>
-            <a:normAutofit/>
-          </a:bodyPr>
-          <a:lstStyle/>
-          <a:p>
-            <a:pPr algn="l"/>
-            <a:r>
-              <a:rPr lang="en-US" sz="3200" dirty="0"/>
-              <a:t>Minimum Participation from Every House </a:t>
-            </a:r>
-          </a:p>
-        </p:txBody>
-      </p:sp>
-      <p:sp>
-        <p:nvSpPr>
           <p:cNvPr id="3" name="Content Placeholder 2"/>
           <p:cNvSpPr>
             <a:spLocks noGrp="1"/>
@@ -10311,62 +10267,89 @@
             <p:ph sz="half" idx="1"/>
           </p:nvPr>
         </p:nvSpPr>
-        <p:spPr/>
+        <p:spPr>
+          <a:xfrm>
+            <a:off x="457200" y="1200151"/>
+            <a:ext cx="4038600" cy="2745944"/>
+          </a:xfrm>
+        </p:spPr>
         <p:txBody>
           <a:bodyPr>
             <a:normAutofit/>
           </a:bodyPr>
           <a:lstStyle/>
           <a:p>
-            <a:pPr marL="0" indent="0">
+            <a:pPr marL="0" indent="0" algn="just">
               <a:buNone/>
             </a:pPr>
             <a:r>
-              <a:rPr lang="en-US" sz="1800" b="1" dirty="0"/>
+              <a:rPr lang="en-US" sz="1600" b="1" dirty="0">
+                <a:latin typeface="Times New Roman" panose="02020603050405020304" pitchFamily="18" charset="0"/>
+                <a:cs typeface="Times New Roman" panose="02020603050405020304" pitchFamily="18" charset="0"/>
+              </a:rPr>
               <a:t>From high rise Building (=&gt;10 Stored)</a:t>
             </a:r>
           </a:p>
           <a:p>
+            <a:pPr algn="just"/>
             <a:r>
-              <a:rPr lang="en-US" sz="1600" dirty="0"/>
+              <a:rPr lang="en-US" sz="1600" dirty="0">
+                <a:latin typeface="Times New Roman" panose="02020603050405020304" pitchFamily="18" charset="0"/>
+                <a:cs typeface="Times New Roman" panose="02020603050405020304" pitchFamily="18" charset="0"/>
+              </a:rPr>
               <a:t>Every Flat – (1 Pers. Housemaid and 1 Pers. Owner party)</a:t>
             </a:r>
           </a:p>
           <a:p>
+            <a:pPr algn="just"/>
             <a:r>
-              <a:rPr lang="en-US" sz="1600" dirty="0"/>
+              <a:rPr lang="en-US" sz="1600" dirty="0">
+                <a:latin typeface="Times New Roman" panose="02020603050405020304" pitchFamily="18" charset="0"/>
+                <a:cs typeface="Times New Roman" panose="02020603050405020304" pitchFamily="18" charset="0"/>
+              </a:rPr>
               <a:t>For security guards (Min 5 pers. periodically)</a:t>
             </a:r>
           </a:p>
           <a:p>
-            <a:pPr marL="0" indent="0">
+            <a:pPr marL="0" indent="0" algn="just">
               <a:buNone/>
             </a:pPr>
-            <a:endParaRPr lang="en-US" sz="1600" dirty="0"/>
-          </a:p>
-          <a:p>
-            <a:pPr marL="0" indent="0">
+            <a:endParaRPr lang="en-US" sz="1600" dirty="0">
+              <a:latin typeface="Times New Roman" panose="02020603050405020304" pitchFamily="18" charset="0"/>
+              <a:cs typeface="Times New Roman" panose="02020603050405020304" pitchFamily="18" charset="0"/>
+            </a:endParaRPr>
+          </a:p>
+          <a:p>
+            <a:pPr marL="0" indent="0" algn="just">
               <a:buNone/>
             </a:pPr>
             <a:r>
-              <a:rPr lang="en-US" sz="1800" b="1" dirty="0"/>
+              <a:rPr lang="en-US" sz="1600" b="1" dirty="0">
+                <a:latin typeface="Times New Roman" panose="02020603050405020304" pitchFamily="18" charset="0"/>
+                <a:cs typeface="Times New Roman" panose="02020603050405020304" pitchFamily="18" charset="0"/>
+              </a:rPr>
               <a:t>From General Building</a:t>
             </a:r>
           </a:p>
           <a:p>
+            <a:pPr algn="just"/>
             <a:r>
-              <a:rPr lang="en-US" sz="1600" dirty="0"/>
+              <a:rPr lang="en-US" sz="1600" dirty="0">
+                <a:latin typeface="Times New Roman" panose="02020603050405020304" pitchFamily="18" charset="0"/>
+                <a:cs typeface="Times New Roman" panose="02020603050405020304" pitchFamily="18" charset="0"/>
+              </a:rPr>
               <a:t>Every Floor (3 Pers.)</a:t>
             </a:r>
           </a:p>
           <a:p>
+            <a:pPr algn="just"/>
             <a:r>
-              <a:rPr lang="en-US" sz="1600" dirty="0"/>
+              <a:rPr lang="en-US" sz="1600" dirty="0">
+                <a:latin typeface="Times New Roman" panose="02020603050405020304" pitchFamily="18" charset="0"/>
+                <a:cs typeface="Times New Roman" panose="02020603050405020304" pitchFamily="18" charset="0"/>
+              </a:rPr>
               <a:t>All security guards (Min 4 Pers.)</a:t>
             </a:r>
-          </a:p>
-          <a:p>
-            <a:endParaRPr lang="en-US" sz="1600" dirty="0"/>
           </a:p>
         </p:txBody>
       </p:sp>
@@ -10392,36 +10375,96 @@
           </a:bodyPr>
           <a:lstStyle/>
           <a:p>
-            <a:pPr marL="0" indent="0">
+            <a:pPr marL="0" indent="0" algn="just">
               <a:buNone/>
             </a:pPr>
             <a:r>
-              <a:rPr lang="en-US" sz="2000" b="1" dirty="0"/>
+              <a:rPr lang="en-US" sz="1600" b="1" dirty="0">
+                <a:latin typeface="Times New Roman" panose="02020603050405020304" pitchFamily="18" charset="0"/>
+                <a:cs typeface="Times New Roman" panose="02020603050405020304" pitchFamily="18" charset="0"/>
+              </a:rPr>
               <a:t>For Commercial Buildings</a:t>
             </a:r>
           </a:p>
           <a:p>
+            <a:pPr algn="just"/>
             <a:r>
-              <a:rPr lang="en-US" sz="1800" dirty="0"/>
+              <a:rPr lang="en-US" sz="1600" dirty="0">
+                <a:latin typeface="Times New Roman" panose="02020603050405020304" pitchFamily="18" charset="0"/>
+                <a:cs typeface="Times New Roman" panose="02020603050405020304" pitchFamily="18" charset="0"/>
+              </a:rPr>
               <a:t>Every Floor (4 Pers.)</a:t>
             </a:r>
           </a:p>
           <a:p>
+            <a:pPr algn="just"/>
             <a:r>
-              <a:rPr lang="en-US" sz="1800" dirty="0"/>
+              <a:rPr lang="en-US" sz="1600" dirty="0">
+                <a:latin typeface="Times New Roman" panose="02020603050405020304" pitchFamily="18" charset="0"/>
+                <a:cs typeface="Times New Roman" panose="02020603050405020304" pitchFamily="18" charset="0"/>
+              </a:rPr>
               <a:t>Security Guard (Min 5 Pers.)</a:t>
             </a:r>
           </a:p>
           <a:p>
+            <a:pPr algn="just"/>
             <a:r>
-              <a:rPr lang="en-US" sz="1800" dirty="0"/>
+              <a:rPr lang="en-US" sz="1600" dirty="0">
+                <a:latin typeface="Times New Roman" panose="02020603050405020304" pitchFamily="18" charset="0"/>
+                <a:cs typeface="Times New Roman" panose="02020603050405020304" pitchFamily="18" charset="0"/>
+              </a:rPr>
               <a:t>Higher Management stake holders (Min 5 Pers. from Building)</a:t>
             </a:r>
           </a:p>
           <a:p>
+            <a:pPr algn="just"/>
             <a:r>
-              <a:rPr lang="en-US" sz="1800" dirty="0"/>
+              <a:rPr lang="en-US" sz="1600" dirty="0">
+                <a:latin typeface="Times New Roman" panose="02020603050405020304" pitchFamily="18" charset="0"/>
+                <a:cs typeface="Times New Roman" panose="02020603050405020304" pitchFamily="18" charset="0"/>
+              </a:rPr>
               <a:t>Internal Associations members (Min. 5 pers. From Building)</a:t>
+            </a:r>
+          </a:p>
+        </p:txBody>
+      </p:sp>
+      <p:sp>
+        <p:nvSpPr>
+          <p:cNvPr id="6" name="Title 5">
+            <a:extLst>
+              <a:ext uri="{FF2B5EF4-FFF2-40B4-BE49-F238E27FC236}">
+                <a16:creationId xmlns:a16="http://schemas.microsoft.com/office/drawing/2014/main" id="{B489A341-C443-4640-B581-A46F34A16DA0}"/>
+              </a:ext>
+            </a:extLst>
+          </p:cNvPr>
+          <p:cNvSpPr>
+            <a:spLocks noGrp="1"/>
+          </p:cNvSpPr>
+          <p:nvPr>
+            <p:ph type="title"/>
+          </p:nvPr>
+        </p:nvSpPr>
+        <p:spPr>
+          <a:xfrm>
+            <a:off x="296260" y="52575"/>
+            <a:ext cx="4351939" cy="857250"/>
+          </a:xfrm>
+        </p:spPr>
+        <p:txBody>
+          <a:bodyPr>
+            <a:noAutofit/>
+          </a:bodyPr>
+          <a:lstStyle/>
+          <a:p>
+            <a:r>
+              <a:rPr lang="en-US" sz="3200" b="1" dirty="0">
+                <a:solidFill>
+                  <a:schemeClr val="bg1"/>
+                </a:solidFill>
+                <a:latin typeface="Times New Roman" panose="02020603050405020304" pitchFamily="18" charset="0"/>
+                <a:cs typeface="Times New Roman" panose="02020603050405020304" pitchFamily="18" charset="0"/>
+              </a:rPr>
+              <a:t>Minimum Participation from Every House</a:t>
             </a:r>
           </a:p>
         </p:txBody>
@@ -10458,25 +10501,6 @@
       </p:grpSpPr>
       <p:sp>
         <p:nvSpPr>
-          <p:cNvPr id="2" name="Title 1"/>
-          <p:cNvSpPr>
-            <a:spLocks noGrp="1"/>
-          </p:cNvSpPr>
-          <p:nvPr>
-            <p:ph type="title"/>
-          </p:nvPr>
-        </p:nvSpPr>
-        <p:spPr/>
-        <p:txBody>
-          <a:bodyPr/>
-          <a:lstStyle/>
-          <a:p>
-            <a:endParaRPr lang="en-US"/>
-          </a:p>
-        </p:txBody>
-      </p:sp>
-      <p:sp>
-        <p:nvSpPr>
           <p:cNvPr id="3" name="Content Placeholder 2"/>
           <p:cNvSpPr>
             <a:spLocks noGrp="1"/>
@@ -10485,40 +10509,664 @@
             <p:ph sz="half" idx="1"/>
           </p:nvPr>
         </p:nvSpPr>
-        <p:spPr/>
+        <p:spPr>
+          <a:xfrm>
+            <a:off x="2586835" y="1128322"/>
+            <a:ext cx="3970330" cy="443575"/>
+          </a:xfrm>
+        </p:spPr>
         <p:txBody>
-          <a:bodyPr/>
+          <a:bodyPr>
+            <a:normAutofit fontScale="92500" lnSpcReduction="20000"/>
+          </a:bodyPr>
           <a:lstStyle/>
           <a:p>
+            <a:pPr marL="0" indent="0" algn="ctr">
+              <a:buNone/>
+            </a:pPr>
             <a:r>
-              <a:rPr lang="en-US" dirty="0"/>
-              <a:t>Total Target </a:t>
-            </a:r>
-          </a:p>
-          <a:p>
-            <a:r>
-              <a:rPr lang="en-US" dirty="0"/>
-              <a:t>50,000 Nos.</a:t>
+              <a:rPr lang="en-US" b="1" dirty="0">
+                <a:latin typeface="Times New Roman" panose="02020603050405020304" pitchFamily="18" charset="0"/>
+                <a:cs typeface="Times New Roman" panose="02020603050405020304" pitchFamily="18" charset="0"/>
+              </a:rPr>
+              <a:t>Total Target: 50,000 nos</a:t>
             </a:r>
           </a:p>
         </p:txBody>
       </p:sp>
       <p:sp>
         <p:nvSpPr>
-          <p:cNvPr id="4" name="Content Placeholder 3"/>
-          <p:cNvSpPr>
-            <a:spLocks noGrp="1"/>
+          <p:cNvPr id="6" name="TextBox 5">
+            <a:extLst>
+              <a:ext uri="{FF2B5EF4-FFF2-40B4-BE49-F238E27FC236}">
+                <a16:creationId xmlns:a16="http://schemas.microsoft.com/office/drawing/2014/main" id="{22BAE62D-4F70-4AFF-A981-AA90758979D5}"/>
+              </a:ext>
+            </a:extLst>
+          </p:cNvPr>
+          <p:cNvSpPr txBox="1"/>
+          <p:nvPr/>
+        </p:nvSpPr>
+        <p:spPr>
+          <a:xfrm>
+            <a:off x="601670" y="281175"/>
+            <a:ext cx="3057760" cy="584775"/>
+          </a:xfrm>
+          <a:prstGeom prst="rect">
+            <a:avLst/>
+          </a:prstGeom>
+          <a:noFill/>
+        </p:spPr>
+        <p:txBody>
+          <a:bodyPr wrap="square">
+            <a:spAutoFit/>
+          </a:bodyPr>
+          <a:lstStyle/>
+          <a:p>
+            <a:pPr marL="0" marR="0" algn="just" hangingPunct="0">
+              <a:spcBef>
+                <a:spcPts val="0"/>
+              </a:spcBef>
+              <a:spcAft>
+                <a:spcPts val="0"/>
+              </a:spcAft>
+            </a:pPr>
+            <a:r>
+              <a:rPr lang="en-GB" sz="3200" b="1" dirty="0">
+                <a:solidFill>
+                  <a:schemeClr val="bg1"/>
+                </a:solidFill>
+                <a:effectLst/>
+                <a:latin typeface="Times New Roman" panose="02020603050405020304" pitchFamily="18" charset="0"/>
+                <a:cs typeface="Times New Roman" panose="02020603050405020304" pitchFamily="18" charset="0"/>
+              </a:rPr>
+              <a:t>Training Target</a:t>
+            </a:r>
+            <a:endParaRPr lang="en-US" sz="3200" b="1" dirty="0">
+              <a:solidFill>
+                <a:schemeClr val="bg1"/>
+              </a:solidFill>
+              <a:effectLst/>
+              <a:latin typeface="Times New Roman" panose="02020603050405020304" pitchFamily="18" charset="0"/>
+              <a:ea typeface="Times New Roman" panose="02020603050405020304" pitchFamily="18" charset="0"/>
+              <a:cs typeface="Times New Roman" panose="02020603050405020304" pitchFamily="18" charset="0"/>
+            </a:endParaRPr>
+          </a:p>
+        </p:txBody>
+      </p:sp>
+      <p:sp>
+        <p:nvSpPr>
+          <p:cNvPr id="7" name="Content Placeholder 2">
+            <a:extLst>
+              <a:ext uri="{FF2B5EF4-FFF2-40B4-BE49-F238E27FC236}">
+                <a16:creationId xmlns:a16="http://schemas.microsoft.com/office/drawing/2014/main" id="{D1C54780-1118-4D71-B413-1974FE12A424}"/>
+              </a:ext>
+            </a:extLst>
+          </p:cNvPr>
+          <p:cNvSpPr txBox="1">
+            <a:spLocks/>
           </p:cNvSpPr>
-          <p:nvPr>
-            <p:ph sz="half" idx="2"/>
-          </p:nvPr>
+          <p:nvPr/>
         </p:nvSpPr>
-        <p:spPr/>
+        <p:spPr>
+          <a:xfrm>
+            <a:off x="601670" y="1834269"/>
+            <a:ext cx="3359511" cy="737481"/>
+          </a:xfrm>
+          <a:prstGeom prst="rect">
+            <a:avLst/>
+          </a:prstGeom>
+        </p:spPr>
         <p:txBody>
-          <a:bodyPr/>
-          <a:lstStyle/>
-          <a:p>
-            <a:endParaRPr lang="en-US"/>
+          <a:bodyPr vert="horz" lIns="91440" tIns="45720" rIns="91440" bIns="45720" rtlCol="0">
+            <a:normAutofit fontScale="25000" lnSpcReduction="20000"/>
+          </a:bodyPr>
+          <a:lstStyle>
+            <a:lvl1pPr marL="342900" indent="-342900" algn="l" defTabSz="914400" rtl="0" eaLnBrk="1" latinLnBrk="0" hangingPunct="1">
+              <a:spcBef>
+                <a:spcPct val="20000"/>
+              </a:spcBef>
+              <a:buFont typeface="Arial" pitchFamily="34" charset="0"/>
+              <a:buChar char="•"/>
+              <a:defRPr sz="2800" kern="1200">
+                <a:solidFill>
+                  <a:schemeClr val="tx1"/>
+                </a:solidFill>
+                <a:latin typeface="+mn-lt"/>
+                <a:ea typeface="+mn-ea"/>
+                <a:cs typeface="+mn-cs"/>
+              </a:defRPr>
+            </a:lvl1pPr>
+            <a:lvl2pPr marL="742950" indent="-285750" algn="l" defTabSz="914400" rtl="0" eaLnBrk="1" latinLnBrk="0" hangingPunct="1">
+              <a:spcBef>
+                <a:spcPct val="20000"/>
+              </a:spcBef>
+              <a:buFont typeface="Arial" pitchFamily="34" charset="0"/>
+              <a:buChar char="–"/>
+              <a:defRPr sz="2400" kern="1200">
+                <a:solidFill>
+                  <a:schemeClr val="tx1"/>
+                </a:solidFill>
+                <a:latin typeface="+mn-lt"/>
+                <a:ea typeface="+mn-ea"/>
+                <a:cs typeface="+mn-cs"/>
+              </a:defRPr>
+            </a:lvl2pPr>
+            <a:lvl3pPr marL="1143000" indent="-228600" algn="l" defTabSz="914400" rtl="0" eaLnBrk="1" latinLnBrk="0" hangingPunct="1">
+              <a:spcBef>
+                <a:spcPct val="20000"/>
+              </a:spcBef>
+              <a:buFont typeface="Arial" pitchFamily="34" charset="0"/>
+              <a:buChar char="•"/>
+              <a:defRPr sz="2000" kern="1200">
+                <a:solidFill>
+                  <a:schemeClr val="tx1"/>
+                </a:solidFill>
+                <a:latin typeface="+mn-lt"/>
+                <a:ea typeface="+mn-ea"/>
+                <a:cs typeface="+mn-cs"/>
+              </a:defRPr>
+            </a:lvl3pPr>
+            <a:lvl4pPr marL="1600200" indent="-228600" algn="l" defTabSz="914400" rtl="0" eaLnBrk="1" latinLnBrk="0" hangingPunct="1">
+              <a:spcBef>
+                <a:spcPct val="20000"/>
+              </a:spcBef>
+              <a:buFont typeface="Arial" pitchFamily="34" charset="0"/>
+              <a:buChar char="–"/>
+              <a:defRPr sz="1800" kern="1200">
+                <a:solidFill>
+                  <a:schemeClr val="tx1"/>
+                </a:solidFill>
+                <a:latin typeface="+mn-lt"/>
+                <a:ea typeface="+mn-ea"/>
+                <a:cs typeface="+mn-cs"/>
+              </a:defRPr>
+            </a:lvl4pPr>
+            <a:lvl5pPr marL="2057400" indent="-228600" algn="l" defTabSz="914400" rtl="0" eaLnBrk="1" latinLnBrk="0" hangingPunct="1">
+              <a:spcBef>
+                <a:spcPct val="20000"/>
+              </a:spcBef>
+              <a:buFont typeface="Arial" pitchFamily="34" charset="0"/>
+              <a:buChar char="»"/>
+              <a:defRPr sz="1800" kern="1200">
+                <a:solidFill>
+                  <a:schemeClr val="tx1"/>
+                </a:solidFill>
+                <a:latin typeface="+mn-lt"/>
+                <a:ea typeface="+mn-ea"/>
+                <a:cs typeface="+mn-cs"/>
+              </a:defRPr>
+            </a:lvl5pPr>
+            <a:lvl6pPr marL="2514600" indent="-228600" algn="l" defTabSz="914400" rtl="0" eaLnBrk="1" latinLnBrk="0" hangingPunct="1">
+              <a:spcBef>
+                <a:spcPct val="20000"/>
+              </a:spcBef>
+              <a:buFont typeface="Arial" pitchFamily="34" charset="0"/>
+              <a:buChar char="•"/>
+              <a:defRPr sz="1800" kern="1200">
+                <a:solidFill>
+                  <a:schemeClr val="tx1"/>
+                </a:solidFill>
+                <a:latin typeface="+mn-lt"/>
+                <a:ea typeface="+mn-ea"/>
+                <a:cs typeface="+mn-cs"/>
+              </a:defRPr>
+            </a:lvl6pPr>
+            <a:lvl7pPr marL="2971800" indent="-228600" algn="l" defTabSz="914400" rtl="0" eaLnBrk="1" latinLnBrk="0" hangingPunct="1">
+              <a:spcBef>
+                <a:spcPct val="20000"/>
+              </a:spcBef>
+              <a:buFont typeface="Arial" pitchFamily="34" charset="0"/>
+              <a:buChar char="•"/>
+              <a:defRPr sz="1800" kern="1200">
+                <a:solidFill>
+                  <a:schemeClr val="tx1"/>
+                </a:solidFill>
+                <a:latin typeface="+mn-lt"/>
+                <a:ea typeface="+mn-ea"/>
+                <a:cs typeface="+mn-cs"/>
+              </a:defRPr>
+            </a:lvl7pPr>
+            <a:lvl8pPr marL="3429000" indent="-228600" algn="l" defTabSz="914400" rtl="0" eaLnBrk="1" latinLnBrk="0" hangingPunct="1">
+              <a:spcBef>
+                <a:spcPct val="20000"/>
+              </a:spcBef>
+              <a:buFont typeface="Arial" pitchFamily="34" charset="0"/>
+              <a:buChar char="•"/>
+              <a:defRPr sz="1800" kern="1200">
+                <a:solidFill>
+                  <a:schemeClr val="tx1"/>
+                </a:solidFill>
+                <a:latin typeface="+mn-lt"/>
+                <a:ea typeface="+mn-ea"/>
+                <a:cs typeface="+mn-cs"/>
+              </a:defRPr>
+            </a:lvl8pPr>
+            <a:lvl9pPr marL="3886200" indent="-228600" algn="l" defTabSz="914400" rtl="0" eaLnBrk="1" latinLnBrk="0" hangingPunct="1">
+              <a:spcBef>
+                <a:spcPct val="20000"/>
+              </a:spcBef>
+              <a:buFont typeface="Arial" pitchFamily="34" charset="0"/>
+              <a:buChar char="•"/>
+              <a:defRPr sz="1800" kern="1200">
+                <a:solidFill>
+                  <a:schemeClr val="tx1"/>
+                </a:solidFill>
+                <a:latin typeface="+mn-lt"/>
+                <a:ea typeface="+mn-ea"/>
+                <a:cs typeface="+mn-cs"/>
+              </a:defRPr>
+            </a:lvl9pPr>
+          </a:lstStyle>
+          <a:p>
+            <a:pPr marL="0" indent="0" algn="just">
+              <a:buFont typeface="Arial" pitchFamily="34" charset="0"/>
+              <a:buNone/>
+            </a:pPr>
+            <a:r>
+              <a:rPr lang="en-US" sz="7200" b="1" dirty="0">
+                <a:latin typeface="Times New Roman" panose="02020603050405020304" pitchFamily="18" charset="0"/>
+                <a:cs typeface="Times New Roman" panose="02020603050405020304" pitchFamily="18" charset="0"/>
+              </a:rPr>
+              <a:t>Category A: Officials and Above</a:t>
+            </a:r>
+          </a:p>
+          <a:p>
+            <a:pPr algn="just">
+              <a:buFont typeface="Wingdings" panose="05000000000000000000" pitchFamily="2" charset="2"/>
+              <a:buChar char="§"/>
+            </a:pPr>
+            <a:r>
+              <a:rPr lang="en-US" sz="6400" dirty="0">
+                <a:latin typeface="Times New Roman" panose="02020603050405020304" pitchFamily="18" charset="0"/>
+                <a:cs typeface="Times New Roman" panose="02020603050405020304" pitchFamily="18" charset="0"/>
+              </a:rPr>
+              <a:t>10,000 nos</a:t>
+            </a:r>
+          </a:p>
+        </p:txBody>
+      </p:sp>
+      <p:sp>
+        <p:nvSpPr>
+          <p:cNvPr id="8" name="Content Placeholder 2">
+            <a:extLst>
+              <a:ext uri="{FF2B5EF4-FFF2-40B4-BE49-F238E27FC236}">
+                <a16:creationId xmlns:a16="http://schemas.microsoft.com/office/drawing/2014/main" id="{B4697C4A-6420-4555-ACBC-6B7D9F08F1C8}"/>
+              </a:ext>
+            </a:extLst>
+          </p:cNvPr>
+          <p:cNvSpPr txBox="1">
+            <a:spLocks/>
+          </p:cNvSpPr>
+          <p:nvPr/>
+        </p:nvSpPr>
+        <p:spPr>
+          <a:xfrm>
+            <a:off x="2281425" y="2646585"/>
+            <a:ext cx="3817625" cy="737481"/>
+          </a:xfrm>
+          <a:prstGeom prst="rect">
+            <a:avLst/>
+          </a:prstGeom>
+        </p:spPr>
+        <p:txBody>
+          <a:bodyPr vert="horz" lIns="91440" tIns="45720" rIns="91440" bIns="45720" rtlCol="0">
+            <a:normAutofit fontScale="92500"/>
+          </a:bodyPr>
+          <a:lstStyle>
+            <a:lvl1pPr marL="342900" indent="-342900" algn="l" defTabSz="914400" rtl="0" eaLnBrk="1" latinLnBrk="0" hangingPunct="1">
+              <a:spcBef>
+                <a:spcPct val="20000"/>
+              </a:spcBef>
+              <a:buFont typeface="Arial" pitchFamily="34" charset="0"/>
+              <a:buChar char="•"/>
+              <a:defRPr sz="2800" kern="1200">
+                <a:solidFill>
+                  <a:schemeClr val="tx1"/>
+                </a:solidFill>
+                <a:latin typeface="+mn-lt"/>
+                <a:ea typeface="+mn-ea"/>
+                <a:cs typeface="+mn-cs"/>
+              </a:defRPr>
+            </a:lvl1pPr>
+            <a:lvl2pPr marL="742950" indent="-285750" algn="l" defTabSz="914400" rtl="0" eaLnBrk="1" latinLnBrk="0" hangingPunct="1">
+              <a:spcBef>
+                <a:spcPct val="20000"/>
+              </a:spcBef>
+              <a:buFont typeface="Arial" pitchFamily="34" charset="0"/>
+              <a:buChar char="–"/>
+              <a:defRPr sz="2400" kern="1200">
+                <a:solidFill>
+                  <a:schemeClr val="tx1"/>
+                </a:solidFill>
+                <a:latin typeface="+mn-lt"/>
+                <a:ea typeface="+mn-ea"/>
+                <a:cs typeface="+mn-cs"/>
+              </a:defRPr>
+            </a:lvl2pPr>
+            <a:lvl3pPr marL="1143000" indent="-228600" algn="l" defTabSz="914400" rtl="0" eaLnBrk="1" latinLnBrk="0" hangingPunct="1">
+              <a:spcBef>
+                <a:spcPct val="20000"/>
+              </a:spcBef>
+              <a:buFont typeface="Arial" pitchFamily="34" charset="0"/>
+              <a:buChar char="•"/>
+              <a:defRPr sz="2000" kern="1200">
+                <a:solidFill>
+                  <a:schemeClr val="tx1"/>
+                </a:solidFill>
+                <a:latin typeface="+mn-lt"/>
+                <a:ea typeface="+mn-ea"/>
+                <a:cs typeface="+mn-cs"/>
+              </a:defRPr>
+            </a:lvl3pPr>
+            <a:lvl4pPr marL="1600200" indent="-228600" algn="l" defTabSz="914400" rtl="0" eaLnBrk="1" latinLnBrk="0" hangingPunct="1">
+              <a:spcBef>
+                <a:spcPct val="20000"/>
+              </a:spcBef>
+              <a:buFont typeface="Arial" pitchFamily="34" charset="0"/>
+              <a:buChar char="–"/>
+              <a:defRPr sz="1800" kern="1200">
+                <a:solidFill>
+                  <a:schemeClr val="tx1"/>
+                </a:solidFill>
+                <a:latin typeface="+mn-lt"/>
+                <a:ea typeface="+mn-ea"/>
+                <a:cs typeface="+mn-cs"/>
+              </a:defRPr>
+            </a:lvl4pPr>
+            <a:lvl5pPr marL="2057400" indent="-228600" algn="l" defTabSz="914400" rtl="0" eaLnBrk="1" latinLnBrk="0" hangingPunct="1">
+              <a:spcBef>
+                <a:spcPct val="20000"/>
+              </a:spcBef>
+              <a:buFont typeface="Arial" pitchFamily="34" charset="0"/>
+              <a:buChar char="»"/>
+              <a:defRPr sz="1800" kern="1200">
+                <a:solidFill>
+                  <a:schemeClr val="tx1"/>
+                </a:solidFill>
+                <a:latin typeface="+mn-lt"/>
+                <a:ea typeface="+mn-ea"/>
+                <a:cs typeface="+mn-cs"/>
+              </a:defRPr>
+            </a:lvl5pPr>
+            <a:lvl6pPr marL="2514600" indent="-228600" algn="l" defTabSz="914400" rtl="0" eaLnBrk="1" latinLnBrk="0" hangingPunct="1">
+              <a:spcBef>
+                <a:spcPct val="20000"/>
+              </a:spcBef>
+              <a:buFont typeface="Arial" pitchFamily="34" charset="0"/>
+              <a:buChar char="•"/>
+              <a:defRPr sz="1800" kern="1200">
+                <a:solidFill>
+                  <a:schemeClr val="tx1"/>
+                </a:solidFill>
+                <a:latin typeface="+mn-lt"/>
+                <a:ea typeface="+mn-ea"/>
+                <a:cs typeface="+mn-cs"/>
+              </a:defRPr>
+            </a:lvl6pPr>
+            <a:lvl7pPr marL="2971800" indent="-228600" algn="l" defTabSz="914400" rtl="0" eaLnBrk="1" latinLnBrk="0" hangingPunct="1">
+              <a:spcBef>
+                <a:spcPct val="20000"/>
+              </a:spcBef>
+              <a:buFont typeface="Arial" pitchFamily="34" charset="0"/>
+              <a:buChar char="•"/>
+              <a:defRPr sz="1800" kern="1200">
+                <a:solidFill>
+                  <a:schemeClr val="tx1"/>
+                </a:solidFill>
+                <a:latin typeface="+mn-lt"/>
+                <a:ea typeface="+mn-ea"/>
+                <a:cs typeface="+mn-cs"/>
+              </a:defRPr>
+            </a:lvl7pPr>
+            <a:lvl8pPr marL="3429000" indent="-228600" algn="l" defTabSz="914400" rtl="0" eaLnBrk="1" latinLnBrk="0" hangingPunct="1">
+              <a:spcBef>
+                <a:spcPct val="20000"/>
+              </a:spcBef>
+              <a:buFont typeface="Arial" pitchFamily="34" charset="0"/>
+              <a:buChar char="•"/>
+              <a:defRPr sz="1800" kern="1200">
+                <a:solidFill>
+                  <a:schemeClr val="tx1"/>
+                </a:solidFill>
+                <a:latin typeface="+mn-lt"/>
+                <a:ea typeface="+mn-ea"/>
+                <a:cs typeface="+mn-cs"/>
+              </a:defRPr>
+            </a:lvl8pPr>
+            <a:lvl9pPr marL="3886200" indent="-228600" algn="l" defTabSz="914400" rtl="0" eaLnBrk="1" latinLnBrk="0" hangingPunct="1">
+              <a:spcBef>
+                <a:spcPct val="20000"/>
+              </a:spcBef>
+              <a:buFont typeface="Arial" pitchFamily="34" charset="0"/>
+              <a:buChar char="•"/>
+              <a:defRPr sz="1800" kern="1200">
+                <a:solidFill>
+                  <a:schemeClr val="tx1"/>
+                </a:solidFill>
+                <a:latin typeface="+mn-lt"/>
+                <a:ea typeface="+mn-ea"/>
+                <a:cs typeface="+mn-cs"/>
+              </a:defRPr>
+            </a:lvl9pPr>
+          </a:lstStyle>
+          <a:p>
+            <a:pPr marL="0" indent="0" algn="just">
+              <a:buFont typeface="Arial" pitchFamily="34" charset="0"/>
+              <a:buNone/>
+            </a:pPr>
+            <a:r>
+              <a:rPr lang="en-US" sz="1800" b="1" dirty="0">
+                <a:latin typeface="Times New Roman" panose="02020603050405020304" pitchFamily="18" charset="0"/>
+                <a:cs typeface="Times New Roman" panose="02020603050405020304" pitchFamily="18" charset="0"/>
+              </a:rPr>
+              <a:t>Category B: Students, Housewives etc.</a:t>
+            </a:r>
+          </a:p>
+          <a:p>
+            <a:pPr algn="just"/>
+            <a:r>
+              <a:rPr lang="en-US" sz="1800" dirty="0">
+                <a:latin typeface="Times New Roman" panose="02020603050405020304" pitchFamily="18" charset="0"/>
+                <a:cs typeface="Times New Roman" panose="02020603050405020304" pitchFamily="18" charset="0"/>
+              </a:rPr>
+              <a:t>15,000 nos</a:t>
+            </a:r>
+          </a:p>
+        </p:txBody>
+      </p:sp>
+      <p:sp>
+        <p:nvSpPr>
+          <p:cNvPr id="9" name="Content Placeholder 2">
+            <a:extLst>
+              <a:ext uri="{FF2B5EF4-FFF2-40B4-BE49-F238E27FC236}">
+                <a16:creationId xmlns:a16="http://schemas.microsoft.com/office/drawing/2014/main" id="{817E9497-7898-4D84-B97E-F121618578C7}"/>
+              </a:ext>
+            </a:extLst>
+          </p:cNvPr>
+          <p:cNvSpPr txBox="1">
+            <a:spLocks/>
+          </p:cNvSpPr>
+          <p:nvPr/>
+        </p:nvSpPr>
+        <p:spPr>
+          <a:xfrm>
+            <a:off x="3602931" y="3646438"/>
+            <a:ext cx="5092103" cy="737480"/>
+          </a:xfrm>
+          <a:prstGeom prst="rect">
+            <a:avLst/>
+          </a:prstGeom>
+        </p:spPr>
+        <p:txBody>
+          <a:bodyPr vert="horz" lIns="91440" tIns="45720" rIns="91440" bIns="45720" rtlCol="0">
+            <a:noAutofit/>
+          </a:bodyPr>
+          <a:lstStyle>
+            <a:lvl1pPr marL="342900" indent="-342900" algn="l" defTabSz="914400" rtl="0" eaLnBrk="1" latinLnBrk="0" hangingPunct="1">
+              <a:spcBef>
+                <a:spcPct val="20000"/>
+              </a:spcBef>
+              <a:buFont typeface="Arial" pitchFamily="34" charset="0"/>
+              <a:buChar char="•"/>
+              <a:defRPr sz="2800" kern="1200">
+                <a:solidFill>
+                  <a:schemeClr val="tx1"/>
+                </a:solidFill>
+                <a:latin typeface="+mn-lt"/>
+                <a:ea typeface="+mn-ea"/>
+                <a:cs typeface="+mn-cs"/>
+              </a:defRPr>
+            </a:lvl1pPr>
+            <a:lvl2pPr marL="742950" indent="-285750" algn="l" defTabSz="914400" rtl="0" eaLnBrk="1" latinLnBrk="0" hangingPunct="1">
+              <a:spcBef>
+                <a:spcPct val="20000"/>
+              </a:spcBef>
+              <a:buFont typeface="Arial" pitchFamily="34" charset="0"/>
+              <a:buChar char="–"/>
+              <a:defRPr sz="2400" kern="1200">
+                <a:solidFill>
+                  <a:schemeClr val="tx1"/>
+                </a:solidFill>
+                <a:latin typeface="+mn-lt"/>
+                <a:ea typeface="+mn-ea"/>
+                <a:cs typeface="+mn-cs"/>
+              </a:defRPr>
+            </a:lvl2pPr>
+            <a:lvl3pPr marL="1143000" indent="-228600" algn="l" defTabSz="914400" rtl="0" eaLnBrk="1" latinLnBrk="0" hangingPunct="1">
+              <a:spcBef>
+                <a:spcPct val="20000"/>
+              </a:spcBef>
+              <a:buFont typeface="Arial" pitchFamily="34" charset="0"/>
+              <a:buChar char="•"/>
+              <a:defRPr sz="2000" kern="1200">
+                <a:solidFill>
+                  <a:schemeClr val="tx1"/>
+                </a:solidFill>
+                <a:latin typeface="+mn-lt"/>
+                <a:ea typeface="+mn-ea"/>
+                <a:cs typeface="+mn-cs"/>
+              </a:defRPr>
+            </a:lvl3pPr>
+            <a:lvl4pPr marL="1600200" indent="-228600" algn="l" defTabSz="914400" rtl="0" eaLnBrk="1" latinLnBrk="0" hangingPunct="1">
+              <a:spcBef>
+                <a:spcPct val="20000"/>
+              </a:spcBef>
+              <a:buFont typeface="Arial" pitchFamily="34" charset="0"/>
+              <a:buChar char="–"/>
+              <a:defRPr sz="1800" kern="1200">
+                <a:solidFill>
+                  <a:schemeClr val="tx1"/>
+                </a:solidFill>
+                <a:latin typeface="+mn-lt"/>
+                <a:ea typeface="+mn-ea"/>
+                <a:cs typeface="+mn-cs"/>
+              </a:defRPr>
+            </a:lvl4pPr>
+            <a:lvl5pPr marL="2057400" indent="-228600" algn="l" defTabSz="914400" rtl="0" eaLnBrk="1" latinLnBrk="0" hangingPunct="1">
+              <a:spcBef>
+                <a:spcPct val="20000"/>
+              </a:spcBef>
+              <a:buFont typeface="Arial" pitchFamily="34" charset="0"/>
+              <a:buChar char="»"/>
+              <a:defRPr sz="1800" kern="1200">
+                <a:solidFill>
+                  <a:schemeClr val="tx1"/>
+                </a:solidFill>
+                <a:latin typeface="+mn-lt"/>
+                <a:ea typeface="+mn-ea"/>
+                <a:cs typeface="+mn-cs"/>
+              </a:defRPr>
+            </a:lvl5pPr>
+            <a:lvl6pPr marL="2514600" indent="-228600" algn="l" defTabSz="914400" rtl="0" eaLnBrk="1" latinLnBrk="0" hangingPunct="1">
+              <a:spcBef>
+                <a:spcPct val="20000"/>
+              </a:spcBef>
+              <a:buFont typeface="Arial" pitchFamily="34" charset="0"/>
+              <a:buChar char="•"/>
+              <a:defRPr sz="1800" kern="1200">
+                <a:solidFill>
+                  <a:schemeClr val="tx1"/>
+                </a:solidFill>
+                <a:latin typeface="+mn-lt"/>
+                <a:ea typeface="+mn-ea"/>
+                <a:cs typeface="+mn-cs"/>
+              </a:defRPr>
+            </a:lvl6pPr>
+            <a:lvl7pPr marL="2971800" indent="-228600" algn="l" defTabSz="914400" rtl="0" eaLnBrk="1" latinLnBrk="0" hangingPunct="1">
+              <a:spcBef>
+                <a:spcPct val="20000"/>
+              </a:spcBef>
+              <a:buFont typeface="Arial" pitchFamily="34" charset="0"/>
+              <a:buChar char="•"/>
+              <a:defRPr sz="1800" kern="1200">
+                <a:solidFill>
+                  <a:schemeClr val="tx1"/>
+                </a:solidFill>
+                <a:latin typeface="+mn-lt"/>
+                <a:ea typeface="+mn-ea"/>
+                <a:cs typeface="+mn-cs"/>
+              </a:defRPr>
+            </a:lvl7pPr>
+            <a:lvl8pPr marL="3429000" indent="-228600" algn="l" defTabSz="914400" rtl="0" eaLnBrk="1" latinLnBrk="0" hangingPunct="1">
+              <a:spcBef>
+                <a:spcPct val="20000"/>
+              </a:spcBef>
+              <a:buFont typeface="Arial" pitchFamily="34" charset="0"/>
+              <a:buChar char="•"/>
+              <a:defRPr sz="1800" kern="1200">
+                <a:solidFill>
+                  <a:schemeClr val="tx1"/>
+                </a:solidFill>
+                <a:latin typeface="+mn-lt"/>
+                <a:ea typeface="+mn-ea"/>
+                <a:cs typeface="+mn-cs"/>
+              </a:defRPr>
+            </a:lvl8pPr>
+            <a:lvl9pPr marL="3886200" indent="-228600" algn="l" defTabSz="914400" rtl="0" eaLnBrk="1" latinLnBrk="0" hangingPunct="1">
+              <a:spcBef>
+                <a:spcPct val="20000"/>
+              </a:spcBef>
+              <a:buFont typeface="Arial" pitchFamily="34" charset="0"/>
+              <a:buChar char="•"/>
+              <a:defRPr sz="1800" kern="1200">
+                <a:solidFill>
+                  <a:schemeClr val="tx1"/>
+                </a:solidFill>
+                <a:latin typeface="+mn-lt"/>
+                <a:ea typeface="+mn-ea"/>
+                <a:cs typeface="+mn-cs"/>
+              </a:defRPr>
+            </a:lvl9pPr>
+          </a:lstStyle>
+          <a:p>
+            <a:pPr marL="0" indent="0" algn="just">
+              <a:buFont typeface="Arial" pitchFamily="34" charset="0"/>
+              <a:buNone/>
+            </a:pPr>
+            <a:r>
+              <a:rPr lang="en-US" sz="1800" b="1" dirty="0">
+                <a:latin typeface="Times New Roman" panose="02020603050405020304" pitchFamily="18" charset="0"/>
+                <a:cs typeface="Times New Roman" panose="02020603050405020304" pitchFamily="18" charset="0"/>
+              </a:rPr>
+              <a:t>Category C: Guards, Housemaids, Caregivers etc</a:t>
+            </a:r>
+            <a:r>
+              <a:rPr lang="en-US" sz="1800" dirty="0">
+                <a:latin typeface="Times New Roman" panose="02020603050405020304" pitchFamily="18" charset="0"/>
+                <a:cs typeface="Times New Roman" panose="02020603050405020304" pitchFamily="18" charset="0"/>
+              </a:rPr>
+              <a:t>.</a:t>
+            </a:r>
+          </a:p>
+          <a:p>
+            <a:pPr algn="just"/>
+            <a:r>
+              <a:rPr lang="en-US" sz="1800" dirty="0">
+                <a:latin typeface="Times New Roman" panose="02020603050405020304" pitchFamily="18" charset="0"/>
+                <a:cs typeface="Times New Roman" panose="02020603050405020304" pitchFamily="18" charset="0"/>
+              </a:rPr>
+              <a:t>25,000 nos</a:t>
+            </a:r>
           </a:p>
         </p:txBody>
       </p:sp>
@@ -10554,7 +11202,140 @@
       </p:grpSpPr>
       <p:sp>
         <p:nvSpPr>
-          <p:cNvPr id="2" name="Title 1"/>
+          <p:cNvPr id="3" name="Content Placeholder 2"/>
+          <p:cNvSpPr>
+            <a:spLocks noGrp="1"/>
+          </p:cNvSpPr>
+          <p:nvPr>
+            <p:ph idx="1"/>
+          </p:nvPr>
+        </p:nvSpPr>
+        <p:spPr>
+          <a:xfrm>
+            <a:off x="448966" y="1197406"/>
+            <a:ext cx="7787954" cy="2748690"/>
+          </a:xfrm>
+        </p:spPr>
+        <p:txBody>
+          <a:bodyPr>
+            <a:normAutofit/>
+          </a:bodyPr>
+          <a:lstStyle/>
+          <a:p>
+            <a:pPr marL="457200" indent="-457200" algn="just">
+              <a:buFont typeface="+mj-lt"/>
+              <a:buAutoNum type="arabicPeriod"/>
+            </a:pPr>
+            <a:r>
+              <a:rPr lang="en-US" sz="1800" dirty="0">
+                <a:latin typeface="Times New Roman" panose="02020603050405020304" pitchFamily="18" charset="0"/>
+                <a:cs typeface="Times New Roman" panose="02020603050405020304" pitchFamily="18" charset="0"/>
+              </a:rPr>
+              <a:t>Conduct the Master Training for Trainers (ToT) for Local Training Providers</a:t>
+            </a:r>
+          </a:p>
+          <a:p>
+            <a:pPr marL="457200" indent="-457200" algn="just">
+              <a:buFont typeface="+mj-lt"/>
+              <a:buAutoNum type="arabicPeriod"/>
+            </a:pPr>
+            <a:r>
+              <a:rPr lang="en-US" sz="1800" dirty="0">
+                <a:latin typeface="Times New Roman" panose="02020603050405020304" pitchFamily="18" charset="0"/>
+                <a:cs typeface="Times New Roman" panose="02020603050405020304" pitchFamily="18" charset="0"/>
+              </a:rPr>
+              <a:t>Monitor the training program</a:t>
+            </a:r>
+          </a:p>
+          <a:p>
+            <a:pPr marL="457200" indent="-457200" algn="just">
+              <a:buFont typeface="+mj-lt"/>
+              <a:buAutoNum type="arabicPeriod"/>
+            </a:pPr>
+            <a:r>
+              <a:rPr lang="en-US" sz="1800" dirty="0">
+                <a:latin typeface="Times New Roman" panose="02020603050405020304" pitchFamily="18" charset="0"/>
+                <a:cs typeface="Times New Roman" panose="02020603050405020304" pitchFamily="18" charset="0"/>
+              </a:rPr>
+              <a:t>Participate certification handover program</a:t>
+            </a:r>
+          </a:p>
+          <a:p>
+            <a:pPr marL="457200" indent="-457200" algn="just">
+              <a:buFont typeface="+mj-lt"/>
+              <a:buAutoNum type="arabicPeriod"/>
+            </a:pPr>
+            <a:r>
+              <a:rPr lang="en-US" sz="1800" dirty="0">
+                <a:latin typeface="Times New Roman" panose="02020603050405020304" pitchFamily="18" charset="0"/>
+                <a:cs typeface="Times New Roman" panose="02020603050405020304" pitchFamily="18" charset="0"/>
+              </a:rPr>
+              <a:t>Continue the Project Management Unit (PMU)</a:t>
+            </a:r>
+          </a:p>
+          <a:p>
+            <a:pPr marL="457200" indent="-457200" algn="just">
+              <a:buFont typeface="+mj-lt"/>
+              <a:buAutoNum type="arabicPeriod"/>
+            </a:pPr>
+            <a:r>
+              <a:rPr lang="en-US" sz="1800" dirty="0">
+                <a:latin typeface="Times New Roman" panose="02020603050405020304" pitchFamily="18" charset="0"/>
+                <a:cs typeface="Times New Roman" panose="02020603050405020304" pitchFamily="18" charset="0"/>
+              </a:rPr>
+              <a:t>Monitor and evaluation residential and corporate safety audit </a:t>
+            </a:r>
+          </a:p>
+          <a:p>
+            <a:pPr marL="457200" indent="-457200" algn="just">
+              <a:buFont typeface="+mj-lt"/>
+              <a:buAutoNum type="arabicPeriod"/>
+            </a:pPr>
+            <a:r>
+              <a:rPr lang="en-US" sz="1800" dirty="0">
+                <a:latin typeface="Times New Roman" panose="02020603050405020304" pitchFamily="18" charset="0"/>
+                <a:cs typeface="Times New Roman" panose="02020603050405020304" pitchFamily="18" charset="0"/>
+              </a:rPr>
+              <a:t>Monitor the Integrated Safety and Facility Management (ISFM) program</a:t>
+            </a:r>
+          </a:p>
+          <a:p>
+            <a:pPr marL="457200" indent="-457200" algn="just">
+              <a:buFont typeface="+mj-lt"/>
+              <a:buAutoNum type="arabicPeriod"/>
+            </a:pPr>
+            <a:r>
+              <a:rPr lang="en-US" sz="1800" dirty="0">
+                <a:latin typeface="Times New Roman" panose="02020603050405020304" pitchFamily="18" charset="0"/>
+                <a:cs typeface="Times New Roman" panose="02020603050405020304" pitchFamily="18" charset="0"/>
+              </a:rPr>
+              <a:t>Participate different organized program and </a:t>
+            </a:r>
+          </a:p>
+          <a:p>
+            <a:pPr marL="457200" indent="-457200" algn="just">
+              <a:buFont typeface="+mj-lt"/>
+              <a:buAutoNum type="arabicPeriod"/>
+            </a:pPr>
+            <a:r>
+              <a:rPr lang="en-US" sz="1800" dirty="0">
+                <a:latin typeface="Times New Roman" panose="02020603050405020304" pitchFamily="18" charset="0"/>
+                <a:cs typeface="Times New Roman" panose="02020603050405020304" pitchFamily="18" charset="0"/>
+              </a:rPr>
+              <a:t>International safety training programs</a:t>
+            </a:r>
+          </a:p>
+        </p:txBody>
+      </p:sp>
+      <p:sp>
+        <p:nvSpPr>
+          <p:cNvPr id="5" name="Title 4">
+            <a:extLst>
+              <a:ext uri="{FF2B5EF4-FFF2-40B4-BE49-F238E27FC236}">
+                <a16:creationId xmlns:a16="http://schemas.microsoft.com/office/drawing/2014/main" id="{25B767B1-CE63-4811-8E4C-34372E5FEE03}"/>
+              </a:ext>
+            </a:extLst>
+          </p:cNvPr>
           <p:cNvSpPr>
             <a:spLocks noGrp="1"/>
           </p:cNvSpPr>
@@ -10564,135 +11345,22 @@
         </p:nvSpPr>
         <p:spPr>
           <a:xfrm>
-            <a:off x="-404" y="47447"/>
-            <a:ext cx="8246070" cy="916230"/>
+            <a:off x="448965" y="128470"/>
+            <a:ext cx="2748690" cy="763525"/>
           </a:xfrm>
-          <a:solidFill>
-            <a:schemeClr val="accent2"/>
-          </a:solidFill>
         </p:spPr>
         <p:txBody>
-          <a:bodyPr/>
-          <a:lstStyle/>
-          <a:p>
-            <a:r>
-              <a:rPr lang="en-US" dirty="0"/>
-              <a:t>Role of FSCD</a:t>
-            </a:r>
-          </a:p>
-        </p:txBody>
-      </p:sp>
-      <p:sp>
-        <p:nvSpPr>
-          <p:cNvPr id="3" name="Content Placeholder 2"/>
-          <p:cNvSpPr>
-            <a:spLocks noGrp="1"/>
-          </p:cNvSpPr>
-          <p:nvPr>
-            <p:ph idx="1"/>
-          </p:nvPr>
-        </p:nvSpPr>
-        <p:spPr/>
-        <p:txBody>
           <a:bodyPr>
-            <a:normAutofit/>
+            <a:normAutofit fontScale="90000"/>
           </a:bodyPr>
           <a:lstStyle/>
           <a:p>
-            <a:pPr marL="0" indent="0">
-              <a:buNone/>
-            </a:pPr>
             <a:r>
-              <a:rPr lang="en-US" u="sng" dirty="0"/>
+              <a:rPr lang="en-US" b="1" dirty="0">
+                <a:latin typeface="Times New Roman" panose="02020603050405020304" pitchFamily="18" charset="0"/>
+                <a:cs typeface="Times New Roman" panose="02020603050405020304" pitchFamily="18" charset="0"/>
+              </a:rPr>
               <a:t>Role of FSCD</a:t>
-            </a:r>
-          </a:p>
-          <a:p>
-            <a:pPr marL="457200" indent="-457200">
-              <a:buFont typeface="+mj-lt"/>
-              <a:buAutoNum type="arabicPeriod"/>
-            </a:pPr>
-            <a:r>
-              <a:rPr lang="en-US" sz="1900" dirty="0"/>
-              <a:t>Conduct the Master Training for Trainers (</a:t>
-            </a:r>
-            <a:r>
-              <a:rPr lang="en-US" sz="1900" dirty="0" err="1"/>
-              <a:t>ToT</a:t>
-            </a:r>
-            <a:r>
-              <a:rPr lang="en-US" sz="1900" dirty="0"/>
-              <a:t>) for Local Training Providers</a:t>
-            </a:r>
-          </a:p>
-          <a:p>
-            <a:pPr marL="457200" indent="-457200">
-              <a:buFont typeface="+mj-lt"/>
-              <a:buAutoNum type="arabicPeriod"/>
-            </a:pPr>
-            <a:r>
-              <a:rPr lang="en-US" sz="1900" dirty="0"/>
-              <a:t>Monitor the training program</a:t>
-            </a:r>
-          </a:p>
-          <a:p>
-            <a:pPr marL="457200" indent="-457200">
-              <a:buFont typeface="+mj-lt"/>
-              <a:buAutoNum type="arabicPeriod"/>
-            </a:pPr>
-            <a:r>
-              <a:rPr lang="en-US" sz="1900" dirty="0"/>
-              <a:t>Participate certification handover program</a:t>
-            </a:r>
-          </a:p>
-          <a:p>
-            <a:pPr marL="457200" indent="-457200">
-              <a:buFont typeface="+mj-lt"/>
-              <a:buAutoNum type="arabicPeriod"/>
-            </a:pPr>
-            <a:r>
-              <a:rPr lang="en-US" sz="1900" dirty="0"/>
-              <a:t>Continue the Project Management Unit (PMU)</a:t>
-            </a:r>
-          </a:p>
-          <a:p>
-            <a:pPr marL="457200" indent="-457200">
-              <a:buFont typeface="+mj-lt"/>
-              <a:buAutoNum type="arabicPeriod"/>
-            </a:pPr>
-            <a:r>
-              <a:rPr lang="en-US" sz="1900" dirty="0"/>
-              <a:t>Monitor and evaluation residential and corporate safety audit </a:t>
-            </a:r>
-          </a:p>
-          <a:p>
-            <a:pPr marL="457200" indent="-457200">
-              <a:buFont typeface="+mj-lt"/>
-              <a:buAutoNum type="arabicPeriod"/>
-            </a:pPr>
-            <a:r>
-              <a:rPr lang="en-US" sz="1900" dirty="0"/>
-              <a:t>Monitor the Integrated Safety and Facility Management (ISFM) program</a:t>
-            </a:r>
-          </a:p>
-          <a:p>
-            <a:pPr marL="457200" indent="-457200">
-              <a:buFont typeface="+mj-lt"/>
-              <a:buAutoNum type="arabicPeriod"/>
-            </a:pPr>
-            <a:r>
-              <a:rPr lang="en-US" sz="1900" dirty="0"/>
-              <a:t>Participate different organized program and </a:t>
-            </a:r>
-          </a:p>
-          <a:p>
-            <a:pPr marL="457200" indent="-457200">
-              <a:buFont typeface="+mj-lt"/>
-              <a:buAutoNum type="arabicPeriod"/>
-            </a:pPr>
-            <a:r>
-              <a:rPr lang="en-US" sz="1900" dirty="0"/>
-              <a:t>International safety training programs</a:t>
             </a:r>
           </a:p>
         </p:txBody>
@@ -10729,7 +11397,271 @@
       </p:grpSpPr>
       <p:sp>
         <p:nvSpPr>
-          <p:cNvPr id="2" name="Title 1"/>
+          <p:cNvPr id="3" name="Content Placeholder 2"/>
+          <p:cNvSpPr>
+            <a:spLocks noGrp="1"/>
+          </p:cNvSpPr>
+          <p:nvPr>
+            <p:ph idx="1"/>
+          </p:nvPr>
+        </p:nvSpPr>
+        <p:spPr>
+          <a:xfrm>
+            <a:off x="448966" y="1044699"/>
+            <a:ext cx="7177134" cy="3512213"/>
+          </a:xfrm>
+        </p:spPr>
+        <p:txBody>
+          <a:bodyPr>
+            <a:noAutofit/>
+          </a:bodyPr>
+          <a:lstStyle/>
+          <a:p>
+            <a:pPr marL="0" indent="0" algn="just">
+              <a:spcBef>
+                <a:spcPts val="0"/>
+              </a:spcBef>
+              <a:buNone/>
+            </a:pPr>
+            <a:r>
+              <a:rPr lang="en-US" sz="1600" u="sng" dirty="0">
+                <a:latin typeface="Times New Roman" panose="02020603050405020304" pitchFamily="18" charset="0"/>
+                <a:cs typeface="Times New Roman" panose="02020603050405020304" pitchFamily="18" charset="0"/>
+              </a:rPr>
+              <a:t>General Role of SRCL</a:t>
+            </a:r>
+          </a:p>
+          <a:p>
+            <a:pPr marL="514350" indent="-514350" algn="just">
+              <a:spcBef>
+                <a:spcPts val="0"/>
+              </a:spcBef>
+              <a:buFont typeface="+mj-lt"/>
+              <a:buAutoNum type="arabicPeriod"/>
+            </a:pPr>
+            <a:r>
+              <a:rPr lang="en-US" sz="1600" dirty="0">
+                <a:latin typeface="Times New Roman" panose="02020603050405020304" pitchFamily="18" charset="0"/>
+                <a:cs typeface="Times New Roman" panose="02020603050405020304" pitchFamily="18" charset="0"/>
+              </a:rPr>
+              <a:t>Organize and implement the basic fire safety program for all level stakeholders</a:t>
+            </a:r>
+          </a:p>
+          <a:p>
+            <a:pPr marL="514350" indent="-514350" algn="just">
+              <a:spcBef>
+                <a:spcPts val="0"/>
+              </a:spcBef>
+              <a:buFont typeface="+mj-lt"/>
+              <a:buAutoNum type="arabicPeriod"/>
+            </a:pPr>
+            <a:r>
+              <a:rPr lang="en-US" sz="1600" dirty="0">
+                <a:latin typeface="Times New Roman" panose="02020603050405020304" pitchFamily="18" charset="0"/>
+                <a:cs typeface="Times New Roman" panose="02020603050405020304" pitchFamily="18" charset="0"/>
+              </a:rPr>
+              <a:t>Manage all type of training facilities</a:t>
+            </a:r>
+          </a:p>
+          <a:p>
+            <a:pPr marL="514350" indent="-514350" algn="just">
+              <a:spcBef>
+                <a:spcPts val="0"/>
+              </a:spcBef>
+              <a:buFont typeface="+mj-lt"/>
+              <a:buAutoNum type="arabicPeriod"/>
+            </a:pPr>
+            <a:r>
+              <a:rPr lang="en-US" sz="1600" dirty="0">
+                <a:latin typeface="Times New Roman" panose="02020603050405020304" pitchFamily="18" charset="0"/>
+                <a:cs typeface="Times New Roman" panose="02020603050405020304" pitchFamily="18" charset="0"/>
+              </a:rPr>
+              <a:t>Conduct the training program with a standard manner</a:t>
+            </a:r>
+          </a:p>
+          <a:p>
+            <a:pPr marL="514350" indent="-514350" algn="just">
+              <a:spcBef>
+                <a:spcPts val="0"/>
+              </a:spcBef>
+              <a:buFont typeface="+mj-lt"/>
+              <a:buAutoNum type="arabicPeriod"/>
+            </a:pPr>
+            <a:r>
+              <a:rPr lang="en-US" sz="1600" dirty="0">
+                <a:latin typeface="Times New Roman" panose="02020603050405020304" pitchFamily="18" charset="0"/>
+                <a:cs typeface="Times New Roman" panose="02020603050405020304" pitchFamily="18" charset="0"/>
+              </a:rPr>
+              <a:t>Conduct the ISFM program for all level of patrons</a:t>
+            </a:r>
+          </a:p>
+          <a:p>
+            <a:pPr marL="514350" indent="-514350" algn="just">
+              <a:spcBef>
+                <a:spcPts val="0"/>
+              </a:spcBef>
+              <a:buFont typeface="+mj-lt"/>
+              <a:buAutoNum type="arabicPeriod"/>
+            </a:pPr>
+            <a:r>
+              <a:rPr lang="en-US" sz="1600" dirty="0">
+                <a:latin typeface="Times New Roman" panose="02020603050405020304" pitchFamily="18" charset="0"/>
+                <a:cs typeface="Times New Roman" panose="02020603050405020304" pitchFamily="18" charset="0"/>
+              </a:rPr>
+              <a:t>Create public awareness for root level to up</a:t>
+            </a:r>
+          </a:p>
+          <a:p>
+            <a:pPr marL="514350" indent="-514350" algn="just">
+              <a:spcBef>
+                <a:spcPts val="0"/>
+              </a:spcBef>
+              <a:buFont typeface="+mj-lt"/>
+              <a:buAutoNum type="arabicPeriod"/>
+            </a:pPr>
+            <a:r>
+              <a:rPr lang="en-US" sz="1600" dirty="0">
+                <a:latin typeface="Times New Roman" panose="02020603050405020304" pitchFamily="18" charset="0"/>
+                <a:cs typeface="Times New Roman" panose="02020603050405020304" pitchFamily="18" charset="0"/>
+              </a:rPr>
+              <a:t>Provide one stop services for ISFM for different categories</a:t>
+            </a:r>
+          </a:p>
+          <a:p>
+            <a:pPr marL="514350" indent="-514350" algn="just">
+              <a:spcBef>
+                <a:spcPts val="0"/>
+              </a:spcBef>
+              <a:buFont typeface="+mj-lt"/>
+              <a:buAutoNum type="arabicPeriod"/>
+            </a:pPr>
+            <a:r>
+              <a:rPr lang="en-US" sz="1600" dirty="0">
+                <a:latin typeface="Times New Roman" panose="02020603050405020304" pitchFamily="18" charset="0"/>
+                <a:cs typeface="Times New Roman" panose="02020603050405020304" pitchFamily="18" charset="0"/>
+              </a:rPr>
+              <a:t>Increase the number of skilled manpower for safety matters in our society</a:t>
+            </a:r>
+          </a:p>
+          <a:p>
+            <a:pPr marL="514350" indent="-514350" algn="just">
+              <a:spcBef>
+                <a:spcPts val="0"/>
+              </a:spcBef>
+              <a:buFont typeface="+mj-lt"/>
+              <a:buAutoNum type="arabicPeriod"/>
+            </a:pPr>
+            <a:r>
+              <a:rPr lang="en-US" sz="1600" dirty="0">
+                <a:latin typeface="Times New Roman" panose="02020603050405020304" pitchFamily="18" charset="0"/>
+                <a:cs typeface="Times New Roman" panose="02020603050405020304" pitchFamily="18" charset="0"/>
+              </a:rPr>
+              <a:t>Arrange all kinds of program arrangement for publicity</a:t>
+            </a:r>
+          </a:p>
+          <a:p>
+            <a:pPr marL="514350" indent="-514350" algn="just">
+              <a:spcBef>
+                <a:spcPts val="0"/>
+              </a:spcBef>
+              <a:buFont typeface="+mj-lt"/>
+              <a:buAutoNum type="arabicPeriod"/>
+            </a:pPr>
+            <a:r>
+              <a:rPr lang="en-US" sz="1600" dirty="0">
+                <a:latin typeface="Times New Roman" panose="02020603050405020304" pitchFamily="18" charset="0"/>
+                <a:cs typeface="Times New Roman" panose="02020603050405020304" pitchFamily="18" charset="0"/>
+              </a:rPr>
+              <a:t>Arrange workshop, seminar and certificate providing ceremony</a:t>
+            </a:r>
+          </a:p>
+          <a:p>
+            <a:pPr marL="514350" indent="-514350" algn="just">
+              <a:spcBef>
+                <a:spcPts val="0"/>
+              </a:spcBef>
+              <a:buFont typeface="+mj-lt"/>
+              <a:buAutoNum type="arabicPeriod"/>
+            </a:pPr>
+            <a:r>
+              <a:rPr lang="en-US" sz="1600" dirty="0">
+                <a:latin typeface="Times New Roman" panose="02020603050405020304" pitchFamily="18" charset="0"/>
+                <a:cs typeface="Times New Roman" panose="02020603050405020304" pitchFamily="18" charset="0"/>
+              </a:rPr>
+              <a:t>Program reporting monthly and half yearly</a:t>
+            </a:r>
+          </a:p>
+          <a:p>
+            <a:pPr marL="514350" indent="-514350" algn="just">
+              <a:spcBef>
+                <a:spcPts val="0"/>
+              </a:spcBef>
+              <a:buFont typeface="+mj-lt"/>
+              <a:buAutoNum type="arabicPeriod"/>
+            </a:pPr>
+            <a:r>
+              <a:rPr lang="en-US" sz="1600" dirty="0">
+                <a:latin typeface="Times New Roman" panose="02020603050405020304" pitchFamily="18" charset="0"/>
+                <a:cs typeface="Times New Roman" panose="02020603050405020304" pitchFamily="18" charset="0"/>
+              </a:rPr>
+              <a:t>Collect different fund (national and international)</a:t>
+            </a:r>
+          </a:p>
+          <a:p>
+            <a:pPr marL="514350" indent="-514350" algn="just">
+              <a:spcBef>
+                <a:spcPts val="0"/>
+              </a:spcBef>
+              <a:buFont typeface="+mj-lt"/>
+              <a:buAutoNum type="arabicPeriod"/>
+            </a:pPr>
+            <a:r>
+              <a:rPr lang="en-US" sz="1600" dirty="0">
+                <a:latin typeface="Times New Roman" panose="02020603050405020304" pitchFamily="18" charset="0"/>
+                <a:cs typeface="Times New Roman" panose="02020603050405020304" pitchFamily="18" charset="0"/>
+              </a:rPr>
+              <a:t>Organize the foreign training for project personnel including govt. officers and </a:t>
+            </a:r>
+          </a:p>
+          <a:p>
+            <a:pPr marL="514350" indent="-514350" algn="just">
+              <a:spcBef>
+                <a:spcPts val="0"/>
+              </a:spcBef>
+              <a:buFont typeface="+mj-lt"/>
+              <a:buAutoNum type="arabicPeriod"/>
+            </a:pPr>
+            <a:r>
+              <a:rPr lang="en-US" sz="1600" dirty="0">
+                <a:latin typeface="Times New Roman" panose="02020603050405020304" pitchFamily="18" charset="0"/>
+                <a:cs typeface="Times New Roman" panose="02020603050405020304" pitchFamily="18" charset="0"/>
+              </a:rPr>
+              <a:t>other responsibility according to discussion</a:t>
+            </a:r>
+          </a:p>
+          <a:p>
+            <a:pPr marL="0" indent="0" algn="just">
+              <a:spcBef>
+                <a:spcPts val="0"/>
+              </a:spcBef>
+              <a:buNone/>
+            </a:pPr>
+            <a:endParaRPr lang="en-US" sz="1600" dirty="0">
+              <a:latin typeface="Times New Roman" panose="02020603050405020304" pitchFamily="18" charset="0"/>
+              <a:cs typeface="Times New Roman" panose="02020603050405020304" pitchFamily="18" charset="0"/>
+            </a:endParaRPr>
+          </a:p>
+        </p:txBody>
+      </p:sp>
+      <p:sp>
+        <p:nvSpPr>
+          <p:cNvPr id="7" name="Title 6">
+            <a:extLst>
+              <a:ext uri="{FF2B5EF4-FFF2-40B4-BE49-F238E27FC236}">
+                <a16:creationId xmlns:a16="http://schemas.microsoft.com/office/drawing/2014/main" id="{540EDBCC-8F12-43A9-AF46-882F3D8FB48F}"/>
+              </a:ext>
+            </a:extLst>
+          </p:cNvPr>
           <p:cNvSpPr>
             <a:spLocks noGrp="1"/>
           </p:cNvSpPr>
@@ -10739,188 +11671,24 @@
         </p:nvSpPr>
         <p:spPr>
           <a:xfrm>
-            <a:off x="10766" y="0"/>
-            <a:ext cx="8246070" cy="916230"/>
+            <a:off x="448965" y="128470"/>
+            <a:ext cx="2748690" cy="763525"/>
           </a:xfrm>
-          <a:solidFill>
-            <a:schemeClr val="bg1"/>
-          </a:solidFill>
         </p:spPr>
         <p:txBody>
-          <a:bodyPr/>
+          <a:bodyPr>
+            <a:normAutofit fontScale="90000"/>
+          </a:bodyPr>
           <a:lstStyle/>
           <a:p>
+            <a:pPr algn="ctr"/>
             <a:r>
-              <a:rPr lang="en-US" dirty="0">
-                <a:solidFill>
-                  <a:schemeClr val="tx1"/>
-                </a:solidFill>
+              <a:rPr lang="en-US" b="1" dirty="0">
+                <a:latin typeface="Times New Roman" panose="02020603050405020304" pitchFamily="18" charset="0"/>
+                <a:cs typeface="Times New Roman" panose="02020603050405020304" pitchFamily="18" charset="0"/>
               </a:rPr>
               <a:t>Role of SRCL</a:t>
             </a:r>
-          </a:p>
-        </p:txBody>
-      </p:sp>
-      <p:sp>
-        <p:nvSpPr>
-          <p:cNvPr id="3" name="Content Placeholder 2"/>
-          <p:cNvSpPr>
-            <a:spLocks noGrp="1"/>
-          </p:cNvSpPr>
-          <p:nvPr>
-            <p:ph idx="1"/>
-          </p:nvPr>
-        </p:nvSpPr>
-        <p:spPr/>
-        <p:txBody>
-          <a:bodyPr>
-            <a:normAutofit fontScale="47500" lnSpcReduction="20000"/>
-          </a:bodyPr>
-          <a:lstStyle/>
-          <a:p>
-            <a:pPr marL="0" indent="0">
-              <a:buNone/>
-            </a:pPr>
-            <a:r>
-              <a:rPr lang="en-US" sz="5100" u="sng" dirty="0"/>
-              <a:t>General Role of SRCL</a:t>
-            </a:r>
-          </a:p>
-          <a:p>
-            <a:pPr marL="514350" indent="-514350">
-              <a:buFont typeface="+mj-lt"/>
-              <a:buAutoNum type="arabicPeriod"/>
-            </a:pPr>
-            <a:r>
-              <a:rPr lang="en-US" sz="3300" dirty="0"/>
-              <a:t>Organize and implement the basic fire safety program for all level stakeholders</a:t>
-            </a:r>
-          </a:p>
-          <a:p>
-            <a:pPr marL="514350" indent="-514350">
-              <a:buFont typeface="+mj-lt"/>
-              <a:buAutoNum type="arabicPeriod"/>
-            </a:pPr>
-            <a:r>
-              <a:rPr lang="en-US" sz="3300" dirty="0"/>
-              <a:t>Manage all type of training facilities</a:t>
-            </a:r>
-          </a:p>
-          <a:p>
-            <a:pPr marL="514350" indent="-514350">
-              <a:buFont typeface="+mj-lt"/>
-              <a:buAutoNum type="arabicPeriod"/>
-            </a:pPr>
-            <a:r>
-              <a:rPr lang="en-US" sz="3300" dirty="0"/>
-              <a:t>Conduct the training program with a standard manner</a:t>
-            </a:r>
-          </a:p>
-          <a:p>
-            <a:pPr marL="514350" indent="-514350">
-              <a:buFont typeface="+mj-lt"/>
-              <a:buAutoNum type="arabicPeriod"/>
-            </a:pPr>
-            <a:r>
-              <a:rPr lang="en-US" sz="3300" dirty="0"/>
-              <a:t>Conduct the ISFM program for all level of patrons</a:t>
-            </a:r>
-          </a:p>
-          <a:p>
-            <a:pPr marL="514350" indent="-514350">
-              <a:buFont typeface="+mj-lt"/>
-              <a:buAutoNum type="arabicPeriod"/>
-            </a:pPr>
-            <a:r>
-              <a:rPr lang="en-US" sz="3300" dirty="0"/>
-              <a:t>Create public awareness for root level to up</a:t>
-            </a:r>
-          </a:p>
-          <a:p>
-            <a:pPr marL="514350" indent="-514350">
-              <a:buFont typeface="+mj-lt"/>
-              <a:buAutoNum type="arabicPeriod"/>
-            </a:pPr>
-            <a:r>
-              <a:rPr lang="en-US" sz="3300" dirty="0"/>
-              <a:t>Provide one stop services for ISFM for different categories</a:t>
-            </a:r>
-          </a:p>
-          <a:p>
-            <a:pPr marL="514350" indent="-514350">
-              <a:buFont typeface="+mj-lt"/>
-              <a:buAutoNum type="arabicPeriod"/>
-            </a:pPr>
-            <a:r>
-              <a:rPr lang="en-US" sz="3300" dirty="0"/>
-              <a:t>Increase the number of skilled manpower for safety matters in our society</a:t>
-            </a:r>
-          </a:p>
-          <a:p>
-            <a:pPr marL="514350" indent="-514350">
-              <a:buFont typeface="+mj-lt"/>
-              <a:buAutoNum type="arabicPeriod"/>
-            </a:pPr>
-            <a:r>
-              <a:rPr lang="en-US" sz="3300" dirty="0"/>
-              <a:t>Arrange all kinds of program arrangement for publicity</a:t>
-            </a:r>
-          </a:p>
-          <a:p>
-            <a:pPr marL="514350" indent="-514350">
-              <a:buFont typeface="+mj-lt"/>
-              <a:buAutoNum type="arabicPeriod"/>
-            </a:pPr>
-            <a:r>
-              <a:rPr lang="en-US" sz="3300" dirty="0"/>
-              <a:t>Arrange workshop, seminar and certificate providing ceremony</a:t>
-            </a:r>
-          </a:p>
-          <a:p>
-            <a:pPr marL="514350" indent="-514350">
-              <a:buFont typeface="+mj-lt"/>
-              <a:buAutoNum type="arabicPeriod"/>
-            </a:pPr>
-            <a:r>
-              <a:rPr lang="en-US" sz="3300" dirty="0"/>
-              <a:t>Program reporting monthly and half yearly</a:t>
-            </a:r>
-          </a:p>
-          <a:p>
-            <a:pPr marL="514350" indent="-514350">
-              <a:buFont typeface="+mj-lt"/>
-              <a:buAutoNum type="arabicPeriod"/>
-            </a:pPr>
-            <a:r>
-              <a:rPr lang="en-US" sz="3300" dirty="0"/>
-              <a:t>Collect different fund (national and international)</a:t>
-            </a:r>
-          </a:p>
-          <a:p>
-            <a:pPr marL="514350" indent="-514350">
-              <a:buFont typeface="+mj-lt"/>
-              <a:buAutoNum type="arabicPeriod"/>
-            </a:pPr>
-            <a:r>
-              <a:rPr lang="en-US" sz="3300" dirty="0"/>
-              <a:t>Organize the foreign training for project personnel including govt. officers and </a:t>
-            </a:r>
-          </a:p>
-          <a:p>
-            <a:pPr marL="514350" indent="-514350">
-              <a:buFont typeface="+mj-lt"/>
-              <a:buAutoNum type="arabicPeriod"/>
-            </a:pPr>
-            <a:r>
-              <a:rPr lang="en-US" sz="3300" dirty="0"/>
-              <a:t>other responsibility according to discussion</a:t>
-            </a:r>
-          </a:p>
-          <a:p>
-            <a:pPr marL="0" indent="0">
-              <a:buNone/>
-            </a:pPr>
-            <a:endParaRPr lang="en-US" dirty="0"/>
           </a:p>
         </p:txBody>
       </p:sp>
@@ -10964,14 +11732,27 @@
             <p:ph type="title"/>
           </p:nvPr>
         </p:nvSpPr>
-        <p:spPr/>
+        <p:spPr>
+          <a:xfrm>
+            <a:off x="457200" y="136019"/>
+            <a:ext cx="3962095" cy="755976"/>
+          </a:xfrm>
+        </p:spPr>
         <p:txBody>
-          <a:bodyPr/>
+          <a:bodyPr>
+            <a:normAutofit fontScale="90000"/>
+          </a:bodyPr>
           <a:lstStyle/>
           <a:p>
             <a:pPr algn="l"/>
             <a:r>
-              <a:rPr lang="en-US" dirty="0"/>
+              <a:rPr lang="en-US" b="1" dirty="0">
+                <a:solidFill>
+                  <a:schemeClr val="bg1"/>
+                </a:solidFill>
+                <a:latin typeface="Times New Roman" panose="02020603050405020304" pitchFamily="18" charset="0"/>
+                <a:cs typeface="Times New Roman" panose="02020603050405020304" pitchFamily="18" charset="0"/>
+              </a:rPr>
               <a:t>The Safety Team</a:t>
             </a:r>
           </a:p>
@@ -10987,14 +11768,14 @@
             <p:ph sz="half" idx="1"/>
             <p:extLst>
               <p:ext uri="{D42A27DB-BD31-4B8C-83A1-F6EECF244321}">
-                <p14:modId xmlns:p14="http://schemas.microsoft.com/office/powerpoint/2010/main" val="888624014"/>
+                <p14:modId xmlns:p14="http://schemas.microsoft.com/office/powerpoint/2010/main" val="350607337"/>
               </p:ext>
             </p:extLst>
           </p:nvPr>
         </p:nvGraphicFramePr>
         <p:xfrm>
-          <a:off x="532733" y="1091187"/>
-          <a:ext cx="6024432" cy="4212514"/>
+          <a:off x="234925" y="1044700"/>
+          <a:ext cx="6627649" cy="3982444"/>
         </p:xfrm>
         <a:graphic>
           <a:graphicData uri="http://schemas.openxmlformats.org/drawingml/2006/table">
@@ -11003,21 +11784,21 @@
                 <a:tableStyleId>{073A0DAA-6AF3-43AB-8588-CEC1D06C72B9}</a:tableStyleId>
               </a:tblPr>
               <a:tblGrid>
-                <a:gridCol w="562792">
+                <a:gridCol w="830916">
                   <a:extLst>
                     <a:ext uri="{9D8B030D-6E8A-4147-A177-3AD203B41FA5}">
                       <a16:colId xmlns:a16="http://schemas.microsoft.com/office/drawing/2014/main" val="20000"/>
                     </a:ext>
                   </a:extLst>
                 </a:gridCol>
-                <a:gridCol w="3171065">
+                <a:gridCol w="3276806">
                   <a:extLst>
                     <a:ext uri="{9D8B030D-6E8A-4147-A177-3AD203B41FA5}">
                       <a16:colId xmlns:a16="http://schemas.microsoft.com/office/drawing/2014/main" val="20001"/>
                     </a:ext>
                   </a:extLst>
                 </a:gridCol>
-                <a:gridCol w="2290575">
+                <a:gridCol w="2519927">
                   <a:extLst>
                     <a:ext uri="{9D8B030D-6E8A-4147-A177-3AD203B41FA5}">
                       <a16:colId xmlns:a16="http://schemas.microsoft.com/office/drawing/2014/main" val="20002"/>
@@ -11025,124 +11806,27 @@
                   </a:extLst>
                 </a:gridCol>
               </a:tblGrid>
-              <a:tr h="153620">
+              <a:tr h="404188">
                 <a:tc>
                   <a:txBody>
                     <a:bodyPr/>
                     <a:lstStyle/>
                     <a:p>
+                      <a:pPr algn="ctr"/>
                       <a:r>
-                        <a:rPr lang="en-US" dirty="0"/>
+                        <a:rPr lang="en-US" sz="1200" dirty="0">
+                          <a:latin typeface="Times New Roman" panose="02020603050405020304" pitchFamily="18" charset="0"/>
+                          <a:cs typeface="Times New Roman" panose="02020603050405020304" pitchFamily="18" charset="0"/>
+                        </a:rPr>
                         <a:t>Sl. No </a:t>
                       </a:r>
-                      <a:endParaRPr lang="en-US" dirty="0">
+                      <a:endParaRPr lang="en-US" sz="1200" dirty="0">
                         <a:solidFill>
                           <a:schemeClr val="tx1"/>
                         </a:solidFill>
+                        <a:latin typeface="Times New Roman" panose="02020603050405020304" pitchFamily="18" charset="0"/>
+                        <a:cs typeface="Times New Roman" panose="02020603050405020304" pitchFamily="18" charset="0"/>
                       </a:endParaRPr>
-                    </a:p>
-                  </a:txBody>
-                  <a:tcPr/>
-                </a:tc>
-                <a:tc>
-                  <a:txBody>
-                    <a:bodyPr/>
-                    <a:lstStyle/>
-                    <a:p>
-                      <a:r>
-                        <a:rPr lang="en-US" dirty="0"/>
-                        <a:t>Name</a:t>
-                      </a:r>
-                    </a:p>
-                  </a:txBody>
-                  <a:tcPr/>
-                </a:tc>
-                <a:tc>
-                  <a:txBody>
-                    <a:bodyPr/>
-                    <a:lstStyle/>
-                    <a:p>
-                      <a:r>
-                        <a:rPr lang="en-US" dirty="0"/>
-                        <a:t>Basic</a:t>
-                      </a:r>
-                      <a:r>
-                        <a:rPr lang="en-US" baseline="0" dirty="0"/>
-                        <a:t> Certification</a:t>
-                      </a:r>
-                      <a:endParaRPr lang="en-US" dirty="0"/>
-                    </a:p>
-                  </a:txBody>
-                  <a:tcPr/>
-                </a:tc>
-                <a:extLst>
-                  <a:ext uri="{0D108BD9-81ED-4DB2-BD59-A6C34878D82A}">
-                    <a16:rowId xmlns:a16="http://schemas.microsoft.com/office/drawing/2014/main" val="10000"/>
-                  </a:ext>
-                </a:extLst>
-              </a:tr>
-              <a:tr h="567360">
-                <a:tc>
-                  <a:txBody>
-                    <a:bodyPr/>
-                    <a:lstStyle/>
-                    <a:p>
-                      <a:pPr marL="342900" indent="-342900">
-                        <a:buFont typeface="+mj-lt"/>
-                        <a:buAutoNum type="arabicPeriod"/>
-                      </a:pPr>
-                      <a:endParaRPr lang="en-US" dirty="0"/>
-                    </a:p>
-                    <a:p>
-                      <a:pPr marL="0" indent="0">
-                        <a:buFont typeface="+mj-lt"/>
-                        <a:buNone/>
-                      </a:pPr>
-                      <a:r>
-                        <a:rPr lang="en-US" dirty="0"/>
-                        <a:t>1.</a:t>
-                      </a:r>
-                      <a:endParaRPr lang="en-US" dirty="0">
-                        <a:solidFill>
-                          <a:schemeClr val="tx1"/>
-                        </a:solidFill>
-                      </a:endParaRPr>
-                    </a:p>
-                  </a:txBody>
-                  <a:tcPr/>
-                </a:tc>
-                <a:tc>
-                  <a:txBody>
-                    <a:bodyPr/>
-                    <a:lstStyle/>
-                    <a:p>
-                      <a:r>
-                        <a:rPr lang="en-GB" sz="1400" kern="1200" dirty="0">
-                          <a:effectLst/>
-                        </a:rPr>
-                        <a:t>Abu </a:t>
-                      </a:r>
-                      <a:r>
-                        <a:rPr lang="en-GB" sz="1400" kern="1200" dirty="0" err="1">
-                          <a:effectLst/>
-                        </a:rPr>
-                        <a:t>Jubayer</a:t>
-                      </a:r>
-                      <a:r>
-                        <a:rPr lang="en-GB" sz="1400" kern="1200" dirty="0">
-                          <a:effectLst/>
-                        </a:rPr>
-                        <a:t> </a:t>
-                      </a:r>
-                    </a:p>
-                    <a:p>
-                      <a:r>
-                        <a:rPr lang="en-GB" sz="1400" kern="1200" dirty="0">
-                          <a:effectLst/>
-                        </a:rPr>
-                        <a:t>(Lead Coordinator)</a:t>
-                      </a:r>
-                      <a:endParaRPr lang="en-US" sz="1400" dirty="0"/>
                     </a:p>
                   </a:txBody>
                   <a:tcPr/>
@@ -11154,71 +11838,11 @@
                     <a:p>
                       <a:pPr algn="ctr"/>
                       <a:r>
-                        <a:rPr lang="en-US" sz="1400" dirty="0"/>
-                        <a:t>M.Sc. In WRD, BUET</a:t>
-                      </a:r>
-                    </a:p>
-                    <a:p>
-                      <a:pPr algn="ctr"/>
-                      <a:r>
-                        <a:rPr lang="en-US" sz="1400" dirty="0"/>
-                        <a:t>NSDA Certified, Project Management Expert</a:t>
-                      </a:r>
-                    </a:p>
-                  </a:txBody>
-                  <a:tcPr/>
-                </a:tc>
-                <a:extLst>
-                  <a:ext uri="{0D108BD9-81ED-4DB2-BD59-A6C34878D82A}">
-                    <a16:rowId xmlns:a16="http://schemas.microsoft.com/office/drawing/2014/main" val="10001"/>
-                  </a:ext>
-                </a:extLst>
-              </a:tr>
-              <a:tr h="567360">
-                <a:tc>
-                  <a:txBody>
-                    <a:bodyPr/>
-                    <a:lstStyle/>
-                    <a:p>
-                      <a:pPr marL="0" indent="0">
-                        <a:buFont typeface="+mj-lt"/>
-                        <a:buNone/>
-                      </a:pPr>
-                      <a:r>
-                        <a:rPr lang="en-US" dirty="0"/>
-                        <a:t>2.</a:t>
-                      </a:r>
-                      <a:endParaRPr lang="en-US" dirty="0">
-                        <a:solidFill>
-                          <a:schemeClr val="tx1"/>
-                        </a:solidFill>
-                      </a:endParaRPr>
-                    </a:p>
-                  </a:txBody>
-                  <a:tcPr/>
-                </a:tc>
-                <a:tc>
-                  <a:txBody>
-                    <a:bodyPr/>
-                    <a:lstStyle/>
-                    <a:p>
-                      <a:r>
-                        <a:rPr lang="en-GB" sz="1400" kern="1200" dirty="0">
-                          <a:effectLst/>
+                        <a:rPr lang="en-US" sz="1200" dirty="0">
+                          <a:latin typeface="Times New Roman" panose="02020603050405020304" pitchFamily="18" charset="0"/>
+                          <a:cs typeface="Times New Roman" panose="02020603050405020304" pitchFamily="18" charset="0"/>
                         </a:rPr>
-                        <a:t>Eng. S M Abdullah Al </a:t>
-                      </a:r>
-                      <a:r>
-                        <a:rPr lang="en-GB" sz="1400" kern="1200" dirty="0" err="1">
-                          <a:effectLst/>
-                        </a:rPr>
-                        <a:t>Faruq</a:t>
-                      </a:r>
-                      <a:r>
-                        <a:rPr lang="en-GB" sz="1400" kern="1200" dirty="0">
-                          <a:effectLst/>
-                        </a:rPr>
-                        <a:t> (Fire Expert)</a:t>
+                        <a:t>Name</a:t>
                       </a:r>
                     </a:p>
                   </a:txBody>
@@ -11231,7 +11855,226 @@
                     <a:p>
                       <a:pPr algn="ctr"/>
                       <a:r>
-                        <a:rPr lang="en-US" sz="1400" dirty="0"/>
+                        <a:rPr lang="en-US" sz="1200" dirty="0">
+                          <a:latin typeface="Times New Roman" panose="02020603050405020304" pitchFamily="18" charset="0"/>
+                          <a:cs typeface="Times New Roman" panose="02020603050405020304" pitchFamily="18" charset="0"/>
+                        </a:rPr>
+                        <a:t>Basic</a:t>
+                      </a:r>
+                      <a:r>
+                        <a:rPr lang="en-US" sz="1200" baseline="0" dirty="0">
+                          <a:latin typeface="Times New Roman" panose="02020603050405020304" pitchFamily="18" charset="0"/>
+                          <a:cs typeface="Times New Roman" panose="02020603050405020304" pitchFamily="18" charset="0"/>
+                        </a:rPr>
+                        <a:t> Certification</a:t>
+                      </a:r>
+                      <a:endParaRPr lang="en-US" sz="1200" dirty="0">
+                        <a:latin typeface="Times New Roman" panose="02020603050405020304" pitchFamily="18" charset="0"/>
+                        <a:cs typeface="Times New Roman" panose="02020603050405020304" pitchFamily="18" charset="0"/>
+                      </a:endParaRPr>
+                    </a:p>
+                  </a:txBody>
+                  <a:tcPr/>
+                </a:tc>
+                <a:extLst>
+                  <a:ext uri="{0D108BD9-81ED-4DB2-BD59-A6C34878D82A}">
+                    <a16:rowId xmlns:a16="http://schemas.microsoft.com/office/drawing/2014/main" val="10000"/>
+                  </a:ext>
+                </a:extLst>
+              </a:tr>
+              <a:tr h="636338">
+                <a:tc>
+                  <a:txBody>
+                    <a:bodyPr/>
+                    <a:lstStyle/>
+                    <a:p>
+                      <a:pPr marL="342900" indent="-342900" algn="ctr">
+                        <a:buFont typeface="+mj-lt"/>
+                        <a:buAutoNum type="arabicPeriod"/>
+                      </a:pPr>
+                      <a:endParaRPr lang="en-US" sz="1200" dirty="0">
+                        <a:latin typeface="Times New Roman" panose="02020603050405020304" pitchFamily="18" charset="0"/>
+                        <a:cs typeface="Times New Roman" panose="02020603050405020304" pitchFamily="18" charset="0"/>
+                      </a:endParaRPr>
+                    </a:p>
+                    <a:p>
+                      <a:pPr marL="0" indent="0" algn="ctr">
+                        <a:buFont typeface="+mj-lt"/>
+                        <a:buNone/>
+                      </a:pPr>
+                      <a:r>
+                        <a:rPr lang="en-US" sz="1200" dirty="0">
+                          <a:latin typeface="Times New Roman" panose="02020603050405020304" pitchFamily="18" charset="0"/>
+                          <a:cs typeface="Times New Roman" panose="02020603050405020304" pitchFamily="18" charset="0"/>
+                        </a:rPr>
+                        <a:t>1.</a:t>
+                      </a:r>
+                      <a:endParaRPr lang="en-US" sz="1200" dirty="0">
+                        <a:solidFill>
+                          <a:schemeClr val="tx1"/>
+                        </a:solidFill>
+                        <a:latin typeface="Times New Roman" panose="02020603050405020304" pitchFamily="18" charset="0"/>
+                        <a:cs typeface="Times New Roman" panose="02020603050405020304" pitchFamily="18" charset="0"/>
+                      </a:endParaRPr>
+                    </a:p>
+                  </a:txBody>
+                  <a:tcPr anchor="ctr"/>
+                </a:tc>
+                <a:tc>
+                  <a:txBody>
+                    <a:bodyPr/>
+                    <a:lstStyle/>
+                    <a:p>
+                      <a:pPr algn="ctr"/>
+                      <a:r>
+                        <a:rPr lang="en-GB" sz="1200" kern="1200" dirty="0">
+                          <a:effectLst/>
+                          <a:latin typeface="Times New Roman" panose="02020603050405020304" pitchFamily="18" charset="0"/>
+                          <a:cs typeface="Times New Roman" panose="02020603050405020304" pitchFamily="18" charset="0"/>
+                        </a:rPr>
+                        <a:t>Abu </a:t>
+                      </a:r>
+                      <a:r>
+                        <a:rPr lang="en-GB" sz="1200" kern="1200" dirty="0" err="1">
+                          <a:effectLst/>
+                          <a:latin typeface="Times New Roman" panose="02020603050405020304" pitchFamily="18" charset="0"/>
+                          <a:cs typeface="Times New Roman" panose="02020603050405020304" pitchFamily="18" charset="0"/>
+                        </a:rPr>
+                        <a:t>Jubayer</a:t>
+                      </a:r>
+                      <a:r>
+                        <a:rPr lang="en-GB" sz="1200" kern="1200" dirty="0">
+                          <a:effectLst/>
+                          <a:latin typeface="Times New Roman" panose="02020603050405020304" pitchFamily="18" charset="0"/>
+                          <a:cs typeface="Times New Roman" panose="02020603050405020304" pitchFamily="18" charset="0"/>
+                        </a:rPr>
+                        <a:t> </a:t>
+                      </a:r>
+                    </a:p>
+                    <a:p>
+                      <a:pPr algn="ctr"/>
+                      <a:r>
+                        <a:rPr lang="en-GB" sz="1200" kern="1200" dirty="0">
+                          <a:effectLst/>
+                          <a:latin typeface="Times New Roman" panose="02020603050405020304" pitchFamily="18" charset="0"/>
+                          <a:cs typeface="Times New Roman" panose="02020603050405020304" pitchFamily="18" charset="0"/>
+                        </a:rPr>
+                        <a:t>(Lead Coordinator)</a:t>
+                      </a:r>
+                      <a:endParaRPr lang="en-US" sz="1200" dirty="0">
+                        <a:latin typeface="Times New Roman" panose="02020603050405020304" pitchFamily="18" charset="0"/>
+                        <a:cs typeface="Times New Roman" panose="02020603050405020304" pitchFamily="18" charset="0"/>
+                      </a:endParaRPr>
+                    </a:p>
+                  </a:txBody>
+                  <a:tcPr anchor="ctr"/>
+                </a:tc>
+                <a:tc>
+                  <a:txBody>
+                    <a:bodyPr/>
+                    <a:lstStyle/>
+                    <a:p>
+                      <a:pPr algn="ctr"/>
+                      <a:r>
+                        <a:rPr lang="en-US" sz="1200" dirty="0">
+                          <a:latin typeface="Times New Roman" panose="02020603050405020304" pitchFamily="18" charset="0"/>
+                          <a:cs typeface="Times New Roman" panose="02020603050405020304" pitchFamily="18" charset="0"/>
+                        </a:rPr>
+                        <a:t>M.Sc. In WRD, BUET</a:t>
+                      </a:r>
+                    </a:p>
+                    <a:p>
+                      <a:pPr algn="ctr"/>
+                      <a:r>
+                        <a:rPr lang="en-US" sz="1200" dirty="0">
+                          <a:latin typeface="Times New Roman" panose="02020603050405020304" pitchFamily="18" charset="0"/>
+                          <a:cs typeface="Times New Roman" panose="02020603050405020304" pitchFamily="18" charset="0"/>
+                        </a:rPr>
+                        <a:t>NSDA Certified, Project Management Expert</a:t>
+                      </a:r>
+                    </a:p>
+                  </a:txBody>
+                  <a:tcPr anchor="ctr"/>
+                </a:tc>
+                <a:extLst>
+                  <a:ext uri="{0D108BD9-81ED-4DB2-BD59-A6C34878D82A}">
+                    <a16:rowId xmlns:a16="http://schemas.microsoft.com/office/drawing/2014/main" val="10001"/>
+                  </a:ext>
+                </a:extLst>
+              </a:tr>
+              <a:tr h="636338">
+                <a:tc>
+                  <a:txBody>
+                    <a:bodyPr/>
+                    <a:lstStyle/>
+                    <a:p>
+                      <a:pPr marL="0" indent="0" algn="ctr">
+                        <a:buFont typeface="+mj-lt"/>
+                        <a:buNone/>
+                      </a:pPr>
+                      <a:r>
+                        <a:rPr lang="en-US" sz="1200" dirty="0">
+                          <a:latin typeface="Times New Roman" panose="02020603050405020304" pitchFamily="18" charset="0"/>
+                          <a:cs typeface="Times New Roman" panose="02020603050405020304" pitchFamily="18" charset="0"/>
+                        </a:rPr>
+                        <a:t>2.</a:t>
+                      </a:r>
+                      <a:endParaRPr lang="en-US" sz="1200" dirty="0">
+                        <a:solidFill>
+                          <a:schemeClr val="tx1"/>
+                        </a:solidFill>
+                        <a:latin typeface="Times New Roman" panose="02020603050405020304" pitchFamily="18" charset="0"/>
+                        <a:cs typeface="Times New Roman" panose="02020603050405020304" pitchFamily="18" charset="0"/>
+                      </a:endParaRPr>
+                    </a:p>
+                  </a:txBody>
+                  <a:tcPr anchor="ctr"/>
+                </a:tc>
+                <a:tc>
+                  <a:txBody>
+                    <a:bodyPr/>
+                    <a:lstStyle/>
+                    <a:p>
+                      <a:pPr algn="ctr"/>
+                      <a:r>
+                        <a:rPr lang="en-GB" sz="1200" kern="1200" dirty="0">
+                          <a:effectLst/>
+                          <a:latin typeface="Times New Roman" panose="02020603050405020304" pitchFamily="18" charset="0"/>
+                          <a:cs typeface="Times New Roman" panose="02020603050405020304" pitchFamily="18" charset="0"/>
+                        </a:rPr>
+                        <a:t>Eng. S M Abdullah Al </a:t>
+                      </a:r>
+                      <a:r>
+                        <a:rPr lang="en-GB" sz="1200" kern="1200" dirty="0" err="1">
+                          <a:effectLst/>
+                          <a:latin typeface="Times New Roman" panose="02020603050405020304" pitchFamily="18" charset="0"/>
+                          <a:cs typeface="Times New Roman" panose="02020603050405020304" pitchFamily="18" charset="0"/>
+                        </a:rPr>
+                        <a:t>Faruq</a:t>
+                      </a:r>
+                      <a:r>
+                        <a:rPr lang="en-GB" sz="1200" kern="1200" dirty="0">
+                          <a:effectLst/>
+                          <a:latin typeface="Times New Roman" panose="02020603050405020304" pitchFamily="18" charset="0"/>
+                          <a:cs typeface="Times New Roman" panose="02020603050405020304" pitchFamily="18" charset="0"/>
+                        </a:rPr>
+                        <a:t> (Fire Expert)</a:t>
+                      </a:r>
+                    </a:p>
+                  </a:txBody>
+                  <a:tcPr anchor="ctr"/>
+                </a:tc>
+                <a:tc>
+                  <a:txBody>
+                    <a:bodyPr/>
+                    <a:lstStyle/>
+                    <a:p>
+                      <a:pPr algn="ctr"/>
+                      <a:r>
+                        <a:rPr lang="en-US" sz="1200" dirty="0">
+                          <a:latin typeface="Times New Roman" panose="02020603050405020304" pitchFamily="18" charset="0"/>
+                          <a:cs typeface="Times New Roman" panose="02020603050405020304" pitchFamily="18" charset="0"/>
+                        </a:rPr>
                         <a:t>B.Sc. Engineer</a:t>
                       </a:r>
                     </a:p>
@@ -11254,19 +12097,27 @@
                         <a:defRPr/>
                       </a:pPr>
                       <a:r>
-                        <a:rPr lang="en-GB" sz="1400" kern="1200" dirty="0">
+                        <a:rPr lang="en-GB" sz="1200" kern="1200" dirty="0">
                           <a:effectLst/>
+                          <a:latin typeface="Times New Roman" panose="02020603050405020304" pitchFamily="18" charset="0"/>
+                          <a:cs typeface="Times New Roman" panose="02020603050405020304" pitchFamily="18" charset="0"/>
                         </a:rPr>
                         <a:t>FSCD and NFPA Certified</a:t>
                       </a:r>
-                      <a:endParaRPr lang="en-US" sz="1400" dirty="0"/>
+                      <a:endParaRPr lang="en-US" sz="1200" dirty="0">
+                        <a:latin typeface="Times New Roman" panose="02020603050405020304" pitchFamily="18" charset="0"/>
+                        <a:cs typeface="Times New Roman" panose="02020603050405020304" pitchFamily="18" charset="0"/>
+                      </a:endParaRPr>
                     </a:p>
                     <a:p>
                       <a:pPr algn="ctr"/>
-                      <a:endParaRPr lang="en-US" sz="1400" dirty="0"/>
+                      <a:endParaRPr lang="en-US" sz="1200" dirty="0">
+                        <a:latin typeface="Times New Roman" panose="02020603050405020304" pitchFamily="18" charset="0"/>
+                        <a:cs typeface="Times New Roman" panose="02020603050405020304" pitchFamily="18" charset="0"/>
+                      </a:endParaRPr>
                     </a:p>
                   </a:txBody>
-                  <a:tcPr/>
+                  <a:tcPr anchor="ctr"/>
                 </a:tc>
                 <a:extLst>
                   <a:ext uri="{0D108BD9-81ED-4DB2-BD59-A6C34878D82A}">
@@ -11274,35 +12125,40 @@
                   </a:ext>
                 </a:extLst>
               </a:tr>
-              <a:tr h="567360">
+              <a:tr h="452507">
                 <a:tc>
                   <a:txBody>
                     <a:bodyPr/>
                     <a:lstStyle/>
                     <a:p>
-                      <a:pPr marL="0" indent="0">
+                      <a:pPr marL="0" indent="0" algn="ctr">
                         <a:buFont typeface="+mj-lt"/>
                         <a:buNone/>
                       </a:pPr>
                       <a:r>
-                        <a:rPr lang="en-US" dirty="0"/>
+                        <a:rPr lang="en-US" sz="1200" dirty="0">
+                          <a:latin typeface="Times New Roman" panose="02020603050405020304" pitchFamily="18" charset="0"/>
+                          <a:cs typeface="Times New Roman" panose="02020603050405020304" pitchFamily="18" charset="0"/>
+                        </a:rPr>
                         <a:t>3.</a:t>
                       </a:r>
-                      <a:endParaRPr lang="en-US" dirty="0">
+                      <a:endParaRPr lang="en-US" sz="1200" dirty="0">
                         <a:solidFill>
                           <a:schemeClr val="tx1"/>
                         </a:solidFill>
+                        <a:latin typeface="Times New Roman" panose="02020603050405020304" pitchFamily="18" charset="0"/>
+                        <a:cs typeface="Times New Roman" panose="02020603050405020304" pitchFamily="18" charset="0"/>
                       </a:endParaRPr>
                     </a:p>
                   </a:txBody>
-                  <a:tcPr/>
+                  <a:tcPr anchor="ctr"/>
                 </a:tc>
                 <a:tc>
                   <a:txBody>
                     <a:bodyPr/>
                     <a:lstStyle/>
                     <a:p>
-                      <a:pPr marL="0" marR="0" indent="0" algn="l" defTabSz="914400" rtl="0" eaLnBrk="1" fontAlgn="auto" latinLnBrk="0" hangingPunct="1">
+                      <a:pPr marL="0" marR="0" indent="0" algn="ctr" defTabSz="914400" rtl="0" eaLnBrk="1" fontAlgn="auto" latinLnBrk="0" hangingPunct="1">
                         <a:lnSpc>
                           <a:spcPct val="100000"/>
                         </a:lnSpc>
@@ -11320,26 +12176,32 @@
                         <a:defRPr/>
                       </a:pPr>
                       <a:r>
-                        <a:rPr lang="en-GB" sz="1400" kern="1200" dirty="0">
+                        <a:rPr lang="en-GB" sz="1200" kern="1200" dirty="0">
                           <a:effectLst/>
+                          <a:latin typeface="Times New Roman" panose="02020603050405020304" pitchFamily="18" charset="0"/>
+                          <a:cs typeface="Times New Roman" panose="02020603050405020304" pitchFamily="18" charset="0"/>
                         </a:rPr>
                         <a:t>Eng. Abdullah Al </a:t>
                       </a:r>
                       <a:r>
-                        <a:rPr lang="en-GB" sz="1400" kern="1200" dirty="0" err="1">
+                        <a:rPr lang="en-GB" sz="1200" kern="1200" dirty="0" err="1">
                           <a:effectLst/>
+                          <a:latin typeface="Times New Roman" panose="02020603050405020304" pitchFamily="18" charset="0"/>
+                          <a:cs typeface="Times New Roman" panose="02020603050405020304" pitchFamily="18" charset="0"/>
                         </a:rPr>
                         <a:t>Mamun</a:t>
                       </a:r>
                       <a:r>
-                        <a:rPr lang="en-GB" sz="1400" kern="1200" dirty="0">
+                        <a:rPr lang="en-GB" sz="1200" kern="1200" dirty="0">
                           <a:effectLst/>
+                          <a:latin typeface="Times New Roman" panose="02020603050405020304" pitchFamily="18" charset="0"/>
+                          <a:cs typeface="Times New Roman" panose="02020603050405020304" pitchFamily="18" charset="0"/>
                         </a:rPr>
                         <a:t> (Fire Expert)</a:t>
                       </a:r>
                     </a:p>
                     <a:p>
-                      <a:pPr marL="0" marR="0" indent="0" algn="l" defTabSz="914400" rtl="0" eaLnBrk="1" fontAlgn="auto" latinLnBrk="0" hangingPunct="1">
+                      <a:pPr marL="0" marR="0" indent="0" algn="ctr" defTabSz="914400" rtl="0" eaLnBrk="1" fontAlgn="auto" latinLnBrk="0" hangingPunct="1">
                         <a:lnSpc>
                           <a:spcPct val="100000"/>
                         </a:lnSpc>
@@ -11357,15 +12219,20 @@
                         <a:defRPr/>
                       </a:pPr>
                       <a:r>
-                        <a:rPr lang="en-GB" sz="1400" kern="1200" dirty="0">
+                        <a:rPr lang="en-GB" sz="1200" kern="1200" dirty="0">
                           <a:effectLst/>
+                          <a:latin typeface="Times New Roman" panose="02020603050405020304" pitchFamily="18" charset="0"/>
+                          <a:cs typeface="Times New Roman" panose="02020603050405020304" pitchFamily="18" charset="0"/>
                         </a:rPr>
                         <a:t>FSCD and NFPA Certified</a:t>
                       </a:r>
-                      <a:endParaRPr lang="en-US" sz="1400" dirty="0"/>
+                      <a:endParaRPr lang="en-US" sz="1200" dirty="0">
+                        <a:latin typeface="Times New Roman" panose="02020603050405020304" pitchFamily="18" charset="0"/>
+                        <a:cs typeface="Times New Roman" panose="02020603050405020304" pitchFamily="18" charset="0"/>
+                      </a:endParaRPr>
                     </a:p>
                   </a:txBody>
-                  <a:tcPr/>
+                  <a:tcPr anchor="ctr"/>
                 </a:tc>
                 <a:tc>
                   <a:txBody>
@@ -11374,7 +12241,10 @@
                     <a:p>
                       <a:pPr algn="ctr"/>
                       <a:r>
-                        <a:rPr lang="en-US" sz="1400" dirty="0"/>
+                        <a:rPr lang="en-US" sz="1200" dirty="0">
+                          <a:latin typeface="Times New Roman" panose="02020603050405020304" pitchFamily="18" charset="0"/>
+                          <a:cs typeface="Times New Roman" panose="02020603050405020304" pitchFamily="18" charset="0"/>
+                        </a:rPr>
                         <a:t>B.Sc. Engineer</a:t>
                       </a:r>
                     </a:p>
@@ -11397,15 +12267,20 @@
                         <a:defRPr/>
                       </a:pPr>
                       <a:r>
-                        <a:rPr lang="en-GB" sz="1400" kern="1200" dirty="0">
+                        <a:rPr lang="en-GB" sz="1200" kern="1200" dirty="0">
                           <a:effectLst/>
+                          <a:latin typeface="Times New Roman" panose="02020603050405020304" pitchFamily="18" charset="0"/>
+                          <a:cs typeface="Times New Roman" panose="02020603050405020304" pitchFamily="18" charset="0"/>
                         </a:rPr>
                         <a:t>FSCD and NFPA Certified</a:t>
                       </a:r>
-                      <a:endParaRPr lang="en-US" sz="1400" dirty="0"/>
+                      <a:endParaRPr lang="en-US" sz="1200" dirty="0">
+                        <a:latin typeface="Times New Roman" panose="02020603050405020304" pitchFamily="18" charset="0"/>
+                        <a:cs typeface="Times New Roman" panose="02020603050405020304" pitchFamily="18" charset="0"/>
+                      </a:endParaRPr>
                     </a:p>
                   </a:txBody>
-                  <a:tcPr/>
+                  <a:tcPr anchor="ctr"/>
                 </a:tc>
                 <a:extLst>
                   <a:ext uri="{0D108BD9-81ED-4DB2-BD59-A6C34878D82A}">
@@ -11413,84 +12288,107 @@
                   </a:ext>
                 </a:extLst>
               </a:tr>
-              <a:tr h="440028">
+              <a:tr h="636338">
                 <a:tc>
                   <a:txBody>
                     <a:bodyPr/>
                     <a:lstStyle/>
                     <a:p>
-                      <a:pPr marL="0" indent="0">
+                      <a:pPr marL="0" indent="0" algn="ctr">
                         <a:buFont typeface="+mj-lt"/>
                         <a:buNone/>
                       </a:pPr>
                       <a:r>
-                        <a:rPr lang="en-US" dirty="0"/>
+                        <a:rPr lang="en-US" sz="1200" dirty="0">
+                          <a:latin typeface="Times New Roman" panose="02020603050405020304" pitchFamily="18" charset="0"/>
+                          <a:cs typeface="Times New Roman" panose="02020603050405020304" pitchFamily="18" charset="0"/>
+                        </a:rPr>
                         <a:t>4.</a:t>
                       </a:r>
-                      <a:endParaRPr lang="en-US" dirty="0">
+                      <a:endParaRPr lang="en-US" sz="1200" dirty="0">
                         <a:solidFill>
                           <a:schemeClr val="tx1"/>
                         </a:solidFill>
+                        <a:latin typeface="Times New Roman" panose="02020603050405020304" pitchFamily="18" charset="0"/>
+                        <a:cs typeface="Times New Roman" panose="02020603050405020304" pitchFamily="18" charset="0"/>
                       </a:endParaRPr>
                     </a:p>
                   </a:txBody>
-                  <a:tcPr/>
+                  <a:tcPr anchor="ctr"/>
                 </a:tc>
                 <a:tc>
                   <a:txBody>
                     <a:bodyPr/>
                     <a:lstStyle/>
                     <a:p>
+                      <a:pPr algn="ctr"/>
                       <a:r>
-                        <a:rPr lang="en-GB" sz="1400" kern="1200" dirty="0">
+                        <a:rPr lang="en-GB" sz="1200" kern="1200" dirty="0">
                           <a:effectLst/>
+                          <a:latin typeface="Times New Roman" panose="02020603050405020304" pitchFamily="18" charset="0"/>
+                          <a:cs typeface="Times New Roman" panose="02020603050405020304" pitchFamily="18" charset="0"/>
                         </a:rPr>
                         <a:t>Eng.</a:t>
                       </a:r>
                       <a:r>
-                        <a:rPr lang="en-GB" sz="1400" kern="1200" baseline="0" dirty="0">
+                        <a:rPr lang="en-GB" sz="1200" kern="1200" baseline="0" dirty="0">
                           <a:effectLst/>
+                          <a:latin typeface="Times New Roman" panose="02020603050405020304" pitchFamily="18" charset="0"/>
+                          <a:cs typeface="Times New Roman" panose="02020603050405020304" pitchFamily="18" charset="0"/>
                         </a:rPr>
                         <a:t> </a:t>
                       </a:r>
                       <a:r>
-                        <a:rPr lang="en-GB" sz="1400" kern="1200" baseline="0" dirty="0" err="1">
+                        <a:rPr lang="en-GB" sz="1200" kern="1200" baseline="0" dirty="0" err="1">
                           <a:effectLst/>
+                          <a:latin typeface="Times New Roman" panose="02020603050405020304" pitchFamily="18" charset="0"/>
+                          <a:cs typeface="Times New Roman" panose="02020603050405020304" pitchFamily="18" charset="0"/>
                         </a:rPr>
                         <a:t>Manik</a:t>
                       </a:r>
                       <a:r>
-                        <a:rPr lang="en-GB" sz="1400" kern="1200" baseline="0" dirty="0">
+                        <a:rPr lang="en-GB" sz="1200" kern="1200" baseline="0" dirty="0">
                           <a:effectLst/>
+                          <a:latin typeface="Times New Roman" panose="02020603050405020304" pitchFamily="18" charset="0"/>
+                          <a:cs typeface="Times New Roman" panose="02020603050405020304" pitchFamily="18" charset="0"/>
                         </a:rPr>
                         <a:t> Hossain</a:t>
                       </a:r>
                     </a:p>
                     <a:p>
+                      <a:pPr algn="ctr"/>
                       <a:r>
-                        <a:rPr lang="en-GB" sz="1400" kern="1200" baseline="0" dirty="0">
+                        <a:rPr lang="en-GB" sz="1200" kern="1200" baseline="0" dirty="0">
                           <a:effectLst/>
+                          <a:latin typeface="Times New Roman" panose="02020603050405020304" pitchFamily="18" charset="0"/>
+                          <a:cs typeface="Times New Roman" panose="02020603050405020304" pitchFamily="18" charset="0"/>
                         </a:rPr>
                         <a:t>Eng. S M </a:t>
                       </a:r>
                       <a:r>
-                        <a:rPr lang="en-GB" sz="1400" kern="1200" baseline="0" dirty="0" err="1">
+                        <a:rPr lang="en-GB" sz="1200" kern="1200" baseline="0" dirty="0" err="1">
                           <a:effectLst/>
+                          <a:latin typeface="Times New Roman" panose="02020603050405020304" pitchFamily="18" charset="0"/>
+                          <a:cs typeface="Times New Roman" panose="02020603050405020304" pitchFamily="18" charset="0"/>
                         </a:rPr>
                         <a:t>Saiful</a:t>
                       </a:r>
                       <a:r>
-                        <a:rPr lang="en-GB" sz="1400" kern="1200" baseline="0" dirty="0">
+                        <a:rPr lang="en-GB" sz="1200" kern="1200" baseline="0" dirty="0">
                           <a:effectLst/>
+                          <a:latin typeface="Times New Roman" panose="02020603050405020304" pitchFamily="18" charset="0"/>
+                          <a:cs typeface="Times New Roman" panose="02020603050405020304" pitchFamily="18" charset="0"/>
                         </a:rPr>
                         <a:t> Islam</a:t>
                       </a:r>
-                      <a:endParaRPr lang="en-GB" sz="1400" kern="1200" dirty="0">
+                      <a:endParaRPr lang="en-GB" sz="1200" kern="1200" dirty="0">
                         <a:effectLst/>
+                        <a:latin typeface="Times New Roman" panose="02020603050405020304" pitchFamily="18" charset="0"/>
+                        <a:cs typeface="Times New Roman" panose="02020603050405020304" pitchFamily="18" charset="0"/>
                       </a:endParaRPr>
                     </a:p>
                     <a:p>
-                      <a:pPr marL="0" marR="0" indent="0" algn="l" defTabSz="914400" rtl="0" eaLnBrk="1" fontAlgn="auto" latinLnBrk="0" hangingPunct="1">
+                      <a:pPr marL="0" marR="0" indent="0" algn="ctr" defTabSz="914400" rtl="0" eaLnBrk="1" fontAlgn="auto" latinLnBrk="0" hangingPunct="1">
                         <a:lnSpc>
                           <a:spcPct val="100000"/>
                         </a:lnSpc>
@@ -11508,15 +12406,20 @@
                         <a:defRPr/>
                       </a:pPr>
                       <a:r>
-                        <a:rPr lang="en-GB" sz="1400" kern="1200" dirty="0">
+                        <a:rPr lang="en-GB" sz="1200" kern="1200" dirty="0">
                           <a:effectLst/>
+                          <a:latin typeface="Times New Roman" panose="02020603050405020304" pitchFamily="18" charset="0"/>
+                          <a:cs typeface="Times New Roman" panose="02020603050405020304" pitchFamily="18" charset="0"/>
                         </a:rPr>
                         <a:t>(Electrical Safety Expert) FSCD Certified</a:t>
                       </a:r>
-                      <a:endParaRPr lang="en-US" sz="1400" dirty="0"/>
+                      <a:endParaRPr lang="en-US" sz="1200" dirty="0">
+                        <a:latin typeface="Times New Roman" panose="02020603050405020304" pitchFamily="18" charset="0"/>
+                        <a:cs typeface="Times New Roman" panose="02020603050405020304" pitchFamily="18" charset="0"/>
+                      </a:endParaRPr>
                     </a:p>
                   </a:txBody>
-                  <a:tcPr/>
+                  <a:tcPr anchor="ctr"/>
                 </a:tc>
                 <a:tc>
                   <a:txBody>
@@ -11525,7 +12428,10 @@
                     <a:p>
                       <a:pPr algn="ctr"/>
                       <a:r>
-                        <a:rPr lang="en-US" sz="1400" dirty="0"/>
+                        <a:rPr lang="en-US" sz="1200" dirty="0">
+                          <a:latin typeface="Times New Roman" panose="02020603050405020304" pitchFamily="18" charset="0"/>
+                          <a:cs typeface="Times New Roman" panose="02020603050405020304" pitchFamily="18" charset="0"/>
+                        </a:rPr>
                         <a:t>B.Sc. Engineer</a:t>
                       </a:r>
                     </a:p>
@@ -11548,19 +12454,27 @@
                         <a:defRPr/>
                       </a:pPr>
                       <a:r>
-                        <a:rPr lang="en-GB" sz="1400" kern="1200" dirty="0">
+                        <a:rPr lang="en-GB" sz="1200" kern="1200" dirty="0">
                           <a:effectLst/>
+                          <a:latin typeface="Times New Roman" panose="02020603050405020304" pitchFamily="18" charset="0"/>
+                          <a:cs typeface="Times New Roman" panose="02020603050405020304" pitchFamily="18" charset="0"/>
                         </a:rPr>
                         <a:t>FSCD and NFPA Certified</a:t>
                       </a:r>
-                      <a:endParaRPr lang="en-US" sz="1400" dirty="0"/>
+                      <a:endParaRPr lang="en-US" sz="1200" dirty="0">
+                        <a:latin typeface="Times New Roman" panose="02020603050405020304" pitchFamily="18" charset="0"/>
+                        <a:cs typeface="Times New Roman" panose="02020603050405020304" pitchFamily="18" charset="0"/>
+                      </a:endParaRPr>
                     </a:p>
                     <a:p>
                       <a:pPr algn="ctr"/>
-                      <a:endParaRPr lang="en-US" sz="1400" dirty="0"/>
+                      <a:endParaRPr lang="en-US" sz="1200" dirty="0">
+                        <a:latin typeface="Times New Roman" panose="02020603050405020304" pitchFamily="18" charset="0"/>
+                        <a:cs typeface="Times New Roman" panose="02020603050405020304" pitchFamily="18" charset="0"/>
+                      </a:endParaRPr>
                     </a:p>
                   </a:txBody>
-                  <a:tcPr/>
+                  <a:tcPr anchor="ctr"/>
                 </a:tc>
                 <a:extLst>
                   <a:ext uri="{0D108BD9-81ED-4DB2-BD59-A6C34878D82A}">
@@ -11568,82 +12482,26 @@
                   </a:ext>
                 </a:extLst>
               </a:tr>
-              <a:tr h="810514">
+              <a:tr h="560736">
                 <a:tc>
                   <a:txBody>
                     <a:bodyPr/>
                     <a:lstStyle/>
                     <a:p>
-                      <a:pPr marL="0" indent="0">
+                      <a:pPr marL="0" indent="0" algn="ctr">
                         <a:buFont typeface="+mj-lt"/>
                         <a:buNone/>
                       </a:pPr>
                       <a:r>
-                        <a:rPr lang="en-US" dirty="0"/>
+                        <a:rPr lang="en-US" sz="1200" dirty="0">
+                          <a:latin typeface="Times New Roman" panose="02020603050405020304" pitchFamily="18" charset="0"/>
+                          <a:cs typeface="Times New Roman" panose="02020603050405020304" pitchFamily="18" charset="0"/>
+                        </a:rPr>
                         <a:t>5.</a:t>
                       </a:r>
                     </a:p>
-                    <a:p>
-                      <a:pPr marL="0" indent="0">
-                        <a:buFont typeface="+mj-lt"/>
-                        <a:buNone/>
-                      </a:pPr>
-                      <a:r>
-                        <a:rPr lang="en-US" dirty="0"/>
-                        <a:t>6. </a:t>
-                      </a:r>
-                      <a:endParaRPr lang="en-US" dirty="0">
-                        <a:solidFill>
-                          <a:schemeClr val="tx1"/>
-                        </a:solidFill>
-                      </a:endParaRPr>
-                    </a:p>
                   </a:txBody>
-                  <a:tcPr/>
-                </a:tc>
-                <a:tc>
-                  <a:txBody>
-                    <a:bodyPr/>
-                    <a:lstStyle/>
-                    <a:p>
-                      <a:r>
-                        <a:rPr lang="en-GB" sz="1400" kern="1200" dirty="0">
-                          <a:effectLst/>
-                        </a:rPr>
-                        <a:t>Eng. </a:t>
-                      </a:r>
-                      <a:r>
-                        <a:rPr lang="en-GB" sz="1400" kern="1200" dirty="0" err="1">
-                          <a:effectLst/>
-                        </a:rPr>
-                        <a:t>Siddiqur</a:t>
-                      </a:r>
-                      <a:r>
-                        <a:rPr lang="en-GB" sz="1400" kern="1200" dirty="0">
-                          <a:effectLst/>
-                        </a:rPr>
-                        <a:t>  Rahman </a:t>
-                      </a:r>
-                    </a:p>
-                    <a:p>
-                      <a:r>
-                        <a:rPr lang="en-GB" sz="1400" kern="1200" dirty="0">
-                          <a:effectLst/>
-                        </a:rPr>
-                        <a:t>Structural Safety Expert</a:t>
-                      </a:r>
-                    </a:p>
-                    <a:p>
-                      <a:r>
-                        <a:rPr lang="en-GB" sz="1400" kern="1200" dirty="0">
-                          <a:effectLst/>
-                        </a:rPr>
-                        <a:t>Assessor (Mechanical and Electrical Eng.)</a:t>
-                      </a:r>
-                      <a:endParaRPr lang="en-US" sz="1400" dirty="0"/>
-                    </a:p>
-                  </a:txBody>
-                  <a:tcPr/>
+                  <a:tcPr anchor="ctr"/>
                 </a:tc>
                 <a:tc>
                   <a:txBody>
@@ -11652,10 +12510,117 @@
                     <a:p>
                       <a:pPr algn="ctr"/>
                       <a:r>
-                        <a:rPr lang="en-US" sz="1400" dirty="0"/>
+                        <a:rPr lang="en-GB" sz="1200" kern="1200" dirty="0">
+                          <a:effectLst/>
+                          <a:latin typeface="Times New Roman" panose="02020603050405020304" pitchFamily="18" charset="0"/>
+                          <a:cs typeface="Times New Roman" panose="02020603050405020304" pitchFamily="18" charset="0"/>
+                        </a:rPr>
+                        <a:t>Eng. </a:t>
+                      </a:r>
+                      <a:r>
+                        <a:rPr lang="en-GB" sz="1200" kern="1200" dirty="0" err="1">
+                          <a:effectLst/>
+                          <a:latin typeface="Times New Roman" panose="02020603050405020304" pitchFamily="18" charset="0"/>
+                          <a:cs typeface="Times New Roman" panose="02020603050405020304" pitchFamily="18" charset="0"/>
+                        </a:rPr>
+                        <a:t>Siddiqur</a:t>
+                      </a:r>
+                      <a:r>
+                        <a:rPr lang="en-GB" sz="1200" kern="1200" dirty="0">
+                          <a:effectLst/>
+                          <a:latin typeface="Times New Roman" panose="02020603050405020304" pitchFamily="18" charset="0"/>
+                          <a:cs typeface="Times New Roman" panose="02020603050405020304" pitchFamily="18" charset="0"/>
+                        </a:rPr>
+                        <a:t>  Rahman</a:t>
+                      </a:r>
+                    </a:p>
+                  </a:txBody>
+                  <a:tcPr anchor="ctr"/>
+                </a:tc>
+                <a:tc>
+                  <a:txBody>
+                    <a:bodyPr/>
+                    <a:lstStyle/>
+                    <a:p>
+                      <a:pPr algn="ctr"/>
+                      <a:r>
+                        <a:rPr lang="en-US" sz="1200" dirty="0">
+                          <a:latin typeface="Times New Roman" panose="02020603050405020304" pitchFamily="18" charset="0"/>
+                          <a:cs typeface="Times New Roman" panose="02020603050405020304" pitchFamily="18" charset="0"/>
+                        </a:rPr>
                         <a:t>B.Sc. Engineer</a:t>
                       </a:r>
                     </a:p>
+                  </a:txBody>
+                  <a:tcPr anchor="ctr"/>
+                </a:tc>
+                <a:extLst>
+                  <a:ext uri="{0D108BD9-81ED-4DB2-BD59-A6C34878D82A}">
+                    <a16:rowId xmlns:a16="http://schemas.microsoft.com/office/drawing/2014/main" val="10005"/>
+                  </a:ext>
+                </a:extLst>
+              </a:tr>
+              <a:tr h="636338">
+                <a:tc>
+                  <a:txBody>
+                    <a:bodyPr/>
+                    <a:lstStyle/>
+                    <a:p>
+                      <a:pPr marL="0" indent="0" algn="ctr">
+                        <a:buFont typeface="+mj-lt"/>
+                        <a:buNone/>
+                      </a:pPr>
+                      <a:r>
+                        <a:rPr lang="en-US" sz="1200" dirty="0">
+                          <a:solidFill>
+                            <a:schemeClr val="tx1"/>
+                          </a:solidFill>
+                          <a:latin typeface="Times New Roman" panose="02020603050405020304" pitchFamily="18" charset="0"/>
+                          <a:cs typeface="Times New Roman" panose="02020603050405020304" pitchFamily="18" charset="0"/>
+                        </a:rPr>
+                        <a:t>6.</a:t>
+                      </a:r>
+                    </a:p>
+                  </a:txBody>
+                  <a:tcPr anchor="ctr"/>
+                </a:tc>
+                <a:tc>
+                  <a:txBody>
+                    <a:bodyPr/>
+                    <a:lstStyle/>
+                    <a:p>
+                      <a:pPr algn="ctr"/>
+                      <a:r>
+                        <a:rPr lang="en-GB" sz="1200" kern="1200" dirty="0">
+                          <a:effectLst/>
+                          <a:latin typeface="Times New Roman" panose="02020603050405020304" pitchFamily="18" charset="0"/>
+                          <a:cs typeface="Times New Roman" panose="02020603050405020304" pitchFamily="18" charset="0"/>
+                        </a:rPr>
+                        <a:t>Structural Safety Expert</a:t>
+                      </a:r>
+                    </a:p>
+                    <a:p>
+                      <a:pPr algn="ctr"/>
+                      <a:r>
+                        <a:rPr lang="en-GB" sz="1200" kern="1200" dirty="0">
+                          <a:effectLst/>
+                          <a:latin typeface="Times New Roman" panose="02020603050405020304" pitchFamily="18" charset="0"/>
+                          <a:cs typeface="Times New Roman" panose="02020603050405020304" pitchFamily="18" charset="0"/>
+                        </a:rPr>
+                        <a:t>Assessor (Mechanical and Electrical Eng.)</a:t>
+                      </a:r>
+                      <a:endParaRPr lang="en-US" sz="1200" dirty="0">
+                        <a:latin typeface="Times New Roman" panose="02020603050405020304" pitchFamily="18" charset="0"/>
+                        <a:cs typeface="Times New Roman" panose="02020603050405020304" pitchFamily="18" charset="0"/>
+                      </a:endParaRPr>
+                    </a:p>
+                  </a:txBody>
+                  <a:tcPr anchor="ctr"/>
+                </a:tc>
+                <a:tc>
+                  <a:txBody>
+                    <a:bodyPr/>
+                    <a:lstStyle/>
                     <a:p>
                       <a:pPr marL="0" marR="0" indent="0" algn="ctr" defTabSz="914400" rtl="0" eaLnBrk="1" fontAlgn="auto" latinLnBrk="0" hangingPunct="1">
                         <a:lnSpc>
@@ -11675,31 +12640,41 @@
                         <a:defRPr/>
                       </a:pPr>
                       <a:r>
-                        <a:rPr lang="en-GB" sz="1400" kern="1200" dirty="0">
+                        <a:rPr lang="en-GB" sz="1200" kern="1200" dirty="0">
                           <a:effectLst/>
+                          <a:latin typeface="Times New Roman" panose="02020603050405020304" pitchFamily="18" charset="0"/>
+                          <a:cs typeface="Times New Roman" panose="02020603050405020304" pitchFamily="18" charset="0"/>
                         </a:rPr>
                         <a:t>FSCD and NFPA Certified</a:t>
                       </a:r>
-                      <a:endParaRPr lang="en-US" sz="1400" dirty="0"/>
+                      <a:endParaRPr lang="en-US" sz="1200" dirty="0">
+                        <a:latin typeface="Times New Roman" panose="02020603050405020304" pitchFamily="18" charset="0"/>
+                        <a:cs typeface="Times New Roman" panose="02020603050405020304" pitchFamily="18" charset="0"/>
+                      </a:endParaRPr>
                     </a:p>
                     <a:p>
                       <a:pPr algn="ctr"/>
                       <a:r>
-                        <a:rPr lang="en-US" sz="1400" dirty="0"/>
-                        <a:t>20 </a:t>
+                        <a:rPr lang="en-US" sz="1200" dirty="0">
+                          <a:latin typeface="Times New Roman" panose="02020603050405020304" pitchFamily="18" charset="0"/>
+                          <a:cs typeface="Times New Roman" panose="02020603050405020304" pitchFamily="18" charset="0"/>
+                        </a:rPr>
+                        <a:t>20 Nos</a:t>
                       </a:r>
-                      <a:r>
-                        <a:rPr lang="en-US" sz="1400" dirty="0" err="1"/>
-                        <a:t>Nos</a:t>
-                      </a:r>
-                      <a:endParaRPr lang="en-US" sz="1400" dirty="0"/>
+                    </a:p>
+                    <a:p>
+                      <a:pPr algn="ctr"/>
+                      <a:endParaRPr lang="en-US" sz="1200" dirty="0">
+                        <a:latin typeface="Times New Roman" panose="02020603050405020304" pitchFamily="18" charset="0"/>
+                        <a:cs typeface="Times New Roman" panose="02020603050405020304" pitchFamily="18" charset="0"/>
+                      </a:endParaRPr>
                     </a:p>
                   </a:txBody>
-                  <a:tcPr/>
+                  <a:tcPr anchor="ctr"/>
                 </a:tc>
                 <a:extLst>
                   <a:ext uri="{0D108BD9-81ED-4DB2-BD59-A6C34878D82A}">
-                    <a16:rowId xmlns:a16="http://schemas.microsoft.com/office/drawing/2014/main" val="10005"/>
+                    <a16:rowId xmlns:a16="http://schemas.microsoft.com/office/drawing/2014/main" val="2913777837"/>
                   </a:ext>
                 </a:extLst>
               </a:tr>
@@ -11707,43 +12682,6 @@
           </a:graphicData>
         </a:graphic>
       </p:graphicFrame>
-      <p:sp>
-        <p:nvSpPr>
-          <p:cNvPr id="4" name="Content Placeholder 3"/>
-          <p:cNvSpPr>
-            <a:spLocks noGrp="1"/>
-          </p:cNvSpPr>
-          <p:nvPr>
-            <p:ph sz="half" idx="2"/>
-          </p:nvPr>
-        </p:nvSpPr>
-        <p:spPr>
-          <a:xfrm>
-            <a:off x="6404460" y="1150450"/>
-            <a:ext cx="2308341" cy="963185"/>
-          </a:xfrm>
-        </p:spPr>
-        <p:txBody>
-          <a:bodyPr>
-            <a:normAutofit/>
-          </a:bodyPr>
-          <a:lstStyle/>
-          <a:p>
-            <a:r>
-              <a:rPr lang="en-US" sz="1400" dirty="0">
-                <a:latin typeface="+mj-lt"/>
-              </a:rPr>
-              <a:t>Please find Details in Full Proposal</a:t>
-            </a:r>
-          </a:p>
-          <a:p>
-            <a:pPr marL="0" indent="0">
-              <a:buNone/>
-            </a:pPr>
-            <a:endParaRPr lang="en-US" dirty="0"/>
-          </a:p>
-        </p:txBody>
-      </p:sp>
       <p:pic>
         <p:nvPicPr>
           <p:cNvPr id="7" name="Picture 6"/>
@@ -11766,8 +12704,8 @@
         </p:blipFill>
         <p:spPr>
           <a:xfrm>
-            <a:off x="6862574" y="2571750"/>
-            <a:ext cx="1995675" cy="1905000"/>
+            <a:off x="7015280" y="2039767"/>
+            <a:ext cx="1893795" cy="1905000"/>
           </a:xfrm>
           <a:prstGeom prst="rect">
             <a:avLst/>
@@ -11806,35 +12744,6 @@
       </p:grpSpPr>
       <p:sp>
         <p:nvSpPr>
-          <p:cNvPr id="3" name="Content Placeholder 2"/>
-          <p:cNvSpPr>
-            <a:spLocks noGrp="1"/>
-          </p:cNvSpPr>
-          <p:nvPr>
-            <p:ph sz="half" idx="1"/>
-          </p:nvPr>
-        </p:nvSpPr>
-        <p:spPr/>
-        <p:txBody>
-          <a:bodyPr>
-            <a:normAutofit fontScale="85000" lnSpcReduction="20000"/>
-          </a:bodyPr>
-          <a:lstStyle/>
-          <a:p>
-            <a:r>
-              <a:rPr lang="en-GB" dirty="0"/>
-              <a:t>PUBLICITY</a:t>
-            </a:r>
-            <a:r>
-              <a:rPr lang="en-GB" b="1" dirty="0"/>
-              <a:t> OF THE PROJECT</a:t>
-            </a:r>
-            <a:endParaRPr lang="en-US" dirty="0"/>
-          </a:p>
-        </p:txBody>
-      </p:sp>
-      <p:sp>
-        <p:nvSpPr>
           <p:cNvPr id="4" name="Content Placeholder 3"/>
           <p:cNvSpPr>
             <a:spLocks noGrp="1"/>
@@ -11852,83 +12761,197 @@
           <a:p>
             <a:pPr lvl="0"/>
             <a:r>
-              <a:rPr lang="en-GB" dirty="0"/>
+              <a:rPr lang="en-GB" dirty="0">
+                <a:latin typeface="Times New Roman" panose="02020603050405020304" pitchFamily="18" charset="0"/>
+                <a:cs typeface="Times New Roman" panose="02020603050405020304" pitchFamily="18" charset="0"/>
+              </a:rPr>
               <a:t>Paper Publication</a:t>
             </a:r>
-            <a:endParaRPr lang="en-US" dirty="0"/>
+            <a:endParaRPr lang="en-US" dirty="0">
+              <a:latin typeface="Times New Roman" panose="02020603050405020304" pitchFamily="18" charset="0"/>
+              <a:cs typeface="Times New Roman" panose="02020603050405020304" pitchFamily="18" charset="0"/>
+            </a:endParaRPr>
           </a:p>
           <a:p>
             <a:pPr lvl="0"/>
             <a:r>
-              <a:rPr lang="en-GB" dirty="0"/>
+              <a:rPr lang="en-GB" dirty="0">
+                <a:latin typeface="Times New Roman" panose="02020603050405020304" pitchFamily="18" charset="0"/>
+                <a:cs typeface="Times New Roman" panose="02020603050405020304" pitchFamily="18" charset="0"/>
+              </a:rPr>
               <a:t>Facebook</a:t>
             </a:r>
-            <a:endParaRPr lang="en-US" dirty="0"/>
+            <a:endParaRPr lang="en-US" dirty="0">
+              <a:latin typeface="Times New Roman" panose="02020603050405020304" pitchFamily="18" charset="0"/>
+              <a:cs typeface="Times New Roman" panose="02020603050405020304" pitchFamily="18" charset="0"/>
+            </a:endParaRPr>
           </a:p>
           <a:p>
             <a:pPr lvl="0"/>
             <a:r>
-              <a:rPr lang="en-GB" dirty="0"/>
+              <a:rPr lang="en-GB" dirty="0">
+                <a:latin typeface="Times New Roman" panose="02020603050405020304" pitchFamily="18" charset="0"/>
+                <a:cs typeface="Times New Roman" panose="02020603050405020304" pitchFamily="18" charset="0"/>
+              </a:rPr>
               <a:t>You tube</a:t>
             </a:r>
-            <a:endParaRPr lang="en-US" dirty="0"/>
+            <a:endParaRPr lang="en-US" dirty="0">
+              <a:latin typeface="Times New Roman" panose="02020603050405020304" pitchFamily="18" charset="0"/>
+              <a:cs typeface="Times New Roman" panose="02020603050405020304" pitchFamily="18" charset="0"/>
+            </a:endParaRPr>
           </a:p>
           <a:p>
             <a:pPr lvl="0"/>
             <a:r>
-              <a:rPr lang="en-GB" dirty="0"/>
+              <a:rPr lang="en-GB" dirty="0">
+                <a:latin typeface="Times New Roman" panose="02020603050405020304" pitchFamily="18" charset="0"/>
+                <a:cs typeface="Times New Roman" panose="02020603050405020304" pitchFamily="18" charset="0"/>
+              </a:rPr>
               <a:t>A roundtable</a:t>
             </a:r>
-            <a:endParaRPr lang="en-US" dirty="0"/>
+            <a:endParaRPr lang="en-US" dirty="0">
+              <a:latin typeface="Times New Roman" panose="02020603050405020304" pitchFamily="18" charset="0"/>
+              <a:cs typeface="Times New Roman" panose="02020603050405020304" pitchFamily="18" charset="0"/>
+            </a:endParaRPr>
           </a:p>
           <a:p>
             <a:pPr lvl="0"/>
             <a:r>
-              <a:rPr lang="en-GB" dirty="0"/>
+              <a:rPr lang="en-GB" dirty="0">
+                <a:latin typeface="Times New Roman" panose="02020603050405020304" pitchFamily="18" charset="0"/>
+                <a:cs typeface="Times New Roman" panose="02020603050405020304" pitchFamily="18" charset="0"/>
+              </a:rPr>
               <a:t>5nos TV Talk Show</a:t>
             </a:r>
-            <a:endParaRPr lang="en-US" dirty="0"/>
+            <a:endParaRPr lang="en-US" dirty="0">
+              <a:latin typeface="Times New Roman" panose="02020603050405020304" pitchFamily="18" charset="0"/>
+              <a:cs typeface="Times New Roman" panose="02020603050405020304" pitchFamily="18" charset="0"/>
+            </a:endParaRPr>
           </a:p>
           <a:p>
             <a:pPr lvl="0"/>
             <a:r>
-              <a:rPr lang="en-GB" dirty="0"/>
+              <a:rPr lang="en-GB" dirty="0">
+                <a:latin typeface="Times New Roman" panose="02020603050405020304" pitchFamily="18" charset="0"/>
+                <a:cs typeface="Times New Roman" panose="02020603050405020304" pitchFamily="18" charset="0"/>
+              </a:rPr>
               <a:t>Banner </a:t>
             </a:r>
-            <a:endParaRPr lang="en-US" dirty="0"/>
+            <a:endParaRPr lang="en-US" dirty="0">
+              <a:latin typeface="Times New Roman" panose="02020603050405020304" pitchFamily="18" charset="0"/>
+              <a:cs typeface="Times New Roman" panose="02020603050405020304" pitchFamily="18" charset="0"/>
+            </a:endParaRPr>
           </a:p>
           <a:p>
             <a:pPr lvl="0"/>
             <a:r>
-              <a:rPr lang="en-GB" dirty="0"/>
+              <a:rPr lang="en-GB" dirty="0">
+                <a:latin typeface="Times New Roman" panose="02020603050405020304" pitchFamily="18" charset="0"/>
+                <a:cs typeface="Times New Roman" panose="02020603050405020304" pitchFamily="18" charset="0"/>
+              </a:rPr>
               <a:t>Poster </a:t>
             </a:r>
-            <a:endParaRPr lang="en-US" dirty="0"/>
+            <a:endParaRPr lang="en-US" dirty="0">
+              <a:latin typeface="Times New Roman" panose="02020603050405020304" pitchFamily="18" charset="0"/>
+              <a:cs typeface="Times New Roman" panose="02020603050405020304" pitchFamily="18" charset="0"/>
+            </a:endParaRPr>
           </a:p>
           <a:p>
             <a:pPr lvl="0"/>
             <a:r>
-              <a:rPr lang="en-GB" dirty="0"/>
+              <a:rPr lang="en-GB" dirty="0">
+                <a:latin typeface="Times New Roman" panose="02020603050405020304" pitchFamily="18" charset="0"/>
+                <a:cs typeface="Times New Roman" panose="02020603050405020304" pitchFamily="18" charset="0"/>
+              </a:rPr>
               <a:t>Rally and </a:t>
             </a:r>
-            <a:endParaRPr lang="en-US" dirty="0"/>
+            <a:endParaRPr lang="en-US" dirty="0">
+              <a:latin typeface="Times New Roman" panose="02020603050405020304" pitchFamily="18" charset="0"/>
+              <a:cs typeface="Times New Roman" panose="02020603050405020304" pitchFamily="18" charset="0"/>
+            </a:endParaRPr>
           </a:p>
           <a:p>
             <a:pPr lvl="0"/>
             <a:r>
-              <a:rPr lang="en-GB" dirty="0"/>
+              <a:rPr lang="en-GB" dirty="0">
+                <a:latin typeface="Times New Roman" panose="02020603050405020304" pitchFamily="18" charset="0"/>
+                <a:cs typeface="Times New Roman" panose="02020603050405020304" pitchFamily="18" charset="0"/>
+              </a:rPr>
               <a:t> 5 Nos. Effective Workshops</a:t>
             </a:r>
-            <a:endParaRPr lang="en-US" dirty="0"/>
-          </a:p>
-          <a:p>
-            <a:endParaRPr lang="en-US" dirty="0"/>
+            <a:endParaRPr lang="en-US" dirty="0">
+              <a:latin typeface="Times New Roman" panose="02020603050405020304" pitchFamily="18" charset="0"/>
+              <a:cs typeface="Times New Roman" panose="02020603050405020304" pitchFamily="18" charset="0"/>
+            </a:endParaRPr>
+          </a:p>
+          <a:p>
+            <a:endParaRPr lang="en-US" dirty="0">
+              <a:latin typeface="Times New Roman" panose="02020603050405020304" pitchFamily="18" charset="0"/>
+              <a:cs typeface="Times New Roman" panose="02020603050405020304" pitchFamily="18" charset="0"/>
+            </a:endParaRPr>
+          </a:p>
+        </p:txBody>
+      </p:sp>
+      <p:sp>
+        <p:nvSpPr>
+          <p:cNvPr id="6" name="TextBox 5">
+            <a:extLst>
+              <a:ext uri="{FF2B5EF4-FFF2-40B4-BE49-F238E27FC236}">
+                <a16:creationId xmlns:a16="http://schemas.microsoft.com/office/drawing/2014/main" id="{96E80A94-D68D-48CF-94A1-2A8C1EAB488B}"/>
+              </a:ext>
+            </a:extLst>
+          </p:cNvPr>
+          <p:cNvSpPr txBox="1"/>
+          <p:nvPr/>
+        </p:nvSpPr>
+        <p:spPr>
+          <a:xfrm>
+            <a:off x="296261" y="60998"/>
+            <a:ext cx="4199538" cy="830997"/>
+          </a:xfrm>
+          <a:prstGeom prst="rect">
+            <a:avLst/>
+          </a:prstGeom>
+          <a:noFill/>
+        </p:spPr>
+        <p:txBody>
+          <a:bodyPr wrap="square">
+            <a:spAutoFit/>
+          </a:bodyPr>
+          <a:lstStyle/>
+          <a:p>
+            <a:pPr marL="0" indent="0" algn="ctr">
+              <a:buNone/>
+            </a:pPr>
+            <a:r>
+              <a:rPr lang="en-GB" sz="2400" b="1" dirty="0">
+                <a:solidFill>
+                  <a:schemeClr val="bg1"/>
+                </a:solidFill>
+                <a:latin typeface="Times New Roman" panose="02020603050405020304" pitchFamily="18" charset="0"/>
+                <a:cs typeface="Times New Roman" panose="02020603050405020304" pitchFamily="18" charset="0"/>
+              </a:rPr>
+              <a:t>PUBLICITY OF THE PROJECT</a:t>
+            </a:r>
+            <a:endParaRPr lang="en-US" sz="2400" b="1" dirty="0">
+              <a:solidFill>
+                <a:schemeClr val="bg1"/>
+              </a:solidFill>
+              <a:latin typeface="Times New Roman" panose="02020603050405020304" pitchFamily="18" charset="0"/>
+              <a:cs typeface="Times New Roman" panose="02020603050405020304" pitchFamily="18" charset="0"/>
+            </a:endParaRPr>
           </a:p>
         </p:txBody>
       </p:sp>
       <p:pic>
         <p:nvPicPr>
-          <p:cNvPr id="5" name="Picture 4"/>
+          <p:cNvPr id="7" name="Picture 6">
+            <a:extLst>
+              <a:ext uri="{FF2B5EF4-FFF2-40B4-BE49-F238E27FC236}">
+                <a16:creationId xmlns:a16="http://schemas.microsoft.com/office/drawing/2014/main" id="{DE3E4E2E-8D1D-4684-97AD-B55D2DD60C44}"/>
+              </a:ext>
+            </a:extLst>
+          </p:cNvPr>
           <p:cNvPicPr>
             <a:picLocks noChangeAspect="1"/>
           </p:cNvPicPr>
@@ -11948,7 +12971,7 @@
         </p:blipFill>
         <p:spPr>
           <a:xfrm>
-            <a:off x="800100" y="1808225"/>
+            <a:off x="719630" y="1640087"/>
             <a:ext cx="3352800" cy="2514600"/>
           </a:xfrm>
           <a:prstGeom prst="rect">
@@ -12813,31 +13836,6 @@
       </p:grpSpPr>
       <p:sp>
         <p:nvSpPr>
-          <p:cNvPr id="3" name="Content Placeholder 2"/>
-          <p:cNvSpPr>
-            <a:spLocks noGrp="1"/>
-          </p:cNvSpPr>
-          <p:nvPr>
-            <p:ph sz="half" idx="1"/>
-          </p:nvPr>
-        </p:nvSpPr>
-        <p:spPr/>
-        <p:txBody>
-          <a:bodyPr>
-            <a:normAutofit fontScale="92500"/>
-          </a:bodyPr>
-          <a:lstStyle/>
-          <a:p>
-            <a:r>
-              <a:rPr lang="en-GB" b="1" dirty="0"/>
-              <a:t>FOREIGN TRAINING</a:t>
-            </a:r>
-            <a:endParaRPr lang="en-US" dirty="0"/>
-          </a:p>
-        </p:txBody>
-      </p:sp>
-      <p:sp>
-        <p:nvSpPr>
           <p:cNvPr id="4" name="Content Placeholder 3"/>
           <p:cNvSpPr>
             <a:spLocks noGrp="1"/>
@@ -12846,30 +13844,103 @@
             <p:ph sz="half" idx="2"/>
           </p:nvPr>
         </p:nvSpPr>
-        <p:spPr/>
+        <p:spPr>
+          <a:xfrm>
+            <a:off x="4614066" y="1580539"/>
+            <a:ext cx="4038600" cy="1982419"/>
+          </a:xfrm>
+        </p:spPr>
         <p:txBody>
           <a:bodyPr>
-            <a:normAutofit fontScale="92500"/>
+            <a:normAutofit/>
           </a:bodyPr>
           <a:lstStyle/>
           <a:p>
+            <a:pPr algn="just"/>
             <a:r>
-              <a:rPr lang="en-GB" dirty="0"/>
+              <a:rPr lang="en-GB" sz="2000" dirty="0">
+                <a:latin typeface="Times New Roman" panose="02020603050405020304" pitchFamily="18" charset="0"/>
+                <a:cs typeface="Times New Roman" panose="02020603050405020304" pitchFamily="18" charset="0"/>
+              </a:rPr>
               <a:t>NEBOSH, Singapore will be arranged under the work profile for Govt. Officers, </a:t>
             </a:r>
           </a:p>
           <a:p>
+            <a:pPr algn="just"/>
             <a:r>
-              <a:rPr lang="en-GB" dirty="0"/>
+              <a:rPr lang="en-GB" sz="2000" dirty="0">
+                <a:latin typeface="Times New Roman" panose="02020603050405020304" pitchFamily="18" charset="0"/>
+                <a:cs typeface="Times New Roman" panose="02020603050405020304" pitchFamily="18" charset="0"/>
+              </a:rPr>
               <a:t>Consultancy Firm, Ministry level officers, FSCD officials and others as recommended. </a:t>
             </a:r>
-            <a:endParaRPr lang="en-US" dirty="0"/>
+            <a:endParaRPr lang="en-US" sz="2000" dirty="0">
+              <a:latin typeface="Times New Roman" panose="02020603050405020304" pitchFamily="18" charset="0"/>
+              <a:cs typeface="Times New Roman" panose="02020603050405020304" pitchFamily="18" charset="0"/>
+            </a:endParaRPr>
+          </a:p>
+        </p:txBody>
+      </p:sp>
+      <p:sp>
+        <p:nvSpPr>
+          <p:cNvPr id="6" name="TextBox 5">
+            <a:extLst>
+              <a:ext uri="{FF2B5EF4-FFF2-40B4-BE49-F238E27FC236}">
+                <a16:creationId xmlns:a16="http://schemas.microsoft.com/office/drawing/2014/main" id="{BCAE5088-F4B9-45F4-B32A-88A8BEBDC89B}"/>
+              </a:ext>
+            </a:extLst>
+          </p:cNvPr>
+          <p:cNvSpPr txBox="1"/>
+          <p:nvPr/>
+        </p:nvSpPr>
+        <p:spPr>
+          <a:xfrm>
+            <a:off x="143555" y="128470"/>
+            <a:ext cx="4352245" cy="584775"/>
+          </a:xfrm>
+          <a:prstGeom prst="rect">
+            <a:avLst/>
+          </a:prstGeom>
+          <a:noFill/>
+        </p:spPr>
+        <p:txBody>
+          <a:bodyPr wrap="square">
+            <a:spAutoFit/>
+          </a:bodyPr>
+          <a:lstStyle/>
+          <a:p>
+            <a:pPr marL="0" indent="0" algn="ctr">
+              <a:buNone/>
+            </a:pPr>
+            <a:r>
+              <a:rPr lang="en-GB" sz="3200" b="1" dirty="0">
+                <a:solidFill>
+                  <a:schemeClr val="bg1"/>
+                </a:solidFill>
+                <a:latin typeface="Times New Roman" panose="02020603050405020304" pitchFamily="18" charset="0"/>
+                <a:cs typeface="Times New Roman" panose="02020603050405020304" pitchFamily="18" charset="0"/>
+              </a:rPr>
+              <a:t>FOREIGN TRAINING</a:t>
+            </a:r>
+            <a:endParaRPr lang="en-US" sz="3200" dirty="0">
+              <a:solidFill>
+                <a:schemeClr val="bg1"/>
+              </a:solidFill>
+              <a:latin typeface="Times New Roman" panose="02020603050405020304" pitchFamily="18" charset="0"/>
+              <a:cs typeface="Times New Roman" panose="02020603050405020304" pitchFamily="18" charset="0"/>
+            </a:endParaRPr>
           </a:p>
         </p:txBody>
       </p:sp>
       <p:pic>
         <p:nvPicPr>
-          <p:cNvPr id="5" name="Picture 4"/>
+          <p:cNvPr id="9" name="Picture 8">
+            <a:extLst>
+              <a:ext uri="{FF2B5EF4-FFF2-40B4-BE49-F238E27FC236}">
+                <a16:creationId xmlns:a16="http://schemas.microsoft.com/office/drawing/2014/main" id="{B8A802BF-2057-4E1C-A2E9-462BF83C271D}"/>
+              </a:ext>
+            </a:extLst>
+          </p:cNvPr>
           <p:cNvPicPr>
             <a:picLocks noChangeAspect="1"/>
           </p:cNvPicPr>
@@ -12889,8 +13960,8 @@
         </p:blipFill>
         <p:spPr>
           <a:xfrm>
-            <a:off x="533341" y="1960930"/>
-            <a:ext cx="3580544" cy="2901395"/>
+            <a:off x="491334" y="1254903"/>
+            <a:ext cx="3656685" cy="2633693"/>
           </a:xfrm>
           <a:prstGeom prst="rect">
             <a:avLst/>
@@ -12928,106 +13999,7 @@
                             </p:stCondLst>
                             <p:childTnLst>
                               <p:par>
-                                <p:cTn id="5" presetID="42" presetClass="entr" presetSubtype="0" fill="hold" nodeType="clickEffect">
-                                  <p:stCondLst>
-                                    <p:cond delay="0"/>
-                                  </p:stCondLst>
-                                  <p:childTnLst>
-                                    <p:set>
-                                      <p:cBhvr>
-                                        <p:cTn id="6" dur="1" fill="hold">
-                                          <p:stCondLst>
-                                            <p:cond delay="0"/>
-                                          </p:stCondLst>
-                                        </p:cTn>
-                                        <p:tgtEl>
-                                          <p:spTgt spid="5"/>
-                                        </p:tgtEl>
-                                        <p:attrNameLst>
-                                          <p:attrName>style.visibility</p:attrName>
-                                        </p:attrNameLst>
-                                      </p:cBhvr>
-                                      <p:to>
-                                        <p:strVal val="visible"/>
-                                      </p:to>
-                                    </p:set>
-                                    <p:animEffect transition="in" filter="fade">
-                                      <p:cBhvr>
-                                        <p:cTn id="7" dur="1000"/>
-                                        <p:tgtEl>
-                                          <p:spTgt spid="5"/>
-                                        </p:tgtEl>
-                                      </p:cBhvr>
-                                    </p:animEffect>
-                                    <p:anim calcmode="lin" valueType="num">
-                                      <p:cBhvr>
-                                        <p:cTn id="8" dur="1000" fill="hold"/>
-                                        <p:tgtEl>
-                                          <p:spTgt spid="5"/>
-                                        </p:tgtEl>
-                                        <p:attrNameLst>
-                                          <p:attrName>ppt_x</p:attrName>
-                                        </p:attrNameLst>
-                                      </p:cBhvr>
-                                      <p:tavLst>
-                                        <p:tav tm="0">
-                                          <p:val>
-                                            <p:strVal val="#ppt_x"/>
-                                          </p:val>
-                                        </p:tav>
-                                        <p:tav tm="100000">
-                                          <p:val>
-                                            <p:strVal val="#ppt_x"/>
-                                          </p:val>
-                                        </p:tav>
-                                      </p:tavLst>
-                                    </p:anim>
-                                    <p:anim calcmode="lin" valueType="num">
-                                      <p:cBhvr>
-                                        <p:cTn id="9" dur="1000" fill="hold"/>
-                                        <p:tgtEl>
-                                          <p:spTgt spid="5"/>
-                                        </p:tgtEl>
-                                        <p:attrNameLst>
-                                          <p:attrName>ppt_y</p:attrName>
-                                        </p:attrNameLst>
-                                      </p:cBhvr>
-                                      <p:tavLst>
-                                        <p:tav tm="0">
-                                          <p:val>
-                                            <p:strVal val="#ppt_y+.1"/>
-                                          </p:val>
-                                        </p:tav>
-                                        <p:tav tm="100000">
-                                          <p:val>
-                                            <p:strVal val="#ppt_y"/>
-                                          </p:val>
-                                        </p:tav>
-                                      </p:tavLst>
-                                    </p:anim>
-                                  </p:childTnLst>
-                                </p:cTn>
-                              </p:par>
-                            </p:childTnLst>
-                          </p:cTn>
-                        </p:par>
-                      </p:childTnLst>
-                    </p:cTn>
-                  </p:par>
-                  <p:par>
-                    <p:cTn id="10" fill="hold">
-                      <p:stCondLst>
-                        <p:cond delay="indefinite"/>
-                      </p:stCondLst>
-                      <p:childTnLst>
-                        <p:par>
-                          <p:cTn id="11" fill="hold">
-                            <p:stCondLst>
-                              <p:cond delay="0"/>
-                            </p:stCondLst>
-                            <p:childTnLst>
-                              <p:par>
-                                <p:cTn id="12" presetID="18" presetClass="emph" presetSubtype="0" fill="hold" grpId="0" nodeType="clickEffect">
+                                <p:cTn id="5" presetID="18" presetClass="emph" presetSubtype="0" fill="hold" grpId="0" nodeType="clickEffect">
                                   <p:stCondLst>
                                     <p:cond delay="0"/>
                                   </p:stCondLst>
@@ -13037,7 +14009,7 @@
                                   <p:childTnLst>
                                     <p:set>
                                       <p:cBhvr override="childStyle">
-                                        <p:cTn id="13" dur="500" fill="hold"/>
+                                        <p:cTn id="6" dur="500" fill="hold"/>
                                         <p:tgtEl>
                                           <p:spTgt spid="4">
                                             <p:txEl>
@@ -13063,19 +14035,19 @@
                     </p:cTn>
                   </p:par>
                   <p:par>
-                    <p:cTn id="14" fill="hold">
+                    <p:cTn id="7" fill="hold">
                       <p:stCondLst>
                         <p:cond delay="indefinite"/>
                       </p:stCondLst>
                       <p:childTnLst>
                         <p:par>
-                          <p:cTn id="15" fill="hold">
+                          <p:cTn id="8" fill="hold">
                             <p:stCondLst>
                               <p:cond delay="0"/>
                             </p:stCondLst>
                             <p:childTnLst>
                               <p:par>
-                                <p:cTn id="16" presetID="18" presetClass="emph" presetSubtype="0" fill="hold" grpId="0" nodeType="clickEffect">
+                                <p:cTn id="9" presetID="18" presetClass="emph" presetSubtype="0" fill="hold" grpId="0" nodeType="clickEffect">
                                   <p:stCondLst>
                                     <p:cond delay="0"/>
                                   </p:stCondLst>
@@ -13085,7 +14057,7 @@
                                   <p:childTnLst>
                                     <p:set>
                                       <p:cBhvr override="childStyle">
-                                        <p:cTn id="17" dur="500" fill="hold"/>
+                                        <p:cTn id="10" dur="500" fill="hold"/>
                                         <p:tgtEl>
                                           <p:spTgt spid="4">
                                             <p:txEl>
@@ -13101,6 +14073,105 @@
                                         <p:strVal val="true"/>
                                       </p:to>
                                     </p:set>
+                                  </p:childTnLst>
+                                </p:cTn>
+                              </p:par>
+                            </p:childTnLst>
+                          </p:cTn>
+                        </p:par>
+                      </p:childTnLst>
+                    </p:cTn>
+                  </p:par>
+                  <p:par>
+                    <p:cTn id="11" fill="hold">
+                      <p:stCondLst>
+                        <p:cond delay="indefinite"/>
+                      </p:stCondLst>
+                      <p:childTnLst>
+                        <p:par>
+                          <p:cTn id="12" fill="hold">
+                            <p:stCondLst>
+                              <p:cond delay="0"/>
+                            </p:stCondLst>
+                            <p:childTnLst>
+                              <p:par>
+                                <p:cTn id="13" presetID="42" presetClass="entr" presetSubtype="0" fill="hold" nodeType="clickEffect">
+                                  <p:stCondLst>
+                                    <p:cond delay="0"/>
+                                  </p:stCondLst>
+                                  <p:childTnLst>
+                                    <p:set>
+                                      <p:cBhvr>
+                                        <p:cTn id="14" dur="1" fill="hold">
+                                          <p:stCondLst>
+                                            <p:cond delay="0"/>
+                                          </p:stCondLst>
+                                        </p:cTn>
+                                        <p:tgtEl>
+                                          <p:spTgt spid="9"/>
+                                        </p:tgtEl>
+                                        <p:attrNameLst>
+                                          <p:attrName>style.visibility</p:attrName>
+                                        </p:attrNameLst>
+                                      </p:cBhvr>
+                                      <p:to>
+                                        <p:strVal val="visible"/>
+                                      </p:to>
+                                    </p:set>
+                                    <p:animEffect transition="in" filter="fade">
+                                      <p:cBhvr>
+                                        <p:cTn id="15" dur="1000"/>
+                                        <p:tgtEl>
+                                          <p:spTgt spid="9"/>
+                                        </p:tgtEl>
+                                      </p:cBhvr>
+                                    </p:animEffect>
+                                    <p:anim calcmode="lin" valueType="num">
+                                      <p:cBhvr>
+                                        <p:cTn id="16" dur="1000" fill="hold"/>
+                                        <p:tgtEl>
+                                          <p:spTgt spid="9"/>
+                                        </p:tgtEl>
+                                        <p:attrNameLst>
+                                          <p:attrName>ppt_x</p:attrName>
+                                        </p:attrNameLst>
+                                      </p:cBhvr>
+                                      <p:tavLst>
+                                        <p:tav tm="0">
+                                          <p:val>
+                                            <p:strVal val="#ppt_x"/>
+                                          </p:val>
+                                        </p:tav>
+                                        <p:tav tm="100000">
+                                          <p:val>
+                                            <p:strVal val="#ppt_x"/>
+                                          </p:val>
+                                        </p:tav>
+                                      </p:tavLst>
+                                    </p:anim>
+                                    <p:anim calcmode="lin" valueType="num">
+                                      <p:cBhvr>
+                                        <p:cTn id="17" dur="1000" fill="hold"/>
+                                        <p:tgtEl>
+                                          <p:spTgt spid="9"/>
+                                        </p:tgtEl>
+                                        <p:attrNameLst>
+                                          <p:attrName>ppt_y</p:attrName>
+                                        </p:attrNameLst>
+                                      </p:cBhvr>
+                                      <p:tavLst>
+                                        <p:tav tm="0">
+                                          <p:val>
+                                            <p:strVal val="#ppt_y+.1"/>
+                                          </p:val>
+                                        </p:tav>
+                                        <p:tav tm="100000">
+                                          <p:val>
+                                            <p:strVal val="#ppt_y"/>
+                                          </p:val>
+                                        </p:tav>
+                                      </p:tavLst>
+                                    </p:anim>
                                   </p:childTnLst>
                                 </p:cTn>
                               </p:par>
@@ -13157,39 +14228,6 @@
       </p:grpSpPr>
       <p:sp>
         <p:nvSpPr>
-          <p:cNvPr id="2" name="Title 1"/>
-          <p:cNvSpPr>
-            <a:spLocks noGrp="1"/>
-          </p:cNvSpPr>
-          <p:nvPr>
-            <p:ph type="title"/>
-          </p:nvPr>
-        </p:nvSpPr>
-        <p:spPr>
-          <a:xfrm>
-            <a:off x="0" y="72831"/>
-            <a:ext cx="8229600" cy="857250"/>
-          </a:xfrm>
-          <a:solidFill>
-            <a:schemeClr val="bg1">
-              <a:lumMod val="95000"/>
-            </a:schemeClr>
-          </a:solidFill>
-        </p:spPr>
-        <p:txBody>
-          <a:bodyPr/>
-          <a:lstStyle/>
-          <a:p>
-            <a:pPr algn="l"/>
-            <a:r>
-              <a:rPr lang="en-US" dirty="0"/>
-              <a:t>Basic Outcomes of This Project</a:t>
-            </a:r>
-          </a:p>
-        </p:txBody>
-      </p:sp>
-      <p:sp>
-        <p:nvSpPr>
           <p:cNvPr id="3" name="Content Placeholder 2"/>
           <p:cNvSpPr>
             <a:spLocks noGrp="1"/>
@@ -13198,16 +14236,24 @@
             <p:ph sz="half" idx="1"/>
           </p:nvPr>
         </p:nvSpPr>
-        <p:spPr/>
+        <p:spPr>
+          <a:xfrm>
+            <a:off x="338477" y="2038655"/>
+            <a:ext cx="4038600" cy="1066189"/>
+          </a:xfrm>
+        </p:spPr>
         <p:txBody>
           <a:bodyPr/>
           <a:lstStyle/>
           <a:p>
-            <a:pPr marL="0" indent="0">
+            <a:pPr marL="0" indent="0" algn="ctr">
               <a:buNone/>
             </a:pPr>
             <a:r>
-              <a:rPr lang="en-US" dirty="0"/>
+              <a:rPr lang="en-US" dirty="0">
+                <a:latin typeface="Times New Roman" panose="02020603050405020304" pitchFamily="18" charset="0"/>
+                <a:cs typeface="Times New Roman" panose="02020603050405020304" pitchFamily="18" charset="0"/>
+              </a:rPr>
               <a:t>Corporate fire safety practices will introduced</a:t>
             </a:r>
           </a:p>
@@ -13242,6 +14288,47 @@
           </a:xfrm>
         </p:spPr>
       </p:pic>
+      <p:sp>
+        <p:nvSpPr>
+          <p:cNvPr id="6" name="Title 5">
+            <a:extLst>
+              <a:ext uri="{FF2B5EF4-FFF2-40B4-BE49-F238E27FC236}">
+                <a16:creationId xmlns:a16="http://schemas.microsoft.com/office/drawing/2014/main" id="{BAF51F8A-15BD-4909-9FD9-48EF96DBFB6C}"/>
+              </a:ext>
+            </a:extLst>
+          </p:cNvPr>
+          <p:cNvSpPr>
+            <a:spLocks noGrp="1"/>
+          </p:cNvSpPr>
+          <p:nvPr>
+            <p:ph type="title"/>
+          </p:nvPr>
+        </p:nvSpPr>
+        <p:spPr>
+          <a:xfrm>
+            <a:off x="143555" y="34745"/>
+            <a:ext cx="4428444" cy="857250"/>
+          </a:xfrm>
+        </p:spPr>
+        <p:txBody>
+          <a:bodyPr>
+            <a:noAutofit/>
+          </a:bodyPr>
+          <a:lstStyle/>
+          <a:p>
+            <a:r>
+              <a:rPr lang="en-US" sz="3400" b="1" dirty="0">
+                <a:solidFill>
+                  <a:schemeClr val="bg1"/>
+                </a:solidFill>
+                <a:latin typeface="Times New Roman" panose="02020603050405020304" pitchFamily="18" charset="0"/>
+                <a:cs typeface="Times New Roman" panose="02020603050405020304" pitchFamily="18" charset="0"/>
+              </a:rPr>
+              <a:t>Basic Outcomes of This Project</a:t>
+            </a:r>
+          </a:p>
+        </p:txBody>
+      </p:sp>
     </p:spTree>
     <p:extLst>
       <p:ext uri="{BB962C8B-B14F-4D97-AF65-F5344CB8AC3E}">
@@ -13274,39 +14361,6 @@
       </p:grpSpPr>
       <p:sp>
         <p:nvSpPr>
-          <p:cNvPr id="2" name="Title 1"/>
-          <p:cNvSpPr>
-            <a:spLocks noGrp="1"/>
-          </p:cNvSpPr>
-          <p:nvPr>
-            <p:ph type="title"/>
-          </p:nvPr>
-        </p:nvSpPr>
-        <p:spPr>
-          <a:xfrm>
-            <a:off x="0" y="72831"/>
-            <a:ext cx="8229600" cy="857250"/>
-          </a:xfrm>
-          <a:solidFill>
-            <a:schemeClr val="bg1"/>
-          </a:solidFill>
-        </p:spPr>
-        <p:txBody>
-          <a:bodyPr>
-            <a:noAutofit/>
-          </a:bodyPr>
-          <a:lstStyle/>
-          <a:p>
-            <a:pPr algn="l"/>
-            <a:r>
-              <a:rPr lang="en-US" sz="2000" dirty="0"/>
-              <a:t>New Trained Fire Safety Workforce for Housing and Corporate Sector</a:t>
-            </a:r>
-          </a:p>
-        </p:txBody>
-      </p:sp>
-      <p:sp>
-        <p:nvSpPr>
           <p:cNvPr id="3" name="Content Placeholder 2"/>
           <p:cNvSpPr>
             <a:spLocks noGrp="1"/>
@@ -13315,16 +14369,24 @@
             <p:ph sz="half" idx="1"/>
           </p:nvPr>
         </p:nvSpPr>
-        <p:spPr/>
+        <p:spPr>
+          <a:xfrm>
+            <a:off x="457198" y="2430006"/>
+            <a:ext cx="4038600" cy="1066189"/>
+          </a:xfrm>
+        </p:spPr>
         <p:txBody>
           <a:bodyPr/>
           <a:lstStyle/>
           <a:p>
-            <a:pPr marL="0" indent="0">
+            <a:pPr marL="0" indent="0" algn="ctr">
               <a:buNone/>
             </a:pPr>
             <a:r>
-              <a:rPr lang="en-US" dirty="0"/>
+              <a:rPr lang="en-US" dirty="0">
+                <a:latin typeface="Times New Roman" panose="02020603050405020304" pitchFamily="18" charset="0"/>
+                <a:cs typeface="Times New Roman" panose="02020603050405020304" pitchFamily="18" charset="0"/>
+              </a:rPr>
               <a:t>Trained and certified fire rescue committee</a:t>
             </a:r>
           </a:p>
@@ -13354,11 +14416,52 @@
         </p:blipFill>
         <p:spPr>
           <a:xfrm>
-            <a:off x="4648200" y="1063230"/>
+            <a:off x="4648202" y="1197405"/>
             <a:ext cx="4038600" cy="3531393"/>
           </a:xfrm>
         </p:spPr>
       </p:pic>
+      <p:sp>
+        <p:nvSpPr>
+          <p:cNvPr id="6" name="Title 5">
+            <a:extLst>
+              <a:ext uri="{FF2B5EF4-FFF2-40B4-BE49-F238E27FC236}">
+                <a16:creationId xmlns:a16="http://schemas.microsoft.com/office/drawing/2014/main" id="{B3309F49-37DE-4EF6-AEB8-CCDD2F13EC7C}"/>
+              </a:ext>
+            </a:extLst>
+          </p:cNvPr>
+          <p:cNvSpPr>
+            <a:spLocks noGrp="1"/>
+          </p:cNvSpPr>
+          <p:nvPr>
+            <p:ph type="title"/>
+          </p:nvPr>
+        </p:nvSpPr>
+        <p:spPr>
+          <a:xfrm>
+            <a:off x="143555" y="34745"/>
+            <a:ext cx="4191002" cy="857250"/>
+          </a:xfrm>
+        </p:spPr>
+        <p:txBody>
+          <a:bodyPr>
+            <a:noAutofit/>
+          </a:bodyPr>
+          <a:lstStyle/>
+          <a:p>
+            <a:r>
+              <a:rPr lang="en-US" sz="2000" b="1" dirty="0">
+                <a:solidFill>
+                  <a:schemeClr val="bg1"/>
+                </a:solidFill>
+                <a:latin typeface="Times New Roman" panose="02020603050405020304" pitchFamily="18" charset="0"/>
+                <a:cs typeface="Times New Roman" panose="02020603050405020304" pitchFamily="18" charset="0"/>
+              </a:rPr>
+              <a:t>New Trained Fire Safety Workforce for Housing and Corporate Sector</a:t>
+            </a:r>
+          </a:p>
+        </p:txBody>
+      </p:sp>
     </p:spTree>
     <p:extLst>
       <p:ext uri="{BB962C8B-B14F-4D97-AF65-F5344CB8AC3E}">
@@ -13606,8 +14709,8 @@
         </p:nvSpPr>
         <p:spPr>
           <a:xfrm>
-            <a:off x="4572000" y="140589"/>
-            <a:ext cx="3817625" cy="598701"/>
+            <a:off x="5640935" y="140589"/>
+            <a:ext cx="2595985" cy="598701"/>
           </a:xfrm>
           <a:prstGeom prst="roundRect">
             <a:avLst/>
@@ -14189,37 +15292,6 @@
       </p:grpSpPr>
       <p:sp>
         <p:nvSpPr>
-          <p:cNvPr id="2" name="Title 1"/>
-          <p:cNvSpPr>
-            <a:spLocks noGrp="1"/>
-          </p:cNvSpPr>
-          <p:nvPr>
-            <p:ph type="title"/>
-          </p:nvPr>
-        </p:nvSpPr>
-        <p:spPr>
-          <a:xfrm>
-            <a:off x="-31682" y="72831"/>
-            <a:ext cx="8229600" cy="857250"/>
-          </a:xfrm>
-          <a:solidFill>
-            <a:schemeClr val="bg1"/>
-          </a:solidFill>
-        </p:spPr>
-        <p:txBody>
-          <a:bodyPr/>
-          <a:lstStyle/>
-          <a:p>
-            <a:pPr algn="l"/>
-            <a:r>
-              <a:rPr lang="en-US" dirty="0"/>
-              <a:t>Safety Instruments Installations</a:t>
-            </a:r>
-          </a:p>
-        </p:txBody>
-      </p:sp>
-      <p:sp>
-        <p:nvSpPr>
           <p:cNvPr id="3" name="Content Placeholder 2"/>
           <p:cNvSpPr>
             <a:spLocks noGrp="1"/>
@@ -14228,16 +15300,26 @@
             <p:ph sz="half" idx="1"/>
           </p:nvPr>
         </p:nvSpPr>
-        <p:spPr/>
+        <p:spPr>
+          <a:xfrm>
+            <a:off x="345950" y="1175108"/>
+            <a:ext cx="3894818" cy="746303"/>
+          </a:xfrm>
+        </p:spPr>
         <p:txBody>
-          <a:bodyPr/>
+          <a:bodyPr>
+            <a:normAutofit fontScale="92500" lnSpcReduction="10000"/>
+          </a:bodyPr>
           <a:lstStyle/>
           <a:p>
-            <a:pPr marL="0" indent="0">
+            <a:pPr marL="0" indent="0" algn="ctr">
               <a:buNone/>
             </a:pPr>
             <a:r>
-              <a:rPr lang="en-US" dirty="0"/>
+              <a:rPr lang="en-US" sz="2400" dirty="0">
+                <a:latin typeface="Times New Roman" panose="02020603050405020304" pitchFamily="18" charset="0"/>
+                <a:cs typeface="Times New Roman" panose="02020603050405020304" pitchFamily="18" charset="0"/>
+              </a:rPr>
               <a:t>Corporate sector safety instruments installation</a:t>
             </a:r>
           </a:p>
@@ -14267,7 +15349,7 @@
         </p:blipFill>
         <p:spPr>
           <a:xfrm>
-            <a:off x="4495800" y="1175108"/>
+            <a:off x="4637200" y="1175108"/>
             <a:ext cx="1902739" cy="3394075"/>
           </a:xfrm>
         </p:spPr>
@@ -14294,7 +15376,7 @@
         </p:blipFill>
         <p:spPr>
           <a:xfrm>
-            <a:off x="6709870" y="1200150"/>
+            <a:off x="6733976" y="1200150"/>
             <a:ext cx="2210665" cy="3369033"/>
           </a:xfrm>
           <a:prstGeom prst="rect">
@@ -14324,7 +15406,7 @@
         </p:blipFill>
         <p:spPr>
           <a:xfrm>
-            <a:off x="52411" y="2184237"/>
+            <a:off x="143556" y="2159194"/>
             <a:ext cx="4299607" cy="2410386"/>
           </a:xfrm>
           <a:prstGeom prst="rect">
@@ -14332,6 +15414,47 @@
           </a:prstGeom>
         </p:spPr>
       </p:pic>
+      <p:sp>
+        <p:nvSpPr>
+          <p:cNvPr id="8" name="Title 7">
+            <a:extLst>
+              <a:ext uri="{FF2B5EF4-FFF2-40B4-BE49-F238E27FC236}">
+                <a16:creationId xmlns:a16="http://schemas.microsoft.com/office/drawing/2014/main" id="{1B133145-9EC9-4C43-A914-97D5D5E5049D}"/>
+              </a:ext>
+            </a:extLst>
+          </p:cNvPr>
+          <p:cNvSpPr>
+            <a:spLocks noGrp="1"/>
+          </p:cNvSpPr>
+          <p:nvPr>
+            <p:ph type="title"/>
+          </p:nvPr>
+        </p:nvSpPr>
+        <p:spPr>
+          <a:xfrm>
+            <a:off x="143556" y="145692"/>
+            <a:ext cx="4428444" cy="746303"/>
+          </a:xfrm>
+        </p:spPr>
+        <p:txBody>
+          <a:bodyPr>
+            <a:noAutofit/>
+          </a:bodyPr>
+          <a:lstStyle/>
+          <a:p>
+            <a:r>
+              <a:rPr lang="en-US" sz="3000" b="1" dirty="0">
+                <a:solidFill>
+                  <a:schemeClr val="bg1"/>
+                </a:solidFill>
+                <a:latin typeface="Times New Roman" panose="02020603050405020304" pitchFamily="18" charset="0"/>
+                <a:cs typeface="Times New Roman" panose="02020603050405020304" pitchFamily="18" charset="0"/>
+              </a:rPr>
+              <a:t>Safety Instruments Installations</a:t>
+            </a:r>
+          </a:p>
+        </p:txBody>
+      </p:sp>
     </p:spTree>
     <p:extLst>
       <p:ext uri="{BB962C8B-B14F-4D97-AF65-F5344CB8AC3E}">
@@ -14364,37 +15487,6 @@
       </p:grpSpPr>
       <p:sp>
         <p:nvSpPr>
-          <p:cNvPr id="2" name="Title 1"/>
-          <p:cNvSpPr>
-            <a:spLocks noGrp="1"/>
-          </p:cNvSpPr>
-          <p:nvPr>
-            <p:ph type="title"/>
-          </p:nvPr>
-        </p:nvSpPr>
-        <p:spPr>
-          <a:xfrm>
-            <a:off x="-61533" y="139525"/>
-            <a:ext cx="8229600" cy="857250"/>
-          </a:xfrm>
-          <a:solidFill>
-            <a:schemeClr val="bg1"/>
-          </a:solidFill>
-        </p:spPr>
-        <p:txBody>
-          <a:bodyPr/>
-          <a:lstStyle/>
-          <a:p>
-            <a:pPr algn="l"/>
-            <a:r>
-              <a:rPr lang="en-US" dirty="0"/>
-              <a:t>Safety Corporate Practices</a:t>
-            </a:r>
-          </a:p>
-        </p:txBody>
-      </p:sp>
-      <p:sp>
-        <p:nvSpPr>
           <p:cNvPr id="3" name="Content Placeholder 2"/>
           <p:cNvSpPr>
             <a:spLocks noGrp="1"/>
@@ -14405,67 +15497,76 @@
         </p:nvSpPr>
         <p:spPr>
           <a:xfrm>
-            <a:off x="457200" y="1200151"/>
-            <a:ext cx="3733495" cy="3394472"/>
+            <a:off x="457200" y="1350110"/>
+            <a:ext cx="3656685" cy="2748690"/>
           </a:xfrm>
         </p:spPr>
         <p:txBody>
           <a:bodyPr>
-            <a:normAutofit lnSpcReduction="10000"/>
+            <a:normAutofit/>
           </a:bodyPr>
           <a:lstStyle/>
           <a:p>
-            <a:pPr marL="0" indent="0">
+            <a:pPr marL="0" indent="0" algn="just">
               <a:buNone/>
             </a:pPr>
             <a:r>
-              <a:rPr lang="en-US" dirty="0"/>
+              <a:rPr lang="en-US" sz="2400" dirty="0">
+                <a:latin typeface="Times New Roman" panose="02020603050405020304" pitchFamily="18" charset="0"/>
+                <a:cs typeface="Times New Roman" panose="02020603050405020304" pitchFamily="18" charset="0"/>
+              </a:rPr>
               <a:t>Corporate practices</a:t>
             </a:r>
           </a:p>
           <a:p>
-            <a:pPr marL="0" indent="0">
-              <a:buNone/>
-            </a:pPr>
-            <a:endParaRPr lang="en-US" dirty="0"/>
-          </a:p>
-          <a:p>
-            <a:pPr>
+            <a:pPr algn="just">
               <a:buFont typeface="Wingdings" panose="05000000000000000000" pitchFamily="2" charset="2"/>
               <a:buChar char="Ø"/>
             </a:pPr>
             <a:r>
-              <a:rPr lang="en-US" dirty="0"/>
+              <a:rPr lang="en-US" sz="2400" dirty="0">
+                <a:latin typeface="Times New Roman" panose="02020603050405020304" pitchFamily="18" charset="0"/>
+                <a:cs typeface="Times New Roman" panose="02020603050405020304" pitchFamily="18" charset="0"/>
+              </a:rPr>
               <a:t>Fire Drill</a:t>
             </a:r>
           </a:p>
           <a:p>
-            <a:pPr>
+            <a:pPr algn="just">
               <a:buFont typeface="Wingdings" panose="05000000000000000000" pitchFamily="2" charset="2"/>
               <a:buChar char="Ø"/>
             </a:pPr>
             <a:r>
-              <a:rPr lang="en-US" dirty="0"/>
+              <a:rPr lang="en-US" sz="2400" dirty="0">
+                <a:latin typeface="Times New Roman" panose="02020603050405020304" pitchFamily="18" charset="0"/>
+                <a:cs typeface="Times New Roman" panose="02020603050405020304" pitchFamily="18" charset="0"/>
+              </a:rPr>
               <a:t>First aid box</a:t>
             </a:r>
           </a:p>
           <a:p>
-            <a:pPr>
+            <a:pPr algn="just">
               <a:buFont typeface="Wingdings" panose="05000000000000000000" pitchFamily="2" charset="2"/>
               <a:buChar char="Ø"/>
             </a:pPr>
             <a:r>
-              <a:rPr lang="en-US" dirty="0"/>
+              <a:rPr lang="en-US" sz="2400" dirty="0">
+                <a:latin typeface="Times New Roman" panose="02020603050405020304" pitchFamily="18" charset="0"/>
+                <a:cs typeface="Times New Roman" panose="02020603050405020304" pitchFamily="18" charset="0"/>
+              </a:rPr>
               <a:t>Rescue team work</a:t>
             </a:r>
           </a:p>
           <a:p>
-            <a:pPr>
+            <a:pPr algn="just">
               <a:buFont typeface="Wingdings" panose="05000000000000000000" pitchFamily="2" charset="2"/>
               <a:buChar char="Ø"/>
             </a:pPr>
             <a:r>
-              <a:rPr lang="en-US" dirty="0"/>
+              <a:rPr lang="en-US" sz="2400" dirty="0">
+                <a:latin typeface="Times New Roman" panose="02020603050405020304" pitchFamily="18" charset="0"/>
+                <a:cs typeface="Times New Roman" panose="02020603050405020304" pitchFamily="18" charset="0"/>
+              </a:rPr>
               <a:t>Ultimate a safe work environment</a:t>
             </a:r>
           </a:p>
@@ -14522,14 +15623,55 @@
         </p:blipFill>
         <p:spPr>
           <a:xfrm>
-            <a:off x="4190695" y="2800351"/>
-            <a:ext cx="4572000" cy="2235756"/>
+            <a:off x="4266589" y="2800351"/>
+            <a:ext cx="4420211" cy="2235756"/>
           </a:xfrm>
           <a:prstGeom prst="rect">
             <a:avLst/>
           </a:prstGeom>
         </p:spPr>
       </p:pic>
+      <p:sp>
+        <p:nvSpPr>
+          <p:cNvPr id="7" name="Title 6">
+            <a:extLst>
+              <a:ext uri="{FF2B5EF4-FFF2-40B4-BE49-F238E27FC236}">
+                <a16:creationId xmlns:a16="http://schemas.microsoft.com/office/drawing/2014/main" id="{26F8A3A9-37AA-40C8-B9D7-0493B0AD37E9}"/>
+              </a:ext>
+            </a:extLst>
+          </p:cNvPr>
+          <p:cNvSpPr>
+            <a:spLocks noGrp="1"/>
+          </p:cNvSpPr>
+          <p:nvPr>
+            <p:ph type="title"/>
+          </p:nvPr>
+        </p:nvSpPr>
+        <p:spPr>
+          <a:xfrm>
+            <a:off x="296260" y="0"/>
+            <a:ext cx="4114800" cy="891995"/>
+          </a:xfrm>
+        </p:spPr>
+        <p:txBody>
+          <a:bodyPr>
+            <a:noAutofit/>
+          </a:bodyPr>
+          <a:lstStyle/>
+          <a:p>
+            <a:r>
+              <a:rPr lang="en-US" sz="3000" b="1" dirty="0">
+                <a:solidFill>
+                  <a:schemeClr val="bg1"/>
+                </a:solidFill>
+                <a:latin typeface="Times New Roman" panose="02020603050405020304" pitchFamily="18" charset="0"/>
+                <a:cs typeface="Times New Roman" panose="02020603050405020304" pitchFamily="18" charset="0"/>
+              </a:rPr>
+              <a:t>Safety Corporate Practices</a:t>
+            </a:r>
+          </a:p>
+        </p:txBody>
+      </p:sp>
     </p:spTree>
     <p:extLst>
       <p:ext uri="{BB962C8B-B14F-4D97-AF65-F5344CB8AC3E}">
@@ -14562,7 +15704,140 @@
       </p:grpSpPr>
       <p:sp>
         <p:nvSpPr>
-          <p:cNvPr id="2" name="Title 1"/>
+          <p:cNvPr id="3" name="Content Placeholder 2"/>
+          <p:cNvSpPr>
+            <a:spLocks noGrp="1"/>
+          </p:cNvSpPr>
+          <p:nvPr>
+            <p:ph idx="1"/>
+          </p:nvPr>
+        </p:nvSpPr>
+        <p:spPr>
+          <a:xfrm>
+            <a:off x="525317" y="1197406"/>
+            <a:ext cx="6184553" cy="3054100"/>
+          </a:xfrm>
+        </p:spPr>
+        <p:txBody>
+          <a:bodyPr>
+            <a:normAutofit/>
+          </a:bodyPr>
+          <a:lstStyle/>
+          <a:p>
+            <a:pPr algn="just"/>
+            <a:r>
+              <a:rPr lang="en-US" sz="1800" dirty="0">
+                <a:latin typeface="Times New Roman" panose="02020603050405020304" pitchFamily="18" charset="0"/>
+                <a:cs typeface="Times New Roman" panose="02020603050405020304" pitchFamily="18" charset="0"/>
+              </a:rPr>
+              <a:t>Project Management Unit (PMU) control</a:t>
+            </a:r>
+          </a:p>
+          <a:p>
+            <a:pPr algn="just"/>
+            <a:r>
+              <a:rPr lang="en-US" sz="1800" dirty="0">
+                <a:latin typeface="Times New Roman" panose="02020603050405020304" pitchFamily="18" charset="0"/>
+                <a:cs typeface="Times New Roman" panose="02020603050405020304" pitchFamily="18" charset="0"/>
+              </a:rPr>
+              <a:t>Monitoring the full project</a:t>
+            </a:r>
+          </a:p>
+          <a:p>
+            <a:pPr algn="just"/>
+            <a:r>
+              <a:rPr lang="en-US" sz="1800" dirty="0">
+                <a:latin typeface="Times New Roman" panose="02020603050405020304" pitchFamily="18" charset="0"/>
+                <a:cs typeface="Times New Roman" panose="02020603050405020304" pitchFamily="18" charset="0"/>
+              </a:rPr>
+              <a:t>Remunerations for monitoring officers and PMU unit</a:t>
+            </a:r>
+          </a:p>
+          <a:p>
+            <a:pPr algn="just"/>
+            <a:r>
+              <a:rPr lang="en-US" sz="1800" dirty="0">
+                <a:latin typeface="Times New Roman" panose="02020603050405020304" pitchFamily="18" charset="0"/>
+                <a:cs typeface="Times New Roman" panose="02020603050405020304" pitchFamily="18" charset="0"/>
+              </a:rPr>
+              <a:t>Remunerations for trainers and masters trainers.</a:t>
+            </a:r>
+          </a:p>
+          <a:p>
+            <a:pPr algn="just"/>
+            <a:r>
+              <a:rPr lang="en-US" sz="1800" dirty="0">
+                <a:latin typeface="Times New Roman" panose="02020603050405020304" pitchFamily="18" charset="0"/>
+                <a:cs typeface="Times New Roman" panose="02020603050405020304" pitchFamily="18" charset="0"/>
+              </a:rPr>
+              <a:t>Remunerations for ISFM monitoring visit</a:t>
+            </a:r>
+          </a:p>
+          <a:p>
+            <a:pPr algn="just"/>
+            <a:r>
+              <a:rPr lang="en-US" sz="1800" dirty="0">
+                <a:latin typeface="Times New Roman" panose="02020603050405020304" pitchFamily="18" charset="0"/>
+                <a:cs typeface="Times New Roman" panose="02020603050405020304" pitchFamily="18" charset="0"/>
+              </a:rPr>
+              <a:t>Certification and declaration body</a:t>
+            </a:r>
+          </a:p>
+          <a:p>
+            <a:pPr algn="just"/>
+            <a:r>
+              <a:rPr lang="en-US" sz="1800" dirty="0">
+                <a:latin typeface="Times New Roman" panose="02020603050405020304" pitchFamily="18" charset="0"/>
+                <a:cs typeface="Times New Roman" panose="02020603050405020304" pitchFamily="18" charset="0"/>
+              </a:rPr>
+              <a:t>International training for officers (Singapore and Australia)</a:t>
+            </a:r>
+          </a:p>
+          <a:p>
+            <a:pPr algn="just"/>
+            <a:r>
+              <a:rPr lang="en-US" sz="1800" dirty="0">
+                <a:latin typeface="Times New Roman" panose="02020603050405020304" pitchFamily="18" charset="0"/>
+                <a:cs typeface="Times New Roman" panose="02020603050405020304" pitchFamily="18" charset="0"/>
+              </a:rPr>
+              <a:t>Branding opportunity for FSCD</a:t>
+            </a:r>
+          </a:p>
+          <a:p>
+            <a:pPr algn="just"/>
+            <a:r>
+              <a:rPr lang="en-US" sz="1800" dirty="0">
+                <a:latin typeface="Times New Roman" panose="02020603050405020304" pitchFamily="18" charset="0"/>
+                <a:cs typeface="Times New Roman" panose="02020603050405020304" pitchFamily="18" charset="0"/>
+              </a:rPr>
+              <a:t>Create public awareness</a:t>
+            </a:r>
+          </a:p>
+          <a:p>
+            <a:pPr algn="just"/>
+            <a:endParaRPr lang="en-US" sz="1800" dirty="0">
+              <a:latin typeface="Times New Roman" panose="02020603050405020304" pitchFamily="18" charset="0"/>
+              <a:cs typeface="Times New Roman" panose="02020603050405020304" pitchFamily="18" charset="0"/>
+            </a:endParaRPr>
+          </a:p>
+          <a:p>
+            <a:pPr algn="just"/>
+            <a:endParaRPr lang="en-US" sz="1800" dirty="0">
+              <a:latin typeface="Times New Roman" panose="02020603050405020304" pitchFamily="18" charset="0"/>
+              <a:cs typeface="Times New Roman" panose="02020603050405020304" pitchFamily="18" charset="0"/>
+            </a:endParaRPr>
+          </a:p>
+        </p:txBody>
+      </p:sp>
+      <p:sp>
+        <p:nvSpPr>
+          <p:cNvPr id="5" name="Title 4">
+            <a:extLst>
+              <a:ext uri="{FF2B5EF4-FFF2-40B4-BE49-F238E27FC236}">
+                <a16:creationId xmlns:a16="http://schemas.microsoft.com/office/drawing/2014/main" id="{98A934DA-97DC-40D5-AACF-7BCF1B9F19D3}"/>
+              </a:ext>
+            </a:extLst>
+          </p:cNvPr>
           <p:cNvSpPr>
             <a:spLocks noGrp="1"/>
           </p:cNvSpPr>
@@ -14572,105 +15847,22 @@
         </p:nvSpPr>
         <p:spPr>
           <a:xfrm>
-            <a:off x="0" y="128470"/>
-            <a:ext cx="8246070" cy="787760"/>
+            <a:off x="296260" y="128470"/>
+            <a:ext cx="4123034" cy="763525"/>
           </a:xfrm>
-          <a:solidFill>
-            <a:schemeClr val="bg2">
-              <a:lumMod val="75000"/>
-            </a:schemeClr>
-          </a:solidFill>
         </p:spPr>
         <p:txBody>
           <a:bodyPr/>
           <a:lstStyle/>
           <a:p>
+            <a:pPr algn="ctr"/>
             <a:r>
-              <a:rPr lang="en-US" dirty="0">
-                <a:solidFill>
-                  <a:schemeClr val="tx1"/>
-                </a:solidFill>
+              <a:rPr lang="en-US" b="1" dirty="0">
+                <a:latin typeface="Times New Roman" panose="02020603050405020304" pitchFamily="18" charset="0"/>
+                <a:cs typeface="Times New Roman" panose="02020603050405020304" pitchFamily="18" charset="0"/>
               </a:rPr>
               <a:t>Facilities for FSCD</a:t>
             </a:r>
-          </a:p>
-        </p:txBody>
-      </p:sp>
-      <p:sp>
-        <p:nvSpPr>
-          <p:cNvPr id="3" name="Content Placeholder 2"/>
-          <p:cNvSpPr>
-            <a:spLocks noGrp="1"/>
-          </p:cNvSpPr>
-          <p:nvPr>
-            <p:ph idx="1"/>
-          </p:nvPr>
-        </p:nvSpPr>
-        <p:spPr/>
-        <p:txBody>
-          <a:bodyPr>
-            <a:normAutofit fontScale="85000" lnSpcReduction="10000"/>
-          </a:bodyPr>
-          <a:lstStyle/>
-          <a:p>
-            <a:r>
-              <a:rPr lang="en-US" dirty="0"/>
-              <a:t>Project Management Unit (PMU) control</a:t>
-            </a:r>
-          </a:p>
-          <a:p>
-            <a:r>
-              <a:rPr lang="en-US" dirty="0"/>
-              <a:t>Monitoring the full project</a:t>
-            </a:r>
-          </a:p>
-          <a:p>
-            <a:r>
-              <a:rPr lang="en-US" dirty="0"/>
-              <a:t>Remunerations for monitoring officers and PMU unit</a:t>
-            </a:r>
-          </a:p>
-          <a:p>
-            <a:r>
-              <a:rPr lang="en-US" dirty="0"/>
-              <a:t>Remunerations for trainers and masters trainers.</a:t>
-            </a:r>
-          </a:p>
-          <a:p>
-            <a:r>
-              <a:rPr lang="en-US" dirty="0"/>
-              <a:t>Remunerations for ISFM monitoring visit</a:t>
-            </a:r>
-          </a:p>
-          <a:p>
-            <a:r>
-              <a:rPr lang="en-US" dirty="0"/>
-              <a:t>Certification and declaration body</a:t>
-            </a:r>
-          </a:p>
-          <a:p>
-            <a:r>
-              <a:rPr lang="en-US" dirty="0"/>
-              <a:t>International training for officers (Singapore and Australia)</a:t>
-            </a:r>
-          </a:p>
-          <a:p>
-            <a:r>
-              <a:rPr lang="en-US" dirty="0"/>
-              <a:t>Branding opportunity for FSCD</a:t>
-            </a:r>
-          </a:p>
-          <a:p>
-            <a:r>
-              <a:rPr lang="en-US" dirty="0"/>
-              <a:t>Create public awareness</a:t>
-            </a:r>
-          </a:p>
-          <a:p>
-            <a:endParaRPr lang="en-US" dirty="0"/>
-          </a:p>
-          <a:p>
-            <a:endParaRPr lang="en-US" dirty="0"/>
           </a:p>
         </p:txBody>
       </p:sp>
@@ -14704,25 +15896,6 @@
           <a:chExt cx="0" cy="0"/>
         </a:xfrm>
       </p:grpSpPr>
-      <p:sp>
-        <p:nvSpPr>
-          <p:cNvPr id="2" name="Title 1"/>
-          <p:cNvSpPr>
-            <a:spLocks noGrp="1"/>
-          </p:cNvSpPr>
-          <p:nvPr>
-            <p:ph type="title"/>
-          </p:nvPr>
-        </p:nvSpPr>
-        <p:spPr/>
-        <p:txBody>
-          <a:bodyPr/>
-          <a:lstStyle/>
-          <a:p>
-            <a:endParaRPr lang="en-US"/>
-          </a:p>
-        </p:txBody>
-      </p:sp>
       <p:graphicFrame>
         <p:nvGraphicFramePr>
           <p:cNvPr id="4" name="Content Placeholder 3"/>
@@ -14733,14 +15906,14 @@
             <p:ph idx="1"/>
             <p:extLst>
               <p:ext uri="{D42A27DB-BD31-4B8C-83A1-F6EECF244321}">
-                <p14:modId xmlns:p14="http://schemas.microsoft.com/office/powerpoint/2010/main" val="475921136"/>
+                <p14:modId xmlns:p14="http://schemas.microsoft.com/office/powerpoint/2010/main" val="2155156676"/>
               </p:ext>
             </p:extLst>
           </p:nvPr>
         </p:nvGraphicFramePr>
         <p:xfrm>
-          <a:off x="601663" y="1057273"/>
-          <a:ext cx="7940675" cy="3475990"/>
+          <a:off x="601662" y="1044700"/>
+          <a:ext cx="7940675" cy="3620643"/>
         </p:xfrm>
         <a:graphic>
           <a:graphicData uri="http://schemas.openxmlformats.org/drawingml/2006/table">
@@ -14772,65 +15945,6 @@
                 </a:gridCol>
               </a:tblGrid>
               <a:tr h="0">
-                <a:tc gridSpan="3">
-                  <a:txBody>
-                    <a:bodyPr/>
-                    <a:lstStyle/>
-                    <a:p>
-                      <a:pPr marL="0" marR="0" algn="ctr">
-                        <a:lnSpc>
-                          <a:spcPct val="107000"/>
-                        </a:lnSpc>
-                        <a:spcBef>
-                          <a:spcPts val="0"/>
-                        </a:spcBef>
-                        <a:spcAft>
-                          <a:spcPts val="0"/>
-                        </a:spcAft>
-                      </a:pPr>
-                      <a:r>
-                        <a:rPr lang="en-US" sz="1400" dirty="0">
-                          <a:effectLst/>
-                        </a:rPr>
-                        <a:t>Basic Fire Safety Training</a:t>
-                      </a:r>
-                      <a:endParaRPr lang="en-US" sz="1200" dirty="0">
-                        <a:effectLst/>
-                        <a:latin typeface="Calibri" panose="020F0502020204030204" pitchFamily="34" charset="0"/>
-                        <a:ea typeface="Calibri" panose="020F0502020204030204" pitchFamily="34" charset="0"/>
-                        <a:cs typeface="Times New Roman" panose="02020603050405020304" pitchFamily="18" charset="0"/>
-                      </a:endParaRPr>
-                    </a:p>
-                  </a:txBody>
-                  <a:tcPr marL="68580" marR="68580" marT="0" marB="0"/>
-                </a:tc>
-                <a:tc hMerge="1">
-                  <a:txBody>
-                    <a:bodyPr/>
-                    <a:lstStyle/>
-                    <a:p>
-                      <a:endParaRPr lang="en-US"/>
-                    </a:p>
-                  </a:txBody>
-                  <a:tcPr/>
-                </a:tc>
-                <a:tc hMerge="1">
-                  <a:txBody>
-                    <a:bodyPr/>
-                    <a:lstStyle/>
-                    <a:p>
-                      <a:endParaRPr lang="en-US"/>
-                    </a:p>
-                  </a:txBody>
-                  <a:tcPr/>
-                </a:tc>
-                <a:extLst>
-                  <a:ext uri="{0D108BD9-81ED-4DB2-BD59-A6C34878D82A}">
-                    <a16:rowId xmlns:a16="http://schemas.microsoft.com/office/drawing/2014/main" val="10000"/>
-                  </a:ext>
-                </a:extLst>
-              </a:tr>
-              <a:tr h="0">
                 <a:tc>
                   <a:txBody>
                     <a:bodyPr/>
@@ -14850,12 +15964,14 @@
                       <a:r>
                         <a:rPr lang="en-US" sz="1400" dirty="0">
                           <a:effectLst/>
+                          <a:latin typeface="Times New Roman" panose="02020603050405020304" pitchFamily="18" charset="0"/>
+                          <a:cs typeface="Times New Roman" panose="02020603050405020304" pitchFamily="18" charset="0"/>
                         </a:rPr>
                         <a:t>Sl. No.</a:t>
                       </a:r>
-                      <a:endParaRPr lang="en-US" sz="1200" b="1" dirty="0">
+                      <a:endParaRPr lang="en-US" sz="1400" b="1" dirty="0">
                         <a:effectLst/>
-                        <a:latin typeface="Calibri" panose="020F0502020204030204" pitchFamily="34" charset="0"/>
+                        <a:latin typeface="Times New Roman" panose="02020603050405020304" pitchFamily="18" charset="0"/>
                         <a:ea typeface="Calibri" panose="020F0502020204030204" pitchFamily="34" charset="0"/>
                         <a:cs typeface="Times New Roman" panose="02020603050405020304" pitchFamily="18" charset="0"/>
                       </a:endParaRPr>
@@ -14882,12 +15998,14 @@
                       <a:r>
                         <a:rPr lang="en-US" sz="1400" dirty="0">
                           <a:effectLst/>
+                          <a:latin typeface="Times New Roman" panose="02020603050405020304" pitchFamily="18" charset="0"/>
+                          <a:cs typeface="Times New Roman" panose="02020603050405020304" pitchFamily="18" charset="0"/>
                         </a:rPr>
                         <a:t>Item</a:t>
                       </a:r>
-                      <a:endParaRPr lang="en-US" sz="1200" b="1" dirty="0">
+                      <a:endParaRPr lang="en-US" sz="1400" b="1" dirty="0">
                         <a:effectLst/>
-                        <a:latin typeface="Calibri" panose="020F0502020204030204" pitchFamily="34" charset="0"/>
+                        <a:latin typeface="Times New Roman" panose="02020603050405020304" pitchFamily="18" charset="0"/>
                         <a:ea typeface="Calibri" panose="020F0502020204030204" pitchFamily="34" charset="0"/>
                         <a:cs typeface="Times New Roman" panose="02020603050405020304" pitchFamily="18" charset="0"/>
                       </a:endParaRPr>
@@ -14914,12 +16032,14 @@
                       <a:r>
                         <a:rPr lang="en-US" sz="1400" dirty="0">
                           <a:effectLst/>
+                          <a:latin typeface="Times New Roman" panose="02020603050405020304" pitchFamily="18" charset="0"/>
+                          <a:cs typeface="Times New Roman" panose="02020603050405020304" pitchFamily="18" charset="0"/>
                         </a:rPr>
                         <a:t>Cost in BDT</a:t>
                       </a:r>
-                      <a:endParaRPr lang="en-US" sz="1200" b="1" dirty="0">
+                      <a:endParaRPr lang="en-US" sz="1400" b="1" dirty="0">
                         <a:effectLst/>
-                        <a:latin typeface="Calibri" panose="020F0502020204030204" pitchFamily="34" charset="0"/>
+                        <a:latin typeface="Times New Roman" panose="02020603050405020304" pitchFamily="18" charset="0"/>
                         <a:ea typeface="Calibri" panose="020F0502020204030204" pitchFamily="34" charset="0"/>
                         <a:cs typeface="Times New Roman" panose="02020603050405020304" pitchFamily="18" charset="0"/>
                       </a:endParaRPr>
@@ -14934,7 +16054,7 @@
                 </a:extLst>
               </a:tr>
               <a:tr h="0">
-                <a:tc rowSpan="2">
+                <a:tc rowSpan="12">
                   <a:txBody>
                     <a:bodyPr/>
                     <a:lstStyle/>
@@ -14951,14 +16071,86 @@
                         </a:spcAft>
                       </a:pPr>
                       <a:r>
-                        <a:rPr lang="en-US" sz="1200">
+                        <a:rPr lang="en-US" sz="1400" dirty="0">
                           <a:effectLst/>
+                          <a:latin typeface="Times New Roman" panose="02020603050405020304" pitchFamily="18" charset="0"/>
+                          <a:cs typeface="Times New Roman" panose="02020603050405020304" pitchFamily="18" charset="0"/>
                         </a:rPr>
                         <a:t>1.</a:t>
                       </a:r>
-                      <a:endParaRPr lang="en-US" sz="1100">
+                    </a:p>
+                    <a:p>
+                      <a:pPr marL="0" marR="0" algn="ctr">
+                        <a:lnSpc>
+                          <a:spcPct val="107000"/>
+                        </a:lnSpc>
+                        <a:spcBef>
+                          <a:spcPts val="0"/>
+                        </a:spcBef>
+                        <a:spcAft>
+                          <a:spcPts val="0"/>
+                        </a:spcAft>
+                      </a:pPr>
+                      <a:r>
+                        <a:rPr lang="en-US" sz="1400" dirty="0">
+                          <a:effectLst/>
+                          <a:latin typeface="Times New Roman" panose="02020603050405020304" pitchFamily="18" charset="0"/>
+                          <a:cs typeface="Times New Roman" panose="02020603050405020304" pitchFamily="18" charset="0"/>
+                        </a:rPr>
+                        <a:t> </a:t>
+                      </a:r>
+                    </a:p>
+                    <a:p>
+                      <a:pPr marL="0" marR="0" algn="ctr">
+                        <a:lnSpc>
+                          <a:spcPct val="107000"/>
+                        </a:lnSpc>
+                        <a:spcBef>
+                          <a:spcPts val="0"/>
+                        </a:spcBef>
+                        <a:spcAft>
+                          <a:spcPts val="0"/>
+                        </a:spcAft>
+                      </a:pPr>
+                      <a:r>
+                        <a:rPr lang="en-US" sz="1400" dirty="0">
+                          <a:effectLst/>
+                          <a:latin typeface="Times New Roman" panose="02020603050405020304" pitchFamily="18" charset="0"/>
+                          <a:cs typeface="Times New Roman" panose="02020603050405020304" pitchFamily="18" charset="0"/>
+                        </a:rPr>
+                        <a:t> </a:t>
+                      </a:r>
+                    </a:p>
+                  </a:txBody>
+                  <a:tcPr marL="68580" marR="68580" marT="0" marB="0"/>
+                </a:tc>
+                <a:tc>
+                  <a:txBody>
+                    <a:bodyPr/>
+                    <a:lstStyle/>
+                    <a:p>
+                      <a:pPr marL="0" marR="0" algn="ctr">
+                        <a:lnSpc>
+                          <a:spcPct val="107000"/>
+                        </a:lnSpc>
+                        <a:spcBef>
+                          <a:spcPts val="0"/>
+                        </a:spcBef>
+                        <a:spcAft>
+                          <a:spcPts val="0"/>
+                        </a:spcAft>
+                      </a:pPr>
+                      <a:r>
+                        <a:rPr lang="en-US" sz="1400" dirty="0">
+                          <a:effectLst/>
+                          <a:latin typeface="Times New Roman" panose="02020603050405020304" pitchFamily="18" charset="0"/>
+                          <a:cs typeface="Times New Roman" panose="02020603050405020304" pitchFamily="18" charset="0"/>
+                        </a:rPr>
+                        <a:t>Per Trainee Cost</a:t>
+                      </a:r>
+                      <a:endParaRPr lang="en-US" sz="1400" b="1" dirty="0">
                         <a:effectLst/>
-                        <a:latin typeface="Calibri" panose="020F0502020204030204" pitchFamily="34" charset="0"/>
+                        <a:latin typeface="Times New Roman" panose="02020603050405020304" pitchFamily="18" charset="0"/>
                         <a:ea typeface="Calibri" panose="020F0502020204030204" pitchFamily="34" charset="0"/>
                         <a:cs typeface="Times New Roman" panose="02020603050405020304" pitchFamily="18" charset="0"/>
                       </a:endParaRPr>
@@ -14983,46 +16175,16 @@
                         </a:spcAft>
                       </a:pPr>
                       <a:r>
-                        <a:rPr lang="en-US" sz="1200">
+                        <a:rPr lang="en-US" sz="1400" dirty="0">
                           <a:effectLst/>
-                        </a:rPr>
-                        <a:t>Per Trainee Cost</a:t>
-                      </a:r>
-                      <a:endParaRPr lang="en-US" sz="1100" b="1">
-                        <a:effectLst/>
-                        <a:latin typeface="Calibri" panose="020F0502020204030204" pitchFamily="34" charset="0"/>
-                        <a:ea typeface="Calibri" panose="020F0502020204030204" pitchFamily="34" charset="0"/>
-                        <a:cs typeface="Times New Roman" panose="02020603050405020304" pitchFamily="18" charset="0"/>
-                      </a:endParaRPr>
-                    </a:p>
-                  </a:txBody>
-                  <a:tcPr marL="68580" marR="68580" marT="0" marB="0"/>
-                </a:tc>
-                <a:tc>
-                  <a:txBody>
-                    <a:bodyPr/>
-                    <a:lstStyle/>
-                    <a:p>
-                      <a:pPr marL="0" marR="0" algn="ctr">
-                        <a:lnSpc>
-                          <a:spcPct val="107000"/>
-                        </a:lnSpc>
-                        <a:spcBef>
-                          <a:spcPts val="0"/>
-                        </a:spcBef>
-                        <a:spcAft>
-                          <a:spcPts val="0"/>
-                        </a:spcAft>
-                      </a:pPr>
-                      <a:r>
-                        <a:rPr lang="en-US" sz="1200" dirty="0">
-                          <a:effectLst/>
+                          <a:latin typeface="Times New Roman" panose="02020603050405020304" pitchFamily="18" charset="0"/>
+                          <a:cs typeface="Times New Roman" panose="02020603050405020304" pitchFamily="18" charset="0"/>
                         </a:rPr>
                         <a:t>6000</a:t>
                       </a:r>
-                      <a:endParaRPr lang="en-US" sz="1100" b="1" dirty="0">
+                      <a:endParaRPr lang="en-US" sz="1400" b="1" dirty="0">
                         <a:effectLst/>
-                        <a:latin typeface="Calibri" panose="020F0502020204030204" pitchFamily="34" charset="0"/>
+                        <a:latin typeface="Times New Roman" panose="02020603050405020304" pitchFamily="18" charset="0"/>
                         <a:ea typeface="Calibri" panose="020F0502020204030204" pitchFamily="34" charset="0"/>
                         <a:cs typeface="Times New Roman" panose="02020603050405020304" pitchFamily="18" charset="0"/>
                       </a:endParaRPr>
@@ -15064,14 +16226,16 @@
                         </a:spcAft>
                       </a:pPr>
                       <a:r>
-                        <a:rPr lang="en-US" sz="1200" dirty="0">
+                        <a:rPr lang="en-US" sz="1400" dirty="0">
                           <a:effectLst/>
+                          <a:latin typeface="Times New Roman" panose="02020603050405020304" pitchFamily="18" charset="0"/>
+                          <a:cs typeface="Times New Roman" panose="02020603050405020304" pitchFamily="18" charset="0"/>
                         </a:rPr>
                         <a:t>Breakdown</a:t>
                       </a:r>
-                      <a:endParaRPr lang="en-US" sz="1100" b="1" dirty="0">
+                      <a:endParaRPr lang="en-US" sz="1400" b="1" dirty="0">
                         <a:effectLst/>
-                        <a:latin typeface="Calibri" panose="020F0502020204030204" pitchFamily="34" charset="0"/>
+                        <a:latin typeface="Times New Roman" panose="02020603050405020304" pitchFamily="18" charset="0"/>
                         <a:ea typeface="Calibri" panose="020F0502020204030204" pitchFamily="34" charset="0"/>
                         <a:cs typeface="Times New Roman" panose="02020603050405020304" pitchFamily="18" charset="0"/>
                       </a:endParaRPr>
@@ -15096,14 +16260,16 @@
                         </a:spcAft>
                       </a:pPr>
                       <a:r>
-                        <a:rPr lang="en-US" sz="1200" dirty="0">
+                        <a:rPr lang="en-US" sz="1400" dirty="0">
                           <a:effectLst/>
+                          <a:latin typeface="Times New Roman" panose="02020603050405020304" pitchFamily="18" charset="0"/>
+                          <a:cs typeface="Times New Roman" panose="02020603050405020304" pitchFamily="18" charset="0"/>
                         </a:rPr>
                         <a:t> </a:t>
                       </a:r>
-                      <a:endParaRPr lang="en-US" sz="1100" dirty="0">
+                      <a:endParaRPr lang="en-US" sz="1400" dirty="0">
                         <a:effectLst/>
-                        <a:latin typeface="Calibri" panose="020F0502020204030204" pitchFamily="34" charset="0"/>
+                        <a:latin typeface="Times New Roman" panose="02020603050405020304" pitchFamily="18" charset="0"/>
                         <a:ea typeface="Calibri" panose="020F0502020204030204" pitchFamily="34" charset="0"/>
                         <a:cs typeface="Times New Roman" panose="02020603050405020304" pitchFamily="18" charset="0"/>
                       </a:endParaRPr>
@@ -15118,7 +16284,7 @@
                 </a:extLst>
               </a:tr>
               <a:tr h="0">
-                <a:tc rowSpan="9">
+                <a:tc vMerge="1">
                   <a:txBody>
                     <a:bodyPr/>
                     <a:lstStyle/>
@@ -15135,14 +16301,16 @@
                         </a:spcAft>
                       </a:pPr>
                       <a:r>
-                        <a:rPr lang="en-US" sz="1200">
+                        <a:rPr lang="en-US" sz="1400" dirty="0">
                           <a:effectLst/>
+                          <a:latin typeface="Times New Roman" panose="02020603050405020304" pitchFamily="18" charset="0"/>
+                          <a:cs typeface="Times New Roman" panose="02020603050405020304" pitchFamily="18" charset="0"/>
                         </a:rPr>
                         <a:t> </a:t>
                       </a:r>
-                      <a:endParaRPr lang="en-US" sz="1100">
+                      <a:endParaRPr lang="en-US" sz="1400" dirty="0">
                         <a:effectLst/>
-                        <a:latin typeface="Calibri" panose="020F0502020204030204" pitchFamily="34" charset="0"/>
+                        <a:latin typeface="Times New Roman" panose="02020603050405020304" pitchFamily="18" charset="0"/>
                         <a:ea typeface="Calibri" panose="020F0502020204030204" pitchFamily="34" charset="0"/>
                         <a:cs typeface="Times New Roman" panose="02020603050405020304" pitchFamily="18" charset="0"/>
                       </a:endParaRPr>
@@ -15167,14 +16335,16 @@
                         </a:spcAft>
                       </a:pPr>
                       <a:r>
-                        <a:rPr lang="en-US" sz="1100">
+                        <a:rPr lang="en-US" sz="1400">
                           <a:effectLst/>
+                          <a:latin typeface="Times New Roman" panose="02020603050405020304" pitchFamily="18" charset="0"/>
+                          <a:cs typeface="Times New Roman" panose="02020603050405020304" pitchFamily="18" charset="0"/>
                         </a:rPr>
                         <a:t>Master ToT and ToT</a:t>
                       </a:r>
-                      <a:endParaRPr lang="en-US" sz="1100">
+                      <a:endParaRPr lang="en-US" sz="1400">
                         <a:effectLst/>
-                        <a:latin typeface="Calibri" panose="020F0502020204030204" pitchFamily="34" charset="0"/>
+                        <a:latin typeface="Times New Roman" panose="02020603050405020304" pitchFamily="18" charset="0"/>
                         <a:ea typeface="Calibri" panose="020F0502020204030204" pitchFamily="34" charset="0"/>
                         <a:cs typeface="Times New Roman" panose="02020603050405020304" pitchFamily="18" charset="0"/>
                       </a:endParaRPr>
@@ -15199,14 +16369,16 @@
                         </a:spcAft>
                       </a:pPr>
                       <a:r>
-                        <a:rPr lang="en-US" sz="1100" dirty="0">
+                        <a:rPr lang="en-US" sz="1400" dirty="0">
                           <a:effectLst/>
+                          <a:latin typeface="Times New Roman" panose="02020603050405020304" pitchFamily="18" charset="0"/>
+                          <a:cs typeface="Times New Roman" panose="02020603050405020304" pitchFamily="18" charset="0"/>
                         </a:rPr>
                         <a:t>1000</a:t>
                       </a:r>
-                      <a:endParaRPr lang="en-US" sz="1100" dirty="0">
+                      <a:endParaRPr lang="en-US" sz="1400" dirty="0">
                         <a:effectLst/>
-                        <a:latin typeface="Calibri" panose="020F0502020204030204" pitchFamily="34" charset="0"/>
+                        <a:latin typeface="Times New Roman" panose="02020603050405020304" pitchFamily="18" charset="0"/>
                         <a:ea typeface="Calibri" panose="020F0502020204030204" pitchFamily="34" charset="0"/>
                         <a:cs typeface="Times New Roman" panose="02020603050405020304" pitchFamily="18" charset="0"/>
                       </a:endParaRPr>
@@ -15248,14 +16420,16 @@
                         </a:spcAft>
                       </a:pPr>
                       <a:r>
-                        <a:rPr lang="en-US" sz="1100" dirty="0">
+                        <a:rPr lang="en-US" sz="1400" dirty="0">
                           <a:effectLst/>
+                          <a:latin typeface="Times New Roman" panose="02020603050405020304" pitchFamily="18" charset="0"/>
+                          <a:cs typeface="Times New Roman" panose="02020603050405020304" pitchFamily="18" charset="0"/>
                         </a:rPr>
                         <a:t>Trainers Cost </a:t>
                       </a:r>
-                      <a:endParaRPr lang="en-US" sz="1100" dirty="0">
+                      <a:endParaRPr lang="en-US" sz="1400" dirty="0">
                         <a:effectLst/>
-                        <a:latin typeface="Calibri" panose="020F0502020204030204" pitchFamily="34" charset="0"/>
+                        <a:latin typeface="Times New Roman" panose="02020603050405020304" pitchFamily="18" charset="0"/>
                         <a:ea typeface="Calibri" panose="020F0502020204030204" pitchFamily="34" charset="0"/>
                         <a:cs typeface="Times New Roman" panose="02020603050405020304" pitchFamily="18" charset="0"/>
                       </a:endParaRPr>
@@ -15280,14 +16454,16 @@
                         </a:spcAft>
                       </a:pPr>
                       <a:r>
-                        <a:rPr lang="en-US" sz="1100">
+                        <a:rPr lang="en-US" sz="1400">
                           <a:effectLst/>
+                          <a:latin typeface="Times New Roman" panose="02020603050405020304" pitchFamily="18" charset="0"/>
+                          <a:cs typeface="Times New Roman" panose="02020603050405020304" pitchFamily="18" charset="0"/>
                         </a:rPr>
                         <a:t>1000</a:t>
                       </a:r>
-                      <a:endParaRPr lang="en-US" sz="1100">
+                      <a:endParaRPr lang="en-US" sz="1400">
                         <a:effectLst/>
-                        <a:latin typeface="Calibri" panose="020F0502020204030204" pitchFamily="34" charset="0"/>
+                        <a:latin typeface="Times New Roman" panose="02020603050405020304" pitchFamily="18" charset="0"/>
                         <a:ea typeface="Calibri" panose="020F0502020204030204" pitchFamily="34" charset="0"/>
                         <a:cs typeface="Times New Roman" panose="02020603050405020304" pitchFamily="18" charset="0"/>
                       </a:endParaRPr>
@@ -15329,14 +16505,16 @@
                         </a:spcAft>
                       </a:pPr>
                       <a:r>
-                        <a:rPr lang="en-US" sz="1100">
+                        <a:rPr lang="en-US" sz="1400">
                           <a:effectLst/>
+                          <a:latin typeface="Times New Roman" panose="02020603050405020304" pitchFamily="18" charset="0"/>
+                          <a:cs typeface="Times New Roman" panose="02020603050405020304" pitchFamily="18" charset="0"/>
                         </a:rPr>
                         <a:t>Food and Travel, Venue</a:t>
                       </a:r>
-                      <a:endParaRPr lang="en-US" sz="1100">
+                      <a:endParaRPr lang="en-US" sz="1400">
                         <a:effectLst/>
-                        <a:latin typeface="Calibri" panose="020F0502020204030204" pitchFamily="34" charset="0"/>
+                        <a:latin typeface="Times New Roman" panose="02020603050405020304" pitchFamily="18" charset="0"/>
                         <a:ea typeface="Calibri" panose="020F0502020204030204" pitchFamily="34" charset="0"/>
                         <a:cs typeface="Times New Roman" panose="02020603050405020304" pitchFamily="18" charset="0"/>
                       </a:endParaRPr>
@@ -15361,14 +16539,16 @@
                         </a:spcAft>
                       </a:pPr>
                       <a:r>
-                        <a:rPr lang="en-US" sz="1100">
+                        <a:rPr lang="en-US" sz="1400">
                           <a:effectLst/>
+                          <a:latin typeface="Times New Roman" panose="02020603050405020304" pitchFamily="18" charset="0"/>
+                          <a:cs typeface="Times New Roman" panose="02020603050405020304" pitchFamily="18" charset="0"/>
                         </a:rPr>
                         <a:t>1000</a:t>
                       </a:r>
-                      <a:endParaRPr lang="en-US" sz="1100">
+                      <a:endParaRPr lang="en-US" sz="1400">
                         <a:effectLst/>
-                        <a:latin typeface="Calibri" panose="020F0502020204030204" pitchFamily="34" charset="0"/>
+                        <a:latin typeface="Times New Roman" panose="02020603050405020304" pitchFamily="18" charset="0"/>
                         <a:ea typeface="Calibri" panose="020F0502020204030204" pitchFamily="34" charset="0"/>
                         <a:cs typeface="Times New Roman" panose="02020603050405020304" pitchFamily="18" charset="0"/>
                       </a:endParaRPr>
@@ -15410,14 +16590,16 @@
                         </a:spcAft>
                       </a:pPr>
                       <a:r>
-                        <a:rPr lang="en-US" sz="1100">
+                        <a:rPr lang="en-US" sz="1400">
                           <a:effectLst/>
+                          <a:latin typeface="Times New Roman" panose="02020603050405020304" pitchFamily="18" charset="0"/>
+                          <a:cs typeface="Times New Roman" panose="02020603050405020304" pitchFamily="18" charset="0"/>
                         </a:rPr>
                         <a:t>Materials (Development, Printing and Distribution)</a:t>
                       </a:r>
-                      <a:endParaRPr lang="en-US" sz="1100">
+                      <a:endParaRPr lang="en-US" sz="1400">
                         <a:effectLst/>
-                        <a:latin typeface="Calibri" panose="020F0502020204030204" pitchFamily="34" charset="0"/>
+                        <a:latin typeface="Times New Roman" panose="02020603050405020304" pitchFamily="18" charset="0"/>
                         <a:ea typeface="Calibri" panose="020F0502020204030204" pitchFamily="34" charset="0"/>
                         <a:cs typeface="Times New Roman" panose="02020603050405020304" pitchFamily="18" charset="0"/>
                       </a:endParaRPr>
@@ -15442,14 +16624,16 @@
                         </a:spcAft>
                       </a:pPr>
                       <a:r>
-                        <a:rPr lang="en-US" sz="1100">
+                        <a:rPr lang="en-US" sz="1400">
                           <a:effectLst/>
+                          <a:latin typeface="Times New Roman" panose="02020603050405020304" pitchFamily="18" charset="0"/>
+                          <a:cs typeface="Times New Roman" panose="02020603050405020304" pitchFamily="18" charset="0"/>
                         </a:rPr>
                         <a:t>500</a:t>
                       </a:r>
-                      <a:endParaRPr lang="en-US" sz="1100">
+                      <a:endParaRPr lang="en-US" sz="1400">
                         <a:effectLst/>
-                        <a:latin typeface="Calibri" panose="020F0502020204030204" pitchFamily="34" charset="0"/>
+                        <a:latin typeface="Times New Roman" panose="02020603050405020304" pitchFamily="18" charset="0"/>
                         <a:ea typeface="Calibri" panose="020F0502020204030204" pitchFamily="34" charset="0"/>
                         <a:cs typeface="Times New Roman" panose="02020603050405020304" pitchFamily="18" charset="0"/>
                       </a:endParaRPr>
@@ -15491,14 +16675,16 @@
                         </a:spcAft>
                       </a:pPr>
                       <a:r>
-                        <a:rPr lang="en-US" sz="1100">
+                        <a:rPr lang="en-US" sz="1400">
                           <a:effectLst/>
+                          <a:latin typeface="Times New Roman" panose="02020603050405020304" pitchFamily="18" charset="0"/>
+                          <a:cs typeface="Times New Roman" panose="02020603050405020304" pitchFamily="18" charset="0"/>
                         </a:rPr>
                         <a:t>Online Class, Activities and CBLM Development</a:t>
                       </a:r>
-                      <a:endParaRPr lang="en-US" sz="1100">
+                      <a:endParaRPr lang="en-US" sz="1400">
                         <a:effectLst/>
-                        <a:latin typeface="Calibri" panose="020F0502020204030204" pitchFamily="34" charset="0"/>
+                        <a:latin typeface="Times New Roman" panose="02020603050405020304" pitchFamily="18" charset="0"/>
                         <a:ea typeface="Calibri" panose="020F0502020204030204" pitchFamily="34" charset="0"/>
                         <a:cs typeface="Times New Roman" panose="02020603050405020304" pitchFamily="18" charset="0"/>
                       </a:endParaRPr>
@@ -15523,14 +16709,16 @@
                         </a:spcAft>
                       </a:pPr>
                       <a:r>
-                        <a:rPr lang="en-US" sz="1100">
+                        <a:rPr lang="en-US" sz="1400">
                           <a:effectLst/>
+                          <a:latin typeface="Times New Roman" panose="02020603050405020304" pitchFamily="18" charset="0"/>
+                          <a:cs typeface="Times New Roman" panose="02020603050405020304" pitchFamily="18" charset="0"/>
                         </a:rPr>
                         <a:t>500</a:t>
                       </a:r>
-                      <a:endParaRPr lang="en-US" sz="1100">
+                      <a:endParaRPr lang="en-US" sz="1400">
                         <a:effectLst/>
-                        <a:latin typeface="Calibri" panose="020F0502020204030204" pitchFamily="34" charset="0"/>
+                        <a:latin typeface="Times New Roman" panose="02020603050405020304" pitchFamily="18" charset="0"/>
                         <a:ea typeface="Calibri" panose="020F0502020204030204" pitchFamily="34" charset="0"/>
                         <a:cs typeface="Times New Roman" panose="02020603050405020304" pitchFamily="18" charset="0"/>
                       </a:endParaRPr>
@@ -15572,14 +16760,16 @@
                         </a:spcAft>
                       </a:pPr>
                       <a:r>
-                        <a:rPr lang="en-US" sz="1100">
+                        <a:rPr lang="en-US" sz="1400">
                           <a:effectLst/>
+                          <a:latin typeface="Times New Roman" panose="02020603050405020304" pitchFamily="18" charset="0"/>
+                          <a:cs typeface="Times New Roman" panose="02020603050405020304" pitchFamily="18" charset="0"/>
                         </a:rPr>
                         <a:t>Certificates and Remuneration</a:t>
                       </a:r>
-                      <a:endParaRPr lang="en-US" sz="1100">
+                      <a:endParaRPr lang="en-US" sz="1400">
                         <a:effectLst/>
-                        <a:latin typeface="Calibri" panose="020F0502020204030204" pitchFamily="34" charset="0"/>
+                        <a:latin typeface="Times New Roman" panose="02020603050405020304" pitchFamily="18" charset="0"/>
                         <a:ea typeface="Calibri" panose="020F0502020204030204" pitchFamily="34" charset="0"/>
                         <a:cs typeface="Times New Roman" panose="02020603050405020304" pitchFamily="18" charset="0"/>
                       </a:endParaRPr>
@@ -15604,14 +16794,16 @@
                         </a:spcAft>
                       </a:pPr>
                       <a:r>
-                        <a:rPr lang="en-US" sz="1100">
+                        <a:rPr lang="en-US" sz="1400">
                           <a:effectLst/>
+                          <a:latin typeface="Times New Roman" panose="02020603050405020304" pitchFamily="18" charset="0"/>
+                          <a:cs typeface="Times New Roman" panose="02020603050405020304" pitchFamily="18" charset="0"/>
                         </a:rPr>
                         <a:t>1000</a:t>
                       </a:r>
-                      <a:endParaRPr lang="en-US" sz="1100">
+                      <a:endParaRPr lang="en-US" sz="1400">
                         <a:effectLst/>
-                        <a:latin typeface="Calibri" panose="020F0502020204030204" pitchFamily="34" charset="0"/>
+                        <a:latin typeface="Times New Roman" panose="02020603050405020304" pitchFamily="18" charset="0"/>
                         <a:ea typeface="Calibri" panose="020F0502020204030204" pitchFamily="34" charset="0"/>
                         <a:cs typeface="Times New Roman" panose="02020603050405020304" pitchFamily="18" charset="0"/>
                       </a:endParaRPr>
@@ -15653,14 +16845,16 @@
                         </a:spcAft>
                       </a:pPr>
                       <a:r>
-                        <a:rPr lang="en-US" sz="1100">
+                        <a:rPr lang="en-US" sz="1400">
                           <a:effectLst/>
+                          <a:latin typeface="Times New Roman" panose="02020603050405020304" pitchFamily="18" charset="0"/>
+                          <a:cs typeface="Times New Roman" panose="02020603050405020304" pitchFamily="18" charset="0"/>
                         </a:rPr>
                         <a:t>Publicity</a:t>
                       </a:r>
-                      <a:endParaRPr lang="en-US" sz="1100">
+                      <a:endParaRPr lang="en-US" sz="1400">
                         <a:effectLst/>
-                        <a:latin typeface="Calibri" panose="020F0502020204030204" pitchFamily="34" charset="0"/>
+                        <a:latin typeface="Times New Roman" panose="02020603050405020304" pitchFamily="18" charset="0"/>
                         <a:ea typeface="Calibri" panose="020F0502020204030204" pitchFamily="34" charset="0"/>
                         <a:cs typeface="Times New Roman" panose="02020603050405020304" pitchFamily="18" charset="0"/>
                       </a:endParaRPr>
@@ -15685,14 +16879,16 @@
                         </a:spcAft>
                       </a:pPr>
                       <a:r>
-                        <a:rPr lang="en-US" sz="1100">
+                        <a:rPr lang="en-US" sz="1400">
                           <a:effectLst/>
+                          <a:latin typeface="Times New Roman" panose="02020603050405020304" pitchFamily="18" charset="0"/>
+                          <a:cs typeface="Times New Roman" panose="02020603050405020304" pitchFamily="18" charset="0"/>
                         </a:rPr>
                         <a:t>500</a:t>
                       </a:r>
-                      <a:endParaRPr lang="en-US" sz="1100">
+                      <a:endParaRPr lang="en-US" sz="1400">
                         <a:effectLst/>
-                        <a:latin typeface="Calibri" panose="020F0502020204030204" pitchFamily="34" charset="0"/>
+                        <a:latin typeface="Times New Roman" panose="02020603050405020304" pitchFamily="18" charset="0"/>
                         <a:ea typeface="Calibri" panose="020F0502020204030204" pitchFamily="34" charset="0"/>
                         <a:cs typeface="Times New Roman" panose="02020603050405020304" pitchFamily="18" charset="0"/>
                       </a:endParaRPr>
@@ -15734,14 +16930,16 @@
                         </a:spcAft>
                       </a:pPr>
                       <a:r>
-                        <a:rPr lang="en-US" sz="1100">
+                        <a:rPr lang="en-US" sz="1400">
                           <a:effectLst/>
+                          <a:latin typeface="Times New Roman" panose="02020603050405020304" pitchFamily="18" charset="0"/>
+                          <a:cs typeface="Times New Roman" panose="02020603050405020304" pitchFamily="18" charset="0"/>
                         </a:rPr>
                         <a:t>Overhead </a:t>
                       </a:r>
-                      <a:endParaRPr lang="en-US" sz="1100">
+                      <a:endParaRPr lang="en-US" sz="1400">
                         <a:effectLst/>
-                        <a:latin typeface="Calibri" panose="020F0502020204030204" pitchFamily="34" charset="0"/>
+                        <a:latin typeface="Times New Roman" panose="02020603050405020304" pitchFamily="18" charset="0"/>
                         <a:ea typeface="Calibri" panose="020F0502020204030204" pitchFamily="34" charset="0"/>
                         <a:cs typeface="Times New Roman" panose="02020603050405020304" pitchFamily="18" charset="0"/>
                       </a:endParaRPr>
@@ -15766,14 +16964,16 @@
                         </a:spcAft>
                       </a:pPr>
                       <a:r>
-                        <a:rPr lang="en-US" sz="1100">
+                        <a:rPr lang="en-US" sz="1400">
                           <a:effectLst/>
+                          <a:latin typeface="Times New Roman" panose="02020603050405020304" pitchFamily="18" charset="0"/>
+                          <a:cs typeface="Times New Roman" panose="02020603050405020304" pitchFamily="18" charset="0"/>
                         </a:rPr>
                         <a:t>300</a:t>
                       </a:r>
-                      <a:endParaRPr lang="en-US" sz="1100">
+                      <a:endParaRPr lang="en-US" sz="1400">
                         <a:effectLst/>
-                        <a:latin typeface="Calibri" panose="020F0502020204030204" pitchFamily="34" charset="0"/>
+                        <a:latin typeface="Times New Roman" panose="02020603050405020304" pitchFamily="18" charset="0"/>
                         <a:ea typeface="Calibri" panose="020F0502020204030204" pitchFamily="34" charset="0"/>
                         <a:cs typeface="Times New Roman" panose="02020603050405020304" pitchFamily="18" charset="0"/>
                       </a:endParaRPr>
@@ -15815,14 +17015,16 @@
                         </a:spcAft>
                       </a:pPr>
                       <a:r>
-                        <a:rPr lang="en-US" sz="1100">
+                        <a:rPr lang="en-US" sz="1400">
                           <a:effectLst/>
+                          <a:latin typeface="Times New Roman" panose="02020603050405020304" pitchFamily="18" charset="0"/>
+                          <a:cs typeface="Times New Roman" panose="02020603050405020304" pitchFamily="18" charset="0"/>
                         </a:rPr>
                         <a:t>Others </a:t>
                       </a:r>
-                      <a:endParaRPr lang="en-US" sz="1100">
+                      <a:endParaRPr lang="en-US" sz="1400">
                         <a:effectLst/>
-                        <a:latin typeface="Calibri" panose="020F0502020204030204" pitchFamily="34" charset="0"/>
+                        <a:latin typeface="Times New Roman" panose="02020603050405020304" pitchFamily="18" charset="0"/>
                         <a:ea typeface="Calibri" panose="020F0502020204030204" pitchFamily="34" charset="0"/>
                         <a:cs typeface="Times New Roman" panose="02020603050405020304" pitchFamily="18" charset="0"/>
                       </a:endParaRPr>
@@ -15847,14 +17049,16 @@
                         </a:spcAft>
                       </a:pPr>
                       <a:r>
-                        <a:rPr lang="en-US" sz="1100">
+                        <a:rPr lang="en-US" sz="1400">
                           <a:effectLst/>
+                          <a:latin typeface="Times New Roman" panose="02020603050405020304" pitchFamily="18" charset="0"/>
+                          <a:cs typeface="Times New Roman" panose="02020603050405020304" pitchFamily="18" charset="0"/>
                         </a:rPr>
                         <a:t>200</a:t>
                       </a:r>
-                      <a:endParaRPr lang="en-US" sz="1100">
+                      <a:endParaRPr lang="en-US" sz="1400">
                         <a:effectLst/>
-                        <a:latin typeface="Calibri" panose="020F0502020204030204" pitchFamily="34" charset="0"/>
+                        <a:latin typeface="Times New Roman" panose="02020603050405020304" pitchFamily="18" charset="0"/>
                         <a:ea typeface="Calibri" panose="020F0502020204030204" pitchFamily="34" charset="0"/>
                         <a:cs typeface="Times New Roman" panose="02020603050405020304" pitchFamily="18" charset="0"/>
                       </a:endParaRPr>
@@ -15869,7 +17073,7 @@
                 </a:extLst>
               </a:tr>
               <a:tr h="0">
-                <a:tc>
+                <a:tc vMerge="1">
                   <a:txBody>
                     <a:bodyPr/>
                     <a:lstStyle/>
@@ -15886,14 +17090,16 @@
                         </a:spcAft>
                       </a:pPr>
                       <a:r>
-                        <a:rPr lang="en-US" sz="1200">
+                        <a:rPr lang="en-US" sz="1400" dirty="0">
                           <a:effectLst/>
+                          <a:latin typeface="Times New Roman" panose="02020603050405020304" pitchFamily="18" charset="0"/>
+                          <a:cs typeface="Times New Roman" panose="02020603050405020304" pitchFamily="18" charset="0"/>
                         </a:rPr>
                         <a:t> </a:t>
                       </a:r>
-                      <a:endParaRPr lang="en-US" sz="1100">
+                      <a:endParaRPr lang="en-US" sz="1400" dirty="0">
                         <a:effectLst/>
-                        <a:latin typeface="Calibri" panose="020F0502020204030204" pitchFamily="34" charset="0"/>
+                        <a:latin typeface="Times New Roman" panose="02020603050405020304" pitchFamily="18" charset="0"/>
                         <a:ea typeface="Calibri" panose="020F0502020204030204" pitchFamily="34" charset="0"/>
                         <a:cs typeface="Times New Roman" panose="02020603050405020304" pitchFamily="18" charset="0"/>
                       </a:endParaRPr>
@@ -15918,14 +17124,16 @@
                         </a:spcAft>
                       </a:pPr>
                       <a:r>
-                        <a:rPr lang="en-US" sz="1100" b="1" dirty="0">
+                        <a:rPr lang="en-US" sz="1400" b="1" dirty="0">
                           <a:effectLst/>
+                          <a:latin typeface="Times New Roman" panose="02020603050405020304" pitchFamily="18" charset="0"/>
+                          <a:cs typeface="Times New Roman" panose="02020603050405020304" pitchFamily="18" charset="0"/>
                         </a:rPr>
                         <a:t>Total </a:t>
                       </a:r>
-                      <a:endParaRPr lang="en-US" sz="1100" b="1" dirty="0">
+                      <a:endParaRPr lang="en-US" sz="1400" b="1" dirty="0">
                         <a:effectLst/>
-                        <a:latin typeface="Calibri" panose="020F0502020204030204" pitchFamily="34" charset="0"/>
+                        <a:latin typeface="Times New Roman" panose="02020603050405020304" pitchFamily="18" charset="0"/>
                         <a:ea typeface="Calibri" panose="020F0502020204030204" pitchFamily="34" charset="0"/>
                         <a:cs typeface="Times New Roman" panose="02020603050405020304" pitchFamily="18" charset="0"/>
                       </a:endParaRPr>
@@ -15950,14 +17158,16 @@
                         </a:spcAft>
                       </a:pPr>
                       <a:r>
-                        <a:rPr lang="en-US" sz="1100" b="1" dirty="0">
+                        <a:rPr lang="en-US" sz="1400" b="1" dirty="0">
                           <a:effectLst/>
+                          <a:latin typeface="Times New Roman" panose="02020603050405020304" pitchFamily="18" charset="0"/>
+                          <a:cs typeface="Times New Roman" panose="02020603050405020304" pitchFamily="18" charset="0"/>
                         </a:rPr>
                         <a:t>6000 per person</a:t>
                       </a:r>
-                      <a:endParaRPr lang="en-US" sz="1100" b="1" dirty="0">
+                      <a:endParaRPr lang="en-US" sz="1400" b="1" dirty="0">
                         <a:effectLst/>
-                        <a:latin typeface="Calibri" panose="020F0502020204030204" pitchFamily="34" charset="0"/>
+                        <a:latin typeface="Times New Roman" panose="02020603050405020304" pitchFamily="18" charset="0"/>
                         <a:ea typeface="Calibri" panose="020F0502020204030204" pitchFamily="34" charset="0"/>
                         <a:cs typeface="Times New Roman" panose="02020603050405020304" pitchFamily="18" charset="0"/>
                       </a:endParaRPr>
@@ -15989,14 +17199,16 @@
                         </a:spcAft>
                       </a:pPr>
                       <a:r>
-                        <a:rPr lang="en-US" sz="1200">
+                        <a:rPr lang="en-US" sz="1400">
                           <a:effectLst/>
+                          <a:latin typeface="Times New Roman" panose="02020603050405020304" pitchFamily="18" charset="0"/>
+                          <a:cs typeface="Times New Roman" panose="02020603050405020304" pitchFamily="18" charset="0"/>
                         </a:rPr>
-                        <a:t> </a:t>
+                        <a:t>2.</a:t>
                       </a:r>
-                      <a:endParaRPr lang="en-US" sz="1100">
+                      <a:endParaRPr lang="en-US" sz="1400">
                         <a:effectLst/>
-                        <a:latin typeface="Calibri" panose="020F0502020204030204" pitchFamily="34" charset="0"/>
+                        <a:latin typeface="Times New Roman" panose="02020603050405020304" pitchFamily="18" charset="0"/>
                         <a:ea typeface="Calibri" panose="020F0502020204030204" pitchFamily="34" charset="0"/>
                         <a:cs typeface="Times New Roman" panose="02020603050405020304" pitchFamily="18" charset="0"/>
                       </a:endParaRPr>
@@ -16021,14 +17233,16 @@
                         </a:spcAft>
                       </a:pPr>
                       <a:r>
-                        <a:rPr lang="en-US" sz="1100" dirty="0">
+                        <a:rPr lang="en-US" sz="1400">
                           <a:effectLst/>
+                          <a:latin typeface="Times New Roman" panose="02020603050405020304" pitchFamily="18" charset="0"/>
+                          <a:cs typeface="Times New Roman" panose="02020603050405020304" pitchFamily="18" charset="0"/>
                         </a:rPr>
-                        <a:t> </a:t>
+                        <a:t>Building Inspection, Testing and Commissioning</a:t>
                       </a:r>
-                      <a:endParaRPr lang="en-US" sz="1100" dirty="0">
+                      <a:endParaRPr lang="en-US" sz="1400">
                         <a:effectLst/>
-                        <a:latin typeface="Calibri" panose="020F0502020204030204" pitchFamily="34" charset="0"/>
+                        <a:latin typeface="Times New Roman" panose="02020603050405020304" pitchFamily="18" charset="0"/>
                         <a:ea typeface="Calibri" panose="020F0502020204030204" pitchFamily="34" charset="0"/>
                         <a:cs typeface="Times New Roman" panose="02020603050405020304" pitchFamily="18" charset="0"/>
                       </a:endParaRPr>
@@ -16053,117 +17267,16 @@
                         </a:spcAft>
                       </a:pPr>
                       <a:r>
-                        <a:rPr lang="en-US" sz="1100">
+                        <a:rPr lang="en-US" sz="1400" dirty="0">
                           <a:effectLst/>
-                        </a:rPr>
-                        <a:t> </a:t>
-                      </a:r>
-                      <a:endParaRPr lang="en-US" sz="1100">
-                        <a:effectLst/>
-                        <a:latin typeface="Calibri" panose="020F0502020204030204" pitchFamily="34" charset="0"/>
-                        <a:ea typeface="Calibri" panose="020F0502020204030204" pitchFamily="34" charset="0"/>
-                        <a:cs typeface="Times New Roman" panose="02020603050405020304" pitchFamily="18" charset="0"/>
-                      </a:endParaRPr>
-                    </a:p>
-                  </a:txBody>
-                  <a:tcPr marL="68580" marR="68580" marT="0" marB="0"/>
-                </a:tc>
-                <a:extLst>
-                  <a:ext uri="{0D108BD9-81ED-4DB2-BD59-A6C34878D82A}">
-                    <a16:rowId xmlns:a16="http://schemas.microsoft.com/office/drawing/2014/main" val="10014"/>
-                  </a:ext>
-                </a:extLst>
-              </a:tr>
-              <a:tr h="0">
-                <a:tc>
-                  <a:txBody>
-                    <a:bodyPr/>
-                    <a:lstStyle/>
-                    <a:p>
-                      <a:pPr marL="0" marR="0" algn="ctr">
-                        <a:lnSpc>
-                          <a:spcPct val="107000"/>
-                        </a:lnSpc>
-                        <a:spcBef>
-                          <a:spcPts val="0"/>
-                        </a:spcBef>
-                        <a:spcAft>
-                          <a:spcPts val="0"/>
-                        </a:spcAft>
-                      </a:pPr>
-                      <a:r>
-                        <a:rPr lang="en-US" sz="1200">
-                          <a:effectLst/>
-                        </a:rPr>
-                        <a:t>2.</a:t>
-                      </a:r>
-                      <a:endParaRPr lang="en-US" sz="1100">
-                        <a:effectLst/>
-                        <a:latin typeface="Calibri" panose="020F0502020204030204" pitchFamily="34" charset="0"/>
-                        <a:ea typeface="Calibri" panose="020F0502020204030204" pitchFamily="34" charset="0"/>
-                        <a:cs typeface="Times New Roman" panose="02020603050405020304" pitchFamily="18" charset="0"/>
-                      </a:endParaRPr>
-                    </a:p>
-                  </a:txBody>
-                  <a:tcPr marL="68580" marR="68580" marT="0" marB="0"/>
-                </a:tc>
-                <a:tc>
-                  <a:txBody>
-                    <a:bodyPr/>
-                    <a:lstStyle/>
-                    <a:p>
-                      <a:pPr marL="0" marR="0" algn="ctr">
-                        <a:lnSpc>
-                          <a:spcPct val="107000"/>
-                        </a:lnSpc>
-                        <a:spcBef>
-                          <a:spcPts val="0"/>
-                        </a:spcBef>
-                        <a:spcAft>
-                          <a:spcPts val="0"/>
-                        </a:spcAft>
-                      </a:pPr>
-                      <a:r>
-                        <a:rPr lang="en-US" sz="1100">
-                          <a:effectLst/>
-                        </a:rPr>
-                        <a:t>Building Inspection, Testing and Commissioning</a:t>
-                      </a:r>
-                      <a:endParaRPr lang="en-US" sz="1100">
-                        <a:effectLst/>
-                        <a:latin typeface="Calibri" panose="020F0502020204030204" pitchFamily="34" charset="0"/>
-                        <a:ea typeface="Calibri" panose="020F0502020204030204" pitchFamily="34" charset="0"/>
-                        <a:cs typeface="Times New Roman" panose="02020603050405020304" pitchFamily="18" charset="0"/>
-                      </a:endParaRPr>
-                    </a:p>
-                  </a:txBody>
-                  <a:tcPr marL="68580" marR="68580" marT="0" marB="0"/>
-                </a:tc>
-                <a:tc>
-                  <a:txBody>
-                    <a:bodyPr/>
-                    <a:lstStyle/>
-                    <a:p>
-                      <a:pPr marL="0" marR="0" algn="ctr">
-                        <a:lnSpc>
-                          <a:spcPct val="107000"/>
-                        </a:lnSpc>
-                        <a:spcBef>
-                          <a:spcPts val="0"/>
-                        </a:spcBef>
-                        <a:spcAft>
-                          <a:spcPts val="0"/>
-                        </a:spcAft>
-                      </a:pPr>
-                      <a:r>
-                        <a:rPr lang="en-US" sz="1100" dirty="0">
-                          <a:effectLst/>
+                          <a:latin typeface="Times New Roman" panose="02020603050405020304" pitchFamily="18" charset="0"/>
+                          <a:cs typeface="Times New Roman" panose="02020603050405020304" pitchFamily="18" charset="0"/>
                         </a:rPr>
                         <a:t>50,000-100,000</a:t>
                       </a:r>
-                      <a:endParaRPr lang="en-US" sz="1100" dirty="0">
+                      <a:endParaRPr lang="en-US" sz="1400" dirty="0">
                         <a:effectLst/>
-                        <a:latin typeface="Calibri" panose="020F0502020204030204" pitchFamily="34" charset="0"/>
+                        <a:latin typeface="Times New Roman" panose="02020603050405020304" pitchFamily="18" charset="0"/>
                         <a:ea typeface="Calibri" panose="020F0502020204030204" pitchFamily="34" charset="0"/>
                         <a:cs typeface="Times New Roman" panose="02020603050405020304" pitchFamily="18" charset="0"/>
                       </a:endParaRPr>
@@ -16195,14 +17308,16 @@
                         </a:spcAft>
                       </a:pPr>
                       <a:r>
-                        <a:rPr lang="en-US" sz="1200">
+                        <a:rPr lang="en-US" sz="1400">
                           <a:effectLst/>
+                          <a:latin typeface="Times New Roman" panose="02020603050405020304" pitchFamily="18" charset="0"/>
+                          <a:cs typeface="Times New Roman" panose="02020603050405020304" pitchFamily="18" charset="0"/>
                         </a:rPr>
                         <a:t>3.</a:t>
                       </a:r>
-                      <a:endParaRPr lang="en-US" sz="1100">
+                      <a:endParaRPr lang="en-US" sz="1400">
                         <a:effectLst/>
-                        <a:latin typeface="Calibri" panose="020F0502020204030204" pitchFamily="34" charset="0"/>
+                        <a:latin typeface="Times New Roman" panose="02020603050405020304" pitchFamily="18" charset="0"/>
                         <a:ea typeface="Calibri" panose="020F0502020204030204" pitchFamily="34" charset="0"/>
                         <a:cs typeface="Times New Roman" panose="02020603050405020304" pitchFamily="18" charset="0"/>
                       </a:endParaRPr>
@@ -16227,14 +17342,16 @@
                         </a:spcAft>
                       </a:pPr>
                       <a:r>
-                        <a:rPr lang="en-US" sz="1100">
+                        <a:rPr lang="en-US" sz="1400">
                           <a:effectLst/>
+                          <a:latin typeface="Times New Roman" panose="02020603050405020304" pitchFamily="18" charset="0"/>
+                          <a:cs typeface="Times New Roman" panose="02020603050405020304" pitchFamily="18" charset="0"/>
                         </a:rPr>
                         <a:t>Foreign Training </a:t>
                       </a:r>
-                      <a:endParaRPr lang="en-US" sz="1100">
+                      <a:endParaRPr lang="en-US" sz="1400">
                         <a:effectLst/>
-                        <a:latin typeface="Calibri" panose="020F0502020204030204" pitchFamily="34" charset="0"/>
+                        <a:latin typeface="Times New Roman" panose="02020603050405020304" pitchFamily="18" charset="0"/>
                         <a:ea typeface="Calibri" panose="020F0502020204030204" pitchFamily="34" charset="0"/>
                         <a:cs typeface="Times New Roman" panose="02020603050405020304" pitchFamily="18" charset="0"/>
                       </a:endParaRPr>
@@ -16259,14 +17376,16 @@
                         </a:spcAft>
                       </a:pPr>
                       <a:r>
-                        <a:rPr lang="en-US" sz="1100">
+                        <a:rPr lang="en-US" sz="1400">
                           <a:effectLst/>
+                          <a:latin typeface="Times New Roman" panose="02020603050405020304" pitchFamily="18" charset="0"/>
+                          <a:cs typeface="Times New Roman" panose="02020603050405020304" pitchFamily="18" charset="0"/>
                         </a:rPr>
                         <a:t>Accommodated</a:t>
                       </a:r>
-                      <a:endParaRPr lang="en-US" sz="1100">
+                      <a:endParaRPr lang="en-US" sz="1400">
                         <a:effectLst/>
-                        <a:latin typeface="Calibri" panose="020F0502020204030204" pitchFamily="34" charset="0"/>
+                        <a:latin typeface="Times New Roman" panose="02020603050405020304" pitchFamily="18" charset="0"/>
                         <a:ea typeface="Calibri" panose="020F0502020204030204" pitchFamily="34" charset="0"/>
                         <a:cs typeface="Times New Roman" panose="02020603050405020304" pitchFamily="18" charset="0"/>
                       </a:endParaRPr>
@@ -16298,14 +17417,16 @@
                         </a:spcAft>
                       </a:pPr>
                       <a:r>
-                        <a:rPr lang="en-US" sz="1200">
+                        <a:rPr lang="en-US" sz="1400">
                           <a:effectLst/>
+                          <a:latin typeface="Times New Roman" panose="02020603050405020304" pitchFamily="18" charset="0"/>
+                          <a:cs typeface="Times New Roman" panose="02020603050405020304" pitchFamily="18" charset="0"/>
                         </a:rPr>
                         <a:t>4.</a:t>
                       </a:r>
-                      <a:endParaRPr lang="en-US" sz="1100">
+                      <a:endParaRPr lang="en-US" sz="1400">
                         <a:effectLst/>
-                        <a:latin typeface="Calibri" panose="020F0502020204030204" pitchFamily="34" charset="0"/>
+                        <a:latin typeface="Times New Roman" panose="02020603050405020304" pitchFamily="18" charset="0"/>
                         <a:ea typeface="Calibri" panose="020F0502020204030204" pitchFamily="34" charset="0"/>
                         <a:cs typeface="Times New Roman" panose="02020603050405020304" pitchFamily="18" charset="0"/>
                       </a:endParaRPr>
@@ -16330,14 +17451,16 @@
                         </a:spcAft>
                       </a:pPr>
                       <a:r>
-                        <a:rPr lang="en-US" sz="1100">
+                        <a:rPr lang="en-US" sz="1400">
                           <a:effectLst/>
+                          <a:latin typeface="Times New Roman" panose="02020603050405020304" pitchFamily="18" charset="0"/>
+                          <a:cs typeface="Times New Roman" panose="02020603050405020304" pitchFamily="18" charset="0"/>
                         </a:rPr>
                         <a:t>Feasibility Study</a:t>
                       </a:r>
-                      <a:endParaRPr lang="en-US" sz="1100">
+                      <a:endParaRPr lang="en-US" sz="1400">
                         <a:effectLst/>
-                        <a:latin typeface="Calibri" panose="020F0502020204030204" pitchFamily="34" charset="0"/>
+                        <a:latin typeface="Times New Roman" panose="02020603050405020304" pitchFamily="18" charset="0"/>
                         <a:ea typeface="Calibri" panose="020F0502020204030204" pitchFamily="34" charset="0"/>
                         <a:cs typeface="Times New Roman" panose="02020603050405020304" pitchFamily="18" charset="0"/>
                       </a:endParaRPr>
@@ -16362,14 +17485,16 @@
                         </a:spcAft>
                       </a:pPr>
                       <a:r>
-                        <a:rPr lang="en-US" sz="1100">
+                        <a:rPr lang="en-US" sz="1400">
                           <a:effectLst/>
+                          <a:latin typeface="Times New Roman" panose="02020603050405020304" pitchFamily="18" charset="0"/>
+                          <a:cs typeface="Times New Roman" panose="02020603050405020304" pitchFamily="18" charset="0"/>
                         </a:rPr>
                         <a:t>5,000,000</a:t>
                       </a:r>
-                      <a:endParaRPr lang="en-US" sz="1100">
+                      <a:endParaRPr lang="en-US" sz="1400">
                         <a:effectLst/>
-                        <a:latin typeface="Calibri" panose="020F0502020204030204" pitchFamily="34" charset="0"/>
+                        <a:latin typeface="Times New Roman" panose="02020603050405020304" pitchFamily="18" charset="0"/>
                         <a:ea typeface="Calibri" panose="020F0502020204030204" pitchFamily="34" charset="0"/>
                         <a:cs typeface="Times New Roman" panose="02020603050405020304" pitchFamily="18" charset="0"/>
                       </a:endParaRPr>
@@ -16401,14 +17526,16 @@
                         </a:spcAft>
                       </a:pPr>
                       <a:r>
-                        <a:rPr lang="en-US" sz="1200" dirty="0">
+                        <a:rPr lang="en-US" sz="1400" dirty="0">
                           <a:effectLst/>
+                          <a:latin typeface="Times New Roman" panose="02020603050405020304" pitchFamily="18" charset="0"/>
+                          <a:cs typeface="Times New Roman" panose="02020603050405020304" pitchFamily="18" charset="0"/>
                         </a:rPr>
                         <a:t>5.</a:t>
                       </a:r>
-                      <a:endParaRPr lang="en-US" sz="1100" dirty="0">
+                      <a:endParaRPr lang="en-US" sz="1400" dirty="0">
                         <a:effectLst/>
-                        <a:latin typeface="Calibri" panose="020F0502020204030204" pitchFamily="34" charset="0"/>
+                        <a:latin typeface="Times New Roman" panose="02020603050405020304" pitchFamily="18" charset="0"/>
                         <a:ea typeface="Calibri" panose="020F0502020204030204" pitchFamily="34" charset="0"/>
                         <a:cs typeface="Times New Roman" panose="02020603050405020304" pitchFamily="18" charset="0"/>
                       </a:endParaRPr>
@@ -16433,14 +17560,16 @@
                         </a:spcAft>
                       </a:pPr>
                       <a:r>
-                        <a:rPr lang="en-US" sz="1100" dirty="0">
+                        <a:rPr lang="en-US" sz="1400" dirty="0">
                           <a:effectLst/>
+                          <a:latin typeface="Times New Roman" panose="02020603050405020304" pitchFamily="18" charset="0"/>
+                          <a:cs typeface="Times New Roman" panose="02020603050405020304" pitchFamily="18" charset="0"/>
                         </a:rPr>
                         <a:t>Awareness Development</a:t>
                       </a:r>
-                      <a:endParaRPr lang="en-US" sz="1100" dirty="0">
+                      <a:endParaRPr lang="en-US" sz="1400" dirty="0">
                         <a:effectLst/>
-                        <a:latin typeface="Calibri" panose="020F0502020204030204" pitchFamily="34" charset="0"/>
+                        <a:latin typeface="Times New Roman" panose="02020603050405020304" pitchFamily="18" charset="0"/>
                         <a:ea typeface="Calibri" panose="020F0502020204030204" pitchFamily="34" charset="0"/>
                         <a:cs typeface="Times New Roman" panose="02020603050405020304" pitchFamily="18" charset="0"/>
                       </a:endParaRPr>
@@ -16465,14 +17594,16 @@
                         </a:spcAft>
                       </a:pPr>
                       <a:r>
-                        <a:rPr lang="en-US" sz="1100" dirty="0">
+                        <a:rPr lang="en-US" sz="1400" dirty="0">
                           <a:effectLst/>
+                          <a:latin typeface="Times New Roman" panose="02020603050405020304" pitchFamily="18" charset="0"/>
+                          <a:cs typeface="Times New Roman" panose="02020603050405020304" pitchFamily="18" charset="0"/>
                         </a:rPr>
                         <a:t>Accommodated</a:t>
                       </a:r>
-                      <a:endParaRPr lang="en-US" sz="1100" dirty="0">
+                      <a:endParaRPr lang="en-US" sz="1400" dirty="0">
                         <a:effectLst/>
-                        <a:latin typeface="Calibri" panose="020F0502020204030204" pitchFamily="34" charset="0"/>
+                        <a:latin typeface="Times New Roman" panose="02020603050405020304" pitchFamily="18" charset="0"/>
                         <a:ea typeface="Calibri" panose="020F0502020204030204" pitchFamily="34" charset="0"/>
                         <a:cs typeface="Times New Roman" panose="02020603050405020304" pitchFamily="18" charset="0"/>
                       </a:endParaRPr>
@@ -16490,6 +17621,68 @@
           </a:graphicData>
         </a:graphic>
       </p:graphicFrame>
+      <p:sp>
+        <p:nvSpPr>
+          <p:cNvPr id="5" name="TextBox 4">
+            <a:extLst>
+              <a:ext uri="{FF2B5EF4-FFF2-40B4-BE49-F238E27FC236}">
+                <a16:creationId xmlns:a16="http://schemas.microsoft.com/office/drawing/2014/main" id="{D5E74465-CD83-4402-98EC-5F19DCE01A8A}"/>
+              </a:ext>
+            </a:extLst>
+          </p:cNvPr>
+          <p:cNvSpPr txBox="1"/>
+          <p:nvPr/>
+        </p:nvSpPr>
+        <p:spPr>
+          <a:xfrm>
+            <a:off x="143556" y="265178"/>
+            <a:ext cx="4275740" cy="522259"/>
+          </a:xfrm>
+          <a:prstGeom prst="rect">
+            <a:avLst/>
+          </a:prstGeom>
+          <a:noFill/>
+        </p:spPr>
+        <p:txBody>
+          <a:bodyPr wrap="square">
+            <a:spAutoFit/>
+          </a:bodyPr>
+          <a:lstStyle/>
+          <a:p>
+            <a:pPr marL="0" marR="0" algn="ctr">
+              <a:lnSpc>
+                <a:spcPct val="107000"/>
+              </a:lnSpc>
+              <a:spcBef>
+                <a:spcPts val="0"/>
+              </a:spcBef>
+              <a:spcAft>
+                <a:spcPts val="0"/>
+              </a:spcAft>
+            </a:pPr>
+            <a:r>
+              <a:rPr lang="en-US" sz="2800" b="1" dirty="0">
+                <a:solidFill>
+                  <a:schemeClr val="bg1"/>
+                </a:solidFill>
+                <a:effectLst/>
+                <a:latin typeface="Times New Roman" panose="02020603050405020304" pitchFamily="18" charset="0"/>
+                <a:cs typeface="Times New Roman" panose="02020603050405020304" pitchFamily="18" charset="0"/>
+              </a:rPr>
+              <a:t>Basic Fire Safety Training</a:t>
+            </a:r>
+            <a:endParaRPr lang="en-US" sz="2800" b="1" dirty="0">
+              <a:solidFill>
+                <a:schemeClr val="bg1"/>
+              </a:solidFill>
+              <a:effectLst/>
+              <a:latin typeface="Times New Roman" panose="02020603050405020304" pitchFamily="18" charset="0"/>
+              <a:ea typeface="Calibri" panose="020F0502020204030204" pitchFamily="34" charset="0"/>
+              <a:cs typeface="Times New Roman" panose="02020603050405020304" pitchFamily="18" charset="0"/>
+            </a:endParaRPr>
+          </a:p>
+        </p:txBody>
+      </p:sp>
     </p:spTree>
     <p:extLst>
       <p:ext uri="{BB962C8B-B14F-4D97-AF65-F5344CB8AC3E}">
@@ -16529,14 +17722,14 @@
           <p:nvPr>
             <p:extLst>
               <p:ext uri="{D42A27DB-BD31-4B8C-83A1-F6EECF244321}">
-                <p14:modId xmlns:p14="http://schemas.microsoft.com/office/powerpoint/2010/main" val="795159987"/>
+                <p14:modId xmlns:p14="http://schemas.microsoft.com/office/powerpoint/2010/main" val="2245255992"/>
               </p:ext>
             </p:extLst>
           </p:nvPr>
         </p:nvGraphicFramePr>
         <p:xfrm>
-          <a:off x="754375" y="1434147"/>
-          <a:ext cx="7787955" cy="3713067"/>
+          <a:off x="678022" y="1197405"/>
+          <a:ext cx="7787955" cy="3741030"/>
         </p:xfrm>
         <a:graphic>
           <a:graphicData uri="http://schemas.openxmlformats.org/drawingml/2006/table">
@@ -16545,14 +17738,14 @@
                 <a:tableStyleId>{93296810-A885-4BE3-A3E7-6D5BEEA58F35}</a:tableStyleId>
               </a:tblPr>
               <a:tblGrid>
-                <a:gridCol w="1944063">
+                <a:gridCol w="3359510">
                   <a:extLst>
                     <a:ext uri="{9D8B030D-6E8A-4147-A177-3AD203B41FA5}">
                       <a16:colId xmlns:a16="http://schemas.microsoft.com/office/drawing/2014/main" val="20000"/>
                     </a:ext>
                   </a:extLst>
                 </a:gridCol>
-                <a:gridCol w="5843892">
+                <a:gridCol w="4428445">
                   <a:extLst>
                     <a:ext uri="{9D8B030D-6E8A-4147-A177-3AD203B41FA5}">
                       <a16:colId xmlns:a16="http://schemas.microsoft.com/office/drawing/2014/main" val="20001"/>
@@ -16560,7 +17753,7 @@
                   </a:extLst>
                 </a:gridCol>
               </a:tblGrid>
-              <a:tr h="551077">
+              <a:tr h="607159">
                 <a:tc>
                   <a:txBody>
                     <a:bodyPr/>
@@ -16575,14 +17768,22 @@
                         </a:spcAft>
                       </a:pPr>
                       <a:r>
-                        <a:rPr lang="en-GB" sz="1200" dirty="0">
+                        <a:rPr lang="en-GB" sz="1400" dirty="0">
+                          <a:solidFill>
+                            <a:schemeClr val="tx1"/>
+                          </a:solidFill>
                           <a:effectLst/>
+                          <a:latin typeface="Times New Roman" panose="02020603050405020304" pitchFamily="18" charset="0"/>
+                          <a:cs typeface="Times New Roman" panose="02020603050405020304" pitchFamily="18" charset="0"/>
                         </a:rPr>
                         <a:t>Tenure of the Project</a:t>
                       </a:r>
-                      <a:endParaRPr lang="en-US" sz="1100" dirty="0">
+                      <a:endParaRPr lang="en-US" sz="1400" dirty="0">
+                        <a:solidFill>
+                          <a:schemeClr val="tx1"/>
+                        </a:solidFill>
                         <a:effectLst/>
-                        <a:latin typeface="Arial" panose="020B0604020202020204" pitchFamily="34" charset="0"/>
+                        <a:latin typeface="Times New Roman" panose="02020603050405020304" pitchFamily="18" charset="0"/>
                         <a:ea typeface="Times New Roman" panose="02020603050405020304" pitchFamily="18" charset="0"/>
                         <a:cs typeface="Times New Roman" panose="02020603050405020304" pitchFamily="18" charset="0"/>
                       </a:endParaRPr>
@@ -16604,13 +17805,23 @@
                         </a:spcAft>
                       </a:pPr>
                       <a:r>
-                        <a:rPr lang="en-GB" sz="1200" dirty="0">
+                        <a:rPr lang="en-GB" sz="1400" dirty="0">
+                          <a:solidFill>
+                            <a:schemeClr val="tx1"/>
+                          </a:solidFill>
                           <a:effectLst/>
+                          <a:latin typeface="Times New Roman" panose="02020603050405020304" pitchFamily="18" charset="0"/>
+                          <a:cs typeface="Times New Roman" panose="02020603050405020304" pitchFamily="18" charset="0"/>
                         </a:rPr>
                         <a:t>Total : 36 Months</a:t>
                       </a:r>
-                      <a:endParaRPr lang="en-US" sz="1100" dirty="0">
+                      <a:endParaRPr lang="en-US" sz="1400" dirty="0">
+                        <a:solidFill>
+                          <a:schemeClr val="tx1"/>
+                        </a:solidFill>
                         <a:effectLst/>
+                        <a:latin typeface="Times New Roman" panose="02020603050405020304" pitchFamily="18" charset="0"/>
+                        <a:cs typeface="Times New Roman" panose="02020603050405020304" pitchFamily="18" charset="0"/>
                       </a:endParaRPr>
                     </a:p>
                     <a:p>
@@ -16623,13 +17834,23 @@
                         </a:spcAft>
                       </a:pPr>
                       <a:r>
-                        <a:rPr lang="en-GB" sz="1200" dirty="0">
+                        <a:rPr lang="en-GB" sz="1400" dirty="0">
+                          <a:solidFill>
+                            <a:schemeClr val="tx1"/>
+                          </a:solidFill>
                           <a:effectLst/>
+                          <a:latin typeface="Times New Roman" panose="02020603050405020304" pitchFamily="18" charset="0"/>
+                          <a:cs typeface="Times New Roman" panose="02020603050405020304" pitchFamily="18" charset="0"/>
                         </a:rPr>
                         <a:t>Starting Date: May 2020</a:t>
                       </a:r>
-                      <a:endParaRPr lang="en-US" sz="1100" dirty="0">
+                      <a:endParaRPr lang="en-US" sz="1400" dirty="0">
+                        <a:solidFill>
+                          <a:schemeClr val="tx1"/>
+                        </a:solidFill>
                         <a:effectLst/>
+                        <a:latin typeface="Times New Roman" panose="02020603050405020304" pitchFamily="18" charset="0"/>
+                        <a:cs typeface="Times New Roman" panose="02020603050405020304" pitchFamily="18" charset="0"/>
                       </a:endParaRPr>
                     </a:p>
                     <a:p>
@@ -16642,14 +17863,22 @@
                         </a:spcAft>
                       </a:pPr>
                       <a:r>
-                        <a:rPr lang="en-GB" sz="1200" dirty="0">
+                        <a:rPr lang="en-GB" sz="1400" dirty="0">
+                          <a:solidFill>
+                            <a:schemeClr val="tx1"/>
+                          </a:solidFill>
                           <a:effectLst/>
+                          <a:latin typeface="Times New Roman" panose="02020603050405020304" pitchFamily="18" charset="0"/>
+                          <a:cs typeface="Times New Roman" panose="02020603050405020304" pitchFamily="18" charset="0"/>
                         </a:rPr>
                         <a:t>Closing Dates: June 2023</a:t>
                       </a:r>
-                      <a:endParaRPr lang="en-US" sz="1100" dirty="0">
+                      <a:endParaRPr lang="en-US" sz="1400" dirty="0">
+                        <a:solidFill>
+                          <a:schemeClr val="tx1"/>
+                        </a:solidFill>
                         <a:effectLst/>
-                        <a:latin typeface="Arial" panose="020B0604020202020204" pitchFamily="34" charset="0"/>
+                        <a:latin typeface="Times New Roman" panose="02020603050405020304" pitchFamily="18" charset="0"/>
                         <a:ea typeface="Times New Roman" panose="02020603050405020304" pitchFamily="18" charset="0"/>
                         <a:cs typeface="Times New Roman" panose="02020603050405020304" pitchFamily="18" charset="0"/>
                       </a:endParaRPr>
@@ -16663,7 +17892,7 @@
                   </a:ext>
                 </a:extLst>
               </a:tr>
-              <a:tr h="367384">
+              <a:tr h="322406">
                 <a:tc>
                   <a:txBody>
                     <a:bodyPr/>
@@ -16678,14 +17907,22 @@
                         </a:spcAft>
                       </a:pPr>
                       <a:r>
-                        <a:rPr lang="en-GB" sz="1200" dirty="0">
+                        <a:rPr lang="en-GB" sz="1400" dirty="0">
+                          <a:solidFill>
+                            <a:schemeClr val="tx1"/>
+                          </a:solidFill>
                           <a:effectLst/>
+                          <a:latin typeface="Times New Roman" panose="02020603050405020304" pitchFamily="18" charset="0"/>
+                          <a:cs typeface="Times New Roman" panose="02020603050405020304" pitchFamily="18" charset="0"/>
                         </a:rPr>
                         <a:t>Budget of the Project (Proposed)</a:t>
                       </a:r>
-                      <a:endParaRPr lang="en-US" sz="1100" dirty="0">
+                      <a:endParaRPr lang="en-US" sz="1400" dirty="0">
+                        <a:solidFill>
+                          <a:schemeClr val="tx1"/>
+                        </a:solidFill>
                         <a:effectLst/>
-                        <a:latin typeface="Arial" panose="020B0604020202020204" pitchFamily="34" charset="0"/>
+                        <a:latin typeface="Times New Roman" panose="02020603050405020304" pitchFamily="18" charset="0"/>
                         <a:ea typeface="Times New Roman" panose="02020603050405020304" pitchFamily="18" charset="0"/>
                         <a:cs typeface="Times New Roman" panose="02020603050405020304" pitchFamily="18" charset="0"/>
                       </a:endParaRPr>
@@ -16706,9 +17943,12 @@
                           <a:spcPts val="0"/>
                         </a:spcAft>
                       </a:pPr>
-                      <a:endParaRPr lang="en-US" sz="1100" dirty="0">
+                      <a:endParaRPr lang="en-US" sz="1400" dirty="0">
+                        <a:solidFill>
+                          <a:schemeClr val="tx1"/>
+                        </a:solidFill>
                         <a:effectLst/>
-                        <a:latin typeface="Arial" panose="020B0604020202020204" pitchFamily="34" charset="0"/>
+                        <a:latin typeface="Times New Roman" panose="02020603050405020304" pitchFamily="18" charset="0"/>
                         <a:ea typeface="Times New Roman" panose="02020603050405020304" pitchFamily="18" charset="0"/>
                         <a:cs typeface="Times New Roman" panose="02020603050405020304" pitchFamily="18" charset="0"/>
                       </a:endParaRPr>
@@ -16722,7 +17962,7 @@
                   </a:ext>
                 </a:extLst>
               </a:tr>
-              <a:tr h="367384">
+              <a:tr h="1011931">
                 <a:tc>
                   <a:txBody>
                     <a:bodyPr/>
@@ -16737,26 +17977,35 @@
                         </a:spcAft>
                       </a:pPr>
                       <a:r>
-                        <a:rPr lang="en-GB" sz="1200" dirty="0">
+                        <a:rPr lang="en-GB" sz="1400" dirty="0">
+                          <a:solidFill>
+                            <a:schemeClr val="tx1"/>
+                          </a:solidFill>
                           <a:effectLst/>
-                          <a:latin typeface="+mn-lt"/>
+                          <a:latin typeface="Times New Roman" panose="02020603050405020304" pitchFamily="18" charset="0"/>
                           <a:ea typeface="+mn-ea"/>
-                          <a:cs typeface="+mn-cs"/>
+                          <a:cs typeface="Times New Roman" panose="02020603050405020304" pitchFamily="18" charset="0"/>
                         </a:rPr>
                         <a:t>Major</a:t>
                       </a:r>
                       <a:r>
-                        <a:rPr lang="en-GB" sz="1200" baseline="0" dirty="0">
+                        <a:rPr lang="en-GB" sz="1400" baseline="0" dirty="0">
+                          <a:solidFill>
+                            <a:schemeClr val="tx1"/>
+                          </a:solidFill>
                           <a:effectLst/>
-                          <a:latin typeface="+mn-lt"/>
+                          <a:latin typeface="Times New Roman" panose="02020603050405020304" pitchFamily="18" charset="0"/>
                           <a:ea typeface="+mn-ea"/>
-                          <a:cs typeface="+mn-cs"/>
+                          <a:cs typeface="Times New Roman" panose="02020603050405020304" pitchFamily="18" charset="0"/>
                         </a:rPr>
                         <a:t> expenditure of Budget (Proposed) </a:t>
                       </a:r>
-                      <a:endParaRPr lang="en-US" sz="1100" dirty="0">
+                      <a:endParaRPr lang="en-US" sz="1400" dirty="0">
+                        <a:solidFill>
+                          <a:schemeClr val="tx1"/>
+                        </a:solidFill>
                         <a:effectLst/>
-                        <a:latin typeface="Arial" panose="020B0604020202020204" pitchFamily="34" charset="0"/>
+                        <a:latin typeface="Times New Roman" panose="02020603050405020304" pitchFamily="18" charset="0"/>
                         <a:ea typeface="Times New Roman" panose="02020603050405020304" pitchFamily="18" charset="0"/>
                         <a:cs typeface="Times New Roman" panose="02020603050405020304" pitchFamily="18" charset="0"/>
                       </a:endParaRPr>
@@ -16787,26 +18036,35 @@
                         <a:defRPr/>
                       </a:pPr>
                       <a:r>
-                        <a:rPr lang="en-US" sz="1100" dirty="0">
+                        <a:rPr lang="en-US" sz="1400" dirty="0">
+                          <a:solidFill>
+                            <a:schemeClr val="tx1"/>
+                          </a:solidFill>
                           <a:effectLst/>
-                          <a:latin typeface="Arial" panose="020B0604020202020204" pitchFamily="34" charset="0"/>
+                          <a:latin typeface="Times New Roman" panose="02020603050405020304" pitchFamily="18" charset="0"/>
                           <a:ea typeface="Times New Roman" panose="02020603050405020304" pitchFamily="18" charset="0"/>
                           <a:cs typeface="Times New Roman" panose="02020603050405020304" pitchFamily="18" charset="0"/>
                         </a:rPr>
                         <a:t>Pre-project cost: 5% </a:t>
                       </a:r>
                       <a:r>
-                        <a:rPr lang="en-US" sz="1100" baseline="0" dirty="0">
+                        <a:rPr lang="en-US" sz="1400" baseline="0" dirty="0">
+                          <a:solidFill>
+                            <a:schemeClr val="tx1"/>
+                          </a:solidFill>
                           <a:effectLst/>
-                          <a:latin typeface="Arial" panose="020B0604020202020204" pitchFamily="34" charset="0"/>
+                          <a:latin typeface="Times New Roman" panose="02020603050405020304" pitchFamily="18" charset="0"/>
                           <a:ea typeface="Times New Roman" panose="02020603050405020304" pitchFamily="18" charset="0"/>
                           <a:cs typeface="Times New Roman" panose="02020603050405020304" pitchFamily="18" charset="0"/>
                         </a:rPr>
                         <a:t> </a:t>
                       </a:r>
-                      <a:endParaRPr lang="en-US" sz="1100" dirty="0">
+                      <a:endParaRPr lang="en-US" sz="1400" dirty="0">
+                        <a:solidFill>
+                          <a:schemeClr val="tx1"/>
+                        </a:solidFill>
                         <a:effectLst/>
-                        <a:latin typeface="Arial" panose="020B0604020202020204" pitchFamily="34" charset="0"/>
+                        <a:latin typeface="Times New Roman" panose="02020603050405020304" pitchFamily="18" charset="0"/>
                         <a:ea typeface="Times New Roman" panose="02020603050405020304" pitchFamily="18" charset="0"/>
                         <a:cs typeface="Times New Roman" panose="02020603050405020304" pitchFamily="18" charset="0"/>
                       </a:endParaRPr>
@@ -16830,18 +18088,24 @@
                         <a:defRPr/>
                       </a:pPr>
                       <a:r>
-                        <a:rPr lang="en-US" sz="1100" dirty="0">
+                        <a:rPr lang="en-US" sz="1400" dirty="0">
+                          <a:solidFill>
+                            <a:schemeClr val="tx1"/>
+                          </a:solidFill>
                           <a:effectLst/>
-                          <a:latin typeface="Arial" panose="020B0604020202020204" pitchFamily="34" charset="0"/>
+                          <a:latin typeface="Times New Roman" panose="02020603050405020304" pitchFamily="18" charset="0"/>
                           <a:ea typeface="Times New Roman" panose="02020603050405020304" pitchFamily="18" charset="0"/>
                           <a:cs typeface="Times New Roman" panose="02020603050405020304" pitchFamily="18" charset="0"/>
                         </a:rPr>
                         <a:t>Project</a:t>
                       </a:r>
                       <a:r>
-                        <a:rPr lang="en-US" sz="1100" baseline="0" dirty="0">
+                        <a:rPr lang="en-US" sz="1400" baseline="0" dirty="0">
+                          <a:solidFill>
+                            <a:schemeClr val="tx1"/>
+                          </a:solidFill>
                           <a:effectLst/>
-                          <a:latin typeface="Arial" panose="020B0604020202020204" pitchFamily="34" charset="0"/>
+                          <a:latin typeface="Times New Roman" panose="02020603050405020304" pitchFamily="18" charset="0"/>
                           <a:ea typeface="Times New Roman" panose="02020603050405020304" pitchFamily="18" charset="0"/>
                           <a:cs typeface="Times New Roman" panose="02020603050405020304" pitchFamily="18" charset="0"/>
                         </a:rPr>
@@ -16867,9 +18131,12 @@
                         <a:defRPr/>
                       </a:pPr>
                       <a:r>
-                        <a:rPr lang="en-US" sz="1100" baseline="0" dirty="0">
+                        <a:rPr lang="en-US" sz="1400" baseline="0" dirty="0">
+                          <a:solidFill>
+                            <a:schemeClr val="tx1"/>
+                          </a:solidFill>
                           <a:effectLst/>
-                          <a:latin typeface="Arial" panose="020B0604020202020204" pitchFamily="34" charset="0"/>
+                          <a:latin typeface="Times New Roman" panose="02020603050405020304" pitchFamily="18" charset="0"/>
                           <a:ea typeface="Times New Roman" panose="02020603050405020304" pitchFamily="18" charset="0"/>
                           <a:cs typeface="Times New Roman" panose="02020603050405020304" pitchFamily="18" charset="0"/>
                         </a:rPr>
@@ -16895,9 +18162,12 @@
                         <a:defRPr/>
                       </a:pPr>
                       <a:r>
-                        <a:rPr lang="en-US" sz="1100" baseline="0" dirty="0">
+                        <a:rPr lang="en-US" sz="1400" baseline="0" dirty="0">
+                          <a:solidFill>
+                            <a:schemeClr val="tx1"/>
+                          </a:solidFill>
                           <a:effectLst/>
-                          <a:latin typeface="Arial" panose="020B0604020202020204" pitchFamily="34" charset="0"/>
+                          <a:latin typeface="Times New Roman" panose="02020603050405020304" pitchFamily="18" charset="0"/>
                           <a:ea typeface="Times New Roman" panose="02020603050405020304" pitchFamily="18" charset="0"/>
                           <a:cs typeface="Times New Roman" panose="02020603050405020304" pitchFamily="18" charset="0"/>
                         </a:rPr>
@@ -16923,17 +18193,23 @@
                         <a:defRPr/>
                       </a:pPr>
                       <a:r>
-                        <a:rPr lang="en-US" sz="1100" baseline="0" dirty="0">
+                        <a:rPr lang="en-US" sz="1400" baseline="0" dirty="0">
+                          <a:solidFill>
+                            <a:schemeClr val="tx1"/>
+                          </a:solidFill>
                           <a:effectLst/>
-                          <a:latin typeface="Arial" panose="020B0604020202020204" pitchFamily="34" charset="0"/>
+                          <a:latin typeface="Times New Roman" panose="02020603050405020304" pitchFamily="18" charset="0"/>
                           <a:ea typeface="Times New Roman" panose="02020603050405020304" pitchFamily="18" charset="0"/>
                           <a:cs typeface="Times New Roman" panose="02020603050405020304" pitchFamily="18" charset="0"/>
                         </a:rPr>
                         <a:t>Total: 100% of total value.</a:t>
                       </a:r>
-                      <a:endParaRPr lang="en-US" sz="1100" dirty="0">
+                      <a:endParaRPr lang="en-US" sz="1400" dirty="0">
+                        <a:solidFill>
+                          <a:schemeClr val="tx1"/>
+                        </a:solidFill>
                         <a:effectLst/>
-                        <a:latin typeface="Arial" panose="020B0604020202020204" pitchFamily="34" charset="0"/>
+                        <a:latin typeface="Times New Roman" panose="02020603050405020304" pitchFamily="18" charset="0"/>
                         <a:ea typeface="Times New Roman" panose="02020603050405020304" pitchFamily="18" charset="0"/>
                         <a:cs typeface="Times New Roman" panose="02020603050405020304" pitchFamily="18" charset="0"/>
                       </a:endParaRPr>
@@ -16947,7 +18223,7 @@
                   </a:ext>
                 </a:extLst>
               </a:tr>
-              <a:tr h="551077">
+              <a:tr h="809545">
                 <a:tc>
                   <a:txBody>
                     <a:bodyPr/>
@@ -16962,14 +18238,22 @@
                         </a:spcAft>
                       </a:pPr>
                       <a:r>
-                        <a:rPr lang="en-GB" sz="1200">
+                        <a:rPr lang="en-GB" sz="1400">
+                          <a:solidFill>
+                            <a:schemeClr val="tx1"/>
+                          </a:solidFill>
                           <a:effectLst/>
+                          <a:latin typeface="Times New Roman" panose="02020603050405020304" pitchFamily="18" charset="0"/>
+                          <a:cs typeface="Times New Roman" panose="02020603050405020304" pitchFamily="18" charset="0"/>
                         </a:rPr>
                         <a:t>Beneficiaries Target </a:t>
                       </a:r>
-                      <a:endParaRPr lang="en-US" sz="1100">
+                      <a:endParaRPr lang="en-US" sz="1400">
+                        <a:solidFill>
+                          <a:schemeClr val="tx1"/>
+                        </a:solidFill>
                         <a:effectLst/>
-                        <a:latin typeface="Arial" panose="020B0604020202020204" pitchFamily="34" charset="0"/>
+                        <a:latin typeface="Times New Roman" panose="02020603050405020304" pitchFamily="18" charset="0"/>
                         <a:ea typeface="Times New Roman" panose="02020603050405020304" pitchFamily="18" charset="0"/>
                         <a:cs typeface="Times New Roman" panose="02020603050405020304" pitchFamily="18" charset="0"/>
                       </a:endParaRPr>
@@ -16993,7 +18277,13 @@
                         <a:buAutoNum type="arabicPeriod"/>
                       </a:pPr>
                       <a:r>
-                        <a:rPr lang="en-GB" sz="1100" dirty="0"/>
+                        <a:rPr lang="en-GB" sz="1400" dirty="0">
+                          <a:solidFill>
+                            <a:schemeClr val="tx1"/>
+                          </a:solidFill>
+                          <a:latin typeface="Times New Roman" panose="02020603050405020304" pitchFamily="18" charset="0"/>
+                          <a:cs typeface="Times New Roman" panose="02020603050405020304" pitchFamily="18" charset="0"/>
+                        </a:rPr>
                         <a:t>Owner, tenant and renter</a:t>
                       </a:r>
                     </a:p>
@@ -17009,7 +18299,13 @@
                         <a:buAutoNum type="arabicPeriod"/>
                       </a:pPr>
                       <a:r>
-                        <a:rPr lang="en-GB" sz="1100" dirty="0"/>
+                        <a:rPr lang="en-GB" sz="1400" dirty="0">
+                          <a:solidFill>
+                            <a:schemeClr val="tx1"/>
+                          </a:solidFill>
+                          <a:latin typeface="Times New Roman" panose="02020603050405020304" pitchFamily="18" charset="0"/>
+                          <a:cs typeface="Times New Roman" panose="02020603050405020304" pitchFamily="18" charset="0"/>
+                        </a:rPr>
                         <a:t>Housemaid, guards, security persons and caretakers</a:t>
                       </a:r>
                     </a:p>
@@ -17025,7 +18321,13 @@
                         <a:buAutoNum type="arabicPeriod"/>
                       </a:pPr>
                       <a:r>
-                        <a:rPr lang="en-GB" sz="1100" dirty="0"/>
+                        <a:rPr lang="en-GB" sz="1400" dirty="0">
+                          <a:solidFill>
+                            <a:schemeClr val="tx1"/>
+                          </a:solidFill>
+                          <a:latin typeface="Times New Roman" panose="02020603050405020304" pitchFamily="18" charset="0"/>
+                          <a:cs typeface="Times New Roman" panose="02020603050405020304" pitchFamily="18" charset="0"/>
+                        </a:rPr>
                         <a:t>Office Staff </a:t>
                       </a:r>
                     </a:p>
@@ -17041,12 +18343,21 @@
                         <a:buAutoNum type="arabicPeriod"/>
                       </a:pPr>
                       <a:r>
-                        <a:rPr lang="en-US" sz="1100" dirty="0"/>
+                        <a:rPr lang="en-US" sz="1400" dirty="0">
+                          <a:solidFill>
+                            <a:schemeClr val="tx1"/>
+                          </a:solidFill>
+                          <a:latin typeface="Times New Roman" panose="02020603050405020304" pitchFamily="18" charset="0"/>
+                          <a:cs typeface="Times New Roman" panose="02020603050405020304" pitchFamily="18" charset="0"/>
+                        </a:rPr>
                         <a:t>Students, drivers, mothers and baby sitters or caregivers</a:t>
                       </a:r>
-                      <a:endParaRPr lang="en-US" sz="1100" dirty="0">
+                      <a:endParaRPr lang="en-US" sz="1400" dirty="0">
+                        <a:solidFill>
+                          <a:schemeClr val="tx1"/>
+                        </a:solidFill>
                         <a:effectLst/>
-                        <a:latin typeface="Arial" panose="020B0604020202020204" pitchFamily="34" charset="0"/>
+                        <a:latin typeface="Times New Roman" panose="02020603050405020304" pitchFamily="18" charset="0"/>
                         <a:ea typeface="Times New Roman" panose="02020603050405020304" pitchFamily="18" charset="0"/>
                         <a:cs typeface="Times New Roman" panose="02020603050405020304" pitchFamily="18" charset="0"/>
                       </a:endParaRPr>
@@ -17060,7 +18371,7 @@
                   </a:ext>
                 </a:extLst>
               </a:tr>
-              <a:tr h="183692">
+              <a:tr h="404772">
                 <a:tc>
                   <a:txBody>
                     <a:bodyPr/>
@@ -17075,14 +18386,22 @@
                         </a:spcAft>
                       </a:pPr>
                       <a:r>
-                        <a:rPr lang="en-GB" sz="1200">
+                        <a:rPr lang="en-GB" sz="1400">
+                          <a:solidFill>
+                            <a:schemeClr val="tx1"/>
+                          </a:solidFill>
                           <a:effectLst/>
+                          <a:latin typeface="Times New Roman" panose="02020603050405020304" pitchFamily="18" charset="0"/>
+                          <a:cs typeface="Times New Roman" panose="02020603050405020304" pitchFamily="18" charset="0"/>
                         </a:rPr>
                         <a:t>Project Areas</a:t>
                       </a:r>
-                      <a:endParaRPr lang="en-US" sz="1100">
+                      <a:endParaRPr lang="en-US" sz="1400">
+                        <a:solidFill>
+                          <a:schemeClr val="tx1"/>
+                        </a:solidFill>
                         <a:effectLst/>
-                        <a:latin typeface="Arial" panose="020B0604020202020204" pitchFamily="34" charset="0"/>
+                        <a:latin typeface="Times New Roman" panose="02020603050405020304" pitchFamily="18" charset="0"/>
                         <a:ea typeface="Times New Roman" panose="02020603050405020304" pitchFamily="18" charset="0"/>
                         <a:cs typeface="Times New Roman" panose="02020603050405020304" pitchFamily="18" charset="0"/>
                       </a:endParaRPr>
@@ -17104,26 +18423,44 @@
                         </a:spcAft>
                       </a:pPr>
                       <a:r>
-                        <a:rPr lang="en-GB" sz="1200" dirty="0">
+                        <a:rPr lang="en-GB" sz="1400" dirty="0">
+                          <a:solidFill>
+                            <a:schemeClr val="tx1"/>
+                          </a:solidFill>
                           <a:effectLst/>
+                          <a:latin typeface="Times New Roman" panose="02020603050405020304" pitchFamily="18" charset="0"/>
+                          <a:cs typeface="Times New Roman" panose="02020603050405020304" pitchFamily="18" charset="0"/>
                         </a:rPr>
                         <a:t>10 Important Housing</a:t>
                       </a:r>
                       <a:r>
-                        <a:rPr lang="en-GB" sz="1200" baseline="0" dirty="0">
+                        <a:rPr lang="en-GB" sz="1400" baseline="0" dirty="0">
+                          <a:solidFill>
+                            <a:schemeClr val="tx1"/>
+                          </a:solidFill>
                           <a:effectLst/>
+                          <a:latin typeface="Times New Roman" panose="02020603050405020304" pitchFamily="18" charset="0"/>
+                          <a:cs typeface="Times New Roman" panose="02020603050405020304" pitchFamily="18" charset="0"/>
                         </a:rPr>
                         <a:t> Societies in </a:t>
                       </a:r>
                       <a:r>
-                        <a:rPr lang="en-GB" sz="1200" dirty="0">
+                        <a:rPr lang="en-GB" sz="1400" dirty="0">
+                          <a:solidFill>
+                            <a:schemeClr val="tx1"/>
+                          </a:solidFill>
                           <a:effectLst/>
+                          <a:latin typeface="Times New Roman" panose="02020603050405020304" pitchFamily="18" charset="0"/>
+                          <a:cs typeface="Times New Roman" panose="02020603050405020304" pitchFamily="18" charset="0"/>
                         </a:rPr>
                         <a:t>Dhaka Metropolitan Areas</a:t>
                       </a:r>
-                      <a:endParaRPr lang="en-US" sz="1100" dirty="0">
+                      <a:endParaRPr lang="en-US" sz="1400" dirty="0">
+                        <a:solidFill>
+                          <a:schemeClr val="tx1"/>
+                        </a:solidFill>
                         <a:effectLst/>
-                        <a:latin typeface="Arial" panose="020B0604020202020204" pitchFamily="34" charset="0"/>
+                        <a:latin typeface="Times New Roman" panose="02020603050405020304" pitchFamily="18" charset="0"/>
                         <a:ea typeface="Times New Roman" panose="02020603050405020304" pitchFamily="18" charset="0"/>
                         <a:cs typeface="Times New Roman" panose="02020603050405020304" pitchFamily="18" charset="0"/>
                       </a:endParaRPr>
@@ -17137,7 +18474,7 @@
                   </a:ext>
                 </a:extLst>
               </a:tr>
-              <a:tr h="551077">
+              <a:tr h="215792">
                 <a:tc>
                   <a:txBody>
                     <a:bodyPr/>
@@ -17152,14 +18489,22 @@
                         </a:spcAft>
                       </a:pPr>
                       <a:r>
-                        <a:rPr lang="en-GB" sz="1200">
+                        <a:rPr lang="en-GB" sz="1400">
+                          <a:solidFill>
+                            <a:schemeClr val="tx1"/>
+                          </a:solidFill>
                           <a:effectLst/>
+                          <a:latin typeface="Times New Roman" panose="02020603050405020304" pitchFamily="18" charset="0"/>
+                          <a:cs typeface="Times New Roman" panose="02020603050405020304" pitchFamily="18" charset="0"/>
                         </a:rPr>
                         <a:t>Further Extension of the Project Areas</a:t>
                       </a:r>
-                      <a:endParaRPr lang="en-US" sz="1100">
+                      <a:endParaRPr lang="en-US" sz="1400">
+                        <a:solidFill>
+                          <a:schemeClr val="tx1"/>
+                        </a:solidFill>
                         <a:effectLst/>
-                        <a:latin typeface="Arial" panose="020B0604020202020204" pitchFamily="34" charset="0"/>
+                        <a:latin typeface="Times New Roman" panose="02020603050405020304" pitchFamily="18" charset="0"/>
                         <a:ea typeface="Times New Roman" panose="02020603050405020304" pitchFamily="18" charset="0"/>
                         <a:cs typeface="Times New Roman" panose="02020603050405020304" pitchFamily="18" charset="0"/>
                       </a:endParaRPr>
@@ -17181,14 +18526,22 @@
                         </a:spcAft>
                       </a:pPr>
                       <a:r>
-                        <a:rPr lang="en-GB" sz="1200">
+                        <a:rPr lang="en-GB" sz="1400" dirty="0">
+                          <a:solidFill>
+                            <a:schemeClr val="tx1"/>
+                          </a:solidFill>
                           <a:effectLst/>
+                          <a:latin typeface="Times New Roman" panose="02020603050405020304" pitchFamily="18" charset="0"/>
+                          <a:cs typeface="Times New Roman" panose="02020603050405020304" pitchFamily="18" charset="0"/>
                         </a:rPr>
                         <a:t>All other 7 Metropolitans and City Corporations areas.</a:t>
                       </a:r>
-                      <a:endParaRPr lang="en-US" sz="1100">
+                      <a:endParaRPr lang="en-US" sz="1400" dirty="0">
+                        <a:solidFill>
+                          <a:schemeClr val="tx1"/>
+                        </a:solidFill>
                         <a:effectLst/>
-                        <a:latin typeface="Arial" panose="020B0604020202020204" pitchFamily="34" charset="0"/>
+                        <a:latin typeface="Times New Roman" panose="02020603050405020304" pitchFamily="18" charset="0"/>
                         <a:ea typeface="Times New Roman" panose="02020603050405020304" pitchFamily="18" charset="0"/>
                         <a:cs typeface="Times New Roman" panose="02020603050405020304" pitchFamily="18" charset="0"/>
                       </a:endParaRPr>
@@ -17202,7 +18555,7 @@
                   </a:ext>
                 </a:extLst>
               </a:tr>
-              <a:tr h="551077">
+              <a:tr h="215792">
                 <a:tc>
                   <a:txBody>
                     <a:bodyPr/>
@@ -17217,17 +18570,17 @@
                         </a:spcAft>
                       </a:pPr>
                       <a:r>
-                        <a:rPr lang="en-GB" sz="1200">
+                        <a:rPr lang="en-US" sz="1400" dirty="0">
+                          <a:solidFill>
+                            <a:schemeClr val="tx1"/>
+                          </a:solidFill>
                           <a:effectLst/>
+                          <a:latin typeface="Times New Roman" panose="02020603050405020304" pitchFamily="18" charset="0"/>
+                          <a:ea typeface="Times New Roman" panose="02020603050405020304" pitchFamily="18" charset="0"/>
+                          <a:cs typeface="Times New Roman" panose="02020603050405020304" pitchFamily="18" charset="0"/>
                         </a:rPr>
                         <a:t>Project Procurement Method</a:t>
                       </a:r>
-                      <a:endParaRPr lang="en-US" sz="1100">
-                        <a:effectLst/>
-                        <a:latin typeface="Arial" panose="020B0604020202020204" pitchFamily="34" charset="0"/>
-                        <a:ea typeface="Times New Roman" panose="02020603050405020304" pitchFamily="18" charset="0"/>
-                        <a:cs typeface="Times New Roman" panose="02020603050405020304" pitchFamily="18" charset="0"/>
-                      </a:endParaRPr>
                     </a:p>
                   </a:txBody>
                   <a:tcPr marL="68580" marR="68580" marT="0" marB="0"/>
@@ -17246,24 +18599,24 @@
                         </a:spcAft>
                       </a:pPr>
                       <a:r>
-                        <a:rPr lang="en-GB" sz="1200" dirty="0">
+                        <a:rPr lang="en-US" sz="1400" dirty="0">
+                          <a:solidFill>
+                            <a:schemeClr val="tx1"/>
+                          </a:solidFill>
                           <a:effectLst/>
+                          <a:latin typeface="Times New Roman" panose="02020603050405020304" pitchFamily="18" charset="0"/>
+                          <a:ea typeface="Times New Roman" panose="02020603050405020304" pitchFamily="18" charset="0"/>
+                          <a:cs typeface="Times New Roman" panose="02020603050405020304" pitchFamily="18" charset="0"/>
                         </a:rPr>
-                        <a:t>Procurement Under Direct Procurement Method </a:t>
+                        <a:t>Procurement Under Direct Procurement Method</a:t>
                       </a:r>
-                      <a:endParaRPr lang="en-US" sz="1100" dirty="0">
-                        <a:effectLst/>
-                        <a:latin typeface="Arial" panose="020B0604020202020204" pitchFamily="34" charset="0"/>
-                        <a:ea typeface="Times New Roman" panose="02020603050405020304" pitchFamily="18" charset="0"/>
-                        <a:cs typeface="Times New Roman" panose="02020603050405020304" pitchFamily="18" charset="0"/>
-                      </a:endParaRPr>
                     </a:p>
                   </a:txBody>
                   <a:tcPr marL="68580" marR="68580" marT="0" marB="0"/>
                 </a:tc>
                 <a:extLst>
                   <a:ext uri="{0D108BD9-81ED-4DB2-BD59-A6C34878D82A}">
-                    <a16:rowId xmlns:a16="http://schemas.microsoft.com/office/drawing/2014/main" val="10006"/>
+                    <a16:rowId xmlns:a16="http://schemas.microsoft.com/office/drawing/2014/main" val="2586054196"/>
                   </a:ext>
                 </a:extLst>
               </a:tr>
@@ -17273,40 +18626,41 @@
       </p:graphicFrame>
       <p:sp>
         <p:nvSpPr>
-          <p:cNvPr id="3" name="Rounded Rectangle 2"/>
-          <p:cNvSpPr/>
+          <p:cNvPr id="5" name="TextBox 4">
+            <a:extLst>
+              <a:ext uri="{FF2B5EF4-FFF2-40B4-BE49-F238E27FC236}">
+                <a16:creationId xmlns:a16="http://schemas.microsoft.com/office/drawing/2014/main" id="{35794E17-4E3E-4C8A-B8EE-AA34B873D8FD}"/>
+              </a:ext>
+            </a:extLst>
+          </p:cNvPr>
+          <p:cNvSpPr txBox="1"/>
           <p:nvPr/>
         </p:nvSpPr>
         <p:spPr>
           <a:xfrm>
-            <a:off x="0" y="433880"/>
-            <a:ext cx="3359510" cy="458115"/>
+            <a:off x="448966" y="128470"/>
+            <a:ext cx="3359510" cy="584775"/>
           </a:xfrm>
-          <a:prstGeom prst="roundRect">
+          <a:prstGeom prst="rect">
             <a:avLst/>
           </a:prstGeom>
+          <a:noFill/>
         </p:spPr>
-        <p:style>
-          <a:lnRef idx="2">
-            <a:schemeClr val="accent6"/>
-          </a:lnRef>
-          <a:fillRef idx="1">
-            <a:schemeClr val="lt1"/>
-          </a:fillRef>
-          <a:effectRef idx="0">
-            <a:schemeClr val="accent6"/>
-          </a:effectRef>
-          <a:fontRef idx="minor">
-            <a:schemeClr val="dk1"/>
-          </a:fontRef>
-        </p:style>
         <p:txBody>
-          <a:bodyPr rtlCol="0" anchor="ctr"/>
+          <a:bodyPr wrap="square">
+            <a:spAutoFit/>
+          </a:bodyPr>
           <a:lstStyle/>
           <a:p>
             <a:pPr algn="ctr"/>
             <a:r>
-              <a:rPr lang="en-US" sz="2800" b="1" dirty="0"/>
+              <a:rPr lang="en-US" sz="3200" b="1" dirty="0">
+                <a:solidFill>
+                  <a:schemeClr val="bg1"/>
+                </a:solidFill>
+                <a:latin typeface="Times New Roman" panose="02020603050405020304" pitchFamily="18" charset="0"/>
+                <a:cs typeface="Times New Roman" panose="02020603050405020304" pitchFamily="18" charset="0"/>
+              </a:rPr>
               <a:t>Program Synopsis</a:t>
             </a:r>
           </a:p>
@@ -17352,16 +18706,20 @@
             <p:ph type="title"/>
           </p:nvPr>
         </p:nvSpPr>
-        <p:spPr/>
+        <p:spPr>
+          <a:xfrm>
+            <a:off x="448966" y="128470"/>
+            <a:ext cx="3664920" cy="763525"/>
+          </a:xfrm>
+        </p:spPr>
         <p:txBody>
           <a:bodyPr/>
           <a:lstStyle/>
           <a:p>
             <a:r>
-              <a:rPr lang="en-US" dirty="0">
-                <a:solidFill>
-                  <a:schemeClr val="tx1"/>
-                </a:solidFill>
+              <a:rPr lang="en-US" b="1" dirty="0">
+                <a:latin typeface="Times New Roman" panose="02020603050405020304" pitchFamily="18" charset="0"/>
+                <a:cs typeface="Times New Roman" panose="02020603050405020304" pitchFamily="18" charset="0"/>
               </a:rPr>
               <a:t>Funding Sources</a:t>
             </a:r>
@@ -17378,96 +18736,138 @@
             <p:ph idx="1"/>
           </p:nvPr>
         </p:nvSpPr>
-        <p:spPr/>
+        <p:spPr>
+          <a:xfrm>
+            <a:off x="448965" y="1197405"/>
+            <a:ext cx="8246070" cy="3664917"/>
+          </a:xfrm>
+        </p:spPr>
         <p:txBody>
           <a:bodyPr>
             <a:normAutofit fontScale="70000" lnSpcReduction="20000"/>
           </a:bodyPr>
           <a:lstStyle/>
           <a:p>
-            <a:pPr marL="0" indent="0" algn="ctr">
+            <a:pPr marL="0" indent="0" algn="just">
               <a:buNone/>
             </a:pPr>
             <a:r>
-              <a:rPr lang="en-US" b="1" dirty="0"/>
+              <a:rPr lang="en-US" b="1" dirty="0">
+                <a:latin typeface="Times New Roman" panose="02020603050405020304" pitchFamily="18" charset="0"/>
+                <a:cs typeface="Times New Roman" panose="02020603050405020304" pitchFamily="18" charset="0"/>
+              </a:rPr>
               <a:t>Fund for Project</a:t>
             </a:r>
           </a:p>
           <a:p>
-            <a:pPr marL="0" indent="0" algn="ctr">
+            <a:pPr marL="0" indent="0" algn="just">
               <a:buNone/>
             </a:pPr>
             <a:r>
-              <a:rPr lang="en-US" dirty="0"/>
-              <a:t>Ministry of Home Affairs</a:t>
+              <a:rPr lang="en-US" dirty="0">
+                <a:latin typeface="Times New Roman" panose="02020603050405020304" pitchFamily="18" charset="0"/>
+                <a:cs typeface="Times New Roman" panose="02020603050405020304" pitchFamily="18" charset="0"/>
+              </a:rPr>
+              <a:t>	Ministry of Home Affairs</a:t>
             </a:r>
           </a:p>
           <a:p>
-            <a:pPr marL="0" indent="0" algn="ctr">
+            <a:pPr marL="0" indent="0" algn="just">
               <a:buNone/>
             </a:pPr>
             <a:r>
-              <a:rPr lang="en-US" b="1" dirty="0"/>
+              <a:rPr lang="en-US" b="1" dirty="0">
+                <a:latin typeface="Times New Roman" panose="02020603050405020304" pitchFamily="18" charset="0"/>
+                <a:cs typeface="Times New Roman" panose="02020603050405020304" pitchFamily="18" charset="0"/>
+              </a:rPr>
               <a:t>Executing Department</a:t>
             </a:r>
           </a:p>
           <a:p>
-            <a:pPr marL="0" indent="0" algn="ctr">
+            <a:pPr marL="0" indent="0" algn="just">
               <a:buNone/>
             </a:pPr>
             <a:r>
-              <a:rPr lang="en-US" dirty="0"/>
-              <a:t>Fire Service and Civil Defense Department</a:t>
+              <a:rPr lang="en-US" dirty="0">
+                <a:latin typeface="Times New Roman" panose="02020603050405020304" pitchFamily="18" charset="0"/>
+                <a:cs typeface="Times New Roman" panose="02020603050405020304" pitchFamily="18" charset="0"/>
+              </a:rPr>
+              <a:t>	Fire Service and Civil Defense Department</a:t>
             </a:r>
           </a:p>
           <a:p>
-            <a:pPr marL="0" indent="0" algn="ctr">
+            <a:pPr marL="0" indent="0" algn="just">
               <a:buNone/>
             </a:pPr>
             <a:r>
-              <a:rPr lang="en-US" b="1" dirty="0"/>
+              <a:rPr lang="en-US" b="1" dirty="0">
+                <a:latin typeface="Times New Roman" panose="02020603050405020304" pitchFamily="18" charset="0"/>
+                <a:cs typeface="Times New Roman" panose="02020603050405020304" pitchFamily="18" charset="0"/>
+              </a:rPr>
               <a:t>Implementing Partner</a:t>
             </a:r>
           </a:p>
           <a:p>
-            <a:pPr marL="0" indent="0" algn="ctr">
+            <a:pPr marL="0" indent="0" algn="just">
               <a:buNone/>
             </a:pPr>
             <a:r>
-              <a:rPr lang="en-US" dirty="0"/>
-              <a:t>Sustainable Research and Consultancy Ltd. (SRCL)</a:t>
+              <a:rPr lang="en-US" dirty="0">
+                <a:latin typeface="Times New Roman" panose="02020603050405020304" pitchFamily="18" charset="0"/>
+                <a:cs typeface="Times New Roman" panose="02020603050405020304" pitchFamily="18" charset="0"/>
+              </a:rPr>
+              <a:t>	Sustainable Research and Consultancy Ltd. (SRCL)</a:t>
             </a:r>
           </a:p>
           <a:p>
-            <a:pPr marL="0" indent="0" algn="ctr">
+            <a:pPr marL="0" indent="0" algn="just">
               <a:buNone/>
             </a:pPr>
             <a:r>
-              <a:rPr lang="en-US" b="1" dirty="0"/>
+              <a:rPr lang="en-US" b="1" dirty="0">
+                <a:latin typeface="Times New Roman" panose="02020603050405020304" pitchFamily="18" charset="0"/>
+                <a:cs typeface="Times New Roman" panose="02020603050405020304" pitchFamily="18" charset="0"/>
+              </a:rPr>
               <a:t>Fund for Installation: </a:t>
             </a:r>
           </a:p>
           <a:p>
+            <a:pPr algn="just"/>
             <a:r>
-              <a:rPr lang="en-US" dirty="0"/>
+              <a:rPr lang="en-US" dirty="0">
+                <a:latin typeface="Times New Roman" panose="02020603050405020304" pitchFamily="18" charset="0"/>
+                <a:cs typeface="Times New Roman" panose="02020603050405020304" pitchFamily="18" charset="0"/>
+              </a:rPr>
               <a:t>From Company Owner/Developer/Contractor</a:t>
             </a:r>
           </a:p>
           <a:p>
+            <a:pPr algn="just"/>
             <a:r>
-              <a:rPr lang="en-US" dirty="0"/>
+              <a:rPr lang="en-US" dirty="0">
+                <a:latin typeface="Times New Roman" panose="02020603050405020304" pitchFamily="18" charset="0"/>
+                <a:cs typeface="Times New Roman" panose="02020603050405020304" pitchFamily="18" charset="0"/>
+              </a:rPr>
               <a:t>Bank</a:t>
             </a:r>
           </a:p>
           <a:p>
+            <a:pPr algn="just"/>
             <a:r>
-              <a:rPr lang="en-US" dirty="0"/>
+              <a:rPr lang="en-US" dirty="0">
+                <a:latin typeface="Times New Roman" panose="02020603050405020304" pitchFamily="18" charset="0"/>
+                <a:cs typeface="Times New Roman" panose="02020603050405020304" pitchFamily="18" charset="0"/>
+              </a:rPr>
               <a:t>Building Owner</a:t>
             </a:r>
           </a:p>
           <a:p>
+            <a:pPr algn="just"/>
             <a:r>
-              <a:rPr lang="en-US" dirty="0"/>
+              <a:rPr lang="en-US" dirty="0">
+                <a:latin typeface="Times New Roman" panose="02020603050405020304" pitchFamily="18" charset="0"/>
+                <a:cs typeface="Times New Roman" panose="02020603050405020304" pitchFamily="18" charset="0"/>
+              </a:rPr>
               <a:t>Market/Building Associations</a:t>
             </a:r>
           </a:p>
@@ -18240,25 +19640,6 @@
           <a:chExt cx="0" cy="0"/>
         </a:xfrm>
       </p:grpSpPr>
-      <p:sp>
-        <p:nvSpPr>
-          <p:cNvPr id="2" name="Title 1"/>
-          <p:cNvSpPr>
-            <a:spLocks noGrp="1"/>
-          </p:cNvSpPr>
-          <p:nvPr>
-            <p:ph type="title"/>
-          </p:nvPr>
-        </p:nvSpPr>
-        <p:spPr/>
-        <p:txBody>
-          <a:bodyPr/>
-          <a:lstStyle/>
-          <a:p>
-            <a:endParaRPr lang="en-US"/>
-          </a:p>
-        </p:txBody>
-      </p:sp>
       <p:pic>
         <p:nvPicPr>
           <p:cNvPr id="4" name="Content Placeholder 3"/>
@@ -18425,7 +19806,7 @@
           <a:p>
             <a:pPr algn="ctr"/>
             <a:r>
-              <a:rPr lang="en-US" dirty="0">
+              <a:rPr lang="en-US" b="1" dirty="0">
                 <a:latin typeface="Times New Roman" panose="02020603050405020304" pitchFamily="18" charset="0"/>
                 <a:cs typeface="Times New Roman" panose="02020603050405020304" pitchFamily="18" charset="0"/>
               </a:rPr>
@@ -18500,9 +19881,9 @@
           <p:nvPr/>
         </p:nvSpPr>
         <p:spPr>
-          <a:xfrm>
-            <a:off x="2128720" y="2266340"/>
-            <a:ext cx="3817625" cy="1068935"/>
+          <a:xfrm rot="894237">
+            <a:off x="2586835" y="2189924"/>
+            <a:ext cx="3817625" cy="763526"/>
           </a:xfrm>
           <a:prstGeom prst="rightArrow">
             <a:avLst/>
@@ -18795,7 +20176,7 @@
         </p:nvSpPr>
         <p:spPr>
           <a:xfrm>
-            <a:off x="1212490" y="128470"/>
+            <a:off x="1059785" y="128470"/>
             <a:ext cx="3359510" cy="590550"/>
           </a:xfrm>
         </p:spPr>
@@ -18806,10 +20187,7 @@
           <a:lstStyle/>
           <a:p>
             <a:r>
-              <a:rPr lang="en-US" dirty="0">
-                <a:solidFill>
-                  <a:schemeClr val="tx1"/>
-                </a:solidFill>
+              <a:rPr lang="en-US" b="1" dirty="0">
                 <a:latin typeface="Times New Roman" panose="02020603050405020304" pitchFamily="18" charset="0"/>
                 <a:cs typeface="Times New Roman" panose="02020603050405020304" pitchFamily="18" charset="0"/>
               </a:rPr>
@@ -20462,7 +21840,7 @@
           <a:p>
             <a:pPr algn="ctr"/>
             <a:r>
-              <a:rPr lang="en-US" dirty="0">
+              <a:rPr lang="en-US" b="1" dirty="0">
                 <a:latin typeface="Times New Roman" panose="02020603050405020304" pitchFamily="18" charset="0"/>
                 <a:cs typeface="Times New Roman" panose="02020603050405020304" pitchFamily="18" charset="0"/>
               </a:rPr>
@@ -20483,30 +21861,33 @@
         </p:nvSpPr>
         <p:spPr>
           <a:xfrm>
-            <a:off x="0" y="1096759"/>
-            <a:ext cx="8246070" cy="566399"/>
+            <a:off x="0" y="1096760"/>
+            <a:ext cx="4113885" cy="406056"/>
           </a:xfrm>
         </p:spPr>
         <p:txBody>
           <a:bodyPr/>
           <a:lstStyle/>
           <a:p>
-            <a:pPr marL="0" indent="0">
+            <a:pPr marL="0" indent="0" algn="just">
               <a:buNone/>
             </a:pPr>
             <a:r>
-              <a:rPr lang="en-US" dirty="0"/>
+              <a:rPr lang="en-US" sz="2000" dirty="0">
+                <a:latin typeface="Times New Roman" panose="02020603050405020304" pitchFamily="18" charset="0"/>
+                <a:cs typeface="Times New Roman" panose="02020603050405020304" pitchFamily="18" charset="0"/>
+              </a:rPr>
               <a:t>Our Completed and Ongoing Projects</a:t>
             </a:r>
           </a:p>
           <a:p>
-            <a:pPr marL="0" indent="0">
+            <a:pPr marL="0" indent="0" algn="just">
               <a:buNone/>
             </a:pPr>
             <a:endParaRPr lang="en-US" dirty="0"/>
           </a:p>
           <a:p>
-            <a:pPr marL="0" indent="0">
+            <a:pPr marL="0" indent="0" algn="just">
               <a:buNone/>
             </a:pPr>
             <a:endParaRPr lang="en-US" dirty="0"/>
@@ -20528,13 +21909,13 @@
           <p:nvPr>
             <p:extLst>
               <p:ext uri="{D42A27DB-BD31-4B8C-83A1-F6EECF244321}">
-                <p14:modId xmlns:p14="http://schemas.microsoft.com/office/powerpoint/2010/main" val="1389331565"/>
+                <p14:modId xmlns:p14="http://schemas.microsoft.com/office/powerpoint/2010/main" val="31428808"/>
               </p:ext>
             </p:extLst>
           </p:nvPr>
         </p:nvGraphicFramePr>
         <p:xfrm>
-          <a:off x="143555" y="1562843"/>
+          <a:off x="372613" y="1502816"/>
           <a:ext cx="8398774" cy="3566160"/>
         </p:xfrm>
         <a:graphic>
@@ -20566,14 +21947,18 @@
                   </a:extLst>
                 </a:gridCol>
               </a:tblGrid>
-              <a:tr h="359701">
+              <a:tr h="360227">
                 <a:tc>
                   <a:txBody>
                     <a:bodyPr/>
                     <a:lstStyle/>
                     <a:p>
+                      <a:pPr algn="ctr"/>
                       <a:r>
-                        <a:rPr lang="en-US" dirty="0"/>
+                        <a:rPr lang="en-US" dirty="0">
+                          <a:latin typeface="Times New Roman" panose="02020603050405020304" pitchFamily="18" charset="0"/>
+                          <a:cs typeface="Times New Roman" panose="02020603050405020304" pitchFamily="18" charset="0"/>
+                        </a:rPr>
                         <a:t>Sl. No.</a:t>
                       </a:r>
                     </a:p>
@@ -20585,8 +21970,12 @@
                     <a:bodyPr/>
                     <a:lstStyle/>
                     <a:p>
+                      <a:pPr algn="ctr"/>
                       <a:r>
-                        <a:rPr lang="en-US" dirty="0"/>
+                        <a:rPr lang="en-US" dirty="0">
+                          <a:latin typeface="Times New Roman" panose="02020603050405020304" pitchFamily="18" charset="0"/>
+                          <a:cs typeface="Times New Roman" panose="02020603050405020304" pitchFamily="18" charset="0"/>
+                        </a:rPr>
                         <a:t>Project Name</a:t>
                       </a:r>
                     </a:p>
@@ -20598,8 +21987,12 @@
                     <a:bodyPr/>
                     <a:lstStyle/>
                     <a:p>
+                      <a:pPr algn="ctr"/>
                       <a:r>
-                        <a:rPr lang="en-US" dirty="0"/>
+                        <a:rPr lang="en-US" dirty="0">
+                          <a:latin typeface="Times New Roman" panose="02020603050405020304" pitchFamily="18" charset="0"/>
+                          <a:cs typeface="Times New Roman" panose="02020603050405020304" pitchFamily="18" charset="0"/>
+                        </a:rPr>
                         <a:t>Organization</a:t>
                       </a:r>
                     </a:p>
@@ -20612,7 +22005,7 @@
                   </a:ext>
                 </a:extLst>
               </a:tr>
-              <a:tr h="629477">
+              <a:tr h="630398">
                 <a:tc>
                   <a:txBody>
                     <a:bodyPr/>
@@ -20623,7 +22016,10 @@
                         <a:buNone/>
                       </a:pPr>
                       <a:r>
-                        <a:rPr lang="en-US" dirty="0"/>
+                        <a:rPr lang="en-US" dirty="0">
+                          <a:latin typeface="Times New Roman" panose="02020603050405020304" pitchFamily="18" charset="0"/>
+                          <a:cs typeface="Times New Roman" panose="02020603050405020304" pitchFamily="18" charset="0"/>
+                        </a:rPr>
                         <a:t>1.</a:t>
                       </a:r>
                     </a:p>
@@ -20635,8 +22031,12 @@
                     <a:bodyPr/>
                     <a:lstStyle/>
                     <a:p>
+                      <a:pPr algn="ctr"/>
                       <a:r>
-                        <a:rPr lang="en-US" dirty="0"/>
+                        <a:rPr lang="en-US" dirty="0">
+                          <a:latin typeface="Times New Roman" panose="02020603050405020304" pitchFamily="18" charset="0"/>
+                          <a:cs typeface="Times New Roman" panose="02020603050405020304" pitchFamily="18" charset="0"/>
+                        </a:rPr>
                         <a:t>Basic Fire Safety for Worker &amp; Security Guard in Different Garments Factories</a:t>
                       </a:r>
                     </a:p>
@@ -20648,8 +22048,12 @@
                     <a:bodyPr/>
                     <a:lstStyle/>
                     <a:p>
+                      <a:pPr algn="ctr"/>
                       <a:r>
-                        <a:rPr lang="en-US" dirty="0"/>
+                        <a:rPr lang="en-US" dirty="0">
+                          <a:latin typeface="Times New Roman" panose="02020603050405020304" pitchFamily="18" charset="0"/>
+                          <a:cs typeface="Times New Roman" panose="02020603050405020304" pitchFamily="18" charset="0"/>
+                        </a:rPr>
                         <a:t>Alliance (Presently NIRAPON) </a:t>
                       </a:r>
                     </a:p>
@@ -20662,7 +22066,7 @@
                   </a:ext>
                 </a:extLst>
               </a:tr>
-              <a:tr h="629477">
+              <a:tr h="630398">
                 <a:tc>
                   <a:txBody>
                     <a:bodyPr/>
@@ -20673,7 +22077,10 @@
                         <a:buNone/>
                       </a:pPr>
                       <a:r>
-                        <a:rPr lang="en-US" dirty="0"/>
+                        <a:rPr lang="en-US" dirty="0">
+                          <a:latin typeface="Times New Roman" panose="02020603050405020304" pitchFamily="18" charset="0"/>
+                          <a:cs typeface="Times New Roman" panose="02020603050405020304" pitchFamily="18" charset="0"/>
+                        </a:rPr>
                         <a:t>2.</a:t>
                       </a:r>
                     </a:p>
@@ -20685,8 +22092,12 @@
                     <a:bodyPr/>
                     <a:lstStyle/>
                     <a:p>
+                      <a:pPr algn="ctr"/>
                       <a:r>
-                        <a:rPr lang="en-US" dirty="0"/>
+                        <a:rPr lang="en-US" dirty="0">
+                          <a:latin typeface="Times New Roman" panose="02020603050405020304" pitchFamily="18" charset="0"/>
+                          <a:cs typeface="Times New Roman" panose="02020603050405020304" pitchFamily="18" charset="0"/>
+                        </a:rPr>
                         <a:t>Safety Monitoring Visit (SMV) for Factories</a:t>
                       </a:r>
                     </a:p>
@@ -20698,7 +22109,7 @@
                     <a:bodyPr/>
                     <a:lstStyle/>
                     <a:p>
-                      <a:pPr marL="0" marR="0" lvl="0" indent="0" algn="l" defTabSz="914400" rtl="0" eaLnBrk="1" fontAlgn="auto" latinLnBrk="0" hangingPunct="1">
+                      <a:pPr marL="0" marR="0" lvl="0" indent="0" algn="ctr" defTabSz="914400" rtl="0" eaLnBrk="1" fontAlgn="auto" latinLnBrk="0" hangingPunct="1">
                         <a:lnSpc>
                           <a:spcPct val="100000"/>
                         </a:lnSpc>
@@ -20716,7 +22127,10 @@
                         <a:defRPr/>
                       </a:pPr>
                       <a:r>
-                        <a:rPr lang="en-US" dirty="0"/>
+                        <a:rPr lang="en-US" dirty="0">
+                          <a:latin typeface="Times New Roman" panose="02020603050405020304" pitchFamily="18" charset="0"/>
+                          <a:cs typeface="Times New Roman" panose="02020603050405020304" pitchFamily="18" charset="0"/>
+                        </a:rPr>
                         <a:t>Alliance (Presently NIRAPON) And ACCORD</a:t>
                       </a:r>
                     </a:p>
@@ -20729,7 +22143,7 @@
                   </a:ext>
                 </a:extLst>
               </a:tr>
-              <a:tr h="359701">
+              <a:tr h="360227">
                 <a:tc>
                   <a:txBody>
                     <a:bodyPr/>
@@ -20740,7 +22154,10 @@
                         <a:buNone/>
                       </a:pPr>
                       <a:r>
-                        <a:rPr lang="en-US" dirty="0"/>
+                        <a:rPr lang="en-US" dirty="0">
+                          <a:latin typeface="Times New Roman" panose="02020603050405020304" pitchFamily="18" charset="0"/>
+                          <a:cs typeface="Times New Roman" panose="02020603050405020304" pitchFamily="18" charset="0"/>
+                        </a:rPr>
                         <a:t>3.</a:t>
                       </a:r>
                     </a:p>
@@ -20752,17 +22169,26 @@
                     <a:bodyPr/>
                     <a:lstStyle/>
                     <a:p>
+                      <a:pPr algn="ctr"/>
                       <a:r>
-                        <a:rPr lang="en-US" dirty="0"/>
+                        <a:rPr lang="en-US" dirty="0">
+                          <a:latin typeface="Times New Roman" panose="02020603050405020304" pitchFamily="18" charset="0"/>
+                          <a:cs typeface="Times New Roman" panose="02020603050405020304" pitchFamily="18" charset="0"/>
+                        </a:rPr>
                         <a:t>Building and Fire </a:t>
                       </a:r>
                       <a:r>
                         <a:rPr lang="en-US" sz="1800" kern="1200" dirty="0">
                           <a:effectLst/>
+                          <a:latin typeface="Times New Roman" panose="02020603050405020304" pitchFamily="18" charset="0"/>
+                          <a:cs typeface="Times New Roman" panose="02020603050405020304" pitchFamily="18" charset="0"/>
                         </a:rPr>
                         <a:t>safety assessment</a:t>
                       </a:r>
-                      <a:endParaRPr lang="en-US" dirty="0"/>
+                      <a:endParaRPr lang="en-US" dirty="0">
+                        <a:latin typeface="Times New Roman" panose="02020603050405020304" pitchFamily="18" charset="0"/>
+                        <a:cs typeface="Times New Roman" panose="02020603050405020304" pitchFamily="18" charset="0"/>
+                      </a:endParaRPr>
                     </a:p>
                   </a:txBody>
                   <a:tcPr/>
@@ -20772,8 +22198,12 @@
                     <a:bodyPr/>
                     <a:lstStyle/>
                     <a:p>
+                      <a:pPr algn="ctr"/>
                       <a:r>
-                        <a:rPr lang="en-US" dirty="0"/>
+                        <a:rPr lang="en-US" dirty="0">
+                          <a:latin typeface="Times New Roman" panose="02020603050405020304" pitchFamily="18" charset="0"/>
+                          <a:cs typeface="Times New Roman" panose="02020603050405020304" pitchFamily="18" charset="0"/>
+                        </a:rPr>
                         <a:t>Different Factories</a:t>
                       </a:r>
                     </a:p>
@@ -20786,7 +22216,7 @@
                   </a:ext>
                 </a:extLst>
               </a:tr>
-              <a:tr h="626021">
+              <a:tr h="630398">
                 <a:tc>
                   <a:txBody>
                     <a:bodyPr/>
@@ -20797,7 +22227,10 @@
                         <a:buNone/>
                       </a:pPr>
                       <a:r>
-                        <a:rPr lang="en-US" dirty="0"/>
+                        <a:rPr lang="en-US" dirty="0">
+                          <a:latin typeface="Times New Roman" panose="02020603050405020304" pitchFamily="18" charset="0"/>
+                          <a:cs typeface="Times New Roman" panose="02020603050405020304" pitchFamily="18" charset="0"/>
+                        </a:rPr>
                         <a:t>4.</a:t>
                       </a:r>
                     </a:p>
@@ -20809,8 +22242,12 @@
                     <a:bodyPr/>
                     <a:lstStyle/>
                     <a:p>
+                      <a:pPr algn="ctr"/>
                       <a:r>
-                        <a:rPr lang="en-US" dirty="0"/>
+                        <a:rPr lang="en-US" dirty="0">
+                          <a:latin typeface="Times New Roman" panose="02020603050405020304" pitchFamily="18" charset="0"/>
+                          <a:cs typeface="Times New Roman" panose="02020603050405020304" pitchFamily="18" charset="0"/>
+                        </a:rPr>
                         <a:t>Supply Installation, Testing and Commissioning of Fire Instruments</a:t>
                       </a:r>
                     </a:p>
@@ -20822,8 +22259,12 @@
                     <a:bodyPr/>
                     <a:lstStyle/>
                     <a:p>
+                      <a:pPr algn="ctr"/>
                       <a:r>
-                        <a:rPr lang="en-US" dirty="0"/>
+                        <a:rPr lang="en-US" dirty="0">
+                          <a:latin typeface="Times New Roman" panose="02020603050405020304" pitchFamily="18" charset="0"/>
+                          <a:cs typeface="Times New Roman" panose="02020603050405020304" pitchFamily="18" charset="0"/>
+                        </a:rPr>
                         <a:t>Different Universities, Market Places and factories</a:t>
                       </a:r>
                     </a:p>
@@ -20836,7 +22277,7 @@
                   </a:ext>
                 </a:extLst>
               </a:tr>
-              <a:tr h="899253">
+              <a:tr h="900567">
                 <a:tc>
                   <a:txBody>
                     <a:bodyPr/>
@@ -20847,7 +22288,10 @@
                         <a:buNone/>
                       </a:pPr>
                       <a:r>
-                        <a:rPr lang="en-US" dirty="0"/>
+                        <a:rPr lang="en-US" dirty="0">
+                          <a:latin typeface="Times New Roman" panose="02020603050405020304" pitchFamily="18" charset="0"/>
+                          <a:cs typeface="Times New Roman" panose="02020603050405020304" pitchFamily="18" charset="0"/>
+                        </a:rPr>
                         <a:t>5.</a:t>
                       </a:r>
                     </a:p>
@@ -20859,8 +22303,12 @@
                     <a:bodyPr/>
                     <a:lstStyle/>
                     <a:p>
+                      <a:pPr algn="ctr"/>
                       <a:r>
-                        <a:rPr lang="en-US" dirty="0"/>
+                        <a:rPr lang="en-US" dirty="0">
+                          <a:latin typeface="Times New Roman" panose="02020603050405020304" pitchFamily="18" charset="0"/>
+                          <a:cs typeface="Times New Roman" panose="02020603050405020304" pitchFamily="18" charset="0"/>
+                        </a:rPr>
                         <a:t>Mid level management training for fire safety and alarming system (Workshop and training)</a:t>
                       </a:r>
                     </a:p>
@@ -20872,8 +22320,12 @@
                     <a:bodyPr/>
                     <a:lstStyle/>
                     <a:p>
+                      <a:pPr algn="ctr"/>
                       <a:r>
-                        <a:rPr lang="en-US" dirty="0"/>
+                        <a:rPr lang="en-US" dirty="0">
+                          <a:latin typeface="Times New Roman" panose="02020603050405020304" pitchFamily="18" charset="0"/>
+                          <a:cs typeface="Times New Roman" panose="02020603050405020304" pitchFamily="18" charset="0"/>
+                        </a:rPr>
                         <a:t>Different Factory Management and University Students</a:t>
                       </a:r>
                     </a:p>
@@ -20927,7 +22379,7 @@
           <p:nvPr>
             <p:extLst>
               <p:ext uri="{D42A27DB-BD31-4B8C-83A1-F6EECF244321}">
-                <p14:modId xmlns:p14="http://schemas.microsoft.com/office/powerpoint/2010/main" val="877605392"/>
+                <p14:modId xmlns:p14="http://schemas.microsoft.com/office/powerpoint/2010/main" val="3095268946"/>
               </p:ext>
             </p:extLst>
           </p:nvPr>
@@ -21108,43 +22560,6 @@
       </p:grpSpPr>
       <p:sp>
         <p:nvSpPr>
-          <p:cNvPr id="2" name="Title 1">
-            <a:extLst>
-              <a:ext uri="{FF2B5EF4-FFF2-40B4-BE49-F238E27FC236}">
-                <a16:creationId xmlns:a16="http://schemas.microsoft.com/office/drawing/2014/main" id="{84A25E2E-D486-42BA-9D47-03576EF23510}"/>
-              </a:ext>
-            </a:extLst>
-          </p:cNvPr>
-          <p:cNvSpPr>
-            <a:spLocks noGrp="1"/>
-          </p:cNvSpPr>
-          <p:nvPr>
-            <p:ph type="title"/>
-          </p:nvPr>
-        </p:nvSpPr>
-        <p:spPr>
-          <a:xfrm>
-            <a:off x="0" y="0"/>
-            <a:ext cx="8229600" cy="857250"/>
-          </a:xfrm>
-          <a:solidFill>
-            <a:schemeClr val="bg1"/>
-          </a:solidFill>
-        </p:spPr>
-        <p:txBody>
-          <a:bodyPr/>
-          <a:lstStyle/>
-          <a:p>
-            <a:pPr algn="l"/>
-            <a:r>
-              <a:rPr lang="en-US" dirty="0"/>
-              <a:t>Target Arena</a:t>
-            </a:r>
-          </a:p>
-        </p:txBody>
-      </p:sp>
-      <p:sp>
-        <p:nvSpPr>
           <p:cNvPr id="3" name="Content Placeholder 2">
             <a:extLst>
               <a:ext uri="{FF2B5EF4-FFF2-40B4-BE49-F238E27FC236}">
@@ -21166,99 +22581,132 @@
           </a:bodyPr>
           <a:lstStyle/>
           <a:p>
-            <a:pPr marL="0" indent="0" algn="ctr">
+            <a:pPr marL="0" indent="0" algn="just">
               <a:buNone/>
             </a:pPr>
             <a:r>
-              <a:rPr lang="en-US" b="1" dirty="0"/>
+              <a:rPr lang="en-US" b="1" dirty="0">
+                <a:latin typeface="Times New Roman" panose="02020603050405020304" pitchFamily="18" charset="0"/>
+                <a:cs typeface="Times New Roman" panose="02020603050405020304" pitchFamily="18" charset="0"/>
+              </a:rPr>
               <a:t>Housing Societies</a:t>
             </a:r>
           </a:p>
           <a:p>
-            <a:pPr marL="514350" indent="-514350">
+            <a:pPr marL="514350" indent="-514350" algn="just">
               <a:buFont typeface="+mj-lt"/>
               <a:buAutoNum type="arabicPeriod"/>
             </a:pPr>
             <a:r>
-              <a:rPr lang="en-US" dirty="0"/>
+              <a:rPr lang="en-US" dirty="0">
+                <a:latin typeface="Times New Roman" panose="02020603050405020304" pitchFamily="18" charset="0"/>
+                <a:cs typeface="Times New Roman" panose="02020603050405020304" pitchFamily="18" charset="0"/>
+              </a:rPr>
               <a:t>Gulshan Societies</a:t>
             </a:r>
           </a:p>
           <a:p>
-            <a:pPr marL="514350" indent="-514350">
+            <a:pPr marL="514350" indent="-514350" algn="just">
               <a:buFont typeface="+mj-lt"/>
               <a:buAutoNum type="arabicPeriod"/>
             </a:pPr>
             <a:r>
-              <a:rPr lang="en-US" dirty="0"/>
+              <a:rPr lang="en-US" dirty="0">
+                <a:latin typeface="Times New Roman" panose="02020603050405020304" pitchFamily="18" charset="0"/>
+                <a:cs typeface="Times New Roman" panose="02020603050405020304" pitchFamily="18" charset="0"/>
+              </a:rPr>
               <a:t>Banani Societies</a:t>
             </a:r>
           </a:p>
           <a:p>
-            <a:pPr marL="514350" indent="-514350">
+            <a:pPr marL="514350" indent="-514350" algn="just">
               <a:buFont typeface="+mj-lt"/>
               <a:buAutoNum type="arabicPeriod"/>
             </a:pPr>
             <a:r>
-              <a:rPr lang="en-US" dirty="0"/>
+              <a:rPr lang="en-US" dirty="0">
+                <a:latin typeface="Times New Roman" panose="02020603050405020304" pitchFamily="18" charset="0"/>
+                <a:cs typeface="Times New Roman" panose="02020603050405020304" pitchFamily="18" charset="0"/>
+              </a:rPr>
               <a:t>Baridhara Societies</a:t>
             </a:r>
           </a:p>
           <a:p>
-            <a:pPr marL="514350" indent="-514350">
+            <a:pPr marL="514350" indent="-514350" algn="just">
               <a:buFont typeface="+mj-lt"/>
               <a:buAutoNum type="arabicPeriod"/>
             </a:pPr>
             <a:r>
-              <a:rPr lang="en-US" dirty="0"/>
+              <a:rPr lang="en-US" dirty="0">
+                <a:latin typeface="Times New Roman" panose="02020603050405020304" pitchFamily="18" charset="0"/>
+                <a:cs typeface="Times New Roman" panose="02020603050405020304" pitchFamily="18" charset="0"/>
+              </a:rPr>
               <a:t>Dhanmondi Societies</a:t>
             </a:r>
           </a:p>
           <a:p>
-            <a:pPr marL="514350" indent="-514350">
+            <a:pPr marL="514350" indent="-514350" algn="just">
               <a:buFont typeface="+mj-lt"/>
               <a:buAutoNum type="arabicPeriod"/>
             </a:pPr>
             <a:r>
-              <a:rPr lang="en-US" dirty="0"/>
+              <a:rPr lang="en-US" dirty="0">
+                <a:latin typeface="Times New Roman" panose="02020603050405020304" pitchFamily="18" charset="0"/>
+                <a:cs typeface="Times New Roman" panose="02020603050405020304" pitchFamily="18" charset="0"/>
+              </a:rPr>
               <a:t>Govt. Officers Societies (Baily Road)</a:t>
             </a:r>
           </a:p>
           <a:p>
-            <a:pPr marL="514350" indent="-514350">
+            <a:pPr marL="514350" indent="-514350" algn="just">
               <a:buFont typeface="+mj-lt"/>
               <a:buAutoNum type="arabicPeriod"/>
             </a:pPr>
             <a:r>
-              <a:rPr lang="en-US" dirty="0" err="1"/>
+              <a:rPr lang="en-US" dirty="0" err="1">
+                <a:latin typeface="Times New Roman" panose="02020603050405020304" pitchFamily="18" charset="0"/>
+                <a:cs typeface="Times New Roman" panose="02020603050405020304" pitchFamily="18" charset="0"/>
+              </a:rPr>
               <a:t>Uttora</a:t>
             </a:r>
             <a:r>
-              <a:rPr lang="en-US" dirty="0"/>
+              <a:rPr lang="en-US" dirty="0">
+                <a:latin typeface="Times New Roman" panose="02020603050405020304" pitchFamily="18" charset="0"/>
+                <a:cs typeface="Times New Roman" panose="02020603050405020304" pitchFamily="18" charset="0"/>
+              </a:rPr>
               <a:t> Societies </a:t>
             </a:r>
           </a:p>
           <a:p>
-            <a:pPr marL="514350" indent="-514350">
+            <a:pPr marL="514350" indent="-514350" algn="just">
               <a:buFont typeface="+mj-lt"/>
               <a:buAutoNum type="arabicPeriod"/>
             </a:pPr>
             <a:r>
-              <a:rPr lang="en-US" dirty="0" err="1"/>
+              <a:rPr lang="en-US" dirty="0" err="1">
+                <a:latin typeface="Times New Roman" panose="02020603050405020304" pitchFamily="18" charset="0"/>
+                <a:cs typeface="Times New Roman" panose="02020603050405020304" pitchFamily="18" charset="0"/>
+              </a:rPr>
               <a:t>Niketon</a:t>
             </a:r>
             <a:r>
-              <a:rPr lang="en-US" dirty="0"/>
+              <a:rPr lang="en-US" dirty="0">
+                <a:latin typeface="Times New Roman" panose="02020603050405020304" pitchFamily="18" charset="0"/>
+                <a:cs typeface="Times New Roman" panose="02020603050405020304" pitchFamily="18" charset="0"/>
+              </a:rPr>
               <a:t> Societies and </a:t>
             </a:r>
           </a:p>
           <a:p>
-            <a:pPr marL="514350" indent="-514350">
+            <a:pPr marL="514350" indent="-514350" algn="just">
               <a:buFont typeface="+mj-lt"/>
               <a:buAutoNum type="arabicPeriod"/>
             </a:pPr>
             <a:r>
-              <a:rPr lang="en-US" dirty="0"/>
+              <a:rPr lang="en-US" dirty="0">
+                <a:latin typeface="Times New Roman" panose="02020603050405020304" pitchFamily="18" charset="0"/>
+                <a:cs typeface="Times New Roman" panose="02020603050405020304" pitchFamily="18" charset="0"/>
+              </a:rPr>
               <a:t>Other Housing Societies around Dhaka City</a:t>
             </a:r>
           </a:p>
@@ -21280,7 +22728,12 @@
             <p:ph sz="half" idx="2"/>
           </p:nvPr>
         </p:nvSpPr>
-        <p:spPr/>
+        <p:spPr>
+          <a:xfrm>
+            <a:off x="4648200" y="1200151"/>
+            <a:ext cx="3894130" cy="3394472"/>
+          </a:xfrm>
+        </p:spPr>
         <p:txBody>
           <a:bodyPr>
             <a:normAutofit fontScale="70000" lnSpcReduction="20000"/>
@@ -21291,7 +22744,10 @@
               <a:buNone/>
             </a:pPr>
             <a:r>
-              <a:rPr lang="en-US" b="1" dirty="0"/>
+              <a:rPr lang="en-US" b="1" dirty="0">
+                <a:latin typeface="Times New Roman" panose="02020603050405020304" pitchFamily="18" charset="0"/>
+                <a:cs typeface="Times New Roman" panose="02020603050405020304" pitchFamily="18" charset="0"/>
+              </a:rPr>
               <a:t>Corporate Building</a:t>
             </a:r>
           </a:p>
@@ -21301,7 +22757,10 @@
               <a:buAutoNum type="arabicPeriod"/>
             </a:pPr>
             <a:r>
-              <a:rPr lang="en-US" dirty="0"/>
+              <a:rPr lang="en-US" dirty="0">
+                <a:latin typeface="Times New Roman" panose="02020603050405020304" pitchFamily="18" charset="0"/>
+                <a:cs typeface="Times New Roman" panose="02020603050405020304" pitchFamily="18" charset="0"/>
+              </a:rPr>
               <a:t>DCC markets</a:t>
             </a:r>
           </a:p>
@@ -21311,7 +22770,10 @@
               <a:buAutoNum type="arabicPeriod"/>
             </a:pPr>
             <a:r>
-              <a:rPr lang="en-US" dirty="0"/>
+              <a:rPr lang="en-US" dirty="0">
+                <a:latin typeface="Times New Roman" panose="02020603050405020304" pitchFamily="18" charset="0"/>
+                <a:cs typeface="Times New Roman" panose="02020603050405020304" pitchFamily="18" charset="0"/>
+              </a:rPr>
               <a:t>Corporate Buildings &gt;10 floor</a:t>
             </a:r>
           </a:p>
@@ -21321,7 +22783,10 @@
               <a:buAutoNum type="arabicPeriod"/>
             </a:pPr>
             <a:r>
-              <a:rPr lang="en-US" dirty="0"/>
+              <a:rPr lang="en-US" dirty="0">
+                <a:latin typeface="Times New Roman" panose="02020603050405020304" pitchFamily="18" charset="0"/>
+                <a:cs typeface="Times New Roman" panose="02020603050405020304" pitchFamily="18" charset="0"/>
+              </a:rPr>
               <a:t>Institutions</a:t>
             </a:r>
           </a:p>
@@ -21331,8 +22796,52 @@
               <a:buAutoNum type="arabicPeriod"/>
             </a:pPr>
             <a:r>
-              <a:rPr lang="en-US" dirty="0"/>
+              <a:rPr lang="en-US" dirty="0">
+                <a:latin typeface="Times New Roman" panose="02020603050405020304" pitchFamily="18" charset="0"/>
+                <a:cs typeface="Times New Roman" panose="02020603050405020304" pitchFamily="18" charset="0"/>
+              </a:rPr>
               <a:t>Different Clubs </a:t>
+            </a:r>
+          </a:p>
+        </p:txBody>
+      </p:sp>
+      <p:sp>
+        <p:nvSpPr>
+          <p:cNvPr id="9" name="Title 8">
+            <a:extLst>
+              <a:ext uri="{FF2B5EF4-FFF2-40B4-BE49-F238E27FC236}">
+                <a16:creationId xmlns:a16="http://schemas.microsoft.com/office/drawing/2014/main" id="{989B0BDF-EF33-43E0-B31A-FC8F87661900}"/>
+              </a:ext>
+            </a:extLst>
+          </p:cNvPr>
+          <p:cNvSpPr>
+            <a:spLocks noGrp="1"/>
+          </p:cNvSpPr>
+          <p:nvPr>
+            <p:ph type="title"/>
+          </p:nvPr>
+        </p:nvSpPr>
+        <p:spPr>
+          <a:xfrm>
+            <a:off x="457200" y="109942"/>
+            <a:ext cx="3656685" cy="782053"/>
+          </a:xfrm>
+        </p:spPr>
+        <p:txBody>
+          <a:bodyPr>
+            <a:normAutofit/>
+          </a:bodyPr>
+          <a:lstStyle/>
+          <a:p>
+            <a:r>
+              <a:rPr lang="en-US" b="1" dirty="0">
+                <a:solidFill>
+                  <a:schemeClr val="bg1"/>
+                </a:solidFill>
+                <a:latin typeface="Times New Roman" panose="02020603050405020304" pitchFamily="18" charset="0"/>
+                <a:cs typeface="Times New Roman" panose="02020603050405020304" pitchFamily="18" charset="0"/>
+              </a:rPr>
+              <a:t>Target Arena</a:t>
             </a:r>
           </a:p>
         </p:txBody>
